--- a/BikeActivity.pptx
+++ b/BikeActivity.pptx
@@ -10,6 +10,9 @@
     <p:sldId id="259" r:id="rId4"/>
     <p:sldId id="261" r:id="rId5"/>
     <p:sldId id="260" r:id="rId6"/>
+    <p:sldId id="263" r:id="rId7"/>
+    <p:sldId id="264" r:id="rId8"/>
+    <p:sldId id="262" r:id="rId9"/>
   </p:sldIdLst>
   <p:sldSz cx="12192000" cy="6858000"/>
   <p:notesSz cx="6858000" cy="9144000"/>
@@ -6377,6 +6380,2504 @@
 </p:sld>
 </file>
 
+<file path=ppt/slides/slide6.xml><?xml version="1.0" encoding="utf-8"?>
+<p:sld xmlns:a="http://schemas.openxmlformats.org/drawingml/2006/main" xmlns:r="http://schemas.openxmlformats.org/officeDocument/2006/relationships" xmlns:p="http://schemas.openxmlformats.org/presentationml/2006/main">
+  <p:cSld>
+    <p:bg>
+      <p:bgPr>
+        <a:solidFill>
+          <a:schemeClr val="bg1"/>
+        </a:solidFill>
+        <a:effectLst/>
+      </p:bgPr>
+    </p:bg>
+    <p:spTree>
+      <p:nvGrpSpPr>
+        <p:cNvPr id="1" name=""/>
+        <p:cNvGrpSpPr/>
+        <p:nvPr/>
+      </p:nvGrpSpPr>
+      <p:grpSpPr>
+        <a:xfrm>
+          <a:off x="0" y="0"/>
+          <a:ext cx="0" cy="0"/>
+          <a:chOff x="0" y="0"/>
+          <a:chExt cx="0" cy="0"/>
+        </a:xfrm>
+      </p:grpSpPr>
+      <p:sp useBgFill="1">
+        <p:nvSpPr>
+          <p:cNvPr id="8" name="Rectangle 7">
+            <a:extLst>
+              <a:ext uri="{FF2B5EF4-FFF2-40B4-BE49-F238E27FC236}">
+                <a16:creationId xmlns:a16="http://schemas.microsoft.com/office/drawing/2014/main" id="{1B15ED52-F352-441B-82BF-E0EA34836D08}"/>
+              </a:ext>
+              <a:ext uri="{C183D7F6-B498-43B3-948B-1728B52AA6E4}">
+                <adec:decorative xmlns:adec="http://schemas.microsoft.com/office/drawing/2017/decorative" val="1"/>
+              </a:ext>
+            </a:extLst>
+          </p:cNvPr>
+          <p:cNvSpPr>
+            <a:spLocks noGrp="1" noRot="1" noChangeAspect="1" noMove="1" noResize="1" noEditPoints="1" noAdjustHandles="1" noChangeArrowheads="1" noChangeShapeType="1" noTextEdit="1"/>
+          </p:cNvSpPr>
+          <p:nvPr>
+            <p:extLst>
+              <p:ext uri="{386F3935-93C4-4BCD-93E2-E3B085C9AB24}">
+                <p16:designElem xmlns:p16="http://schemas.microsoft.com/office/powerpoint/2015/main" val="1"/>
+              </p:ext>
+            </p:extLst>
+          </p:nvPr>
+        </p:nvSpPr>
+        <p:spPr>
+          <a:xfrm>
+            <a:off x="0" y="0"/>
+            <a:ext cx="12192000" cy="6858000"/>
+          </a:xfrm>
+          <a:prstGeom prst="rect">
+            <a:avLst/>
+          </a:prstGeom>
+          <a:ln w="12700" cap="flat" cmpd="sng" algn="ctr">
+            <a:noFill/>
+            <a:prstDash val="solid"/>
+            <a:miter lim="800000"/>
+          </a:ln>
+          <a:effectLst/>
+          <a:extLst>
+            <a:ext uri="{91240B29-F687-4F45-9708-019B960494DF}">
+              <a14:hiddenLine xmlns:a14="http://schemas.microsoft.com/office/drawing/2010/main" w="12700" cap="flat" cmpd="sng" algn="ctr">
+                <a:solidFill>
+                  <a:schemeClr val="accent1">
+                    <a:shade val="50000"/>
+                  </a:schemeClr>
+                </a:solidFill>
+                <a:prstDash val="solid"/>
+                <a:miter lim="800000"/>
+              </a14:hiddenLine>
+            </a:ext>
+          </a:extLst>
+        </p:spPr>
+        <p:style>
+          <a:lnRef idx="2">
+            <a:schemeClr val="accent1">
+              <a:shade val="50000"/>
+            </a:schemeClr>
+          </a:lnRef>
+          <a:fillRef idx="1">
+            <a:schemeClr val="accent1"/>
+          </a:fillRef>
+          <a:effectRef idx="0">
+            <a:schemeClr val="accent1"/>
+          </a:effectRef>
+          <a:fontRef idx="minor">
+            <a:schemeClr val="lt1"/>
+          </a:fontRef>
+        </p:style>
+        <p:txBody>
+          <a:bodyPr rtlCol="0" anchor="ctr"/>
+          <a:lstStyle/>
+          <a:p>
+            <a:pPr algn="ctr"/>
+            <a:endParaRPr lang="en-US"/>
+          </a:p>
+        </p:txBody>
+      </p:sp>
+      <p:sp>
+        <p:nvSpPr>
+          <p:cNvPr id="10" name="Rectangle 9">
+            <a:extLst>
+              <a:ext uri="{FF2B5EF4-FFF2-40B4-BE49-F238E27FC236}">
+                <a16:creationId xmlns:a16="http://schemas.microsoft.com/office/drawing/2014/main" id="{3B2E3793-BFE6-45A2-9B7B-E18844431C99}"/>
+              </a:ext>
+              <a:ext uri="{C183D7F6-B498-43B3-948B-1728B52AA6E4}">
+                <adec:decorative xmlns:adec="http://schemas.microsoft.com/office/drawing/2017/decorative" val="1"/>
+              </a:ext>
+            </a:extLst>
+          </p:cNvPr>
+          <p:cNvSpPr>
+            <a:spLocks noGrp="1" noRot="1" noChangeAspect="1" noMove="1" noResize="1" noEditPoints="1" noAdjustHandles="1" noChangeArrowheads="1" noChangeShapeType="1" noTextEdit="1"/>
+          </p:cNvSpPr>
+          <p:nvPr>
+            <p:extLst>
+              <p:ext uri="{386F3935-93C4-4BCD-93E2-E3B085C9AB24}">
+                <p16:designElem xmlns:p16="http://schemas.microsoft.com/office/powerpoint/2015/main" val="1"/>
+              </p:ext>
+            </p:extLst>
+          </p:nvPr>
+        </p:nvSpPr>
+        <p:spPr>
+          <a:xfrm flipH="1">
+            <a:off x="-1" y="-1"/>
+            <a:ext cx="12191998" cy="1590742"/>
+          </a:xfrm>
+          <a:prstGeom prst="rect">
+            <a:avLst/>
+          </a:prstGeom>
+          <a:gradFill>
+            <a:gsLst>
+              <a:gs pos="0">
+                <a:srgbClr val="000000"/>
+              </a:gs>
+              <a:gs pos="100000">
+                <a:schemeClr val="accent1">
+                  <a:lumMod val="75000"/>
+                </a:schemeClr>
+              </a:gs>
+            </a:gsLst>
+            <a:lin ang="8400000" scaled="0"/>
+          </a:gradFill>
+          <a:ln>
+            <a:noFill/>
+          </a:ln>
+        </p:spPr>
+        <p:style>
+          <a:lnRef idx="2">
+            <a:schemeClr val="accent1">
+              <a:shade val="50000"/>
+            </a:schemeClr>
+          </a:lnRef>
+          <a:fillRef idx="1">
+            <a:schemeClr val="accent1"/>
+          </a:fillRef>
+          <a:effectRef idx="0">
+            <a:schemeClr val="accent1"/>
+          </a:effectRef>
+          <a:fontRef idx="minor">
+            <a:schemeClr val="lt1"/>
+          </a:fontRef>
+        </p:style>
+        <p:txBody>
+          <a:bodyPr rtlCol="0" anchor="ctr"/>
+          <a:lstStyle/>
+          <a:p>
+            <a:pPr algn="ctr"/>
+            <a:endParaRPr lang="en-US"/>
+          </a:p>
+        </p:txBody>
+      </p:sp>
+      <p:sp>
+        <p:nvSpPr>
+          <p:cNvPr id="12" name="Rectangle 11">
+            <a:extLst>
+              <a:ext uri="{FF2B5EF4-FFF2-40B4-BE49-F238E27FC236}">
+                <a16:creationId xmlns:a16="http://schemas.microsoft.com/office/drawing/2014/main" id="{BC4C4868-CB8F-4AF9-9CDB-8108F2C19B67}"/>
+              </a:ext>
+              <a:ext uri="{C183D7F6-B498-43B3-948B-1728B52AA6E4}">
+                <adec:decorative xmlns:adec="http://schemas.microsoft.com/office/drawing/2017/decorative" val="1"/>
+              </a:ext>
+            </a:extLst>
+          </p:cNvPr>
+          <p:cNvSpPr>
+            <a:spLocks noGrp="1" noRot="1" noChangeAspect="1" noMove="1" noResize="1" noEditPoints="1" noAdjustHandles="1" noChangeArrowheads="1" noChangeShapeType="1" noTextEdit="1"/>
+          </p:cNvSpPr>
+          <p:nvPr>
+            <p:extLst>
+              <p:ext uri="{386F3935-93C4-4BCD-93E2-E3B085C9AB24}">
+                <p16:designElem xmlns:p16="http://schemas.microsoft.com/office/powerpoint/2015/main" val="1"/>
+              </p:ext>
+            </p:extLst>
+          </p:nvPr>
+        </p:nvSpPr>
+        <p:spPr>
+          <a:xfrm rot="10800000" flipH="1">
+            <a:off x="-3" y="0"/>
+            <a:ext cx="8115306" cy="1590742"/>
+          </a:xfrm>
+          <a:prstGeom prst="rect">
+            <a:avLst/>
+          </a:prstGeom>
+          <a:gradFill>
+            <a:gsLst>
+              <a:gs pos="20000">
+                <a:schemeClr val="accent1">
+                  <a:alpha val="0"/>
+                </a:schemeClr>
+              </a:gs>
+              <a:gs pos="100000">
+                <a:schemeClr val="accent1">
+                  <a:lumMod val="50000"/>
+                  <a:alpha val="55000"/>
+                </a:schemeClr>
+              </a:gs>
+            </a:gsLst>
+            <a:lin ang="13800000" scaled="0"/>
+          </a:gradFill>
+          <a:ln>
+            <a:noFill/>
+          </a:ln>
+        </p:spPr>
+        <p:style>
+          <a:lnRef idx="2">
+            <a:schemeClr val="accent1">
+              <a:shade val="50000"/>
+            </a:schemeClr>
+          </a:lnRef>
+          <a:fillRef idx="1">
+            <a:schemeClr val="accent1"/>
+          </a:fillRef>
+          <a:effectRef idx="0">
+            <a:schemeClr val="accent1"/>
+          </a:effectRef>
+          <a:fontRef idx="minor">
+            <a:schemeClr val="lt1"/>
+          </a:fontRef>
+        </p:style>
+        <p:txBody>
+          <a:bodyPr rtlCol="0" anchor="ctr"/>
+          <a:lstStyle/>
+          <a:p>
+            <a:pPr algn="ctr"/>
+            <a:endParaRPr lang="en-US"/>
+          </a:p>
+        </p:txBody>
+      </p:sp>
+      <p:sp>
+        <p:nvSpPr>
+          <p:cNvPr id="14" name="Rectangle 13">
+            <a:extLst>
+              <a:ext uri="{FF2B5EF4-FFF2-40B4-BE49-F238E27FC236}">
+                <a16:creationId xmlns:a16="http://schemas.microsoft.com/office/drawing/2014/main" id="{375E0459-6403-40CD-989D-56A4407CA12E}"/>
+              </a:ext>
+              <a:ext uri="{C183D7F6-B498-43B3-948B-1728B52AA6E4}">
+                <adec:decorative xmlns:adec="http://schemas.microsoft.com/office/drawing/2017/decorative" val="1"/>
+              </a:ext>
+            </a:extLst>
+          </p:cNvPr>
+          <p:cNvSpPr>
+            <a:spLocks noGrp="1" noRot="1" noChangeAspect="1" noMove="1" noResize="1" noEditPoints="1" noAdjustHandles="1" noChangeArrowheads="1" noChangeShapeType="1" noTextEdit="1"/>
+          </p:cNvSpPr>
+          <p:nvPr>
+            <p:extLst>
+              <p:ext uri="{386F3935-93C4-4BCD-93E2-E3B085C9AB24}">
+                <p16:designElem xmlns:p16="http://schemas.microsoft.com/office/powerpoint/2015/main" val="1"/>
+              </p:ext>
+            </p:extLst>
+          </p:nvPr>
+        </p:nvSpPr>
+        <p:spPr>
+          <a:xfrm flipH="1">
+            <a:off x="8115299" y="-1"/>
+            <a:ext cx="4076698" cy="1590742"/>
+          </a:xfrm>
+          <a:prstGeom prst="rect">
+            <a:avLst/>
+          </a:prstGeom>
+          <a:gradFill>
+            <a:gsLst>
+              <a:gs pos="0">
+                <a:schemeClr val="accent1">
+                  <a:alpha val="66000"/>
+                </a:schemeClr>
+              </a:gs>
+              <a:gs pos="100000">
+                <a:srgbClr val="000000">
+                  <a:alpha val="30000"/>
+                </a:srgbClr>
+              </a:gs>
+            </a:gsLst>
+            <a:lin ang="13200000" scaled="0"/>
+          </a:gradFill>
+          <a:ln>
+            <a:noFill/>
+          </a:ln>
+        </p:spPr>
+        <p:style>
+          <a:lnRef idx="2">
+            <a:schemeClr val="accent1">
+              <a:shade val="50000"/>
+            </a:schemeClr>
+          </a:lnRef>
+          <a:fillRef idx="1">
+            <a:schemeClr val="accent1"/>
+          </a:fillRef>
+          <a:effectRef idx="0">
+            <a:schemeClr val="accent1"/>
+          </a:effectRef>
+          <a:fontRef idx="minor">
+            <a:schemeClr val="lt1"/>
+          </a:fontRef>
+        </p:style>
+        <p:txBody>
+          <a:bodyPr rtlCol="0" anchor="ctr"/>
+          <a:lstStyle/>
+          <a:p>
+            <a:pPr algn="ctr"/>
+            <a:endParaRPr lang="en-US"/>
+          </a:p>
+        </p:txBody>
+      </p:sp>
+      <p:sp>
+        <p:nvSpPr>
+          <p:cNvPr id="16" name="Rectangle 15">
+            <a:extLst>
+              <a:ext uri="{FF2B5EF4-FFF2-40B4-BE49-F238E27FC236}">
+                <a16:creationId xmlns:a16="http://schemas.microsoft.com/office/drawing/2014/main" id="{53E5B1A8-3AC9-4BD1-9BBC-78CA94F2D1BA}"/>
+              </a:ext>
+              <a:ext uri="{C183D7F6-B498-43B3-948B-1728B52AA6E4}">
+                <adec:decorative xmlns:adec="http://schemas.microsoft.com/office/drawing/2017/decorative" val="1"/>
+              </a:ext>
+            </a:extLst>
+          </p:cNvPr>
+          <p:cNvSpPr>
+            <a:spLocks noGrp="1" noRot="1" noChangeAspect="1" noMove="1" noResize="1" noEditPoints="1" noAdjustHandles="1" noChangeArrowheads="1" noChangeShapeType="1" noTextEdit="1"/>
+          </p:cNvSpPr>
+          <p:nvPr>
+            <p:extLst>
+              <p:ext uri="{386F3935-93C4-4BCD-93E2-E3B085C9AB24}">
+                <p16:designElem xmlns:p16="http://schemas.microsoft.com/office/powerpoint/2015/main" val="1"/>
+              </p:ext>
+            </p:extLst>
+          </p:nvPr>
+        </p:nvSpPr>
+        <p:spPr>
+          <a:xfrm>
+            <a:off x="459350" y="-1"/>
+            <a:ext cx="11732646" cy="1597433"/>
+          </a:xfrm>
+          <a:prstGeom prst="rect">
+            <a:avLst/>
+          </a:prstGeom>
+          <a:gradFill>
+            <a:gsLst>
+              <a:gs pos="50000">
+                <a:srgbClr val="000000">
+                  <a:alpha val="0"/>
+                </a:srgbClr>
+              </a:gs>
+              <a:gs pos="99000">
+                <a:schemeClr val="accent1">
+                  <a:lumMod val="50000"/>
+                  <a:alpha val="52000"/>
+                </a:schemeClr>
+              </a:gs>
+            </a:gsLst>
+            <a:lin ang="16800000" scaled="0"/>
+          </a:gradFill>
+          <a:ln>
+            <a:noFill/>
+          </a:ln>
+        </p:spPr>
+        <p:style>
+          <a:lnRef idx="2">
+            <a:schemeClr val="accent1">
+              <a:shade val="50000"/>
+            </a:schemeClr>
+          </a:lnRef>
+          <a:fillRef idx="1">
+            <a:schemeClr val="accent1"/>
+          </a:fillRef>
+          <a:effectRef idx="0">
+            <a:schemeClr val="accent1"/>
+          </a:effectRef>
+          <a:fontRef idx="minor">
+            <a:schemeClr val="lt1"/>
+          </a:fontRef>
+        </p:style>
+        <p:txBody>
+          <a:bodyPr rtlCol="0" anchor="ctr"/>
+          <a:lstStyle/>
+          <a:p>
+            <a:pPr algn="ctr"/>
+            <a:endParaRPr lang="en-US"/>
+          </a:p>
+        </p:txBody>
+      </p:sp>
+      <p:sp>
+        <p:nvSpPr>
+          <p:cNvPr id="2" name="Titolo 1">
+            <a:extLst>
+              <a:ext uri="{FF2B5EF4-FFF2-40B4-BE49-F238E27FC236}">
+                <a16:creationId xmlns:a16="http://schemas.microsoft.com/office/drawing/2014/main" id="{4FF6C779-3855-AE93-468A-1631A651CC6C}"/>
+              </a:ext>
+            </a:extLst>
+          </p:cNvPr>
+          <p:cNvSpPr>
+            <a:spLocks noGrp="1"/>
+          </p:cNvSpPr>
+          <p:nvPr>
+            <p:ph type="title"/>
+          </p:nvPr>
+        </p:nvSpPr>
+        <p:spPr>
+          <a:xfrm>
+            <a:off x="1371599" y="294538"/>
+            <a:ext cx="9895951" cy="1033669"/>
+          </a:xfrm>
+        </p:spPr>
+        <p:txBody>
+          <a:bodyPr>
+            <a:normAutofit/>
+          </a:bodyPr>
+          <a:lstStyle/>
+          <a:p>
+            <a:r>
+              <a:rPr lang="it-IT" sz="4000" dirty="0">
+                <a:solidFill>
+                  <a:srgbClr val="FFFFFF"/>
+                </a:solidFill>
+              </a:rPr>
+              <a:t>Angolo di piega con il giroscopio</a:t>
+            </a:r>
+          </a:p>
+        </p:txBody>
+      </p:sp>
+      <mc:AlternateContent xmlns:mc="http://schemas.openxmlformats.org/markup-compatibility/2006">
+        <mc:Choice xmlns:a14="http://schemas.microsoft.com/office/drawing/2010/main" Requires="a14">
+          <p:sp>
+            <p:nvSpPr>
+              <p:cNvPr id="3" name="Segnaposto contenuto 2">
+                <a:extLst>
+                  <a:ext uri="{FF2B5EF4-FFF2-40B4-BE49-F238E27FC236}">
+                    <a16:creationId xmlns:a16="http://schemas.microsoft.com/office/drawing/2014/main" id="{828C793B-95AE-2174-2558-5DD6691A6D15}"/>
+                  </a:ext>
+                </a:extLst>
+              </p:cNvPr>
+              <p:cNvSpPr>
+                <a:spLocks noGrp="1"/>
+              </p:cNvSpPr>
+              <p:nvPr>
+                <p:ph idx="1"/>
+              </p:nvPr>
+            </p:nvSpPr>
+            <p:spPr>
+              <a:xfrm>
+                <a:off x="1031845" y="1891970"/>
+                <a:ext cx="10235705" cy="4109585"/>
+              </a:xfrm>
+            </p:spPr>
+            <p:txBody>
+              <a:bodyPr anchor="ctr">
+                <a:normAutofit/>
+              </a:bodyPr>
+              <a:lstStyle/>
+              <a:p>
+                <a:r>
+                  <a:rPr lang="it-IT" dirty="0"/>
+                  <a:t>Il giroscopio fornisce i dati dell’accelerazione angolare relativi ai tre assi. Otteniamo l’angolo di piega integrando i valori relativi all’asse di rotazione:</a:t>
+                </a:r>
+                <a14:m>
+                  <m:oMath xmlns:m="http://schemas.openxmlformats.org/officeDocument/2006/math">
+                    <m:r>
+                      <a:rPr lang="it-IT" b="0" i="0" smtClean="0">
+                        <a:latin typeface="Cambria Math" panose="02040503050406030204" pitchFamily="18" charset="0"/>
+                        <a:ea typeface="Cambria Math" panose="02040503050406030204" pitchFamily="18" charset="0"/>
+                      </a:rPr>
+                      <m:t>  </m:t>
+                    </m:r>
+                    <m:r>
+                      <a:rPr lang="it-IT" i="1" smtClean="0">
+                        <a:latin typeface="Cambria Math" panose="02040503050406030204" pitchFamily="18" charset="0"/>
+                        <a:ea typeface="Cambria Math" panose="02040503050406030204" pitchFamily="18" charset="0"/>
+                      </a:rPr>
+                      <m:t>𝜃</m:t>
+                    </m:r>
+                    <m:r>
+                      <a:rPr lang="it-IT" b="0" i="1" smtClean="0">
+                        <a:latin typeface="Cambria Math" panose="02040503050406030204" pitchFamily="18" charset="0"/>
+                        <a:ea typeface="Cambria Math" panose="02040503050406030204" pitchFamily="18" charset="0"/>
+                      </a:rPr>
+                      <m:t>(</m:t>
+                    </m:r>
+                    <m:r>
+                      <a:rPr lang="it-IT" b="0" i="1" smtClean="0">
+                        <a:latin typeface="Cambria Math" panose="02040503050406030204" pitchFamily="18" charset="0"/>
+                        <a:ea typeface="Cambria Math" panose="02040503050406030204" pitchFamily="18" charset="0"/>
+                      </a:rPr>
+                      <m:t>𝑡</m:t>
+                    </m:r>
+                    <m:r>
+                      <a:rPr lang="it-IT" b="0" i="1" smtClean="0">
+                        <a:latin typeface="Cambria Math" panose="02040503050406030204" pitchFamily="18" charset="0"/>
+                        <a:ea typeface="Cambria Math" panose="02040503050406030204" pitchFamily="18" charset="0"/>
+                      </a:rPr>
+                      <m:t>)=</m:t>
+                    </m:r>
+                    <m:nary>
+                      <m:naryPr>
+                        <m:limLoc m:val="undOvr"/>
+                        <m:subHide m:val="on"/>
+                        <m:supHide m:val="on"/>
+                        <m:ctrlPr>
+                          <a:rPr lang="it-IT" b="0" i="1" smtClean="0">
+                            <a:latin typeface="Cambria Math" panose="02040503050406030204" pitchFamily="18" charset="0"/>
+                            <a:ea typeface="Cambria Math" panose="02040503050406030204" pitchFamily="18" charset="0"/>
+                          </a:rPr>
+                        </m:ctrlPr>
+                      </m:naryPr>
+                      <m:sub/>
+                      <m:sup/>
+                      <m:e>
+                        <m:r>
+                          <a:rPr lang="it-IT" b="0" i="1" smtClean="0">
+                            <a:latin typeface="Cambria Math" panose="02040503050406030204" pitchFamily="18" charset="0"/>
+                            <a:ea typeface="Cambria Math" panose="02040503050406030204" pitchFamily="18" charset="0"/>
+                          </a:rPr>
+                          <m:t>𝜔</m:t>
+                        </m:r>
+                        <m:r>
+                          <a:rPr lang="it-IT" b="0" i="1" smtClean="0">
+                            <a:latin typeface="Cambria Math" panose="02040503050406030204" pitchFamily="18" charset="0"/>
+                            <a:ea typeface="Cambria Math" panose="02040503050406030204" pitchFamily="18" charset="0"/>
+                          </a:rPr>
+                          <m:t>𝑑𝑡</m:t>
+                        </m:r>
+                      </m:e>
+                    </m:nary>
+                  </m:oMath>
+                </a14:m>
+                <a:endParaRPr lang="it-IT" dirty="0"/>
+              </a:p>
+              <a:p>
+                <a:r>
+                  <a:rPr lang="it-IT" dirty="0"/>
+                  <a:t>A livello pratico questo equivale a sommare il valore del giroscopio moltiplicando ogni valore per la differenza di tempo rispetto al valore precedente:</a:t>
+                </a:r>
+                <a14:m>
+                  <m:oMath xmlns:m="http://schemas.openxmlformats.org/officeDocument/2006/math">
+                    <m:r>
+                      <a:rPr lang="it-IT" b="0" i="0" smtClean="0">
+                        <a:latin typeface="Cambria Math" panose="02040503050406030204" pitchFamily="18" charset="0"/>
+                        <a:ea typeface="Cambria Math" panose="02040503050406030204" pitchFamily="18" charset="0"/>
+                      </a:rPr>
+                      <m:t>  </m:t>
+                    </m:r>
+                    <m:r>
+                      <a:rPr lang="it-IT" i="1">
+                        <a:latin typeface="Cambria Math" panose="02040503050406030204" pitchFamily="18" charset="0"/>
+                        <a:ea typeface="Cambria Math" panose="02040503050406030204" pitchFamily="18" charset="0"/>
+                      </a:rPr>
+                      <m:t>𝜃</m:t>
+                    </m:r>
+                    <m:d>
+                      <m:dPr>
+                        <m:ctrlPr>
+                          <a:rPr lang="it-IT" i="1">
+                            <a:latin typeface="Cambria Math" panose="02040503050406030204" pitchFamily="18" charset="0"/>
+                            <a:ea typeface="Cambria Math" panose="02040503050406030204" pitchFamily="18" charset="0"/>
+                          </a:rPr>
+                        </m:ctrlPr>
+                      </m:dPr>
+                      <m:e>
+                        <m:r>
+                          <a:rPr lang="it-IT" b="0" i="1" smtClean="0">
+                            <a:latin typeface="Cambria Math" panose="02040503050406030204" pitchFamily="18" charset="0"/>
+                            <a:ea typeface="Cambria Math" panose="02040503050406030204" pitchFamily="18" charset="0"/>
+                          </a:rPr>
+                          <m:t>𝑛</m:t>
+                        </m:r>
+                      </m:e>
+                    </m:d>
+                    <m:r>
+                      <a:rPr lang="it-IT" i="1">
+                        <a:latin typeface="Cambria Math" panose="02040503050406030204" pitchFamily="18" charset="0"/>
+                        <a:ea typeface="Cambria Math" panose="02040503050406030204" pitchFamily="18" charset="0"/>
+                      </a:rPr>
+                      <m:t>=</m:t>
+                    </m:r>
+                    <m:r>
+                      <a:rPr lang="it-IT" i="1">
+                        <a:latin typeface="Cambria Math" panose="02040503050406030204" pitchFamily="18" charset="0"/>
+                        <a:ea typeface="Cambria Math" panose="02040503050406030204" pitchFamily="18" charset="0"/>
+                      </a:rPr>
+                      <m:t>𝜃</m:t>
+                    </m:r>
+                    <m:d>
+                      <m:dPr>
+                        <m:ctrlPr>
+                          <a:rPr lang="it-IT" i="1">
+                            <a:latin typeface="Cambria Math" panose="02040503050406030204" pitchFamily="18" charset="0"/>
+                            <a:ea typeface="Cambria Math" panose="02040503050406030204" pitchFamily="18" charset="0"/>
+                          </a:rPr>
+                        </m:ctrlPr>
+                      </m:dPr>
+                      <m:e>
+                        <m:r>
+                          <a:rPr lang="it-IT" i="1">
+                            <a:latin typeface="Cambria Math" panose="02040503050406030204" pitchFamily="18" charset="0"/>
+                            <a:ea typeface="Cambria Math" panose="02040503050406030204" pitchFamily="18" charset="0"/>
+                          </a:rPr>
+                          <m:t>𝑛</m:t>
+                        </m:r>
+                        <m:r>
+                          <a:rPr lang="it-IT" b="0" i="1" smtClean="0">
+                            <a:latin typeface="Cambria Math" panose="02040503050406030204" pitchFamily="18" charset="0"/>
+                            <a:ea typeface="Cambria Math" panose="02040503050406030204" pitchFamily="18" charset="0"/>
+                          </a:rPr>
+                          <m:t>−1</m:t>
+                        </m:r>
+                      </m:e>
+                    </m:d>
+                    <m:r>
+                      <a:rPr lang="it-IT" b="0" i="1" smtClean="0">
+                        <a:latin typeface="Cambria Math" panose="02040503050406030204" pitchFamily="18" charset="0"/>
+                        <a:ea typeface="Cambria Math" panose="02040503050406030204" pitchFamily="18" charset="0"/>
+                      </a:rPr>
+                      <m:t>+</m:t>
+                    </m:r>
+                    <m:r>
+                      <a:rPr lang="it-IT" b="0" i="1" smtClean="0">
+                        <a:latin typeface="Cambria Math" panose="02040503050406030204" pitchFamily="18" charset="0"/>
+                        <a:ea typeface="Cambria Math" panose="02040503050406030204" pitchFamily="18" charset="0"/>
+                      </a:rPr>
+                      <m:t>𝜔</m:t>
+                    </m:r>
+                    <m:d>
+                      <m:dPr>
+                        <m:ctrlPr>
+                          <a:rPr lang="it-IT" b="0" i="1" smtClean="0">
+                            <a:latin typeface="Cambria Math" panose="02040503050406030204" pitchFamily="18" charset="0"/>
+                            <a:ea typeface="Cambria Math" panose="02040503050406030204" pitchFamily="18" charset="0"/>
+                          </a:rPr>
+                        </m:ctrlPr>
+                      </m:dPr>
+                      <m:e>
+                        <m:r>
+                          <a:rPr lang="it-IT" b="0" i="1" smtClean="0">
+                            <a:latin typeface="Cambria Math" panose="02040503050406030204" pitchFamily="18" charset="0"/>
+                            <a:ea typeface="Cambria Math" panose="02040503050406030204" pitchFamily="18" charset="0"/>
+                          </a:rPr>
+                          <m:t>𝑛</m:t>
+                        </m:r>
+                      </m:e>
+                    </m:d>
+                    <m:r>
+                      <a:rPr lang="it-IT" b="0" i="1" smtClean="0">
+                        <a:latin typeface="Cambria Math" panose="02040503050406030204" pitchFamily="18" charset="0"/>
+                        <a:ea typeface="Cambria Math" panose="02040503050406030204" pitchFamily="18" charset="0"/>
+                      </a:rPr>
+                      <m:t>∗∆</m:t>
+                    </m:r>
+                    <m:r>
+                      <a:rPr lang="it-IT" b="0" i="1" smtClean="0">
+                        <a:latin typeface="Cambria Math" panose="02040503050406030204" pitchFamily="18" charset="0"/>
+                        <a:ea typeface="Cambria Math" panose="02040503050406030204" pitchFamily="18" charset="0"/>
+                      </a:rPr>
+                      <m:t>𝑡</m:t>
+                    </m:r>
+                    <m:r>
+                      <a:rPr lang="it-IT" b="0" i="1" smtClean="0">
+                        <a:latin typeface="Cambria Math" panose="02040503050406030204" pitchFamily="18" charset="0"/>
+                        <a:ea typeface="Cambria Math" panose="02040503050406030204" pitchFamily="18" charset="0"/>
+                      </a:rPr>
+                      <m:t>(</m:t>
+                    </m:r>
+                    <m:r>
+                      <a:rPr lang="it-IT" b="0" i="1" smtClean="0">
+                        <a:latin typeface="Cambria Math" panose="02040503050406030204" pitchFamily="18" charset="0"/>
+                        <a:ea typeface="Cambria Math" panose="02040503050406030204" pitchFamily="18" charset="0"/>
+                      </a:rPr>
+                      <m:t>𝑛</m:t>
+                    </m:r>
+                    <m:r>
+                      <a:rPr lang="it-IT" b="0" i="1" smtClean="0">
+                        <a:latin typeface="Cambria Math" panose="02040503050406030204" pitchFamily="18" charset="0"/>
+                        <a:ea typeface="Cambria Math" panose="02040503050406030204" pitchFamily="18" charset="0"/>
+                      </a:rPr>
+                      <m:t>)</m:t>
+                    </m:r>
+                  </m:oMath>
+                </a14:m>
+                <a:endParaRPr lang="it-IT" dirty="0"/>
+              </a:p>
+              <a:p>
+                <a:r>
+                  <a:rPr lang="it-IT" dirty="0"/>
+                  <a:t>A causa della natura del giroscopio, tuttavia, il calcolo dell’angolo tende a divergere dalla reale misura, con il passare del tempo, in maniera troppo evidente.</a:t>
+                </a:r>
+              </a:p>
+            </p:txBody>
+          </p:sp>
+        </mc:Choice>
+        <mc:Fallback>
+          <p:sp>
+            <p:nvSpPr>
+              <p:cNvPr id="3" name="Segnaposto contenuto 2">
+                <a:extLst>
+                  <a:ext uri="{FF2B5EF4-FFF2-40B4-BE49-F238E27FC236}">
+                    <a16:creationId xmlns:a16="http://schemas.microsoft.com/office/drawing/2014/main" id="{828C793B-95AE-2174-2558-5DD6691A6D15}"/>
+                  </a:ext>
+                </a:extLst>
+              </p:cNvPr>
+              <p:cNvSpPr>
+                <a:spLocks noGrp="1" noRot="1" noChangeAspect="1" noMove="1" noResize="1" noEditPoints="1" noAdjustHandles="1" noChangeArrowheads="1" noChangeShapeType="1" noTextEdit="1"/>
+              </p:cNvSpPr>
+              <p:nvPr>
+                <p:ph idx="1"/>
+              </p:nvPr>
+            </p:nvSpPr>
+            <p:spPr>
+              <a:xfrm>
+                <a:off x="1031845" y="1891970"/>
+                <a:ext cx="10235705" cy="4109585"/>
+              </a:xfrm>
+              <a:blipFill>
+                <a:blip r:embed="rId2"/>
+                <a:stretch>
+                  <a:fillRect l="-1072" r="-60" b="-1185"/>
+                </a:stretch>
+              </a:blipFill>
+            </p:spPr>
+            <p:txBody>
+              <a:bodyPr/>
+              <a:lstStyle/>
+              <a:p>
+                <a:r>
+                  <a:rPr lang="it-IT">
+                    <a:noFill/>
+                  </a:rPr>
+                  <a:t> </a:t>
+                </a:r>
+              </a:p>
+            </p:txBody>
+          </p:sp>
+        </mc:Fallback>
+      </mc:AlternateContent>
+      <mc:AlternateContent xmlns:mc="http://schemas.openxmlformats.org/markup-compatibility/2006">
+        <mc:Choice xmlns:a14="http://schemas.microsoft.com/office/drawing/2010/main" Requires="a14">
+          <p:sp>
+            <p:nvSpPr>
+              <p:cNvPr id="4" name="CasellaDiTesto 3">
+                <a:extLst>
+                  <a:ext uri="{FF2B5EF4-FFF2-40B4-BE49-F238E27FC236}">
+                    <a16:creationId xmlns:a16="http://schemas.microsoft.com/office/drawing/2014/main" id="{154D0715-8ED1-E508-66CE-907C6C0F09DB}"/>
+                  </a:ext>
+                </a:extLst>
+              </p:cNvPr>
+              <p:cNvSpPr txBox="1"/>
+              <p:nvPr/>
+            </p:nvSpPr>
+            <p:spPr>
+              <a:xfrm>
+                <a:off x="7710618" y="5771626"/>
+                <a:ext cx="3556932" cy="923330"/>
+              </a:xfrm>
+              <a:prstGeom prst="rect">
+                <a:avLst/>
+              </a:prstGeom>
+              <a:noFill/>
+            </p:spPr>
+            <p:txBody>
+              <a:bodyPr wrap="square" rtlCol="0">
+                <a:spAutoFit/>
+              </a:bodyPr>
+              <a:lstStyle/>
+              <a:p>
+                <a:r>
+                  <a:rPr lang="it-IT" dirty="0"/>
+                  <a:t>NOTA: </a:t>
+                </a:r>
+                <a14:m>
+                  <m:oMath xmlns:m="http://schemas.openxmlformats.org/officeDocument/2006/math">
+                    <m:r>
+                      <a:rPr lang="it-IT" b="0" i="1" smtClean="0">
+                        <a:latin typeface="Cambria Math" panose="02040503050406030204" pitchFamily="18" charset="0"/>
+                        <a:ea typeface="Cambria Math" panose="02040503050406030204" pitchFamily="18" charset="0"/>
+                      </a:rPr>
+                      <m:t>∆</m:t>
+                    </m:r>
+                    <m:r>
+                      <a:rPr lang="it-IT" b="0" i="1" smtClean="0">
+                        <a:latin typeface="Cambria Math" panose="02040503050406030204" pitchFamily="18" charset="0"/>
+                        <a:ea typeface="Cambria Math" panose="02040503050406030204" pitchFamily="18" charset="0"/>
+                      </a:rPr>
+                      <m:t>𝑡</m:t>
+                    </m:r>
+                    <m:d>
+                      <m:dPr>
+                        <m:ctrlPr>
+                          <a:rPr lang="it-IT" b="0" i="1" smtClean="0">
+                            <a:latin typeface="Cambria Math" panose="02040503050406030204" pitchFamily="18" charset="0"/>
+                            <a:ea typeface="Cambria Math" panose="02040503050406030204" pitchFamily="18" charset="0"/>
+                          </a:rPr>
+                        </m:ctrlPr>
+                      </m:dPr>
+                      <m:e>
+                        <m:r>
+                          <a:rPr lang="it-IT" b="0" i="1" smtClean="0">
+                            <a:latin typeface="Cambria Math" panose="02040503050406030204" pitchFamily="18" charset="0"/>
+                            <a:ea typeface="Cambria Math" panose="02040503050406030204" pitchFamily="18" charset="0"/>
+                          </a:rPr>
+                          <m:t>𝑛</m:t>
+                        </m:r>
+                      </m:e>
+                    </m:d>
+                  </m:oMath>
+                </a14:m>
+                <a:r>
+                  <a:rPr lang="it-IT" dirty="0"/>
+                  <a:t> poiché non è fisso ma varia a seconda dei campioni</a:t>
+                </a:r>
+              </a:p>
+              <a:p>
+                <a:r>
+                  <a:rPr lang="it-IT" dirty="0"/>
+                  <a:t> </a:t>
+                </a:r>
+              </a:p>
+            </p:txBody>
+          </p:sp>
+        </mc:Choice>
+        <mc:Fallback>
+          <p:sp>
+            <p:nvSpPr>
+              <p:cNvPr id="4" name="CasellaDiTesto 3">
+                <a:extLst>
+                  <a:ext uri="{FF2B5EF4-FFF2-40B4-BE49-F238E27FC236}">
+                    <a16:creationId xmlns:a16="http://schemas.microsoft.com/office/drawing/2014/main" id="{154D0715-8ED1-E508-66CE-907C6C0F09DB}"/>
+                  </a:ext>
+                </a:extLst>
+              </p:cNvPr>
+              <p:cNvSpPr txBox="1">
+                <a:spLocks noRot="1" noChangeAspect="1" noMove="1" noResize="1" noEditPoints="1" noAdjustHandles="1" noChangeArrowheads="1" noChangeShapeType="1" noTextEdit="1"/>
+              </p:cNvSpPr>
+              <p:nvPr/>
+            </p:nvSpPr>
+            <p:spPr>
+              <a:xfrm>
+                <a:off x="7710618" y="5771626"/>
+                <a:ext cx="3556932" cy="923330"/>
+              </a:xfrm>
+              <a:prstGeom prst="rect">
+                <a:avLst/>
+              </a:prstGeom>
+              <a:blipFill>
+                <a:blip r:embed="rId3"/>
+                <a:stretch>
+                  <a:fillRect l="-1544" t="-3974"/>
+                </a:stretch>
+              </a:blipFill>
+            </p:spPr>
+            <p:txBody>
+              <a:bodyPr/>
+              <a:lstStyle/>
+              <a:p>
+                <a:r>
+                  <a:rPr lang="it-IT">
+                    <a:noFill/>
+                  </a:rPr>
+                  <a:t> </a:t>
+                </a:r>
+              </a:p>
+            </p:txBody>
+          </p:sp>
+        </mc:Fallback>
+      </mc:AlternateContent>
+    </p:spTree>
+    <p:extLst>
+      <p:ext uri="{BB962C8B-B14F-4D97-AF65-F5344CB8AC3E}">
+        <p14:creationId xmlns:p14="http://schemas.microsoft.com/office/powerpoint/2010/main" val="1011851456"/>
+      </p:ext>
+    </p:extLst>
+  </p:cSld>
+  <p:clrMapOvr>
+    <a:masterClrMapping/>
+  </p:clrMapOvr>
+</p:sld>
+</file>
+
+<file path=ppt/slides/slide7.xml><?xml version="1.0" encoding="utf-8"?>
+<p:sld xmlns:a="http://schemas.openxmlformats.org/drawingml/2006/main" xmlns:r="http://schemas.openxmlformats.org/officeDocument/2006/relationships" xmlns:p="http://schemas.openxmlformats.org/presentationml/2006/main">
+  <p:cSld>
+    <p:bg>
+      <p:bgPr>
+        <a:solidFill>
+          <a:schemeClr val="bg1"/>
+        </a:solidFill>
+        <a:effectLst/>
+      </p:bgPr>
+    </p:bg>
+    <p:spTree>
+      <p:nvGrpSpPr>
+        <p:cNvPr id="1" name=""/>
+        <p:cNvGrpSpPr/>
+        <p:nvPr/>
+      </p:nvGrpSpPr>
+      <p:grpSpPr>
+        <a:xfrm>
+          <a:off x="0" y="0"/>
+          <a:ext cx="0" cy="0"/>
+          <a:chOff x="0" y="0"/>
+          <a:chExt cx="0" cy="0"/>
+        </a:xfrm>
+      </p:grpSpPr>
+      <p:sp useBgFill="1">
+        <p:nvSpPr>
+          <p:cNvPr id="8" name="Rectangle 7">
+            <a:extLst>
+              <a:ext uri="{FF2B5EF4-FFF2-40B4-BE49-F238E27FC236}">
+                <a16:creationId xmlns:a16="http://schemas.microsoft.com/office/drawing/2014/main" id="{1B15ED52-F352-441B-82BF-E0EA34836D08}"/>
+              </a:ext>
+              <a:ext uri="{C183D7F6-B498-43B3-948B-1728B52AA6E4}">
+                <adec:decorative xmlns:adec="http://schemas.microsoft.com/office/drawing/2017/decorative" val="1"/>
+              </a:ext>
+            </a:extLst>
+          </p:cNvPr>
+          <p:cNvSpPr>
+            <a:spLocks noGrp="1" noRot="1" noChangeAspect="1" noMove="1" noResize="1" noEditPoints="1" noAdjustHandles="1" noChangeArrowheads="1" noChangeShapeType="1" noTextEdit="1"/>
+          </p:cNvSpPr>
+          <p:nvPr>
+            <p:extLst>
+              <p:ext uri="{386F3935-93C4-4BCD-93E2-E3B085C9AB24}">
+                <p16:designElem xmlns:p16="http://schemas.microsoft.com/office/powerpoint/2015/main" val="1"/>
+              </p:ext>
+            </p:extLst>
+          </p:nvPr>
+        </p:nvSpPr>
+        <p:spPr>
+          <a:xfrm>
+            <a:off x="0" y="0"/>
+            <a:ext cx="12192000" cy="6858000"/>
+          </a:xfrm>
+          <a:prstGeom prst="rect">
+            <a:avLst/>
+          </a:prstGeom>
+          <a:ln w="12700" cap="flat" cmpd="sng" algn="ctr">
+            <a:noFill/>
+            <a:prstDash val="solid"/>
+            <a:miter lim="800000"/>
+          </a:ln>
+          <a:effectLst/>
+          <a:extLst>
+            <a:ext uri="{91240B29-F687-4F45-9708-019B960494DF}">
+              <a14:hiddenLine xmlns:a14="http://schemas.microsoft.com/office/drawing/2010/main" w="12700" cap="flat" cmpd="sng" algn="ctr">
+                <a:solidFill>
+                  <a:schemeClr val="accent1">
+                    <a:shade val="50000"/>
+                  </a:schemeClr>
+                </a:solidFill>
+                <a:prstDash val="solid"/>
+                <a:miter lim="800000"/>
+              </a14:hiddenLine>
+            </a:ext>
+          </a:extLst>
+        </p:spPr>
+        <p:style>
+          <a:lnRef idx="2">
+            <a:schemeClr val="accent1">
+              <a:shade val="50000"/>
+            </a:schemeClr>
+          </a:lnRef>
+          <a:fillRef idx="1">
+            <a:schemeClr val="accent1"/>
+          </a:fillRef>
+          <a:effectRef idx="0">
+            <a:schemeClr val="accent1"/>
+          </a:effectRef>
+          <a:fontRef idx="minor">
+            <a:schemeClr val="lt1"/>
+          </a:fontRef>
+        </p:style>
+        <p:txBody>
+          <a:bodyPr rtlCol="0" anchor="ctr"/>
+          <a:lstStyle/>
+          <a:p>
+            <a:pPr algn="ctr"/>
+            <a:endParaRPr lang="en-US"/>
+          </a:p>
+        </p:txBody>
+      </p:sp>
+      <p:sp>
+        <p:nvSpPr>
+          <p:cNvPr id="10" name="Rectangle 9">
+            <a:extLst>
+              <a:ext uri="{FF2B5EF4-FFF2-40B4-BE49-F238E27FC236}">
+                <a16:creationId xmlns:a16="http://schemas.microsoft.com/office/drawing/2014/main" id="{3B2E3793-BFE6-45A2-9B7B-E18844431C99}"/>
+              </a:ext>
+              <a:ext uri="{C183D7F6-B498-43B3-948B-1728B52AA6E4}">
+                <adec:decorative xmlns:adec="http://schemas.microsoft.com/office/drawing/2017/decorative" val="1"/>
+              </a:ext>
+            </a:extLst>
+          </p:cNvPr>
+          <p:cNvSpPr>
+            <a:spLocks noGrp="1" noRot="1" noChangeAspect="1" noMove="1" noResize="1" noEditPoints="1" noAdjustHandles="1" noChangeArrowheads="1" noChangeShapeType="1" noTextEdit="1"/>
+          </p:cNvSpPr>
+          <p:nvPr>
+            <p:extLst>
+              <p:ext uri="{386F3935-93C4-4BCD-93E2-E3B085C9AB24}">
+                <p16:designElem xmlns:p16="http://schemas.microsoft.com/office/powerpoint/2015/main" val="1"/>
+              </p:ext>
+            </p:extLst>
+          </p:nvPr>
+        </p:nvSpPr>
+        <p:spPr>
+          <a:xfrm flipH="1">
+            <a:off x="-1" y="-1"/>
+            <a:ext cx="12191998" cy="1590742"/>
+          </a:xfrm>
+          <a:prstGeom prst="rect">
+            <a:avLst/>
+          </a:prstGeom>
+          <a:gradFill>
+            <a:gsLst>
+              <a:gs pos="0">
+                <a:srgbClr val="000000"/>
+              </a:gs>
+              <a:gs pos="100000">
+                <a:schemeClr val="accent1">
+                  <a:lumMod val="75000"/>
+                </a:schemeClr>
+              </a:gs>
+            </a:gsLst>
+            <a:lin ang="8400000" scaled="0"/>
+          </a:gradFill>
+          <a:ln>
+            <a:noFill/>
+          </a:ln>
+        </p:spPr>
+        <p:style>
+          <a:lnRef idx="2">
+            <a:schemeClr val="accent1">
+              <a:shade val="50000"/>
+            </a:schemeClr>
+          </a:lnRef>
+          <a:fillRef idx="1">
+            <a:schemeClr val="accent1"/>
+          </a:fillRef>
+          <a:effectRef idx="0">
+            <a:schemeClr val="accent1"/>
+          </a:effectRef>
+          <a:fontRef idx="minor">
+            <a:schemeClr val="lt1"/>
+          </a:fontRef>
+        </p:style>
+        <p:txBody>
+          <a:bodyPr rtlCol="0" anchor="ctr"/>
+          <a:lstStyle/>
+          <a:p>
+            <a:pPr algn="ctr"/>
+            <a:endParaRPr lang="en-US"/>
+          </a:p>
+        </p:txBody>
+      </p:sp>
+      <p:sp>
+        <p:nvSpPr>
+          <p:cNvPr id="12" name="Rectangle 11">
+            <a:extLst>
+              <a:ext uri="{FF2B5EF4-FFF2-40B4-BE49-F238E27FC236}">
+                <a16:creationId xmlns:a16="http://schemas.microsoft.com/office/drawing/2014/main" id="{BC4C4868-CB8F-4AF9-9CDB-8108F2C19B67}"/>
+              </a:ext>
+              <a:ext uri="{C183D7F6-B498-43B3-948B-1728B52AA6E4}">
+                <adec:decorative xmlns:adec="http://schemas.microsoft.com/office/drawing/2017/decorative" val="1"/>
+              </a:ext>
+            </a:extLst>
+          </p:cNvPr>
+          <p:cNvSpPr>
+            <a:spLocks noGrp="1" noRot="1" noChangeAspect="1" noMove="1" noResize="1" noEditPoints="1" noAdjustHandles="1" noChangeArrowheads="1" noChangeShapeType="1" noTextEdit="1"/>
+          </p:cNvSpPr>
+          <p:nvPr>
+            <p:extLst>
+              <p:ext uri="{386F3935-93C4-4BCD-93E2-E3B085C9AB24}">
+                <p16:designElem xmlns:p16="http://schemas.microsoft.com/office/powerpoint/2015/main" val="1"/>
+              </p:ext>
+            </p:extLst>
+          </p:nvPr>
+        </p:nvSpPr>
+        <p:spPr>
+          <a:xfrm rot="10800000" flipH="1">
+            <a:off x="-3" y="0"/>
+            <a:ext cx="8115306" cy="1590742"/>
+          </a:xfrm>
+          <a:prstGeom prst="rect">
+            <a:avLst/>
+          </a:prstGeom>
+          <a:gradFill>
+            <a:gsLst>
+              <a:gs pos="20000">
+                <a:schemeClr val="accent1">
+                  <a:alpha val="0"/>
+                </a:schemeClr>
+              </a:gs>
+              <a:gs pos="100000">
+                <a:schemeClr val="accent1">
+                  <a:lumMod val="50000"/>
+                  <a:alpha val="55000"/>
+                </a:schemeClr>
+              </a:gs>
+            </a:gsLst>
+            <a:lin ang="13800000" scaled="0"/>
+          </a:gradFill>
+          <a:ln>
+            <a:noFill/>
+          </a:ln>
+        </p:spPr>
+        <p:style>
+          <a:lnRef idx="2">
+            <a:schemeClr val="accent1">
+              <a:shade val="50000"/>
+            </a:schemeClr>
+          </a:lnRef>
+          <a:fillRef idx="1">
+            <a:schemeClr val="accent1"/>
+          </a:fillRef>
+          <a:effectRef idx="0">
+            <a:schemeClr val="accent1"/>
+          </a:effectRef>
+          <a:fontRef idx="minor">
+            <a:schemeClr val="lt1"/>
+          </a:fontRef>
+        </p:style>
+        <p:txBody>
+          <a:bodyPr rtlCol="0" anchor="ctr"/>
+          <a:lstStyle/>
+          <a:p>
+            <a:pPr algn="ctr"/>
+            <a:endParaRPr lang="en-US"/>
+          </a:p>
+        </p:txBody>
+      </p:sp>
+      <p:sp>
+        <p:nvSpPr>
+          <p:cNvPr id="14" name="Rectangle 13">
+            <a:extLst>
+              <a:ext uri="{FF2B5EF4-FFF2-40B4-BE49-F238E27FC236}">
+                <a16:creationId xmlns:a16="http://schemas.microsoft.com/office/drawing/2014/main" id="{375E0459-6403-40CD-989D-56A4407CA12E}"/>
+              </a:ext>
+              <a:ext uri="{C183D7F6-B498-43B3-948B-1728B52AA6E4}">
+                <adec:decorative xmlns:adec="http://schemas.microsoft.com/office/drawing/2017/decorative" val="1"/>
+              </a:ext>
+            </a:extLst>
+          </p:cNvPr>
+          <p:cNvSpPr>
+            <a:spLocks noGrp="1" noRot="1" noChangeAspect="1" noMove="1" noResize="1" noEditPoints="1" noAdjustHandles="1" noChangeArrowheads="1" noChangeShapeType="1" noTextEdit="1"/>
+          </p:cNvSpPr>
+          <p:nvPr>
+            <p:extLst>
+              <p:ext uri="{386F3935-93C4-4BCD-93E2-E3B085C9AB24}">
+                <p16:designElem xmlns:p16="http://schemas.microsoft.com/office/powerpoint/2015/main" val="1"/>
+              </p:ext>
+            </p:extLst>
+          </p:nvPr>
+        </p:nvSpPr>
+        <p:spPr>
+          <a:xfrm flipH="1">
+            <a:off x="8115299" y="-1"/>
+            <a:ext cx="4076698" cy="1590742"/>
+          </a:xfrm>
+          <a:prstGeom prst="rect">
+            <a:avLst/>
+          </a:prstGeom>
+          <a:gradFill>
+            <a:gsLst>
+              <a:gs pos="0">
+                <a:schemeClr val="accent1">
+                  <a:alpha val="66000"/>
+                </a:schemeClr>
+              </a:gs>
+              <a:gs pos="100000">
+                <a:srgbClr val="000000">
+                  <a:alpha val="30000"/>
+                </a:srgbClr>
+              </a:gs>
+            </a:gsLst>
+            <a:lin ang="13200000" scaled="0"/>
+          </a:gradFill>
+          <a:ln>
+            <a:noFill/>
+          </a:ln>
+        </p:spPr>
+        <p:style>
+          <a:lnRef idx="2">
+            <a:schemeClr val="accent1">
+              <a:shade val="50000"/>
+            </a:schemeClr>
+          </a:lnRef>
+          <a:fillRef idx="1">
+            <a:schemeClr val="accent1"/>
+          </a:fillRef>
+          <a:effectRef idx="0">
+            <a:schemeClr val="accent1"/>
+          </a:effectRef>
+          <a:fontRef idx="minor">
+            <a:schemeClr val="lt1"/>
+          </a:fontRef>
+        </p:style>
+        <p:txBody>
+          <a:bodyPr rtlCol="0" anchor="ctr"/>
+          <a:lstStyle/>
+          <a:p>
+            <a:pPr algn="ctr"/>
+            <a:endParaRPr lang="en-US"/>
+          </a:p>
+        </p:txBody>
+      </p:sp>
+      <p:sp>
+        <p:nvSpPr>
+          <p:cNvPr id="16" name="Rectangle 15">
+            <a:extLst>
+              <a:ext uri="{FF2B5EF4-FFF2-40B4-BE49-F238E27FC236}">
+                <a16:creationId xmlns:a16="http://schemas.microsoft.com/office/drawing/2014/main" id="{53E5B1A8-3AC9-4BD1-9BBC-78CA94F2D1BA}"/>
+              </a:ext>
+              <a:ext uri="{C183D7F6-B498-43B3-948B-1728B52AA6E4}">
+                <adec:decorative xmlns:adec="http://schemas.microsoft.com/office/drawing/2017/decorative" val="1"/>
+              </a:ext>
+            </a:extLst>
+          </p:cNvPr>
+          <p:cNvSpPr>
+            <a:spLocks noGrp="1" noRot="1" noChangeAspect="1" noMove="1" noResize="1" noEditPoints="1" noAdjustHandles="1" noChangeArrowheads="1" noChangeShapeType="1" noTextEdit="1"/>
+          </p:cNvSpPr>
+          <p:nvPr>
+            <p:extLst>
+              <p:ext uri="{386F3935-93C4-4BCD-93E2-E3B085C9AB24}">
+                <p16:designElem xmlns:p16="http://schemas.microsoft.com/office/powerpoint/2015/main" val="1"/>
+              </p:ext>
+            </p:extLst>
+          </p:nvPr>
+        </p:nvSpPr>
+        <p:spPr>
+          <a:xfrm>
+            <a:off x="459350" y="-1"/>
+            <a:ext cx="11732646" cy="1597433"/>
+          </a:xfrm>
+          <a:prstGeom prst="rect">
+            <a:avLst/>
+          </a:prstGeom>
+          <a:gradFill>
+            <a:gsLst>
+              <a:gs pos="50000">
+                <a:srgbClr val="000000">
+                  <a:alpha val="0"/>
+                </a:srgbClr>
+              </a:gs>
+              <a:gs pos="99000">
+                <a:schemeClr val="accent1">
+                  <a:lumMod val="50000"/>
+                  <a:alpha val="52000"/>
+                </a:schemeClr>
+              </a:gs>
+            </a:gsLst>
+            <a:lin ang="16800000" scaled="0"/>
+          </a:gradFill>
+          <a:ln>
+            <a:noFill/>
+          </a:ln>
+        </p:spPr>
+        <p:style>
+          <a:lnRef idx="2">
+            <a:schemeClr val="accent1">
+              <a:shade val="50000"/>
+            </a:schemeClr>
+          </a:lnRef>
+          <a:fillRef idx="1">
+            <a:schemeClr val="accent1"/>
+          </a:fillRef>
+          <a:effectRef idx="0">
+            <a:schemeClr val="accent1"/>
+          </a:effectRef>
+          <a:fontRef idx="minor">
+            <a:schemeClr val="lt1"/>
+          </a:fontRef>
+        </p:style>
+        <p:txBody>
+          <a:bodyPr rtlCol="0" anchor="ctr"/>
+          <a:lstStyle/>
+          <a:p>
+            <a:pPr algn="ctr"/>
+            <a:endParaRPr lang="en-US"/>
+          </a:p>
+        </p:txBody>
+      </p:sp>
+      <p:sp>
+        <p:nvSpPr>
+          <p:cNvPr id="2" name="Titolo 1">
+            <a:extLst>
+              <a:ext uri="{FF2B5EF4-FFF2-40B4-BE49-F238E27FC236}">
+                <a16:creationId xmlns:a16="http://schemas.microsoft.com/office/drawing/2014/main" id="{63A158F4-458B-14A2-69AC-328498970DBE}"/>
+              </a:ext>
+            </a:extLst>
+          </p:cNvPr>
+          <p:cNvSpPr>
+            <a:spLocks noGrp="1"/>
+          </p:cNvSpPr>
+          <p:nvPr>
+            <p:ph type="title"/>
+          </p:nvPr>
+        </p:nvSpPr>
+        <p:spPr>
+          <a:xfrm>
+            <a:off x="1371599" y="294538"/>
+            <a:ext cx="9895951" cy="1033669"/>
+          </a:xfrm>
+        </p:spPr>
+        <p:txBody>
+          <a:bodyPr>
+            <a:normAutofit/>
+          </a:bodyPr>
+          <a:lstStyle/>
+          <a:p>
+            <a:r>
+              <a:rPr lang="it-IT" sz="4000" dirty="0">
+                <a:solidFill>
+                  <a:srgbClr val="FFFFFF"/>
+                </a:solidFill>
+              </a:rPr>
+              <a:t>Angolo di piega con l’accelerometro</a:t>
+            </a:r>
+          </a:p>
+        </p:txBody>
+      </p:sp>
+      <p:sp>
+        <p:nvSpPr>
+          <p:cNvPr id="3" name="Segnaposto contenuto 2">
+            <a:extLst>
+              <a:ext uri="{FF2B5EF4-FFF2-40B4-BE49-F238E27FC236}">
+                <a16:creationId xmlns:a16="http://schemas.microsoft.com/office/drawing/2014/main" id="{BD444111-E208-7720-E902-B511234AD65C}"/>
+              </a:ext>
+            </a:extLst>
+          </p:cNvPr>
+          <p:cNvSpPr>
+            <a:spLocks noGrp="1"/>
+          </p:cNvSpPr>
+          <p:nvPr>
+            <p:ph idx="1"/>
+          </p:nvPr>
+        </p:nvSpPr>
+        <p:spPr>
+          <a:xfrm>
+            <a:off x="1371600" y="2318197"/>
+            <a:ext cx="7017392" cy="3683358"/>
+          </a:xfrm>
+        </p:spPr>
+        <p:txBody>
+          <a:bodyPr anchor="ctr">
+            <a:normAutofit/>
+          </a:bodyPr>
+          <a:lstStyle/>
+          <a:p>
+            <a:r>
+              <a:rPr lang="it-IT" dirty="0"/>
+              <a:t>È possibile calcolare l’angolo di piega anche come arcotangente del valore dell’accelerazione sull’asse perpendicolare all’asse di rotazione fratto l’accelerazione sull’asse z.</a:t>
+            </a:r>
+          </a:p>
+          <a:p>
+            <a:r>
+              <a:rPr lang="it-IT" dirty="0"/>
+              <a:t>La misurazione è tuttavia inaffidabile a causa del rumore introdotto dall’accelerometro e dalla presenza di altre accelerazioni</a:t>
+            </a:r>
+          </a:p>
+        </p:txBody>
+      </p:sp>
+      <p:cxnSp>
+        <p:nvCxnSpPr>
+          <p:cNvPr id="7" name="Connettore 2 6">
+            <a:extLst>
+              <a:ext uri="{FF2B5EF4-FFF2-40B4-BE49-F238E27FC236}">
+                <a16:creationId xmlns:a16="http://schemas.microsoft.com/office/drawing/2014/main" id="{51612E76-2304-2E85-8705-76AB4053B021}"/>
+              </a:ext>
+            </a:extLst>
+          </p:cNvPr>
+          <p:cNvCxnSpPr/>
+          <p:nvPr/>
+        </p:nvCxnSpPr>
+        <p:spPr>
+          <a:xfrm flipV="1">
+            <a:off x="10081258" y="3006095"/>
+            <a:ext cx="0" cy="1473627"/>
+          </a:xfrm>
+          <a:prstGeom prst="straightConnector1">
+            <a:avLst/>
+          </a:prstGeom>
+          <a:ln>
+            <a:tailEnd type="triangle"/>
+          </a:ln>
+        </p:spPr>
+        <p:style>
+          <a:lnRef idx="1">
+            <a:schemeClr val="accent1"/>
+          </a:lnRef>
+          <a:fillRef idx="0">
+            <a:schemeClr val="accent1"/>
+          </a:fillRef>
+          <a:effectRef idx="0">
+            <a:schemeClr val="accent1"/>
+          </a:effectRef>
+          <a:fontRef idx="minor">
+            <a:schemeClr val="tx1"/>
+          </a:fontRef>
+        </p:style>
+      </p:cxnSp>
+      <p:cxnSp>
+        <p:nvCxnSpPr>
+          <p:cNvPr id="13" name="Connettore 2 12">
+            <a:extLst>
+              <a:ext uri="{FF2B5EF4-FFF2-40B4-BE49-F238E27FC236}">
+                <a16:creationId xmlns:a16="http://schemas.microsoft.com/office/drawing/2014/main" id="{6BA4FD96-16D3-A648-91AD-A04279BB571E}"/>
+              </a:ext>
+            </a:extLst>
+          </p:cNvPr>
+          <p:cNvCxnSpPr>
+            <a:cxnSpLocks/>
+          </p:cNvCxnSpPr>
+          <p:nvPr/>
+        </p:nvCxnSpPr>
+        <p:spPr>
+          <a:xfrm>
+            <a:off x="10081258" y="4479722"/>
+            <a:ext cx="1510018" cy="0"/>
+          </a:xfrm>
+          <a:prstGeom prst="straightConnector1">
+            <a:avLst/>
+          </a:prstGeom>
+          <a:ln>
+            <a:tailEnd type="triangle"/>
+          </a:ln>
+        </p:spPr>
+        <p:style>
+          <a:lnRef idx="1">
+            <a:schemeClr val="accent1"/>
+          </a:lnRef>
+          <a:fillRef idx="0">
+            <a:schemeClr val="accent1"/>
+          </a:fillRef>
+          <a:effectRef idx="0">
+            <a:schemeClr val="accent1"/>
+          </a:effectRef>
+          <a:fontRef idx="minor">
+            <a:schemeClr val="tx1"/>
+          </a:fontRef>
+        </p:style>
+      </p:cxnSp>
+      <p:sp>
+        <p:nvSpPr>
+          <p:cNvPr id="15" name="CasellaDiTesto 14">
+            <a:extLst>
+              <a:ext uri="{FF2B5EF4-FFF2-40B4-BE49-F238E27FC236}">
+                <a16:creationId xmlns:a16="http://schemas.microsoft.com/office/drawing/2014/main" id="{DE34FB4A-C51E-E895-F2C6-20748EE8DB6E}"/>
+              </a:ext>
+            </a:extLst>
+          </p:cNvPr>
+          <p:cNvSpPr txBox="1"/>
+          <p:nvPr/>
+        </p:nvSpPr>
+        <p:spPr>
+          <a:xfrm>
+            <a:off x="9823506" y="2821429"/>
+            <a:ext cx="45719" cy="369332"/>
+          </a:xfrm>
+          <a:prstGeom prst="rect">
+            <a:avLst/>
+          </a:prstGeom>
+          <a:noFill/>
+        </p:spPr>
+        <p:txBody>
+          <a:bodyPr wrap="square" rtlCol="0">
+            <a:spAutoFit/>
+          </a:bodyPr>
+          <a:lstStyle/>
+          <a:p>
+            <a:r>
+              <a:rPr lang="it-IT" dirty="0"/>
+              <a:t>Z</a:t>
+            </a:r>
+          </a:p>
+        </p:txBody>
+      </p:sp>
+      <p:sp>
+        <p:nvSpPr>
+          <p:cNvPr id="17" name="CasellaDiTesto 16">
+            <a:extLst>
+              <a:ext uri="{FF2B5EF4-FFF2-40B4-BE49-F238E27FC236}">
+                <a16:creationId xmlns:a16="http://schemas.microsoft.com/office/drawing/2014/main" id="{23F3518B-9A5A-F8E8-33D5-BCDE4574DF94}"/>
+              </a:ext>
+            </a:extLst>
+          </p:cNvPr>
+          <p:cNvSpPr txBox="1"/>
+          <p:nvPr/>
+        </p:nvSpPr>
+        <p:spPr>
+          <a:xfrm>
+            <a:off x="11591276" y="4478442"/>
+            <a:ext cx="201335" cy="369332"/>
+          </a:xfrm>
+          <a:prstGeom prst="rect">
+            <a:avLst/>
+          </a:prstGeom>
+          <a:noFill/>
+        </p:spPr>
+        <p:txBody>
+          <a:bodyPr wrap="square" rtlCol="0">
+            <a:spAutoFit/>
+          </a:bodyPr>
+          <a:lstStyle/>
+          <a:p>
+            <a:r>
+              <a:rPr lang="it-IT" dirty="0"/>
+              <a:t>Y</a:t>
+            </a:r>
+          </a:p>
+        </p:txBody>
+      </p:sp>
+      <p:cxnSp>
+        <p:nvCxnSpPr>
+          <p:cNvPr id="19" name="Connettore 2 18">
+            <a:extLst>
+              <a:ext uri="{FF2B5EF4-FFF2-40B4-BE49-F238E27FC236}">
+                <a16:creationId xmlns:a16="http://schemas.microsoft.com/office/drawing/2014/main" id="{06FC4CEA-C691-3B6B-E987-B5D53F3BAB7F}"/>
+              </a:ext>
+            </a:extLst>
+          </p:cNvPr>
+          <p:cNvCxnSpPr/>
+          <p:nvPr/>
+        </p:nvCxnSpPr>
+        <p:spPr>
+          <a:xfrm>
+            <a:off x="10081258" y="4478442"/>
+            <a:ext cx="0" cy="882124"/>
+          </a:xfrm>
+          <a:prstGeom prst="straightConnector1">
+            <a:avLst/>
+          </a:prstGeom>
+          <a:ln>
+            <a:tailEnd type="triangle"/>
+          </a:ln>
+        </p:spPr>
+        <p:style>
+          <a:lnRef idx="1">
+            <a:schemeClr val="accent2"/>
+          </a:lnRef>
+          <a:fillRef idx="0">
+            <a:schemeClr val="accent2"/>
+          </a:fillRef>
+          <a:effectRef idx="0">
+            <a:schemeClr val="accent2"/>
+          </a:effectRef>
+          <a:fontRef idx="minor">
+            <a:schemeClr val="tx1"/>
+          </a:fontRef>
+        </p:style>
+      </p:cxnSp>
+      <p:sp>
+        <p:nvSpPr>
+          <p:cNvPr id="20" name="CasellaDiTesto 19">
+            <a:extLst>
+              <a:ext uri="{FF2B5EF4-FFF2-40B4-BE49-F238E27FC236}">
+                <a16:creationId xmlns:a16="http://schemas.microsoft.com/office/drawing/2014/main" id="{7330AE49-DA80-17EE-B595-351B853BF94A}"/>
+              </a:ext>
+            </a:extLst>
+          </p:cNvPr>
+          <p:cNvSpPr txBox="1"/>
+          <p:nvPr/>
+        </p:nvSpPr>
+        <p:spPr>
+          <a:xfrm>
+            <a:off x="9791551" y="4663108"/>
+            <a:ext cx="450036" cy="369332"/>
+          </a:xfrm>
+          <a:prstGeom prst="rect">
+            <a:avLst/>
+          </a:prstGeom>
+          <a:noFill/>
+        </p:spPr>
+        <p:txBody>
+          <a:bodyPr wrap="square" rtlCol="0">
+            <a:spAutoFit/>
+          </a:bodyPr>
+          <a:lstStyle/>
+          <a:p>
+            <a:r>
+              <a:rPr lang="it-IT" dirty="0"/>
+              <a:t>g</a:t>
+            </a:r>
+          </a:p>
+        </p:txBody>
+      </p:sp>
+      <p:cxnSp>
+        <p:nvCxnSpPr>
+          <p:cNvPr id="22" name="Connettore 2 21">
+            <a:extLst>
+              <a:ext uri="{FF2B5EF4-FFF2-40B4-BE49-F238E27FC236}">
+                <a16:creationId xmlns:a16="http://schemas.microsoft.com/office/drawing/2014/main" id="{DAD3555F-2A8C-48FB-6429-0A59E8729557}"/>
+              </a:ext>
+            </a:extLst>
+          </p:cNvPr>
+          <p:cNvCxnSpPr>
+            <a:cxnSpLocks/>
+          </p:cNvCxnSpPr>
+          <p:nvPr/>
+        </p:nvCxnSpPr>
+        <p:spPr>
+          <a:xfrm flipH="1" flipV="1">
+            <a:off x="9695625" y="3948985"/>
+            <a:ext cx="385633" cy="529457"/>
+          </a:xfrm>
+          <a:prstGeom prst="straightConnector1">
+            <a:avLst/>
+          </a:prstGeom>
+          <a:ln>
+            <a:tailEnd type="triangle"/>
+          </a:ln>
+        </p:spPr>
+        <p:style>
+          <a:lnRef idx="1">
+            <a:schemeClr val="accent1"/>
+          </a:lnRef>
+          <a:fillRef idx="0">
+            <a:schemeClr val="accent1"/>
+          </a:fillRef>
+          <a:effectRef idx="0">
+            <a:schemeClr val="accent1"/>
+          </a:effectRef>
+          <a:fontRef idx="minor">
+            <a:schemeClr val="tx1"/>
+          </a:fontRef>
+        </p:style>
+      </p:cxnSp>
+      <p:sp>
+        <p:nvSpPr>
+          <p:cNvPr id="23" name="CasellaDiTesto 22">
+            <a:extLst>
+              <a:ext uri="{FF2B5EF4-FFF2-40B4-BE49-F238E27FC236}">
+                <a16:creationId xmlns:a16="http://schemas.microsoft.com/office/drawing/2014/main" id="{9F6F6529-79AA-D7C3-CC73-A7340BDA2E88}"/>
+              </a:ext>
+            </a:extLst>
+          </p:cNvPr>
+          <p:cNvSpPr txBox="1"/>
+          <p:nvPr/>
+        </p:nvSpPr>
+        <p:spPr>
+          <a:xfrm>
+            <a:off x="9013972" y="3963009"/>
+            <a:ext cx="746620" cy="307777"/>
+          </a:xfrm>
+          <a:prstGeom prst="rect">
+            <a:avLst/>
+          </a:prstGeom>
+          <a:noFill/>
+        </p:spPr>
+        <p:txBody>
+          <a:bodyPr wrap="square" rtlCol="0">
+            <a:spAutoFit/>
+          </a:bodyPr>
+          <a:lstStyle/>
+          <a:p>
+            <a:r>
+              <a:rPr lang="it-IT" sz="1400" dirty="0" err="1"/>
+              <a:t>accZ</a:t>
+            </a:r>
+            <a:endParaRPr lang="it-IT" sz="1400" dirty="0"/>
+          </a:p>
+        </p:txBody>
+      </p:sp>
+      <p:cxnSp>
+        <p:nvCxnSpPr>
+          <p:cNvPr id="25" name="Connettore 2 24">
+            <a:extLst>
+              <a:ext uri="{FF2B5EF4-FFF2-40B4-BE49-F238E27FC236}">
+                <a16:creationId xmlns:a16="http://schemas.microsoft.com/office/drawing/2014/main" id="{1D704431-0936-F2FD-0168-008A29F375C9}"/>
+              </a:ext>
+            </a:extLst>
+          </p:cNvPr>
+          <p:cNvCxnSpPr>
+            <a:cxnSpLocks/>
+          </p:cNvCxnSpPr>
+          <p:nvPr/>
+        </p:nvCxnSpPr>
+        <p:spPr>
+          <a:xfrm flipV="1">
+            <a:off x="10081258" y="4213713"/>
+            <a:ext cx="320666" cy="266009"/>
+          </a:xfrm>
+          <a:prstGeom prst="straightConnector1">
+            <a:avLst/>
+          </a:prstGeom>
+          <a:ln>
+            <a:tailEnd type="triangle"/>
+          </a:ln>
+        </p:spPr>
+        <p:style>
+          <a:lnRef idx="1">
+            <a:schemeClr val="accent1"/>
+          </a:lnRef>
+          <a:fillRef idx="0">
+            <a:schemeClr val="accent1"/>
+          </a:fillRef>
+          <a:effectRef idx="0">
+            <a:schemeClr val="accent1"/>
+          </a:effectRef>
+          <a:fontRef idx="minor">
+            <a:schemeClr val="tx1"/>
+          </a:fontRef>
+        </p:style>
+      </p:cxnSp>
+      <p:sp>
+        <p:nvSpPr>
+          <p:cNvPr id="28" name="CasellaDiTesto 27">
+            <a:extLst>
+              <a:ext uri="{FF2B5EF4-FFF2-40B4-BE49-F238E27FC236}">
+                <a16:creationId xmlns:a16="http://schemas.microsoft.com/office/drawing/2014/main" id="{1F47AF11-8311-30B2-EB8A-BEE6BDF8FE35}"/>
+              </a:ext>
+            </a:extLst>
+          </p:cNvPr>
+          <p:cNvSpPr txBox="1"/>
+          <p:nvPr/>
+        </p:nvSpPr>
+        <p:spPr>
+          <a:xfrm>
+            <a:off x="10195594" y="3845662"/>
+            <a:ext cx="746620" cy="307777"/>
+          </a:xfrm>
+          <a:prstGeom prst="rect">
+            <a:avLst/>
+          </a:prstGeom>
+          <a:noFill/>
+        </p:spPr>
+        <p:txBody>
+          <a:bodyPr wrap="square" rtlCol="0">
+            <a:spAutoFit/>
+          </a:bodyPr>
+          <a:lstStyle/>
+          <a:p>
+            <a:r>
+              <a:rPr lang="it-IT" sz="1400" dirty="0" err="1"/>
+              <a:t>accY</a:t>
+            </a:r>
+            <a:endParaRPr lang="it-IT" sz="1400" dirty="0"/>
+          </a:p>
+        </p:txBody>
+      </p:sp>
+      <p:sp>
+        <p:nvSpPr>
+          <p:cNvPr id="29" name="Arco 28">
+            <a:extLst>
+              <a:ext uri="{FF2B5EF4-FFF2-40B4-BE49-F238E27FC236}">
+                <a16:creationId xmlns:a16="http://schemas.microsoft.com/office/drawing/2014/main" id="{A7592F53-11F1-1504-B9CB-F07D4A960D0F}"/>
+              </a:ext>
+            </a:extLst>
+          </p:cNvPr>
+          <p:cNvSpPr/>
+          <p:nvPr/>
+        </p:nvSpPr>
+        <p:spPr>
+          <a:xfrm>
+            <a:off x="10241590" y="4282281"/>
+            <a:ext cx="160331" cy="392322"/>
+          </a:xfrm>
+          <a:prstGeom prst="arc">
+            <a:avLst/>
+          </a:prstGeom>
+        </p:spPr>
+        <p:style>
+          <a:lnRef idx="1">
+            <a:schemeClr val="accent1"/>
+          </a:lnRef>
+          <a:fillRef idx="0">
+            <a:schemeClr val="accent1"/>
+          </a:fillRef>
+          <a:effectRef idx="0">
+            <a:schemeClr val="accent1"/>
+          </a:effectRef>
+          <a:fontRef idx="minor">
+            <a:schemeClr val="tx1"/>
+          </a:fontRef>
+        </p:style>
+        <p:txBody>
+          <a:bodyPr rtlCol="0" anchor="ctr"/>
+          <a:lstStyle/>
+          <a:p>
+            <a:pPr algn="ctr"/>
+            <a:endParaRPr lang="it-IT"/>
+          </a:p>
+        </p:txBody>
+      </p:sp>
+      <p:sp>
+        <p:nvSpPr>
+          <p:cNvPr id="30" name="CasellaDiTesto 29">
+            <a:extLst>
+              <a:ext uri="{FF2B5EF4-FFF2-40B4-BE49-F238E27FC236}">
+                <a16:creationId xmlns:a16="http://schemas.microsoft.com/office/drawing/2014/main" id="{16CC6918-26BC-E2C2-E1B6-A3F95E1D2786}"/>
+              </a:ext>
+            </a:extLst>
+          </p:cNvPr>
+          <p:cNvSpPr txBox="1"/>
+          <p:nvPr/>
+        </p:nvSpPr>
+        <p:spPr>
+          <a:xfrm>
+            <a:off x="10401921" y="4213713"/>
+            <a:ext cx="450029" cy="369329"/>
+          </a:xfrm>
+          <a:prstGeom prst="rect">
+            <a:avLst/>
+          </a:prstGeom>
+          <a:noFill/>
+        </p:spPr>
+        <p:txBody>
+          <a:bodyPr wrap="square" rtlCol="0">
+            <a:spAutoFit/>
+          </a:bodyPr>
+          <a:lstStyle/>
+          <a:p>
+            <a:r>
+              <a:rPr lang="it-IT" dirty="0">
+                <a:latin typeface="Times New Roman" panose="02020603050405020304" pitchFamily="18" charset="0"/>
+                <a:cs typeface="Times New Roman" panose="02020603050405020304" pitchFamily="18" charset="0"/>
+              </a:rPr>
+              <a:t>ᶿ</a:t>
+            </a:r>
+            <a:endParaRPr lang="it-IT" dirty="0"/>
+          </a:p>
+        </p:txBody>
+      </p:sp>
+    </p:spTree>
+    <p:extLst>
+      <p:ext uri="{BB962C8B-B14F-4D97-AF65-F5344CB8AC3E}">
+        <p14:creationId xmlns:p14="http://schemas.microsoft.com/office/powerpoint/2010/main" val="2089746602"/>
+      </p:ext>
+    </p:extLst>
+  </p:cSld>
+  <p:clrMapOvr>
+    <a:masterClrMapping/>
+  </p:clrMapOvr>
+</p:sld>
+</file>
+
+<file path=ppt/slides/slide8.xml><?xml version="1.0" encoding="utf-8"?>
+<p:sld xmlns:a="http://schemas.openxmlformats.org/drawingml/2006/main" xmlns:r="http://schemas.openxmlformats.org/officeDocument/2006/relationships" xmlns:p="http://schemas.openxmlformats.org/presentationml/2006/main">
+  <p:cSld>
+    <p:bg>
+      <p:bgPr>
+        <a:solidFill>
+          <a:schemeClr val="bg1"/>
+        </a:solidFill>
+        <a:effectLst/>
+      </p:bgPr>
+    </p:bg>
+    <p:spTree>
+      <p:nvGrpSpPr>
+        <p:cNvPr id="1" name=""/>
+        <p:cNvGrpSpPr/>
+        <p:nvPr/>
+      </p:nvGrpSpPr>
+      <p:grpSpPr>
+        <a:xfrm>
+          <a:off x="0" y="0"/>
+          <a:ext cx="0" cy="0"/>
+          <a:chOff x="0" y="0"/>
+          <a:chExt cx="0" cy="0"/>
+        </a:xfrm>
+      </p:grpSpPr>
+      <p:sp useBgFill="1">
+        <p:nvSpPr>
+          <p:cNvPr id="8" name="Rectangle 7">
+            <a:extLst>
+              <a:ext uri="{FF2B5EF4-FFF2-40B4-BE49-F238E27FC236}">
+                <a16:creationId xmlns:a16="http://schemas.microsoft.com/office/drawing/2014/main" id="{1B15ED52-F352-441B-82BF-E0EA34836D08}"/>
+              </a:ext>
+              <a:ext uri="{C183D7F6-B498-43B3-948B-1728B52AA6E4}">
+                <adec:decorative xmlns:adec="http://schemas.microsoft.com/office/drawing/2017/decorative" val="1"/>
+              </a:ext>
+            </a:extLst>
+          </p:cNvPr>
+          <p:cNvSpPr>
+            <a:spLocks noGrp="1" noRot="1" noChangeAspect="1" noMove="1" noResize="1" noEditPoints="1" noAdjustHandles="1" noChangeArrowheads="1" noChangeShapeType="1" noTextEdit="1"/>
+          </p:cNvSpPr>
+          <p:nvPr>
+            <p:extLst>
+              <p:ext uri="{386F3935-93C4-4BCD-93E2-E3B085C9AB24}">
+                <p16:designElem xmlns:p16="http://schemas.microsoft.com/office/powerpoint/2015/main" val="1"/>
+              </p:ext>
+            </p:extLst>
+          </p:nvPr>
+        </p:nvSpPr>
+        <p:spPr>
+          <a:xfrm>
+            <a:off x="0" y="0"/>
+            <a:ext cx="12192000" cy="6858000"/>
+          </a:xfrm>
+          <a:prstGeom prst="rect">
+            <a:avLst/>
+          </a:prstGeom>
+          <a:ln w="12700" cap="flat" cmpd="sng" algn="ctr">
+            <a:noFill/>
+            <a:prstDash val="solid"/>
+            <a:miter lim="800000"/>
+          </a:ln>
+          <a:effectLst/>
+          <a:extLst>
+            <a:ext uri="{91240B29-F687-4F45-9708-019B960494DF}">
+              <a14:hiddenLine xmlns:a14="http://schemas.microsoft.com/office/drawing/2010/main" w="12700" cap="flat" cmpd="sng" algn="ctr">
+                <a:solidFill>
+                  <a:schemeClr val="accent1">
+                    <a:shade val="50000"/>
+                  </a:schemeClr>
+                </a:solidFill>
+                <a:prstDash val="solid"/>
+                <a:miter lim="800000"/>
+              </a14:hiddenLine>
+            </a:ext>
+          </a:extLst>
+        </p:spPr>
+        <p:style>
+          <a:lnRef idx="2">
+            <a:schemeClr val="accent1">
+              <a:shade val="50000"/>
+            </a:schemeClr>
+          </a:lnRef>
+          <a:fillRef idx="1">
+            <a:schemeClr val="accent1"/>
+          </a:fillRef>
+          <a:effectRef idx="0">
+            <a:schemeClr val="accent1"/>
+          </a:effectRef>
+          <a:fontRef idx="minor">
+            <a:schemeClr val="lt1"/>
+          </a:fontRef>
+        </p:style>
+        <p:txBody>
+          <a:bodyPr rtlCol="0" anchor="ctr"/>
+          <a:lstStyle/>
+          <a:p>
+            <a:pPr algn="ctr"/>
+            <a:endParaRPr lang="en-US"/>
+          </a:p>
+        </p:txBody>
+      </p:sp>
+      <p:sp>
+        <p:nvSpPr>
+          <p:cNvPr id="10" name="Rectangle 9">
+            <a:extLst>
+              <a:ext uri="{FF2B5EF4-FFF2-40B4-BE49-F238E27FC236}">
+                <a16:creationId xmlns:a16="http://schemas.microsoft.com/office/drawing/2014/main" id="{3B2E3793-BFE6-45A2-9B7B-E18844431C99}"/>
+              </a:ext>
+              <a:ext uri="{C183D7F6-B498-43B3-948B-1728B52AA6E4}">
+                <adec:decorative xmlns:adec="http://schemas.microsoft.com/office/drawing/2017/decorative" val="1"/>
+              </a:ext>
+            </a:extLst>
+          </p:cNvPr>
+          <p:cNvSpPr>
+            <a:spLocks noGrp="1" noRot="1" noChangeAspect="1" noMove="1" noResize="1" noEditPoints="1" noAdjustHandles="1" noChangeArrowheads="1" noChangeShapeType="1" noTextEdit="1"/>
+          </p:cNvSpPr>
+          <p:nvPr>
+            <p:extLst>
+              <p:ext uri="{386F3935-93C4-4BCD-93E2-E3B085C9AB24}">
+                <p16:designElem xmlns:p16="http://schemas.microsoft.com/office/powerpoint/2015/main" val="1"/>
+              </p:ext>
+            </p:extLst>
+          </p:nvPr>
+        </p:nvSpPr>
+        <p:spPr>
+          <a:xfrm flipH="1">
+            <a:off x="-1" y="-1"/>
+            <a:ext cx="12191998" cy="1590742"/>
+          </a:xfrm>
+          <a:prstGeom prst="rect">
+            <a:avLst/>
+          </a:prstGeom>
+          <a:gradFill>
+            <a:gsLst>
+              <a:gs pos="0">
+                <a:srgbClr val="000000"/>
+              </a:gs>
+              <a:gs pos="100000">
+                <a:schemeClr val="accent1">
+                  <a:lumMod val="75000"/>
+                </a:schemeClr>
+              </a:gs>
+            </a:gsLst>
+            <a:lin ang="8400000" scaled="0"/>
+          </a:gradFill>
+          <a:ln>
+            <a:noFill/>
+          </a:ln>
+        </p:spPr>
+        <p:style>
+          <a:lnRef idx="2">
+            <a:schemeClr val="accent1">
+              <a:shade val="50000"/>
+            </a:schemeClr>
+          </a:lnRef>
+          <a:fillRef idx="1">
+            <a:schemeClr val="accent1"/>
+          </a:fillRef>
+          <a:effectRef idx="0">
+            <a:schemeClr val="accent1"/>
+          </a:effectRef>
+          <a:fontRef idx="minor">
+            <a:schemeClr val="lt1"/>
+          </a:fontRef>
+        </p:style>
+        <p:txBody>
+          <a:bodyPr rtlCol="0" anchor="ctr"/>
+          <a:lstStyle/>
+          <a:p>
+            <a:pPr algn="ctr"/>
+            <a:endParaRPr lang="en-US"/>
+          </a:p>
+        </p:txBody>
+      </p:sp>
+      <p:sp>
+        <p:nvSpPr>
+          <p:cNvPr id="12" name="Rectangle 11">
+            <a:extLst>
+              <a:ext uri="{FF2B5EF4-FFF2-40B4-BE49-F238E27FC236}">
+                <a16:creationId xmlns:a16="http://schemas.microsoft.com/office/drawing/2014/main" id="{BC4C4868-CB8F-4AF9-9CDB-8108F2C19B67}"/>
+              </a:ext>
+              <a:ext uri="{C183D7F6-B498-43B3-948B-1728B52AA6E4}">
+                <adec:decorative xmlns:adec="http://schemas.microsoft.com/office/drawing/2017/decorative" val="1"/>
+              </a:ext>
+            </a:extLst>
+          </p:cNvPr>
+          <p:cNvSpPr>
+            <a:spLocks noGrp="1" noRot="1" noChangeAspect="1" noMove="1" noResize="1" noEditPoints="1" noAdjustHandles="1" noChangeArrowheads="1" noChangeShapeType="1" noTextEdit="1"/>
+          </p:cNvSpPr>
+          <p:nvPr>
+            <p:extLst>
+              <p:ext uri="{386F3935-93C4-4BCD-93E2-E3B085C9AB24}">
+                <p16:designElem xmlns:p16="http://schemas.microsoft.com/office/powerpoint/2015/main" val="1"/>
+              </p:ext>
+            </p:extLst>
+          </p:nvPr>
+        </p:nvSpPr>
+        <p:spPr>
+          <a:xfrm rot="10800000" flipH="1">
+            <a:off x="-3" y="0"/>
+            <a:ext cx="8115306" cy="1590742"/>
+          </a:xfrm>
+          <a:prstGeom prst="rect">
+            <a:avLst/>
+          </a:prstGeom>
+          <a:gradFill>
+            <a:gsLst>
+              <a:gs pos="20000">
+                <a:schemeClr val="accent1">
+                  <a:alpha val="0"/>
+                </a:schemeClr>
+              </a:gs>
+              <a:gs pos="100000">
+                <a:schemeClr val="accent1">
+                  <a:lumMod val="50000"/>
+                  <a:alpha val="55000"/>
+                </a:schemeClr>
+              </a:gs>
+            </a:gsLst>
+            <a:lin ang="13800000" scaled="0"/>
+          </a:gradFill>
+          <a:ln>
+            <a:noFill/>
+          </a:ln>
+        </p:spPr>
+        <p:style>
+          <a:lnRef idx="2">
+            <a:schemeClr val="accent1">
+              <a:shade val="50000"/>
+            </a:schemeClr>
+          </a:lnRef>
+          <a:fillRef idx="1">
+            <a:schemeClr val="accent1"/>
+          </a:fillRef>
+          <a:effectRef idx="0">
+            <a:schemeClr val="accent1"/>
+          </a:effectRef>
+          <a:fontRef idx="minor">
+            <a:schemeClr val="lt1"/>
+          </a:fontRef>
+        </p:style>
+        <p:txBody>
+          <a:bodyPr rtlCol="0" anchor="ctr"/>
+          <a:lstStyle/>
+          <a:p>
+            <a:pPr algn="ctr"/>
+            <a:endParaRPr lang="en-US"/>
+          </a:p>
+        </p:txBody>
+      </p:sp>
+      <p:sp>
+        <p:nvSpPr>
+          <p:cNvPr id="14" name="Rectangle 13">
+            <a:extLst>
+              <a:ext uri="{FF2B5EF4-FFF2-40B4-BE49-F238E27FC236}">
+                <a16:creationId xmlns:a16="http://schemas.microsoft.com/office/drawing/2014/main" id="{375E0459-6403-40CD-989D-56A4407CA12E}"/>
+              </a:ext>
+              <a:ext uri="{C183D7F6-B498-43B3-948B-1728B52AA6E4}">
+                <adec:decorative xmlns:adec="http://schemas.microsoft.com/office/drawing/2017/decorative" val="1"/>
+              </a:ext>
+            </a:extLst>
+          </p:cNvPr>
+          <p:cNvSpPr>
+            <a:spLocks noGrp="1" noRot="1" noChangeAspect="1" noMove="1" noResize="1" noEditPoints="1" noAdjustHandles="1" noChangeArrowheads="1" noChangeShapeType="1" noTextEdit="1"/>
+          </p:cNvSpPr>
+          <p:nvPr>
+            <p:extLst>
+              <p:ext uri="{386F3935-93C4-4BCD-93E2-E3B085C9AB24}">
+                <p16:designElem xmlns:p16="http://schemas.microsoft.com/office/powerpoint/2015/main" val="1"/>
+              </p:ext>
+            </p:extLst>
+          </p:nvPr>
+        </p:nvSpPr>
+        <p:spPr>
+          <a:xfrm flipH="1">
+            <a:off x="8115299" y="-1"/>
+            <a:ext cx="4076698" cy="1590742"/>
+          </a:xfrm>
+          <a:prstGeom prst="rect">
+            <a:avLst/>
+          </a:prstGeom>
+          <a:gradFill>
+            <a:gsLst>
+              <a:gs pos="0">
+                <a:schemeClr val="accent1">
+                  <a:alpha val="66000"/>
+                </a:schemeClr>
+              </a:gs>
+              <a:gs pos="100000">
+                <a:srgbClr val="000000">
+                  <a:alpha val="30000"/>
+                </a:srgbClr>
+              </a:gs>
+            </a:gsLst>
+            <a:lin ang="13200000" scaled="0"/>
+          </a:gradFill>
+          <a:ln>
+            <a:noFill/>
+          </a:ln>
+        </p:spPr>
+        <p:style>
+          <a:lnRef idx="2">
+            <a:schemeClr val="accent1">
+              <a:shade val="50000"/>
+            </a:schemeClr>
+          </a:lnRef>
+          <a:fillRef idx="1">
+            <a:schemeClr val="accent1"/>
+          </a:fillRef>
+          <a:effectRef idx="0">
+            <a:schemeClr val="accent1"/>
+          </a:effectRef>
+          <a:fontRef idx="minor">
+            <a:schemeClr val="lt1"/>
+          </a:fontRef>
+        </p:style>
+        <p:txBody>
+          <a:bodyPr rtlCol="0" anchor="ctr"/>
+          <a:lstStyle/>
+          <a:p>
+            <a:pPr algn="ctr"/>
+            <a:endParaRPr lang="en-US"/>
+          </a:p>
+        </p:txBody>
+      </p:sp>
+      <p:sp>
+        <p:nvSpPr>
+          <p:cNvPr id="16" name="Rectangle 15">
+            <a:extLst>
+              <a:ext uri="{FF2B5EF4-FFF2-40B4-BE49-F238E27FC236}">
+                <a16:creationId xmlns:a16="http://schemas.microsoft.com/office/drawing/2014/main" id="{53E5B1A8-3AC9-4BD1-9BBC-78CA94F2D1BA}"/>
+              </a:ext>
+              <a:ext uri="{C183D7F6-B498-43B3-948B-1728B52AA6E4}">
+                <adec:decorative xmlns:adec="http://schemas.microsoft.com/office/drawing/2017/decorative" val="1"/>
+              </a:ext>
+            </a:extLst>
+          </p:cNvPr>
+          <p:cNvSpPr>
+            <a:spLocks noGrp="1" noRot="1" noChangeAspect="1" noMove="1" noResize="1" noEditPoints="1" noAdjustHandles="1" noChangeArrowheads="1" noChangeShapeType="1" noTextEdit="1"/>
+          </p:cNvSpPr>
+          <p:nvPr>
+            <p:extLst>
+              <p:ext uri="{386F3935-93C4-4BCD-93E2-E3B085C9AB24}">
+                <p16:designElem xmlns:p16="http://schemas.microsoft.com/office/powerpoint/2015/main" val="1"/>
+              </p:ext>
+            </p:extLst>
+          </p:nvPr>
+        </p:nvSpPr>
+        <p:spPr>
+          <a:xfrm>
+            <a:off x="459350" y="-1"/>
+            <a:ext cx="11732646" cy="1597433"/>
+          </a:xfrm>
+          <a:prstGeom prst="rect">
+            <a:avLst/>
+          </a:prstGeom>
+          <a:gradFill>
+            <a:gsLst>
+              <a:gs pos="50000">
+                <a:srgbClr val="000000">
+                  <a:alpha val="0"/>
+                </a:srgbClr>
+              </a:gs>
+              <a:gs pos="99000">
+                <a:schemeClr val="accent1">
+                  <a:lumMod val="50000"/>
+                  <a:alpha val="52000"/>
+                </a:schemeClr>
+              </a:gs>
+            </a:gsLst>
+            <a:lin ang="16800000" scaled="0"/>
+          </a:gradFill>
+          <a:ln>
+            <a:noFill/>
+          </a:ln>
+        </p:spPr>
+        <p:style>
+          <a:lnRef idx="2">
+            <a:schemeClr val="accent1">
+              <a:shade val="50000"/>
+            </a:schemeClr>
+          </a:lnRef>
+          <a:fillRef idx="1">
+            <a:schemeClr val="accent1"/>
+          </a:fillRef>
+          <a:effectRef idx="0">
+            <a:schemeClr val="accent1"/>
+          </a:effectRef>
+          <a:fontRef idx="minor">
+            <a:schemeClr val="lt1"/>
+          </a:fontRef>
+        </p:style>
+        <p:txBody>
+          <a:bodyPr rtlCol="0" anchor="ctr"/>
+          <a:lstStyle/>
+          <a:p>
+            <a:pPr algn="ctr"/>
+            <a:endParaRPr lang="en-US"/>
+          </a:p>
+        </p:txBody>
+      </p:sp>
+      <p:sp>
+        <p:nvSpPr>
+          <p:cNvPr id="2" name="Titolo 1">
+            <a:extLst>
+              <a:ext uri="{FF2B5EF4-FFF2-40B4-BE49-F238E27FC236}">
+                <a16:creationId xmlns:a16="http://schemas.microsoft.com/office/drawing/2014/main" id="{2EF822A0-8E91-B721-F83E-102D0283FFA0}"/>
+              </a:ext>
+            </a:extLst>
+          </p:cNvPr>
+          <p:cNvSpPr>
+            <a:spLocks noGrp="1"/>
+          </p:cNvSpPr>
+          <p:nvPr>
+            <p:ph type="title"/>
+          </p:nvPr>
+        </p:nvSpPr>
+        <p:spPr>
+          <a:xfrm>
+            <a:off x="1371599" y="294538"/>
+            <a:ext cx="9895951" cy="1033669"/>
+          </a:xfrm>
+        </p:spPr>
+        <p:txBody>
+          <a:bodyPr>
+            <a:normAutofit/>
+          </a:bodyPr>
+          <a:lstStyle/>
+          <a:p>
+            <a:r>
+              <a:rPr lang="it-IT" sz="4000" dirty="0">
+                <a:solidFill>
+                  <a:srgbClr val="FFFFFF"/>
+                </a:solidFill>
+              </a:rPr>
+              <a:t>Il filtro complementare e l’angolo di piega</a:t>
+            </a:r>
+          </a:p>
+        </p:txBody>
+      </p:sp>
+      <mc:AlternateContent xmlns:mc="http://schemas.openxmlformats.org/markup-compatibility/2006">
+        <mc:Choice xmlns:a14="http://schemas.microsoft.com/office/drawing/2010/main" Requires="a14">
+          <p:sp>
+            <p:nvSpPr>
+              <p:cNvPr id="3" name="Segnaposto contenuto 2">
+                <a:extLst>
+                  <a:ext uri="{FF2B5EF4-FFF2-40B4-BE49-F238E27FC236}">
+                    <a16:creationId xmlns:a16="http://schemas.microsoft.com/office/drawing/2014/main" id="{6DFE9166-79A3-9F8B-1B2F-77C6227C0727}"/>
+                  </a:ext>
+                </a:extLst>
+              </p:cNvPr>
+              <p:cNvSpPr>
+                <a:spLocks noGrp="1"/>
+              </p:cNvSpPr>
+              <p:nvPr>
+                <p:ph idx="1"/>
+              </p:nvPr>
+            </p:nvSpPr>
+            <p:spPr>
+              <a:xfrm>
+                <a:off x="1371599" y="2318197"/>
+                <a:ext cx="9724031" cy="3683358"/>
+              </a:xfrm>
+            </p:spPr>
+            <p:txBody>
+              <a:bodyPr anchor="ctr">
+                <a:normAutofit lnSpcReduction="10000"/>
+              </a:bodyPr>
+              <a:lstStyle/>
+              <a:p>
+                <a:r>
+                  <a:rPr lang="it-IT" dirty="0"/>
+                  <a:t>Utilizziamo il filtro complementare per combinare i valori ottenuti dai due sensori. L’utilizzo dei due sensori permette infatti di ottenere una misurazione accurata dell’angolo, eliminando le criticità introdotte dai due sensori.</a:t>
+                </a:r>
+              </a:p>
+              <a:p>
+                <a:r>
+                  <a:rPr lang="it-IT" dirty="0"/>
+                  <a:t>Nella pratica sommiamo i due valori ottenuti attraverso i due metodi di calcolo, prediligendo i valori ottenuti dal giroscopio:</a:t>
+                </a:r>
+              </a:p>
+              <a:p>
+                <a:pPr marL="0" indent="0">
+                  <a:buNone/>
+                </a:pPr>
+                <a14:m>
+                  <m:oMathPara xmlns:m="http://schemas.openxmlformats.org/officeDocument/2006/math">
+                    <m:oMathParaPr>
+                      <m:jc m:val="centerGroup"/>
+                    </m:oMathParaPr>
+                    <m:oMath xmlns:m="http://schemas.openxmlformats.org/officeDocument/2006/math">
+                      <m:sSub>
+                        <m:sSubPr>
+                          <m:ctrlPr>
+                            <a:rPr lang="it-IT" b="0" i="1" smtClean="0">
+                              <a:latin typeface="Cambria Math" panose="02040503050406030204" pitchFamily="18" charset="0"/>
+                            </a:rPr>
+                          </m:ctrlPr>
+                        </m:sSubPr>
+                        <m:e>
+                          <m:r>
+                            <a:rPr lang="it-IT" b="0" i="1" smtClean="0">
+                              <a:latin typeface="Cambria Math" panose="02040503050406030204" pitchFamily="18" charset="0"/>
+                            </a:rPr>
+                            <m:t>𝜃</m:t>
+                          </m:r>
+                        </m:e>
+                        <m:sub>
+                          <m:r>
+                            <a:rPr lang="it-IT" b="0" i="1" smtClean="0">
+                              <a:latin typeface="Cambria Math" panose="02040503050406030204" pitchFamily="18" charset="0"/>
+                            </a:rPr>
+                            <m:t>𝑓𝑖𝑛𝑎𝑙</m:t>
+                          </m:r>
+                        </m:sub>
+                      </m:sSub>
+                      <m:r>
+                        <a:rPr lang="it-IT" b="0" i="1" smtClean="0">
+                          <a:latin typeface="Cambria Math" panose="02040503050406030204" pitchFamily="18" charset="0"/>
+                        </a:rPr>
+                        <m:t>=0.95∗</m:t>
+                      </m:r>
+                      <m:sSub>
+                        <m:sSubPr>
+                          <m:ctrlPr>
+                            <a:rPr lang="it-IT" b="0" i="1" smtClean="0">
+                              <a:latin typeface="Cambria Math" panose="02040503050406030204" pitchFamily="18" charset="0"/>
+                            </a:rPr>
+                          </m:ctrlPr>
+                        </m:sSubPr>
+                        <m:e>
+                          <m:r>
+                            <a:rPr lang="it-IT" b="0" i="1" smtClean="0">
+                              <a:latin typeface="Cambria Math" panose="02040503050406030204" pitchFamily="18" charset="0"/>
+                            </a:rPr>
+                            <m:t>𝜃</m:t>
+                          </m:r>
+                        </m:e>
+                        <m:sub>
+                          <m:r>
+                            <a:rPr lang="it-IT" b="0" i="1" smtClean="0">
+                              <a:latin typeface="Cambria Math" panose="02040503050406030204" pitchFamily="18" charset="0"/>
+                            </a:rPr>
+                            <m:t>𝑔𝑦𝑟𝑜</m:t>
+                          </m:r>
+                        </m:sub>
+                      </m:sSub>
+                      <m:r>
+                        <a:rPr lang="it-IT" b="0" i="1" smtClean="0">
+                          <a:latin typeface="Cambria Math" panose="02040503050406030204" pitchFamily="18" charset="0"/>
+                        </a:rPr>
+                        <m:t>+0.05 ∗</m:t>
+                      </m:r>
+                      <m:sSub>
+                        <m:sSubPr>
+                          <m:ctrlPr>
+                            <a:rPr lang="it-IT" b="0" i="1" smtClean="0">
+                              <a:latin typeface="Cambria Math" panose="02040503050406030204" pitchFamily="18" charset="0"/>
+                            </a:rPr>
+                          </m:ctrlPr>
+                        </m:sSubPr>
+                        <m:e>
+                          <m:r>
+                            <a:rPr lang="it-IT" b="0" i="1" smtClean="0">
+                              <a:latin typeface="Cambria Math" panose="02040503050406030204" pitchFamily="18" charset="0"/>
+                            </a:rPr>
+                            <m:t>𝜃</m:t>
+                          </m:r>
+                        </m:e>
+                        <m:sub>
+                          <m:r>
+                            <a:rPr lang="it-IT" b="0" i="1" smtClean="0">
+                              <a:latin typeface="Cambria Math" panose="02040503050406030204" pitchFamily="18" charset="0"/>
+                            </a:rPr>
+                            <m:t>𝑎𝑐𝑐𝑒𝑙</m:t>
+                          </m:r>
+                        </m:sub>
+                      </m:sSub>
+                    </m:oMath>
+                  </m:oMathPara>
+                </a14:m>
+                <a:endParaRPr lang="it-IT" dirty="0"/>
+              </a:p>
+              <a:p>
+                <a:r>
+                  <a:rPr lang="it-IT" dirty="0"/>
+                  <a:t>Aggiorniamo i valori ogni volta che uno dei due sensori aggiorna il valore.</a:t>
+                </a:r>
+              </a:p>
+            </p:txBody>
+          </p:sp>
+        </mc:Choice>
+        <mc:Fallback>
+          <p:sp>
+            <p:nvSpPr>
+              <p:cNvPr id="3" name="Segnaposto contenuto 2">
+                <a:extLst>
+                  <a:ext uri="{FF2B5EF4-FFF2-40B4-BE49-F238E27FC236}">
+                    <a16:creationId xmlns:a16="http://schemas.microsoft.com/office/drawing/2014/main" id="{6DFE9166-79A3-9F8B-1B2F-77C6227C0727}"/>
+                  </a:ext>
+                </a:extLst>
+              </p:cNvPr>
+              <p:cNvSpPr>
+                <a:spLocks noGrp="1" noRot="1" noChangeAspect="1" noMove="1" noResize="1" noEditPoints="1" noAdjustHandles="1" noChangeArrowheads="1" noChangeShapeType="1" noTextEdit="1"/>
+              </p:cNvSpPr>
+              <p:nvPr>
+                <p:ph idx="1"/>
+              </p:nvPr>
+            </p:nvSpPr>
+            <p:spPr>
+              <a:xfrm>
+                <a:off x="1371599" y="2318197"/>
+                <a:ext cx="9724031" cy="3683358"/>
+              </a:xfrm>
+              <a:blipFill>
+                <a:blip r:embed="rId2"/>
+                <a:stretch>
+                  <a:fillRect l="-1129" t="-1157" r="-1254" b="-2149"/>
+                </a:stretch>
+              </a:blipFill>
+            </p:spPr>
+            <p:txBody>
+              <a:bodyPr/>
+              <a:lstStyle/>
+              <a:p>
+                <a:r>
+                  <a:rPr lang="it-IT">
+                    <a:noFill/>
+                  </a:rPr>
+                  <a:t> </a:t>
+                </a:r>
+              </a:p>
+            </p:txBody>
+          </p:sp>
+        </mc:Fallback>
+      </mc:AlternateContent>
+    </p:spTree>
+    <p:extLst>
+      <p:ext uri="{BB962C8B-B14F-4D97-AF65-F5344CB8AC3E}">
+        <p14:creationId xmlns:p14="http://schemas.microsoft.com/office/powerpoint/2010/main" val="401503863"/>
+      </p:ext>
+    </p:extLst>
+  </p:cSld>
+  <p:clrMapOvr>
+    <a:masterClrMapping/>
+  </p:clrMapOvr>
+</p:sld>
+</file>
+
 <file path=ppt/theme/theme1.xml><?xml version="1.0" encoding="utf-8"?>
 <a:theme xmlns:a="http://schemas.openxmlformats.org/drawingml/2006/main" name="Tema di Office">
   <a:themeElements>

--- a/BikeActivity.pptx
+++ b/BikeActivity.pptx
@@ -13,6 +13,14 @@
     <p:sldId id="263" r:id="rId7"/>
     <p:sldId id="264" r:id="rId8"/>
     <p:sldId id="262" r:id="rId9"/>
+    <p:sldId id="269" r:id="rId10"/>
+    <p:sldId id="265" r:id="rId11"/>
+    <p:sldId id="266" r:id="rId12"/>
+    <p:sldId id="270" r:id="rId13"/>
+    <p:sldId id="267" r:id="rId14"/>
+    <p:sldId id="268" r:id="rId15"/>
+    <p:sldId id="271" r:id="rId16"/>
+    <p:sldId id="272" r:id="rId17"/>
   </p:sldIdLst>
   <p:sldSz cx="12192000" cy="6858000"/>
   <p:notesSz cx="6858000" cy="9144000"/>
@@ -268,7 +276,7 @@
           <a:p>
             <a:fld id="{6DE7381E-2DFC-4962-8B7B-F0AA1A4B8166}" type="datetimeFigureOut">
               <a:rPr lang="en-GB" smtClean="0"/>
-              <a:t>20/06/2022</a:t>
+              <a:t>22/06/2022</a:t>
             </a:fld>
             <a:endParaRPr lang="en-GB" dirty="0"/>
           </a:p>
@@ -468,7 +476,7 @@
           <a:p>
             <a:fld id="{6DE7381E-2DFC-4962-8B7B-F0AA1A4B8166}" type="datetimeFigureOut">
               <a:rPr lang="en-GB" smtClean="0"/>
-              <a:t>20/06/2022</a:t>
+              <a:t>22/06/2022</a:t>
             </a:fld>
             <a:endParaRPr lang="en-GB" dirty="0"/>
           </a:p>
@@ -678,7 +686,7 @@
           <a:p>
             <a:fld id="{6DE7381E-2DFC-4962-8B7B-F0AA1A4B8166}" type="datetimeFigureOut">
               <a:rPr lang="en-GB" smtClean="0"/>
-              <a:t>20/06/2022</a:t>
+              <a:t>22/06/2022</a:t>
             </a:fld>
             <a:endParaRPr lang="en-GB" dirty="0"/>
           </a:p>
@@ -878,7 +886,7 @@
           <a:p>
             <a:fld id="{6DE7381E-2DFC-4962-8B7B-F0AA1A4B8166}" type="datetimeFigureOut">
               <a:rPr lang="en-GB" smtClean="0"/>
-              <a:t>20/06/2022</a:t>
+              <a:t>22/06/2022</a:t>
             </a:fld>
             <a:endParaRPr lang="en-GB" dirty="0"/>
           </a:p>
@@ -1154,7 +1162,7 @@
           <a:p>
             <a:fld id="{6DE7381E-2DFC-4962-8B7B-F0AA1A4B8166}" type="datetimeFigureOut">
               <a:rPr lang="en-GB" smtClean="0"/>
-              <a:t>20/06/2022</a:t>
+              <a:t>22/06/2022</a:t>
             </a:fld>
             <a:endParaRPr lang="en-GB" dirty="0"/>
           </a:p>
@@ -1422,7 +1430,7 @@
           <a:p>
             <a:fld id="{6DE7381E-2DFC-4962-8B7B-F0AA1A4B8166}" type="datetimeFigureOut">
               <a:rPr lang="en-GB" smtClean="0"/>
-              <a:t>20/06/2022</a:t>
+              <a:t>22/06/2022</a:t>
             </a:fld>
             <a:endParaRPr lang="en-GB" dirty="0"/>
           </a:p>
@@ -1837,7 +1845,7 @@
           <a:p>
             <a:fld id="{6DE7381E-2DFC-4962-8B7B-F0AA1A4B8166}" type="datetimeFigureOut">
               <a:rPr lang="en-GB" smtClean="0"/>
-              <a:t>20/06/2022</a:t>
+              <a:t>22/06/2022</a:t>
             </a:fld>
             <a:endParaRPr lang="en-GB" dirty="0"/>
           </a:p>
@@ -1979,7 +1987,7 @@
           <a:p>
             <a:fld id="{6DE7381E-2DFC-4962-8B7B-F0AA1A4B8166}" type="datetimeFigureOut">
               <a:rPr lang="en-GB" smtClean="0"/>
-              <a:t>20/06/2022</a:t>
+              <a:t>22/06/2022</a:t>
             </a:fld>
             <a:endParaRPr lang="en-GB" dirty="0"/>
           </a:p>
@@ -2092,7 +2100,7 @@
           <a:p>
             <a:fld id="{6DE7381E-2DFC-4962-8B7B-F0AA1A4B8166}" type="datetimeFigureOut">
               <a:rPr lang="en-GB" smtClean="0"/>
-              <a:t>20/06/2022</a:t>
+              <a:t>22/06/2022</a:t>
             </a:fld>
             <a:endParaRPr lang="en-GB" dirty="0"/>
           </a:p>
@@ -2405,7 +2413,7 @@
           <a:p>
             <a:fld id="{6DE7381E-2DFC-4962-8B7B-F0AA1A4B8166}" type="datetimeFigureOut">
               <a:rPr lang="en-GB" smtClean="0"/>
-              <a:t>20/06/2022</a:t>
+              <a:t>22/06/2022</a:t>
             </a:fld>
             <a:endParaRPr lang="en-GB" dirty="0"/>
           </a:p>
@@ -2694,7 +2702,7 @@
           <a:p>
             <a:fld id="{6DE7381E-2DFC-4962-8B7B-F0AA1A4B8166}" type="datetimeFigureOut">
               <a:rPr lang="en-GB" smtClean="0"/>
-              <a:t>20/06/2022</a:t>
+              <a:t>22/06/2022</a:t>
             </a:fld>
             <a:endParaRPr lang="en-GB" dirty="0"/>
           </a:p>
@@ -2937,7 +2945,7 @@
           <a:p>
             <a:fld id="{6DE7381E-2DFC-4962-8B7B-F0AA1A4B8166}" type="datetimeFigureOut">
               <a:rPr lang="en-GB" smtClean="0"/>
-              <a:t>20/06/2022</a:t>
+              <a:t>22/06/2022</a:t>
             </a:fld>
             <a:endParaRPr lang="en-GB" dirty="0"/>
           </a:p>
@@ -3993,6 +4001,4038 @@
 </p:sld>
 </file>
 
+<file path=ppt/slides/slide10.xml><?xml version="1.0" encoding="utf-8"?>
+<p:sld xmlns:a="http://schemas.openxmlformats.org/drawingml/2006/main" xmlns:r="http://schemas.openxmlformats.org/officeDocument/2006/relationships" xmlns:p="http://schemas.openxmlformats.org/presentationml/2006/main">
+  <p:cSld>
+    <p:bg>
+      <p:bgPr>
+        <a:solidFill>
+          <a:schemeClr val="bg1"/>
+        </a:solidFill>
+        <a:effectLst/>
+      </p:bgPr>
+    </p:bg>
+    <p:spTree>
+      <p:nvGrpSpPr>
+        <p:cNvPr id="1" name=""/>
+        <p:cNvGrpSpPr/>
+        <p:nvPr/>
+      </p:nvGrpSpPr>
+      <p:grpSpPr>
+        <a:xfrm>
+          <a:off x="0" y="0"/>
+          <a:ext cx="0" cy="0"/>
+          <a:chOff x="0" y="0"/>
+          <a:chExt cx="0" cy="0"/>
+        </a:xfrm>
+      </p:grpSpPr>
+      <p:sp useBgFill="1">
+        <p:nvSpPr>
+          <p:cNvPr id="124" name="Rectangle 115">
+            <a:extLst>
+              <a:ext uri="{FF2B5EF4-FFF2-40B4-BE49-F238E27FC236}">
+                <a16:creationId xmlns:a16="http://schemas.microsoft.com/office/drawing/2014/main" id="{A8384FB5-9ADC-4DDC-881B-597D56F5B15D}"/>
+              </a:ext>
+              <a:ext uri="{C183D7F6-B498-43B3-948B-1728B52AA6E4}">
+                <adec:decorative xmlns:adec="http://schemas.microsoft.com/office/drawing/2017/decorative" val="1"/>
+              </a:ext>
+            </a:extLst>
+          </p:cNvPr>
+          <p:cNvSpPr>
+            <a:spLocks noGrp="1" noRot="1" noChangeAspect="1" noMove="1" noResize="1" noEditPoints="1" noAdjustHandles="1" noChangeArrowheads="1" noChangeShapeType="1" noTextEdit="1"/>
+          </p:cNvSpPr>
+          <p:nvPr>
+            <p:extLst>
+              <p:ext uri="{386F3935-93C4-4BCD-93E2-E3B085C9AB24}">
+                <p16:designElem xmlns:p16="http://schemas.microsoft.com/office/powerpoint/2015/main" val="1"/>
+              </p:ext>
+            </p:extLst>
+          </p:nvPr>
+        </p:nvSpPr>
+        <p:spPr>
+          <a:xfrm>
+            <a:off x="0" y="0"/>
+            <a:ext cx="12192000" cy="6858000"/>
+          </a:xfrm>
+          <a:prstGeom prst="rect">
+            <a:avLst/>
+          </a:prstGeom>
+          <a:ln w="12700" cap="flat" cmpd="sng" algn="ctr">
+            <a:noFill/>
+            <a:prstDash val="solid"/>
+            <a:miter lim="800000"/>
+          </a:ln>
+          <a:effectLst/>
+          <a:extLst>
+            <a:ext uri="{91240B29-F687-4F45-9708-019B960494DF}">
+              <a14:hiddenLine xmlns:a14="http://schemas.microsoft.com/office/drawing/2010/main" w="12700" cap="flat" cmpd="sng" algn="ctr">
+                <a:solidFill>
+                  <a:schemeClr val="accent1">
+                    <a:shade val="50000"/>
+                  </a:schemeClr>
+                </a:solidFill>
+                <a:prstDash val="solid"/>
+                <a:miter lim="800000"/>
+              </a14:hiddenLine>
+            </a:ext>
+          </a:extLst>
+        </p:spPr>
+        <p:style>
+          <a:lnRef idx="2">
+            <a:schemeClr val="accent1">
+              <a:shade val="50000"/>
+            </a:schemeClr>
+          </a:lnRef>
+          <a:fillRef idx="1">
+            <a:schemeClr val="accent1"/>
+          </a:fillRef>
+          <a:effectRef idx="0">
+            <a:schemeClr val="accent1"/>
+          </a:effectRef>
+          <a:fontRef idx="minor">
+            <a:schemeClr val="lt1"/>
+          </a:fontRef>
+        </p:style>
+        <p:txBody>
+          <a:bodyPr rtlCol="0" anchor="ctr"/>
+          <a:lstStyle/>
+          <a:p>
+            <a:pPr algn="ctr"/>
+            <a:endParaRPr lang="en-US"/>
+          </a:p>
+        </p:txBody>
+      </p:sp>
+      <p:sp>
+        <p:nvSpPr>
+          <p:cNvPr id="125" name="Rectangle 117">
+            <a:extLst>
+              <a:ext uri="{FF2B5EF4-FFF2-40B4-BE49-F238E27FC236}">
+                <a16:creationId xmlns:a16="http://schemas.microsoft.com/office/drawing/2014/main" id="{1199E1B1-A8C0-4FE8-A5A8-1CB41D69F857}"/>
+              </a:ext>
+              <a:ext uri="{C183D7F6-B498-43B3-948B-1728B52AA6E4}">
+                <adec:decorative xmlns:adec="http://schemas.microsoft.com/office/drawing/2017/decorative" val="1"/>
+              </a:ext>
+            </a:extLst>
+          </p:cNvPr>
+          <p:cNvSpPr>
+            <a:spLocks noGrp="1" noRot="1" noChangeAspect="1" noMove="1" noResize="1" noEditPoints="1" noAdjustHandles="1" noChangeArrowheads="1" noChangeShapeType="1" noTextEdit="1"/>
+          </p:cNvSpPr>
+          <p:nvPr>
+            <p:extLst>
+              <p:ext uri="{386F3935-93C4-4BCD-93E2-E3B085C9AB24}">
+                <p16:designElem xmlns:p16="http://schemas.microsoft.com/office/powerpoint/2015/main" val="1"/>
+              </p:ext>
+            </p:extLst>
+          </p:nvPr>
+        </p:nvSpPr>
+        <p:spPr>
+          <a:xfrm rot="10800000" flipH="1">
+            <a:off x="2" y="0"/>
+            <a:ext cx="12191998" cy="1575955"/>
+          </a:xfrm>
+          <a:prstGeom prst="rect">
+            <a:avLst/>
+          </a:prstGeom>
+          <a:gradFill>
+            <a:gsLst>
+              <a:gs pos="0">
+                <a:srgbClr val="000000">
+                  <a:alpha val="96000"/>
+                </a:srgbClr>
+              </a:gs>
+              <a:gs pos="100000">
+                <a:schemeClr val="accent1">
+                  <a:lumMod val="75000"/>
+                </a:schemeClr>
+              </a:gs>
+            </a:gsLst>
+            <a:lin ang="6000000" scaled="0"/>
+          </a:gradFill>
+          <a:ln>
+            <a:noFill/>
+          </a:ln>
+        </p:spPr>
+        <p:style>
+          <a:lnRef idx="2">
+            <a:schemeClr val="accent1">
+              <a:shade val="50000"/>
+            </a:schemeClr>
+          </a:lnRef>
+          <a:fillRef idx="1">
+            <a:schemeClr val="accent1"/>
+          </a:fillRef>
+          <a:effectRef idx="0">
+            <a:schemeClr val="accent1"/>
+          </a:effectRef>
+          <a:fontRef idx="minor">
+            <a:schemeClr val="lt1"/>
+          </a:fontRef>
+        </p:style>
+        <p:txBody>
+          <a:bodyPr rtlCol="0" anchor="ctr"/>
+          <a:lstStyle/>
+          <a:p>
+            <a:pPr algn="ctr"/>
+            <a:endParaRPr lang="en-US"/>
+          </a:p>
+        </p:txBody>
+      </p:sp>
+      <p:sp>
+        <p:nvSpPr>
+          <p:cNvPr id="126" name="Rectangle 119">
+            <a:extLst>
+              <a:ext uri="{FF2B5EF4-FFF2-40B4-BE49-F238E27FC236}">
+                <a16:creationId xmlns:a16="http://schemas.microsoft.com/office/drawing/2014/main" id="{84A8DE83-DE75-4B41-9DB4-A7EC0B0DEC0B}"/>
+              </a:ext>
+              <a:ext uri="{C183D7F6-B498-43B3-948B-1728B52AA6E4}">
+                <adec:decorative xmlns:adec="http://schemas.microsoft.com/office/drawing/2017/decorative" val="1"/>
+              </a:ext>
+            </a:extLst>
+          </p:cNvPr>
+          <p:cNvSpPr>
+            <a:spLocks noGrp="1" noRot="1" noChangeAspect="1" noMove="1" noResize="1" noEditPoints="1" noAdjustHandles="1" noChangeArrowheads="1" noChangeShapeType="1" noTextEdit="1"/>
+          </p:cNvSpPr>
+          <p:nvPr>
+            <p:extLst>
+              <p:ext uri="{386F3935-93C4-4BCD-93E2-E3B085C9AB24}">
+                <p16:designElem xmlns:p16="http://schemas.microsoft.com/office/powerpoint/2015/main" val="1"/>
+              </p:ext>
+            </p:extLst>
+          </p:nvPr>
+        </p:nvSpPr>
+        <p:spPr>
+          <a:xfrm>
+            <a:off x="0" y="0"/>
+            <a:ext cx="8128856" cy="1575461"/>
+          </a:xfrm>
+          <a:prstGeom prst="rect">
+            <a:avLst/>
+          </a:prstGeom>
+          <a:gradFill>
+            <a:gsLst>
+              <a:gs pos="0">
+                <a:schemeClr val="accent1">
+                  <a:alpha val="41000"/>
+                </a:schemeClr>
+              </a:gs>
+              <a:gs pos="74000">
+                <a:schemeClr val="accent1">
+                  <a:lumMod val="60000"/>
+                  <a:lumOff val="40000"/>
+                  <a:alpha val="0"/>
+                </a:schemeClr>
+              </a:gs>
+            </a:gsLst>
+            <a:lin ang="8400000" scaled="0"/>
+          </a:gradFill>
+          <a:ln>
+            <a:noFill/>
+          </a:ln>
+        </p:spPr>
+        <p:style>
+          <a:lnRef idx="2">
+            <a:schemeClr val="accent1">
+              <a:shade val="50000"/>
+            </a:schemeClr>
+          </a:lnRef>
+          <a:fillRef idx="1">
+            <a:schemeClr val="accent1"/>
+          </a:fillRef>
+          <a:effectRef idx="0">
+            <a:schemeClr val="accent1"/>
+          </a:effectRef>
+          <a:fontRef idx="minor">
+            <a:schemeClr val="lt1"/>
+          </a:fontRef>
+        </p:style>
+        <p:txBody>
+          <a:bodyPr rtlCol="0" anchor="ctr"/>
+          <a:lstStyle/>
+          <a:p>
+            <a:pPr algn="ctr"/>
+            <a:endParaRPr lang="en-US"/>
+          </a:p>
+        </p:txBody>
+      </p:sp>
+      <p:sp>
+        <p:nvSpPr>
+          <p:cNvPr id="127" name="Rectangle 121">
+            <a:extLst>
+              <a:ext uri="{FF2B5EF4-FFF2-40B4-BE49-F238E27FC236}">
+                <a16:creationId xmlns:a16="http://schemas.microsoft.com/office/drawing/2014/main" id="{A7009A0A-BEF5-4EAC-AF15-E4F9F002E239}"/>
+              </a:ext>
+              <a:ext uri="{C183D7F6-B498-43B3-948B-1728B52AA6E4}">
+                <adec:decorative xmlns:adec="http://schemas.microsoft.com/office/drawing/2017/decorative" val="1"/>
+              </a:ext>
+            </a:extLst>
+          </p:cNvPr>
+          <p:cNvSpPr>
+            <a:spLocks noGrp="1" noRot="1" noChangeAspect="1" noMove="1" noResize="1" noEditPoints="1" noAdjustHandles="1" noChangeArrowheads="1" noChangeShapeType="1" noTextEdit="1"/>
+          </p:cNvSpPr>
+          <p:nvPr>
+            <p:extLst>
+              <p:ext uri="{386F3935-93C4-4BCD-93E2-E3B085C9AB24}">
+                <p16:designElem xmlns:p16="http://schemas.microsoft.com/office/powerpoint/2015/main" val="1"/>
+              </p:ext>
+            </p:extLst>
+          </p:nvPr>
+        </p:nvSpPr>
+        <p:spPr>
+          <a:xfrm flipH="1">
+            <a:off x="-3" y="-1"/>
+            <a:ext cx="12192002" cy="1574311"/>
+          </a:xfrm>
+          <a:prstGeom prst="rect">
+            <a:avLst/>
+          </a:prstGeom>
+          <a:gradFill>
+            <a:gsLst>
+              <a:gs pos="0">
+                <a:srgbClr val="000000">
+                  <a:alpha val="63000"/>
+                </a:srgbClr>
+              </a:gs>
+              <a:gs pos="78000">
+                <a:schemeClr val="accent1">
+                  <a:alpha val="15000"/>
+                </a:schemeClr>
+              </a:gs>
+            </a:gsLst>
+            <a:lin ang="15600000" scaled="0"/>
+          </a:gradFill>
+          <a:ln>
+            <a:noFill/>
+          </a:ln>
+        </p:spPr>
+        <p:style>
+          <a:lnRef idx="2">
+            <a:schemeClr val="accent1">
+              <a:shade val="50000"/>
+            </a:schemeClr>
+          </a:lnRef>
+          <a:fillRef idx="1">
+            <a:schemeClr val="accent1"/>
+          </a:fillRef>
+          <a:effectRef idx="0">
+            <a:schemeClr val="accent1"/>
+          </a:effectRef>
+          <a:fontRef idx="minor">
+            <a:schemeClr val="lt1"/>
+          </a:fontRef>
+        </p:style>
+        <p:txBody>
+          <a:bodyPr rtlCol="0" anchor="ctr"/>
+          <a:lstStyle/>
+          <a:p>
+            <a:pPr algn="ctr"/>
+            <a:endParaRPr lang="en-US"/>
+          </a:p>
+        </p:txBody>
+      </p:sp>
+      <p:sp>
+        <p:nvSpPr>
+          <p:cNvPr id="2" name="Titolo 1">
+            <a:extLst>
+              <a:ext uri="{FF2B5EF4-FFF2-40B4-BE49-F238E27FC236}">
+                <a16:creationId xmlns:a16="http://schemas.microsoft.com/office/drawing/2014/main" id="{49BACC84-C9F5-B814-F5EE-166CD667DF20}"/>
+              </a:ext>
+            </a:extLst>
+          </p:cNvPr>
+          <p:cNvSpPr>
+            <a:spLocks noGrp="1"/>
+          </p:cNvSpPr>
+          <p:nvPr>
+            <p:ph type="title"/>
+          </p:nvPr>
+        </p:nvSpPr>
+        <p:spPr>
+          <a:xfrm>
+            <a:off x="699713" y="248038"/>
+            <a:ext cx="7063721" cy="1159200"/>
+          </a:xfrm>
+        </p:spPr>
+        <p:txBody>
+          <a:bodyPr vert="horz" lIns="91440" tIns="45720" rIns="91440" bIns="45720" rtlCol="0" anchor="ctr">
+            <a:normAutofit/>
+          </a:bodyPr>
+          <a:lstStyle/>
+          <a:p>
+            <a:r>
+              <a:rPr lang="en-US" sz="4000" kern="1200">
+                <a:solidFill>
+                  <a:srgbClr val="FFFFFF"/>
+                </a:solidFill>
+                <a:latin typeface="+mj-lt"/>
+                <a:ea typeface="+mj-ea"/>
+                <a:cs typeface="+mj-cs"/>
+              </a:rPr>
+              <a:t>Il salto</a:t>
+            </a:r>
+          </a:p>
+        </p:txBody>
+      </p:sp>
+      <p:sp>
+        <p:nvSpPr>
+          <p:cNvPr id="9" name="CasellaDiTesto 8">
+            <a:extLst>
+              <a:ext uri="{FF2B5EF4-FFF2-40B4-BE49-F238E27FC236}">
+                <a16:creationId xmlns:a16="http://schemas.microsoft.com/office/drawing/2014/main" id="{1F82235D-0FD6-83D2-6B8E-9F6077088F28}"/>
+              </a:ext>
+            </a:extLst>
+          </p:cNvPr>
+          <p:cNvSpPr txBox="1"/>
+          <p:nvPr/>
+        </p:nvSpPr>
+        <p:spPr>
+          <a:xfrm>
+            <a:off x="699712" y="2017050"/>
+            <a:ext cx="3365999" cy="3970318"/>
+          </a:xfrm>
+          <a:prstGeom prst="rect">
+            <a:avLst/>
+          </a:prstGeom>
+        </p:spPr>
+        <p:style>
+          <a:lnRef idx="2">
+            <a:schemeClr val="accent1"/>
+          </a:lnRef>
+          <a:fillRef idx="1">
+            <a:schemeClr val="lt1"/>
+          </a:fillRef>
+          <a:effectRef idx="0">
+            <a:schemeClr val="accent1"/>
+          </a:effectRef>
+          <a:fontRef idx="minor">
+            <a:schemeClr val="dk1"/>
+          </a:fontRef>
+        </p:style>
+        <p:txBody>
+          <a:bodyPr wrap="square" rtlCol="0">
+            <a:spAutoFit/>
+          </a:bodyPr>
+          <a:lstStyle/>
+          <a:p>
+            <a:pPr marL="342900" indent="-342900" rtl="0">
+              <a:buFont typeface="+mj-lt"/>
+              <a:buAutoNum type="arabicPeriod"/>
+            </a:pPr>
+            <a:r>
+              <a:rPr lang="it-IT" dirty="0">
+                <a:effectLst/>
+                <a:latin typeface="-apple-system"/>
+              </a:rPr>
+              <a:t>Fase di andamento normale.</a:t>
+            </a:r>
+            <a:endParaRPr lang="it-IT" dirty="0"/>
+          </a:p>
+          <a:p>
+            <a:pPr marL="342900" indent="-342900" rtl="0">
+              <a:buFont typeface="+mj-lt"/>
+              <a:buAutoNum type="arabicPeriod"/>
+            </a:pPr>
+            <a:r>
+              <a:rPr lang="it-IT" dirty="0">
+                <a:effectLst/>
+                <a:latin typeface="-apple-system"/>
+              </a:rPr>
+              <a:t>Fase </a:t>
+            </a:r>
+            <a:r>
+              <a:rPr lang="it-IT" dirty="0" err="1">
+                <a:effectLst/>
+                <a:latin typeface="-apple-system"/>
+              </a:rPr>
+              <a:t>pre</a:t>
+            </a:r>
+            <a:r>
+              <a:rPr lang="it-IT" dirty="0">
+                <a:effectLst/>
+                <a:latin typeface="-apple-system"/>
+              </a:rPr>
+              <a:t>-salto: accelerazione più alta dovuta alla rampa ripida, misurato un picco verso il basso. Da qui in poi si misurerà un'accelerazione decrescente.</a:t>
+            </a:r>
+          </a:p>
+          <a:p>
+            <a:pPr marL="342900" indent="-342900" rtl="0">
+              <a:buFont typeface="+mj-lt"/>
+              <a:buAutoNum type="arabicPeriod"/>
+            </a:pPr>
+            <a:r>
+              <a:rPr lang="it-IT" dirty="0">
+                <a:effectLst/>
+                <a:latin typeface="-apple-system"/>
+              </a:rPr>
+              <a:t>Fase di inizio caduta: raggiunto il punto più alto della gittata l'accelerazione misurata da qui in poi sarà circa 0.</a:t>
+            </a:r>
+          </a:p>
+          <a:p>
+            <a:pPr marL="342900" indent="-342900" rtl="0">
+              <a:buFont typeface="+mj-lt"/>
+              <a:buAutoNum type="arabicPeriod"/>
+            </a:pPr>
+            <a:r>
+              <a:rPr lang="it-IT" dirty="0">
+                <a:effectLst/>
+                <a:latin typeface="-apple-system"/>
+              </a:rPr>
+              <a:t>Fase di atterraggio: picco verso il basso.</a:t>
+            </a:r>
+          </a:p>
+        </p:txBody>
+      </p:sp>
+      <p:pic>
+        <p:nvPicPr>
+          <p:cNvPr id="1026" name="Picture 2" descr="immagine">
+            <a:extLst>
+              <a:ext uri="{FF2B5EF4-FFF2-40B4-BE49-F238E27FC236}">
+                <a16:creationId xmlns:a16="http://schemas.microsoft.com/office/drawing/2014/main" id="{7CBAA520-8409-82B0-66E0-8FE51AD467F7}"/>
+              </a:ext>
+            </a:extLst>
+          </p:cNvPr>
+          <p:cNvPicPr>
+            <a:picLocks noChangeAspect="1" noChangeArrowheads="1"/>
+          </p:cNvPicPr>
+          <p:nvPr/>
+        </p:nvPicPr>
+        <p:blipFill rotWithShape="1">
+          <a:blip r:embed="rId2">
+            <a:extLst>
+              <a:ext uri="{28A0092B-C50C-407E-A947-70E740481C1C}">
+                <a14:useLocalDpi xmlns:a14="http://schemas.microsoft.com/office/drawing/2010/main" val="0"/>
+              </a:ext>
+            </a:extLst>
+          </a:blip>
+          <a:srcRect l="13677" t="12954" r="13593" b="8074"/>
+          <a:stretch/>
+        </p:blipFill>
+        <p:spPr bwMode="auto">
+          <a:xfrm>
+            <a:off x="4281669" y="550726"/>
+            <a:ext cx="7689243" cy="5901147"/>
+          </a:xfrm>
+          <a:prstGeom prst="rect">
+            <a:avLst/>
+          </a:prstGeom>
+          <a:noFill/>
+          <a:extLst>
+            <a:ext uri="{909E8E84-426E-40DD-AFC4-6F175D3DCCD1}">
+              <a14:hiddenFill xmlns:a14="http://schemas.microsoft.com/office/drawing/2010/main">
+                <a:solidFill>
+                  <a:srgbClr val="FFFFFF"/>
+                </a:solidFill>
+              </a14:hiddenFill>
+            </a:ext>
+          </a:extLst>
+        </p:spPr>
+      </p:pic>
+    </p:spTree>
+    <p:extLst>
+      <p:ext uri="{BB962C8B-B14F-4D97-AF65-F5344CB8AC3E}">
+        <p14:creationId xmlns:p14="http://schemas.microsoft.com/office/powerpoint/2010/main" val="1304314520"/>
+      </p:ext>
+    </p:extLst>
+  </p:cSld>
+  <p:clrMapOvr>
+    <a:masterClrMapping/>
+  </p:clrMapOvr>
+  <p:timing>
+    <p:tnLst>
+      <p:par>
+        <p:cTn id="1" dur="indefinite" restart="never" nodeType="tmRoot">
+          <p:childTnLst>
+            <p:seq concurrent="1" nextAc="seek">
+              <p:cTn id="2" dur="indefinite" nodeType="mainSeq">
+                <p:childTnLst>
+                  <p:par>
+                    <p:cTn id="3" fill="hold">
+                      <p:stCondLst>
+                        <p:cond delay="indefinite"/>
+                        <p:cond evt="onBegin" delay="0">
+                          <p:tn val="2"/>
+                        </p:cond>
+                      </p:stCondLst>
+                      <p:childTnLst>
+                        <p:par>
+                          <p:cTn id="4" fill="hold">
+                            <p:stCondLst>
+                              <p:cond delay="0"/>
+                            </p:stCondLst>
+                            <p:childTnLst>
+                              <p:par>
+                                <p:cTn id="5" presetID="10" presetClass="entr" presetSubtype="0" fill="hold" grpId="0" nodeType="withEffect">
+                                  <p:stCondLst>
+                                    <p:cond delay="1000"/>
+                                  </p:stCondLst>
+                                  <p:iterate type="lt">
+                                    <p:tmPct val="10000"/>
+                                  </p:iterate>
+                                  <p:childTnLst>
+                                    <p:set>
+                                      <p:cBhvr>
+                                        <p:cTn id="6" dur="1" fill="hold">
+                                          <p:stCondLst>
+                                            <p:cond delay="0"/>
+                                          </p:stCondLst>
+                                        </p:cTn>
+                                        <p:tgtEl>
+                                          <p:spTgt spid="2"/>
+                                        </p:tgtEl>
+                                        <p:attrNameLst>
+                                          <p:attrName>style.visibility</p:attrName>
+                                        </p:attrNameLst>
+                                      </p:cBhvr>
+                                      <p:to>
+                                        <p:strVal val="visible"/>
+                                      </p:to>
+                                    </p:set>
+                                    <p:animEffect transition="in" filter="fade">
+                                      <p:cBhvr>
+                                        <p:cTn id="7" dur="400"/>
+                                        <p:tgtEl>
+                                          <p:spTgt spid="2"/>
+                                        </p:tgtEl>
+                                      </p:cBhvr>
+                                    </p:animEffect>
+                                  </p:childTnLst>
+                                </p:cTn>
+                              </p:par>
+                            </p:childTnLst>
+                          </p:cTn>
+                        </p:par>
+                      </p:childTnLst>
+                    </p:cTn>
+                  </p:par>
+                </p:childTnLst>
+              </p:cTn>
+              <p:prevCondLst>
+                <p:cond evt="onPrev" delay="0">
+                  <p:tgtEl>
+                    <p:sldTgt/>
+                  </p:tgtEl>
+                </p:cond>
+              </p:prevCondLst>
+              <p:nextCondLst>
+                <p:cond evt="onNext" delay="0">
+                  <p:tgtEl>
+                    <p:sldTgt/>
+                  </p:tgtEl>
+                </p:cond>
+              </p:nextCondLst>
+            </p:seq>
+          </p:childTnLst>
+        </p:cTn>
+      </p:par>
+    </p:tnLst>
+    <p:bldLst>
+      <p:bldP spid="2" grpId="0"/>
+    </p:bldLst>
+  </p:timing>
+</p:sld>
+</file>
+
+<file path=ppt/slides/slide11.xml><?xml version="1.0" encoding="utf-8"?>
+<p:sld xmlns:a="http://schemas.openxmlformats.org/drawingml/2006/main" xmlns:r="http://schemas.openxmlformats.org/officeDocument/2006/relationships" xmlns:p="http://schemas.openxmlformats.org/presentationml/2006/main">
+  <p:cSld>
+    <p:bg>
+      <p:bgPr>
+        <a:solidFill>
+          <a:schemeClr val="bg1"/>
+        </a:solidFill>
+        <a:effectLst/>
+      </p:bgPr>
+    </p:bg>
+    <p:spTree>
+      <p:nvGrpSpPr>
+        <p:cNvPr id="1" name=""/>
+        <p:cNvGrpSpPr/>
+        <p:nvPr/>
+      </p:nvGrpSpPr>
+      <p:grpSpPr>
+        <a:xfrm>
+          <a:off x="0" y="0"/>
+          <a:ext cx="0" cy="0"/>
+          <a:chOff x="0" y="0"/>
+          <a:chExt cx="0" cy="0"/>
+        </a:xfrm>
+      </p:grpSpPr>
+      <p:sp useBgFill="1">
+        <p:nvSpPr>
+          <p:cNvPr id="8" name="Rectangle 7">
+            <a:extLst>
+              <a:ext uri="{FF2B5EF4-FFF2-40B4-BE49-F238E27FC236}">
+                <a16:creationId xmlns:a16="http://schemas.microsoft.com/office/drawing/2014/main" id="{1B15ED52-F352-441B-82BF-E0EA34836D08}"/>
+              </a:ext>
+              <a:ext uri="{C183D7F6-B498-43B3-948B-1728B52AA6E4}">
+                <adec:decorative xmlns:adec="http://schemas.microsoft.com/office/drawing/2017/decorative" val="1"/>
+              </a:ext>
+            </a:extLst>
+          </p:cNvPr>
+          <p:cNvSpPr>
+            <a:spLocks noGrp="1" noRot="1" noChangeAspect="1" noMove="1" noResize="1" noEditPoints="1" noAdjustHandles="1" noChangeArrowheads="1" noChangeShapeType="1" noTextEdit="1"/>
+          </p:cNvSpPr>
+          <p:nvPr>
+            <p:extLst>
+              <p:ext uri="{386F3935-93C4-4BCD-93E2-E3B085C9AB24}">
+                <p16:designElem xmlns:p16="http://schemas.microsoft.com/office/powerpoint/2015/main" val="1"/>
+              </p:ext>
+            </p:extLst>
+          </p:nvPr>
+        </p:nvSpPr>
+        <p:spPr>
+          <a:xfrm>
+            <a:off x="0" y="0"/>
+            <a:ext cx="12192000" cy="6858000"/>
+          </a:xfrm>
+          <a:prstGeom prst="rect">
+            <a:avLst/>
+          </a:prstGeom>
+          <a:ln w="12700" cap="flat" cmpd="sng" algn="ctr">
+            <a:noFill/>
+            <a:prstDash val="solid"/>
+            <a:miter lim="800000"/>
+          </a:ln>
+          <a:effectLst/>
+          <a:extLst>
+            <a:ext uri="{91240B29-F687-4F45-9708-019B960494DF}">
+              <a14:hiddenLine xmlns:a14="http://schemas.microsoft.com/office/drawing/2010/main" w="12700" cap="flat" cmpd="sng" algn="ctr">
+                <a:solidFill>
+                  <a:schemeClr val="accent1">
+                    <a:shade val="50000"/>
+                  </a:schemeClr>
+                </a:solidFill>
+                <a:prstDash val="solid"/>
+                <a:miter lim="800000"/>
+              </a14:hiddenLine>
+            </a:ext>
+          </a:extLst>
+        </p:spPr>
+        <p:style>
+          <a:lnRef idx="2">
+            <a:schemeClr val="accent1">
+              <a:shade val="50000"/>
+            </a:schemeClr>
+          </a:lnRef>
+          <a:fillRef idx="1">
+            <a:schemeClr val="accent1"/>
+          </a:fillRef>
+          <a:effectRef idx="0">
+            <a:schemeClr val="accent1"/>
+          </a:effectRef>
+          <a:fontRef idx="minor">
+            <a:schemeClr val="lt1"/>
+          </a:fontRef>
+        </p:style>
+        <p:txBody>
+          <a:bodyPr rtlCol="0" anchor="ctr"/>
+          <a:lstStyle/>
+          <a:p>
+            <a:pPr algn="ctr"/>
+            <a:endParaRPr lang="en-US"/>
+          </a:p>
+        </p:txBody>
+      </p:sp>
+      <p:sp>
+        <p:nvSpPr>
+          <p:cNvPr id="10" name="Rectangle 9">
+            <a:extLst>
+              <a:ext uri="{FF2B5EF4-FFF2-40B4-BE49-F238E27FC236}">
+                <a16:creationId xmlns:a16="http://schemas.microsoft.com/office/drawing/2014/main" id="{3B2E3793-BFE6-45A2-9B7B-E18844431C99}"/>
+              </a:ext>
+              <a:ext uri="{C183D7F6-B498-43B3-948B-1728B52AA6E4}">
+                <adec:decorative xmlns:adec="http://schemas.microsoft.com/office/drawing/2017/decorative" val="1"/>
+              </a:ext>
+            </a:extLst>
+          </p:cNvPr>
+          <p:cNvSpPr>
+            <a:spLocks noGrp="1" noRot="1" noChangeAspect="1" noMove="1" noResize="1" noEditPoints="1" noAdjustHandles="1" noChangeArrowheads="1" noChangeShapeType="1" noTextEdit="1"/>
+          </p:cNvSpPr>
+          <p:nvPr>
+            <p:extLst>
+              <p:ext uri="{386F3935-93C4-4BCD-93E2-E3B085C9AB24}">
+                <p16:designElem xmlns:p16="http://schemas.microsoft.com/office/powerpoint/2015/main" val="1"/>
+              </p:ext>
+            </p:extLst>
+          </p:nvPr>
+        </p:nvSpPr>
+        <p:spPr>
+          <a:xfrm flipH="1">
+            <a:off x="-1" y="-1"/>
+            <a:ext cx="12191998" cy="1590742"/>
+          </a:xfrm>
+          <a:prstGeom prst="rect">
+            <a:avLst/>
+          </a:prstGeom>
+          <a:gradFill>
+            <a:gsLst>
+              <a:gs pos="0">
+                <a:srgbClr val="000000"/>
+              </a:gs>
+              <a:gs pos="100000">
+                <a:schemeClr val="accent1">
+                  <a:lumMod val="75000"/>
+                </a:schemeClr>
+              </a:gs>
+            </a:gsLst>
+            <a:lin ang="8400000" scaled="0"/>
+          </a:gradFill>
+          <a:ln>
+            <a:noFill/>
+          </a:ln>
+        </p:spPr>
+        <p:style>
+          <a:lnRef idx="2">
+            <a:schemeClr val="accent1">
+              <a:shade val="50000"/>
+            </a:schemeClr>
+          </a:lnRef>
+          <a:fillRef idx="1">
+            <a:schemeClr val="accent1"/>
+          </a:fillRef>
+          <a:effectRef idx="0">
+            <a:schemeClr val="accent1"/>
+          </a:effectRef>
+          <a:fontRef idx="minor">
+            <a:schemeClr val="lt1"/>
+          </a:fontRef>
+        </p:style>
+        <p:txBody>
+          <a:bodyPr rtlCol="0" anchor="ctr"/>
+          <a:lstStyle/>
+          <a:p>
+            <a:pPr algn="ctr"/>
+            <a:endParaRPr lang="en-US"/>
+          </a:p>
+        </p:txBody>
+      </p:sp>
+      <p:sp>
+        <p:nvSpPr>
+          <p:cNvPr id="12" name="Rectangle 11">
+            <a:extLst>
+              <a:ext uri="{FF2B5EF4-FFF2-40B4-BE49-F238E27FC236}">
+                <a16:creationId xmlns:a16="http://schemas.microsoft.com/office/drawing/2014/main" id="{BC4C4868-CB8F-4AF9-9CDB-8108F2C19B67}"/>
+              </a:ext>
+              <a:ext uri="{C183D7F6-B498-43B3-948B-1728B52AA6E4}">
+                <adec:decorative xmlns:adec="http://schemas.microsoft.com/office/drawing/2017/decorative" val="1"/>
+              </a:ext>
+            </a:extLst>
+          </p:cNvPr>
+          <p:cNvSpPr>
+            <a:spLocks noGrp="1" noRot="1" noChangeAspect="1" noMove="1" noResize="1" noEditPoints="1" noAdjustHandles="1" noChangeArrowheads="1" noChangeShapeType="1" noTextEdit="1"/>
+          </p:cNvSpPr>
+          <p:nvPr>
+            <p:extLst>
+              <p:ext uri="{386F3935-93C4-4BCD-93E2-E3B085C9AB24}">
+                <p16:designElem xmlns:p16="http://schemas.microsoft.com/office/powerpoint/2015/main" val="1"/>
+              </p:ext>
+            </p:extLst>
+          </p:nvPr>
+        </p:nvSpPr>
+        <p:spPr>
+          <a:xfrm rot="10800000" flipH="1">
+            <a:off x="-3" y="0"/>
+            <a:ext cx="8115306" cy="1590742"/>
+          </a:xfrm>
+          <a:prstGeom prst="rect">
+            <a:avLst/>
+          </a:prstGeom>
+          <a:gradFill>
+            <a:gsLst>
+              <a:gs pos="20000">
+                <a:schemeClr val="accent1">
+                  <a:alpha val="0"/>
+                </a:schemeClr>
+              </a:gs>
+              <a:gs pos="100000">
+                <a:schemeClr val="accent1">
+                  <a:lumMod val="50000"/>
+                  <a:alpha val="55000"/>
+                </a:schemeClr>
+              </a:gs>
+            </a:gsLst>
+            <a:lin ang="13800000" scaled="0"/>
+          </a:gradFill>
+          <a:ln>
+            <a:noFill/>
+          </a:ln>
+        </p:spPr>
+        <p:style>
+          <a:lnRef idx="2">
+            <a:schemeClr val="accent1">
+              <a:shade val="50000"/>
+            </a:schemeClr>
+          </a:lnRef>
+          <a:fillRef idx="1">
+            <a:schemeClr val="accent1"/>
+          </a:fillRef>
+          <a:effectRef idx="0">
+            <a:schemeClr val="accent1"/>
+          </a:effectRef>
+          <a:fontRef idx="minor">
+            <a:schemeClr val="lt1"/>
+          </a:fontRef>
+        </p:style>
+        <p:txBody>
+          <a:bodyPr rtlCol="0" anchor="ctr"/>
+          <a:lstStyle/>
+          <a:p>
+            <a:pPr algn="ctr"/>
+            <a:endParaRPr lang="en-US"/>
+          </a:p>
+        </p:txBody>
+      </p:sp>
+      <p:sp>
+        <p:nvSpPr>
+          <p:cNvPr id="14" name="Rectangle 13">
+            <a:extLst>
+              <a:ext uri="{FF2B5EF4-FFF2-40B4-BE49-F238E27FC236}">
+                <a16:creationId xmlns:a16="http://schemas.microsoft.com/office/drawing/2014/main" id="{375E0459-6403-40CD-989D-56A4407CA12E}"/>
+              </a:ext>
+              <a:ext uri="{C183D7F6-B498-43B3-948B-1728B52AA6E4}">
+                <adec:decorative xmlns:adec="http://schemas.microsoft.com/office/drawing/2017/decorative" val="1"/>
+              </a:ext>
+            </a:extLst>
+          </p:cNvPr>
+          <p:cNvSpPr>
+            <a:spLocks noGrp="1" noRot="1" noChangeAspect="1" noMove="1" noResize="1" noEditPoints="1" noAdjustHandles="1" noChangeArrowheads="1" noChangeShapeType="1" noTextEdit="1"/>
+          </p:cNvSpPr>
+          <p:nvPr>
+            <p:extLst>
+              <p:ext uri="{386F3935-93C4-4BCD-93E2-E3B085C9AB24}">
+                <p16:designElem xmlns:p16="http://schemas.microsoft.com/office/powerpoint/2015/main" val="1"/>
+              </p:ext>
+            </p:extLst>
+          </p:nvPr>
+        </p:nvSpPr>
+        <p:spPr>
+          <a:xfrm flipH="1">
+            <a:off x="8115299" y="-1"/>
+            <a:ext cx="4076698" cy="1590742"/>
+          </a:xfrm>
+          <a:prstGeom prst="rect">
+            <a:avLst/>
+          </a:prstGeom>
+          <a:gradFill>
+            <a:gsLst>
+              <a:gs pos="0">
+                <a:schemeClr val="accent1">
+                  <a:alpha val="66000"/>
+                </a:schemeClr>
+              </a:gs>
+              <a:gs pos="100000">
+                <a:srgbClr val="000000">
+                  <a:alpha val="30000"/>
+                </a:srgbClr>
+              </a:gs>
+            </a:gsLst>
+            <a:lin ang="13200000" scaled="0"/>
+          </a:gradFill>
+          <a:ln>
+            <a:noFill/>
+          </a:ln>
+        </p:spPr>
+        <p:style>
+          <a:lnRef idx="2">
+            <a:schemeClr val="accent1">
+              <a:shade val="50000"/>
+            </a:schemeClr>
+          </a:lnRef>
+          <a:fillRef idx="1">
+            <a:schemeClr val="accent1"/>
+          </a:fillRef>
+          <a:effectRef idx="0">
+            <a:schemeClr val="accent1"/>
+          </a:effectRef>
+          <a:fontRef idx="minor">
+            <a:schemeClr val="lt1"/>
+          </a:fontRef>
+        </p:style>
+        <p:txBody>
+          <a:bodyPr rtlCol="0" anchor="ctr"/>
+          <a:lstStyle/>
+          <a:p>
+            <a:pPr algn="ctr"/>
+            <a:endParaRPr lang="en-US"/>
+          </a:p>
+        </p:txBody>
+      </p:sp>
+      <p:sp>
+        <p:nvSpPr>
+          <p:cNvPr id="16" name="Rectangle 15">
+            <a:extLst>
+              <a:ext uri="{FF2B5EF4-FFF2-40B4-BE49-F238E27FC236}">
+                <a16:creationId xmlns:a16="http://schemas.microsoft.com/office/drawing/2014/main" id="{53E5B1A8-3AC9-4BD1-9BBC-78CA94F2D1BA}"/>
+              </a:ext>
+              <a:ext uri="{C183D7F6-B498-43B3-948B-1728B52AA6E4}">
+                <adec:decorative xmlns:adec="http://schemas.microsoft.com/office/drawing/2017/decorative" val="1"/>
+              </a:ext>
+            </a:extLst>
+          </p:cNvPr>
+          <p:cNvSpPr>
+            <a:spLocks noGrp="1" noRot="1" noChangeAspect="1" noMove="1" noResize="1" noEditPoints="1" noAdjustHandles="1" noChangeArrowheads="1" noChangeShapeType="1" noTextEdit="1"/>
+          </p:cNvSpPr>
+          <p:nvPr>
+            <p:extLst>
+              <p:ext uri="{386F3935-93C4-4BCD-93E2-E3B085C9AB24}">
+                <p16:designElem xmlns:p16="http://schemas.microsoft.com/office/powerpoint/2015/main" val="1"/>
+              </p:ext>
+            </p:extLst>
+          </p:nvPr>
+        </p:nvSpPr>
+        <p:spPr>
+          <a:xfrm>
+            <a:off x="459350" y="-1"/>
+            <a:ext cx="11732646" cy="1597433"/>
+          </a:xfrm>
+          <a:prstGeom prst="rect">
+            <a:avLst/>
+          </a:prstGeom>
+          <a:gradFill>
+            <a:gsLst>
+              <a:gs pos="50000">
+                <a:srgbClr val="000000">
+                  <a:alpha val="0"/>
+                </a:srgbClr>
+              </a:gs>
+              <a:gs pos="99000">
+                <a:schemeClr val="accent1">
+                  <a:lumMod val="50000"/>
+                  <a:alpha val="52000"/>
+                </a:schemeClr>
+              </a:gs>
+            </a:gsLst>
+            <a:lin ang="16800000" scaled="0"/>
+          </a:gradFill>
+          <a:ln>
+            <a:noFill/>
+          </a:ln>
+        </p:spPr>
+        <p:style>
+          <a:lnRef idx="2">
+            <a:schemeClr val="accent1">
+              <a:shade val="50000"/>
+            </a:schemeClr>
+          </a:lnRef>
+          <a:fillRef idx="1">
+            <a:schemeClr val="accent1"/>
+          </a:fillRef>
+          <a:effectRef idx="0">
+            <a:schemeClr val="accent1"/>
+          </a:effectRef>
+          <a:fontRef idx="minor">
+            <a:schemeClr val="lt1"/>
+          </a:fontRef>
+        </p:style>
+        <p:txBody>
+          <a:bodyPr rtlCol="0" anchor="ctr"/>
+          <a:lstStyle/>
+          <a:p>
+            <a:pPr algn="ctr"/>
+            <a:endParaRPr lang="en-US"/>
+          </a:p>
+        </p:txBody>
+      </p:sp>
+      <p:sp>
+        <p:nvSpPr>
+          <p:cNvPr id="2" name="Titolo 1">
+            <a:extLst>
+              <a:ext uri="{FF2B5EF4-FFF2-40B4-BE49-F238E27FC236}">
+                <a16:creationId xmlns:a16="http://schemas.microsoft.com/office/drawing/2014/main" id="{02228E2B-B6A8-0620-C14E-21AE13883A55}"/>
+              </a:ext>
+            </a:extLst>
+          </p:cNvPr>
+          <p:cNvSpPr>
+            <a:spLocks noGrp="1"/>
+          </p:cNvSpPr>
+          <p:nvPr>
+            <p:ph type="title"/>
+          </p:nvPr>
+        </p:nvSpPr>
+        <p:spPr>
+          <a:xfrm>
+            <a:off x="1371599" y="294538"/>
+            <a:ext cx="9895951" cy="1033669"/>
+          </a:xfrm>
+        </p:spPr>
+        <p:txBody>
+          <a:bodyPr>
+            <a:normAutofit/>
+          </a:bodyPr>
+          <a:lstStyle/>
+          <a:p>
+            <a:r>
+              <a:rPr lang="it-IT" sz="4000" dirty="0">
+                <a:solidFill>
+                  <a:srgbClr val="FFFFFF"/>
+                </a:solidFill>
+              </a:rPr>
+              <a:t>Gerarchia delle classi</a:t>
+            </a:r>
+          </a:p>
+        </p:txBody>
+      </p:sp>
+      <p:sp>
+        <p:nvSpPr>
+          <p:cNvPr id="3" name="Segnaposto contenuto 2">
+            <a:extLst>
+              <a:ext uri="{FF2B5EF4-FFF2-40B4-BE49-F238E27FC236}">
+                <a16:creationId xmlns:a16="http://schemas.microsoft.com/office/drawing/2014/main" id="{0BC732F3-5C81-7C85-BE24-576EA102184E}"/>
+              </a:ext>
+            </a:extLst>
+          </p:cNvPr>
+          <p:cNvSpPr>
+            <a:spLocks noGrp="1"/>
+          </p:cNvSpPr>
+          <p:nvPr>
+            <p:ph idx="1"/>
+          </p:nvPr>
+        </p:nvSpPr>
+        <p:spPr>
+          <a:xfrm>
+            <a:off x="1371599" y="2318197"/>
+            <a:ext cx="9724031" cy="3683358"/>
+          </a:xfrm>
+        </p:spPr>
+        <p:style>
+          <a:lnRef idx="2">
+            <a:schemeClr val="accent1"/>
+          </a:lnRef>
+          <a:fillRef idx="1">
+            <a:schemeClr val="lt1"/>
+          </a:fillRef>
+          <a:effectRef idx="0">
+            <a:schemeClr val="accent1"/>
+          </a:effectRef>
+          <a:fontRef idx="minor">
+            <a:schemeClr val="dk1"/>
+          </a:fontRef>
+        </p:style>
+        <p:txBody>
+          <a:bodyPr anchor="ctr">
+            <a:normAutofit/>
+          </a:bodyPr>
+          <a:lstStyle/>
+          <a:p>
+            <a:pPr marL="0" indent="0">
+              <a:buNone/>
+            </a:pPr>
+            <a:endParaRPr lang="it-IT" sz="2000" dirty="0"/>
+          </a:p>
+        </p:txBody>
+      </p:sp>
+    </p:spTree>
+    <p:extLst>
+      <p:ext uri="{BB962C8B-B14F-4D97-AF65-F5344CB8AC3E}">
+        <p14:creationId xmlns:p14="http://schemas.microsoft.com/office/powerpoint/2010/main" val="3618204561"/>
+      </p:ext>
+    </p:extLst>
+  </p:cSld>
+  <p:clrMapOvr>
+    <a:masterClrMapping/>
+  </p:clrMapOvr>
+</p:sld>
+</file>
+
+<file path=ppt/slides/slide12.xml><?xml version="1.0" encoding="utf-8"?>
+<p:sld xmlns:a="http://schemas.openxmlformats.org/drawingml/2006/main" xmlns:r="http://schemas.openxmlformats.org/officeDocument/2006/relationships" xmlns:p="http://schemas.openxmlformats.org/presentationml/2006/main">
+  <p:cSld>
+    <p:bg>
+      <p:bgPr>
+        <a:solidFill>
+          <a:schemeClr val="bg1"/>
+        </a:solidFill>
+        <a:effectLst/>
+      </p:bgPr>
+    </p:bg>
+    <p:spTree>
+      <p:nvGrpSpPr>
+        <p:cNvPr id="1" name=""/>
+        <p:cNvGrpSpPr/>
+        <p:nvPr/>
+      </p:nvGrpSpPr>
+      <p:grpSpPr>
+        <a:xfrm>
+          <a:off x="0" y="0"/>
+          <a:ext cx="0" cy="0"/>
+          <a:chOff x="0" y="0"/>
+          <a:chExt cx="0" cy="0"/>
+        </a:xfrm>
+      </p:grpSpPr>
+      <p:sp useBgFill="1">
+        <p:nvSpPr>
+          <p:cNvPr id="8" name="Rectangle 7">
+            <a:extLst>
+              <a:ext uri="{FF2B5EF4-FFF2-40B4-BE49-F238E27FC236}">
+                <a16:creationId xmlns:a16="http://schemas.microsoft.com/office/drawing/2014/main" id="{1B15ED52-F352-441B-82BF-E0EA34836D08}"/>
+              </a:ext>
+              <a:ext uri="{C183D7F6-B498-43B3-948B-1728B52AA6E4}">
+                <adec:decorative xmlns:adec="http://schemas.microsoft.com/office/drawing/2017/decorative" val="1"/>
+              </a:ext>
+            </a:extLst>
+          </p:cNvPr>
+          <p:cNvSpPr>
+            <a:spLocks noGrp="1" noRot="1" noChangeAspect="1" noMove="1" noResize="1" noEditPoints="1" noAdjustHandles="1" noChangeArrowheads="1" noChangeShapeType="1" noTextEdit="1"/>
+          </p:cNvSpPr>
+          <p:nvPr>
+            <p:extLst>
+              <p:ext uri="{386F3935-93C4-4BCD-93E2-E3B085C9AB24}">
+                <p16:designElem xmlns:p16="http://schemas.microsoft.com/office/powerpoint/2015/main" val="1"/>
+              </p:ext>
+            </p:extLst>
+          </p:nvPr>
+        </p:nvSpPr>
+        <p:spPr>
+          <a:xfrm>
+            <a:off x="0" y="0"/>
+            <a:ext cx="12192000" cy="6858000"/>
+          </a:xfrm>
+          <a:prstGeom prst="rect">
+            <a:avLst/>
+          </a:prstGeom>
+          <a:ln w="12700" cap="flat" cmpd="sng" algn="ctr">
+            <a:noFill/>
+            <a:prstDash val="solid"/>
+            <a:miter lim="800000"/>
+          </a:ln>
+          <a:effectLst/>
+          <a:extLst>
+            <a:ext uri="{91240B29-F687-4F45-9708-019B960494DF}">
+              <a14:hiddenLine xmlns:a14="http://schemas.microsoft.com/office/drawing/2010/main" w="12700" cap="flat" cmpd="sng" algn="ctr">
+                <a:solidFill>
+                  <a:schemeClr val="accent1">
+                    <a:shade val="50000"/>
+                  </a:schemeClr>
+                </a:solidFill>
+                <a:prstDash val="solid"/>
+                <a:miter lim="800000"/>
+              </a14:hiddenLine>
+            </a:ext>
+          </a:extLst>
+        </p:spPr>
+        <p:style>
+          <a:lnRef idx="2">
+            <a:schemeClr val="accent1">
+              <a:shade val="50000"/>
+            </a:schemeClr>
+          </a:lnRef>
+          <a:fillRef idx="1">
+            <a:schemeClr val="accent1"/>
+          </a:fillRef>
+          <a:effectRef idx="0">
+            <a:schemeClr val="accent1"/>
+          </a:effectRef>
+          <a:fontRef idx="minor">
+            <a:schemeClr val="lt1"/>
+          </a:fontRef>
+        </p:style>
+        <p:txBody>
+          <a:bodyPr rtlCol="0" anchor="ctr"/>
+          <a:lstStyle/>
+          <a:p>
+            <a:pPr algn="ctr"/>
+            <a:endParaRPr lang="en-US"/>
+          </a:p>
+        </p:txBody>
+      </p:sp>
+      <p:sp>
+        <p:nvSpPr>
+          <p:cNvPr id="10" name="Rectangle 9">
+            <a:extLst>
+              <a:ext uri="{FF2B5EF4-FFF2-40B4-BE49-F238E27FC236}">
+                <a16:creationId xmlns:a16="http://schemas.microsoft.com/office/drawing/2014/main" id="{3B2E3793-BFE6-45A2-9B7B-E18844431C99}"/>
+              </a:ext>
+              <a:ext uri="{C183D7F6-B498-43B3-948B-1728B52AA6E4}">
+                <adec:decorative xmlns:adec="http://schemas.microsoft.com/office/drawing/2017/decorative" val="1"/>
+              </a:ext>
+            </a:extLst>
+          </p:cNvPr>
+          <p:cNvSpPr>
+            <a:spLocks noGrp="1" noRot="1" noChangeAspect="1" noMove="1" noResize="1" noEditPoints="1" noAdjustHandles="1" noChangeArrowheads="1" noChangeShapeType="1" noTextEdit="1"/>
+          </p:cNvSpPr>
+          <p:nvPr>
+            <p:extLst>
+              <p:ext uri="{386F3935-93C4-4BCD-93E2-E3B085C9AB24}">
+                <p16:designElem xmlns:p16="http://schemas.microsoft.com/office/powerpoint/2015/main" val="1"/>
+              </p:ext>
+            </p:extLst>
+          </p:nvPr>
+        </p:nvSpPr>
+        <p:spPr>
+          <a:xfrm flipH="1">
+            <a:off x="-1" y="-1"/>
+            <a:ext cx="12191998" cy="1590742"/>
+          </a:xfrm>
+          <a:prstGeom prst="rect">
+            <a:avLst/>
+          </a:prstGeom>
+          <a:gradFill>
+            <a:gsLst>
+              <a:gs pos="0">
+                <a:srgbClr val="000000"/>
+              </a:gs>
+              <a:gs pos="100000">
+                <a:schemeClr val="accent1">
+                  <a:lumMod val="75000"/>
+                </a:schemeClr>
+              </a:gs>
+            </a:gsLst>
+            <a:lin ang="8400000" scaled="0"/>
+          </a:gradFill>
+          <a:ln>
+            <a:noFill/>
+          </a:ln>
+        </p:spPr>
+        <p:style>
+          <a:lnRef idx="2">
+            <a:schemeClr val="accent1">
+              <a:shade val="50000"/>
+            </a:schemeClr>
+          </a:lnRef>
+          <a:fillRef idx="1">
+            <a:schemeClr val="accent1"/>
+          </a:fillRef>
+          <a:effectRef idx="0">
+            <a:schemeClr val="accent1"/>
+          </a:effectRef>
+          <a:fontRef idx="minor">
+            <a:schemeClr val="lt1"/>
+          </a:fontRef>
+        </p:style>
+        <p:txBody>
+          <a:bodyPr rtlCol="0" anchor="ctr"/>
+          <a:lstStyle/>
+          <a:p>
+            <a:pPr algn="ctr"/>
+            <a:endParaRPr lang="en-US"/>
+          </a:p>
+        </p:txBody>
+      </p:sp>
+      <p:sp>
+        <p:nvSpPr>
+          <p:cNvPr id="12" name="Rectangle 11">
+            <a:extLst>
+              <a:ext uri="{FF2B5EF4-FFF2-40B4-BE49-F238E27FC236}">
+                <a16:creationId xmlns:a16="http://schemas.microsoft.com/office/drawing/2014/main" id="{BC4C4868-CB8F-4AF9-9CDB-8108F2C19B67}"/>
+              </a:ext>
+              <a:ext uri="{C183D7F6-B498-43B3-948B-1728B52AA6E4}">
+                <adec:decorative xmlns:adec="http://schemas.microsoft.com/office/drawing/2017/decorative" val="1"/>
+              </a:ext>
+            </a:extLst>
+          </p:cNvPr>
+          <p:cNvSpPr>
+            <a:spLocks noGrp="1" noRot="1" noChangeAspect="1" noMove="1" noResize="1" noEditPoints="1" noAdjustHandles="1" noChangeArrowheads="1" noChangeShapeType="1" noTextEdit="1"/>
+          </p:cNvSpPr>
+          <p:nvPr>
+            <p:extLst>
+              <p:ext uri="{386F3935-93C4-4BCD-93E2-E3B085C9AB24}">
+                <p16:designElem xmlns:p16="http://schemas.microsoft.com/office/powerpoint/2015/main" val="1"/>
+              </p:ext>
+            </p:extLst>
+          </p:nvPr>
+        </p:nvSpPr>
+        <p:spPr>
+          <a:xfrm rot="10800000" flipH="1">
+            <a:off x="-3" y="0"/>
+            <a:ext cx="8115306" cy="1590742"/>
+          </a:xfrm>
+          <a:prstGeom prst="rect">
+            <a:avLst/>
+          </a:prstGeom>
+          <a:gradFill>
+            <a:gsLst>
+              <a:gs pos="20000">
+                <a:schemeClr val="accent1">
+                  <a:alpha val="0"/>
+                </a:schemeClr>
+              </a:gs>
+              <a:gs pos="100000">
+                <a:schemeClr val="accent1">
+                  <a:lumMod val="50000"/>
+                  <a:alpha val="55000"/>
+                </a:schemeClr>
+              </a:gs>
+            </a:gsLst>
+            <a:lin ang="13800000" scaled="0"/>
+          </a:gradFill>
+          <a:ln>
+            <a:noFill/>
+          </a:ln>
+        </p:spPr>
+        <p:style>
+          <a:lnRef idx="2">
+            <a:schemeClr val="accent1">
+              <a:shade val="50000"/>
+            </a:schemeClr>
+          </a:lnRef>
+          <a:fillRef idx="1">
+            <a:schemeClr val="accent1"/>
+          </a:fillRef>
+          <a:effectRef idx="0">
+            <a:schemeClr val="accent1"/>
+          </a:effectRef>
+          <a:fontRef idx="minor">
+            <a:schemeClr val="lt1"/>
+          </a:fontRef>
+        </p:style>
+        <p:txBody>
+          <a:bodyPr rtlCol="0" anchor="ctr"/>
+          <a:lstStyle/>
+          <a:p>
+            <a:pPr algn="ctr"/>
+            <a:endParaRPr lang="en-US"/>
+          </a:p>
+        </p:txBody>
+      </p:sp>
+      <p:sp>
+        <p:nvSpPr>
+          <p:cNvPr id="14" name="Rectangle 13">
+            <a:extLst>
+              <a:ext uri="{FF2B5EF4-FFF2-40B4-BE49-F238E27FC236}">
+                <a16:creationId xmlns:a16="http://schemas.microsoft.com/office/drawing/2014/main" id="{375E0459-6403-40CD-989D-56A4407CA12E}"/>
+              </a:ext>
+              <a:ext uri="{C183D7F6-B498-43B3-948B-1728B52AA6E4}">
+                <adec:decorative xmlns:adec="http://schemas.microsoft.com/office/drawing/2017/decorative" val="1"/>
+              </a:ext>
+            </a:extLst>
+          </p:cNvPr>
+          <p:cNvSpPr>
+            <a:spLocks noGrp="1" noRot="1" noChangeAspect="1" noMove="1" noResize="1" noEditPoints="1" noAdjustHandles="1" noChangeArrowheads="1" noChangeShapeType="1" noTextEdit="1"/>
+          </p:cNvSpPr>
+          <p:nvPr>
+            <p:extLst>
+              <p:ext uri="{386F3935-93C4-4BCD-93E2-E3B085C9AB24}">
+                <p16:designElem xmlns:p16="http://schemas.microsoft.com/office/powerpoint/2015/main" val="1"/>
+              </p:ext>
+            </p:extLst>
+          </p:nvPr>
+        </p:nvSpPr>
+        <p:spPr>
+          <a:xfrm flipH="1">
+            <a:off x="8115299" y="-1"/>
+            <a:ext cx="4076698" cy="1590742"/>
+          </a:xfrm>
+          <a:prstGeom prst="rect">
+            <a:avLst/>
+          </a:prstGeom>
+          <a:gradFill>
+            <a:gsLst>
+              <a:gs pos="0">
+                <a:schemeClr val="accent1">
+                  <a:alpha val="66000"/>
+                </a:schemeClr>
+              </a:gs>
+              <a:gs pos="100000">
+                <a:srgbClr val="000000">
+                  <a:alpha val="30000"/>
+                </a:srgbClr>
+              </a:gs>
+            </a:gsLst>
+            <a:lin ang="13200000" scaled="0"/>
+          </a:gradFill>
+          <a:ln>
+            <a:noFill/>
+          </a:ln>
+        </p:spPr>
+        <p:style>
+          <a:lnRef idx="2">
+            <a:schemeClr val="accent1">
+              <a:shade val="50000"/>
+            </a:schemeClr>
+          </a:lnRef>
+          <a:fillRef idx="1">
+            <a:schemeClr val="accent1"/>
+          </a:fillRef>
+          <a:effectRef idx="0">
+            <a:schemeClr val="accent1"/>
+          </a:effectRef>
+          <a:fontRef idx="minor">
+            <a:schemeClr val="lt1"/>
+          </a:fontRef>
+        </p:style>
+        <p:txBody>
+          <a:bodyPr rtlCol="0" anchor="ctr"/>
+          <a:lstStyle/>
+          <a:p>
+            <a:pPr algn="ctr"/>
+            <a:endParaRPr lang="en-US"/>
+          </a:p>
+        </p:txBody>
+      </p:sp>
+      <p:sp>
+        <p:nvSpPr>
+          <p:cNvPr id="16" name="Rectangle 15">
+            <a:extLst>
+              <a:ext uri="{FF2B5EF4-FFF2-40B4-BE49-F238E27FC236}">
+                <a16:creationId xmlns:a16="http://schemas.microsoft.com/office/drawing/2014/main" id="{53E5B1A8-3AC9-4BD1-9BBC-78CA94F2D1BA}"/>
+              </a:ext>
+              <a:ext uri="{C183D7F6-B498-43B3-948B-1728B52AA6E4}">
+                <adec:decorative xmlns:adec="http://schemas.microsoft.com/office/drawing/2017/decorative" val="1"/>
+              </a:ext>
+            </a:extLst>
+          </p:cNvPr>
+          <p:cNvSpPr>
+            <a:spLocks noGrp="1" noRot="1" noChangeAspect="1" noMove="1" noResize="1" noEditPoints="1" noAdjustHandles="1" noChangeArrowheads="1" noChangeShapeType="1" noTextEdit="1"/>
+          </p:cNvSpPr>
+          <p:nvPr>
+            <p:extLst>
+              <p:ext uri="{386F3935-93C4-4BCD-93E2-E3B085C9AB24}">
+                <p16:designElem xmlns:p16="http://schemas.microsoft.com/office/powerpoint/2015/main" val="1"/>
+              </p:ext>
+            </p:extLst>
+          </p:nvPr>
+        </p:nvSpPr>
+        <p:spPr>
+          <a:xfrm>
+            <a:off x="459350" y="-1"/>
+            <a:ext cx="11732646" cy="1597433"/>
+          </a:xfrm>
+          <a:prstGeom prst="rect">
+            <a:avLst/>
+          </a:prstGeom>
+          <a:gradFill>
+            <a:gsLst>
+              <a:gs pos="50000">
+                <a:srgbClr val="000000">
+                  <a:alpha val="0"/>
+                </a:srgbClr>
+              </a:gs>
+              <a:gs pos="99000">
+                <a:schemeClr val="accent1">
+                  <a:lumMod val="50000"/>
+                  <a:alpha val="52000"/>
+                </a:schemeClr>
+              </a:gs>
+            </a:gsLst>
+            <a:lin ang="16800000" scaled="0"/>
+          </a:gradFill>
+          <a:ln>
+            <a:noFill/>
+          </a:ln>
+        </p:spPr>
+        <p:style>
+          <a:lnRef idx="2">
+            <a:schemeClr val="accent1">
+              <a:shade val="50000"/>
+            </a:schemeClr>
+          </a:lnRef>
+          <a:fillRef idx="1">
+            <a:schemeClr val="accent1"/>
+          </a:fillRef>
+          <a:effectRef idx="0">
+            <a:schemeClr val="accent1"/>
+          </a:effectRef>
+          <a:fontRef idx="minor">
+            <a:schemeClr val="lt1"/>
+          </a:fontRef>
+        </p:style>
+        <p:txBody>
+          <a:bodyPr rtlCol="0" anchor="ctr"/>
+          <a:lstStyle/>
+          <a:p>
+            <a:pPr algn="ctr"/>
+            <a:endParaRPr lang="en-US"/>
+          </a:p>
+        </p:txBody>
+      </p:sp>
+      <p:sp>
+        <p:nvSpPr>
+          <p:cNvPr id="2" name="Titolo 1">
+            <a:extLst>
+              <a:ext uri="{FF2B5EF4-FFF2-40B4-BE49-F238E27FC236}">
+                <a16:creationId xmlns:a16="http://schemas.microsoft.com/office/drawing/2014/main" id="{01CFBF5E-27B7-B711-834E-D462F608B09A}"/>
+              </a:ext>
+            </a:extLst>
+          </p:cNvPr>
+          <p:cNvSpPr>
+            <a:spLocks noGrp="1"/>
+          </p:cNvSpPr>
+          <p:nvPr>
+            <p:ph type="title"/>
+          </p:nvPr>
+        </p:nvSpPr>
+        <p:spPr>
+          <a:xfrm>
+            <a:off x="1371599" y="294538"/>
+            <a:ext cx="9895951" cy="1033669"/>
+          </a:xfrm>
+        </p:spPr>
+        <p:txBody>
+          <a:bodyPr>
+            <a:normAutofit/>
+          </a:bodyPr>
+          <a:lstStyle/>
+          <a:p>
+            <a:r>
+              <a:rPr lang="it-IT" sz="4000" dirty="0">
+                <a:solidFill>
+                  <a:srgbClr val="FFFFFF"/>
+                </a:solidFill>
+              </a:rPr>
+              <a:t>Velocità</a:t>
+            </a:r>
+          </a:p>
+        </p:txBody>
+      </p:sp>
+      <mc:AlternateContent xmlns:mc="http://schemas.openxmlformats.org/markup-compatibility/2006">
+        <mc:Choice xmlns:a14="http://schemas.microsoft.com/office/drawing/2010/main" Requires="a14">
+          <p:sp>
+            <p:nvSpPr>
+              <p:cNvPr id="3" name="Segnaposto contenuto 2">
+                <a:extLst>
+                  <a:ext uri="{FF2B5EF4-FFF2-40B4-BE49-F238E27FC236}">
+                    <a16:creationId xmlns:a16="http://schemas.microsoft.com/office/drawing/2014/main" id="{ED1B91C9-72CB-FE28-0721-11F6AFDD42B2}"/>
+                  </a:ext>
+                </a:extLst>
+              </p:cNvPr>
+              <p:cNvSpPr>
+                <a:spLocks noGrp="1"/>
+              </p:cNvSpPr>
+              <p:nvPr>
+                <p:ph idx="1"/>
+              </p:nvPr>
+            </p:nvSpPr>
+            <p:spPr>
+              <a:xfrm>
+                <a:off x="1371599" y="2318197"/>
+                <a:ext cx="9724031" cy="3683358"/>
+              </a:xfrm>
+            </p:spPr>
+            <p:style>
+              <a:lnRef idx="2">
+                <a:schemeClr val="accent1"/>
+              </a:lnRef>
+              <a:fillRef idx="1">
+                <a:schemeClr val="lt1"/>
+              </a:fillRef>
+              <a:effectRef idx="0">
+                <a:schemeClr val="accent1"/>
+              </a:effectRef>
+              <a:fontRef idx="minor">
+                <a:schemeClr val="dk1"/>
+              </a:fontRef>
+            </p:style>
+            <p:txBody>
+              <a:bodyPr anchor="ctr">
+                <a:normAutofit lnSpcReduction="10000"/>
+              </a:bodyPr>
+              <a:lstStyle/>
+              <a:p>
+                <a:r>
+                  <a:rPr lang="it-IT" dirty="0"/>
+                  <a:t>La velocità media si appoggia alla classe </a:t>
+                </a:r>
+                <a:r>
+                  <a:rPr lang="it-IT" dirty="0" err="1"/>
+                  <a:t>Speedometer</a:t>
+                </a:r>
+                <a:r>
+                  <a:rPr lang="it-IT" dirty="0"/>
+                  <a:t> che implementa l’interfaccia </a:t>
+                </a:r>
+                <a:r>
+                  <a:rPr lang="it-IT" dirty="0" err="1"/>
+                  <a:t>locationListener</a:t>
+                </a:r>
+                <a:r>
+                  <a:rPr lang="it-IT" dirty="0"/>
+                  <a:t>. </a:t>
+                </a:r>
+              </a:p>
+              <a:p>
+                <a:r>
+                  <a:rPr lang="it-IT" dirty="0"/>
+                  <a:t>Tramite l’</a:t>
+                </a:r>
+                <a:r>
+                  <a:rPr lang="it-IT" dirty="0" err="1"/>
+                  <a:t>override</a:t>
+                </a:r>
+                <a:r>
+                  <a:rPr lang="it-IT" dirty="0"/>
+                  <a:t> del metodo </a:t>
+                </a:r>
+                <a:r>
+                  <a:rPr lang="it-IT" dirty="0" err="1"/>
+                  <a:t>onLocationChanged</a:t>
+                </a:r>
+                <a:r>
+                  <a:rPr lang="it-IT" dirty="0"/>
+                  <a:t> otteniamo un oggetto location ogni volta che la posizione cambia; risaliamo quindi alla velocità del dispositivo attraverso </a:t>
+                </a:r>
+                <a:r>
+                  <a:rPr lang="it-IT" dirty="0" err="1"/>
+                  <a:t>getSpeed</a:t>
+                </a:r>
+                <a:r>
+                  <a:rPr lang="it-IT" dirty="0"/>
+                  <a:t>().</a:t>
+                </a:r>
+              </a:p>
+              <a:p>
+                <a:r>
+                  <a:rPr lang="it-IT" dirty="0"/>
+                  <a:t>Calcoliamo la velocità media in maniera dinamica attraverso la formula:</a:t>
+                </a:r>
+              </a:p>
+              <a:p>
+                <a:pPr marL="0" indent="0">
+                  <a:buNone/>
+                </a:pPr>
+                <a14:m>
+                  <m:oMathPara xmlns:m="http://schemas.openxmlformats.org/officeDocument/2006/math">
+                    <m:oMathParaPr>
+                      <m:jc m:val="centerGroup"/>
+                    </m:oMathParaPr>
+                    <m:oMath xmlns:m="http://schemas.openxmlformats.org/officeDocument/2006/math">
+                      <m:r>
+                        <a:rPr lang="it-IT" b="0" i="1" smtClean="0">
+                          <a:latin typeface="Cambria Math" panose="02040503050406030204" pitchFamily="18" charset="0"/>
+                        </a:rPr>
+                        <m:t>𝑠𝑝𝑒𝑒</m:t>
+                      </m:r>
+                      <m:sSub>
+                        <m:sSubPr>
+                          <m:ctrlPr>
+                            <a:rPr lang="it-IT" b="0" i="1" smtClean="0">
+                              <a:latin typeface="Cambria Math" panose="02040503050406030204" pitchFamily="18" charset="0"/>
+                            </a:rPr>
+                          </m:ctrlPr>
+                        </m:sSubPr>
+                        <m:e>
+                          <m:r>
+                            <a:rPr lang="it-IT" b="0" i="1" smtClean="0">
+                              <a:latin typeface="Cambria Math" panose="02040503050406030204" pitchFamily="18" charset="0"/>
+                            </a:rPr>
+                            <m:t>𝑑</m:t>
+                          </m:r>
+                        </m:e>
+                        <m:sub>
+                          <m:r>
+                            <a:rPr lang="it-IT" b="0" i="1" smtClean="0">
+                              <a:latin typeface="Cambria Math" panose="02040503050406030204" pitchFamily="18" charset="0"/>
+                            </a:rPr>
+                            <m:t>𝑎𝑣𝑔</m:t>
+                          </m:r>
+                        </m:sub>
+                      </m:sSub>
+                      <m:d>
+                        <m:dPr>
+                          <m:ctrlPr>
+                            <a:rPr lang="it-IT" b="0" i="1" smtClean="0">
+                              <a:latin typeface="Cambria Math" panose="02040503050406030204" pitchFamily="18" charset="0"/>
+                            </a:rPr>
+                          </m:ctrlPr>
+                        </m:dPr>
+                        <m:e>
+                          <m:r>
+                            <a:rPr lang="it-IT" b="0" i="1" smtClean="0">
+                              <a:latin typeface="Cambria Math" panose="02040503050406030204" pitchFamily="18" charset="0"/>
+                            </a:rPr>
+                            <m:t>𝑛</m:t>
+                          </m:r>
+                        </m:e>
+                      </m:d>
+                      <m:r>
+                        <a:rPr lang="it-IT" b="0" i="1" smtClean="0">
+                          <a:latin typeface="Cambria Math" panose="02040503050406030204" pitchFamily="18" charset="0"/>
+                        </a:rPr>
+                        <m:t>=</m:t>
+                      </m:r>
+                      <m:f>
+                        <m:fPr>
+                          <m:ctrlPr>
+                            <a:rPr lang="it-IT" b="0" i="1" smtClean="0">
+                              <a:latin typeface="Cambria Math" panose="02040503050406030204" pitchFamily="18" charset="0"/>
+                            </a:rPr>
+                          </m:ctrlPr>
+                        </m:fPr>
+                        <m:num>
+                          <m:r>
+                            <a:rPr lang="it-IT" b="0" i="1" smtClean="0">
+                              <a:latin typeface="Cambria Math" panose="02040503050406030204" pitchFamily="18" charset="0"/>
+                            </a:rPr>
+                            <m:t>1</m:t>
+                          </m:r>
+                        </m:num>
+                        <m:den>
+                          <m:r>
+                            <a:rPr lang="it-IT" b="0" i="1" smtClean="0">
+                              <a:latin typeface="Cambria Math" panose="02040503050406030204" pitchFamily="18" charset="0"/>
+                            </a:rPr>
+                            <m:t>𝑛</m:t>
+                          </m:r>
+                        </m:den>
+                      </m:f>
+                      <m:r>
+                        <a:rPr lang="it-IT" b="0" i="1" smtClean="0">
+                          <a:latin typeface="Cambria Math" panose="02040503050406030204" pitchFamily="18" charset="0"/>
+                        </a:rPr>
+                        <m:t>𝑠𝑝𝑒𝑒𝑑</m:t>
+                      </m:r>
+                      <m:d>
+                        <m:dPr>
+                          <m:ctrlPr>
+                            <a:rPr lang="it-IT" b="0" i="1" smtClean="0">
+                              <a:latin typeface="Cambria Math" panose="02040503050406030204" pitchFamily="18" charset="0"/>
+                            </a:rPr>
+                          </m:ctrlPr>
+                        </m:dPr>
+                        <m:e>
+                          <m:r>
+                            <a:rPr lang="it-IT" b="0" i="1" smtClean="0">
+                              <a:latin typeface="Cambria Math" panose="02040503050406030204" pitchFamily="18" charset="0"/>
+                            </a:rPr>
+                            <m:t>𝑛</m:t>
+                          </m:r>
+                        </m:e>
+                      </m:d>
+                      <m:r>
+                        <a:rPr lang="it-IT" b="0" i="1" smtClean="0">
+                          <a:latin typeface="Cambria Math" panose="02040503050406030204" pitchFamily="18" charset="0"/>
+                        </a:rPr>
+                        <m:t>+</m:t>
+                      </m:r>
+                      <m:f>
+                        <m:fPr>
+                          <m:ctrlPr>
+                            <a:rPr lang="it-IT" b="0" i="1" smtClean="0">
+                              <a:latin typeface="Cambria Math" panose="02040503050406030204" pitchFamily="18" charset="0"/>
+                            </a:rPr>
+                          </m:ctrlPr>
+                        </m:fPr>
+                        <m:num>
+                          <m:r>
+                            <a:rPr lang="it-IT" b="0" i="1" smtClean="0">
+                              <a:latin typeface="Cambria Math" panose="02040503050406030204" pitchFamily="18" charset="0"/>
+                            </a:rPr>
+                            <m:t>𝑛</m:t>
+                          </m:r>
+                          <m:r>
+                            <a:rPr lang="it-IT" b="0" i="1" smtClean="0">
+                              <a:latin typeface="Cambria Math" panose="02040503050406030204" pitchFamily="18" charset="0"/>
+                            </a:rPr>
+                            <m:t>−1</m:t>
+                          </m:r>
+                        </m:num>
+                        <m:den>
+                          <m:r>
+                            <a:rPr lang="it-IT" b="0" i="1" smtClean="0">
+                              <a:latin typeface="Cambria Math" panose="02040503050406030204" pitchFamily="18" charset="0"/>
+                            </a:rPr>
+                            <m:t>𝑛</m:t>
+                          </m:r>
+                        </m:den>
+                      </m:f>
+                      <m:r>
+                        <a:rPr lang="it-IT" b="0" i="1" smtClean="0">
+                          <a:latin typeface="Cambria Math" panose="02040503050406030204" pitchFamily="18" charset="0"/>
+                        </a:rPr>
+                        <m:t>𝑠𝑝𝑒𝑒</m:t>
+                      </m:r>
+                      <m:sSub>
+                        <m:sSubPr>
+                          <m:ctrlPr>
+                            <a:rPr lang="it-IT" b="0" i="1" smtClean="0">
+                              <a:latin typeface="Cambria Math" panose="02040503050406030204" pitchFamily="18" charset="0"/>
+                            </a:rPr>
+                          </m:ctrlPr>
+                        </m:sSubPr>
+                        <m:e>
+                          <m:r>
+                            <a:rPr lang="it-IT" b="0" i="1" smtClean="0">
+                              <a:latin typeface="Cambria Math" panose="02040503050406030204" pitchFamily="18" charset="0"/>
+                            </a:rPr>
+                            <m:t>𝑑</m:t>
+                          </m:r>
+                        </m:e>
+                        <m:sub>
+                          <m:r>
+                            <a:rPr lang="it-IT" b="0" i="1" smtClean="0">
+                              <a:latin typeface="Cambria Math" panose="02040503050406030204" pitchFamily="18" charset="0"/>
+                            </a:rPr>
+                            <m:t>𝑎𝑣𝑔</m:t>
+                          </m:r>
+                        </m:sub>
+                      </m:sSub>
+                      <m:r>
+                        <a:rPr lang="it-IT" b="0" i="1" smtClean="0">
+                          <a:latin typeface="Cambria Math" panose="02040503050406030204" pitchFamily="18" charset="0"/>
+                        </a:rPr>
+                        <m:t>(</m:t>
+                      </m:r>
+                      <m:r>
+                        <a:rPr lang="it-IT" b="0" i="1" smtClean="0">
+                          <a:latin typeface="Cambria Math" panose="02040503050406030204" pitchFamily="18" charset="0"/>
+                        </a:rPr>
+                        <m:t>𝑛</m:t>
+                      </m:r>
+                      <m:r>
+                        <a:rPr lang="it-IT" b="0" i="1" smtClean="0">
+                          <a:latin typeface="Cambria Math" panose="02040503050406030204" pitchFamily="18" charset="0"/>
+                        </a:rPr>
+                        <m:t>−1)</m:t>
+                      </m:r>
+                    </m:oMath>
+                  </m:oMathPara>
+                </a14:m>
+                <a:endParaRPr lang="it-IT" dirty="0"/>
+              </a:p>
+            </p:txBody>
+          </p:sp>
+        </mc:Choice>
+        <mc:Fallback>
+          <p:sp>
+            <p:nvSpPr>
+              <p:cNvPr id="3" name="Segnaposto contenuto 2">
+                <a:extLst>
+                  <a:ext uri="{FF2B5EF4-FFF2-40B4-BE49-F238E27FC236}">
+                    <a16:creationId xmlns:a16="http://schemas.microsoft.com/office/drawing/2014/main" id="{ED1B91C9-72CB-FE28-0721-11F6AFDD42B2}"/>
+                  </a:ext>
+                </a:extLst>
+              </p:cNvPr>
+              <p:cNvSpPr>
+                <a:spLocks noGrp="1" noRot="1" noChangeAspect="1" noMove="1" noResize="1" noEditPoints="1" noAdjustHandles="1" noChangeArrowheads="1" noChangeShapeType="1" noTextEdit="1"/>
+              </p:cNvSpPr>
+              <p:nvPr>
+                <p:ph idx="1"/>
+              </p:nvPr>
+            </p:nvSpPr>
+            <p:spPr>
+              <a:xfrm>
+                <a:off x="1371599" y="2318197"/>
+                <a:ext cx="9724031" cy="3683358"/>
+              </a:xfrm>
+              <a:blipFill>
+                <a:blip r:embed="rId2"/>
+                <a:stretch>
+                  <a:fillRect l="-1064" t="-494" r="-1440"/>
+                </a:stretch>
+              </a:blipFill>
+            </p:spPr>
+            <p:txBody>
+              <a:bodyPr/>
+              <a:lstStyle/>
+              <a:p>
+                <a:r>
+                  <a:rPr lang="it-IT">
+                    <a:noFill/>
+                  </a:rPr>
+                  <a:t> </a:t>
+                </a:r>
+              </a:p>
+            </p:txBody>
+          </p:sp>
+        </mc:Fallback>
+      </mc:AlternateContent>
+    </p:spTree>
+    <p:extLst>
+      <p:ext uri="{BB962C8B-B14F-4D97-AF65-F5344CB8AC3E}">
+        <p14:creationId xmlns:p14="http://schemas.microsoft.com/office/powerpoint/2010/main" val="3504529267"/>
+      </p:ext>
+    </p:extLst>
+  </p:cSld>
+  <p:clrMapOvr>
+    <a:masterClrMapping/>
+  </p:clrMapOvr>
+</p:sld>
+</file>
+
+<file path=ppt/slides/slide13.xml><?xml version="1.0" encoding="utf-8"?>
+<p:sld xmlns:a="http://schemas.openxmlformats.org/drawingml/2006/main" xmlns:r="http://schemas.openxmlformats.org/officeDocument/2006/relationships" xmlns:p="http://schemas.openxmlformats.org/presentationml/2006/main">
+  <p:cSld>
+    <p:bg>
+      <p:bgPr>
+        <a:solidFill>
+          <a:schemeClr val="bg1"/>
+        </a:solidFill>
+        <a:effectLst/>
+      </p:bgPr>
+    </p:bg>
+    <p:spTree>
+      <p:nvGrpSpPr>
+        <p:cNvPr id="1" name=""/>
+        <p:cNvGrpSpPr/>
+        <p:nvPr/>
+      </p:nvGrpSpPr>
+      <p:grpSpPr>
+        <a:xfrm>
+          <a:off x="0" y="0"/>
+          <a:ext cx="0" cy="0"/>
+          <a:chOff x="0" y="0"/>
+          <a:chExt cx="0" cy="0"/>
+        </a:xfrm>
+      </p:grpSpPr>
+      <p:sp useBgFill="1">
+        <p:nvSpPr>
+          <p:cNvPr id="8" name="Rectangle 7">
+            <a:extLst>
+              <a:ext uri="{FF2B5EF4-FFF2-40B4-BE49-F238E27FC236}">
+                <a16:creationId xmlns:a16="http://schemas.microsoft.com/office/drawing/2014/main" id="{1B15ED52-F352-441B-82BF-E0EA34836D08}"/>
+              </a:ext>
+              <a:ext uri="{C183D7F6-B498-43B3-948B-1728B52AA6E4}">
+                <adec:decorative xmlns:adec="http://schemas.microsoft.com/office/drawing/2017/decorative" val="1"/>
+              </a:ext>
+            </a:extLst>
+          </p:cNvPr>
+          <p:cNvSpPr>
+            <a:spLocks noGrp="1" noRot="1" noChangeAspect="1" noMove="1" noResize="1" noEditPoints="1" noAdjustHandles="1" noChangeArrowheads="1" noChangeShapeType="1" noTextEdit="1"/>
+          </p:cNvSpPr>
+          <p:nvPr>
+            <p:extLst>
+              <p:ext uri="{386F3935-93C4-4BCD-93E2-E3B085C9AB24}">
+                <p16:designElem xmlns:p16="http://schemas.microsoft.com/office/powerpoint/2015/main" val="1"/>
+              </p:ext>
+            </p:extLst>
+          </p:nvPr>
+        </p:nvSpPr>
+        <p:spPr>
+          <a:xfrm>
+            <a:off x="0" y="0"/>
+            <a:ext cx="12192000" cy="6858000"/>
+          </a:xfrm>
+          <a:prstGeom prst="rect">
+            <a:avLst/>
+          </a:prstGeom>
+          <a:ln w="12700" cap="flat" cmpd="sng" algn="ctr">
+            <a:noFill/>
+            <a:prstDash val="solid"/>
+            <a:miter lim="800000"/>
+          </a:ln>
+          <a:effectLst/>
+          <a:extLst>
+            <a:ext uri="{91240B29-F687-4F45-9708-019B960494DF}">
+              <a14:hiddenLine xmlns:a14="http://schemas.microsoft.com/office/drawing/2010/main" w="12700" cap="flat" cmpd="sng" algn="ctr">
+                <a:solidFill>
+                  <a:schemeClr val="accent1">
+                    <a:shade val="50000"/>
+                  </a:schemeClr>
+                </a:solidFill>
+                <a:prstDash val="solid"/>
+                <a:miter lim="800000"/>
+              </a14:hiddenLine>
+            </a:ext>
+          </a:extLst>
+        </p:spPr>
+        <p:style>
+          <a:lnRef idx="2">
+            <a:schemeClr val="accent1">
+              <a:shade val="50000"/>
+            </a:schemeClr>
+          </a:lnRef>
+          <a:fillRef idx="1">
+            <a:schemeClr val="accent1"/>
+          </a:fillRef>
+          <a:effectRef idx="0">
+            <a:schemeClr val="accent1"/>
+          </a:effectRef>
+          <a:fontRef idx="minor">
+            <a:schemeClr val="lt1"/>
+          </a:fontRef>
+        </p:style>
+        <p:txBody>
+          <a:bodyPr rtlCol="0" anchor="ctr"/>
+          <a:lstStyle/>
+          <a:p>
+            <a:pPr algn="ctr"/>
+            <a:endParaRPr lang="en-US"/>
+          </a:p>
+        </p:txBody>
+      </p:sp>
+      <p:sp>
+        <p:nvSpPr>
+          <p:cNvPr id="10" name="Rectangle 9">
+            <a:extLst>
+              <a:ext uri="{FF2B5EF4-FFF2-40B4-BE49-F238E27FC236}">
+                <a16:creationId xmlns:a16="http://schemas.microsoft.com/office/drawing/2014/main" id="{3B2E3793-BFE6-45A2-9B7B-E18844431C99}"/>
+              </a:ext>
+              <a:ext uri="{C183D7F6-B498-43B3-948B-1728B52AA6E4}">
+                <adec:decorative xmlns:adec="http://schemas.microsoft.com/office/drawing/2017/decorative" val="1"/>
+              </a:ext>
+            </a:extLst>
+          </p:cNvPr>
+          <p:cNvSpPr>
+            <a:spLocks noGrp="1" noRot="1" noChangeAspect="1" noMove="1" noResize="1" noEditPoints="1" noAdjustHandles="1" noChangeArrowheads="1" noChangeShapeType="1" noTextEdit="1"/>
+          </p:cNvSpPr>
+          <p:nvPr>
+            <p:extLst>
+              <p:ext uri="{386F3935-93C4-4BCD-93E2-E3B085C9AB24}">
+                <p16:designElem xmlns:p16="http://schemas.microsoft.com/office/powerpoint/2015/main" val="1"/>
+              </p:ext>
+            </p:extLst>
+          </p:nvPr>
+        </p:nvSpPr>
+        <p:spPr>
+          <a:xfrm flipH="1">
+            <a:off x="-1" y="-1"/>
+            <a:ext cx="12191998" cy="1590742"/>
+          </a:xfrm>
+          <a:prstGeom prst="rect">
+            <a:avLst/>
+          </a:prstGeom>
+          <a:gradFill>
+            <a:gsLst>
+              <a:gs pos="0">
+                <a:srgbClr val="000000"/>
+              </a:gs>
+              <a:gs pos="100000">
+                <a:schemeClr val="accent1">
+                  <a:lumMod val="75000"/>
+                </a:schemeClr>
+              </a:gs>
+            </a:gsLst>
+            <a:lin ang="8400000" scaled="0"/>
+          </a:gradFill>
+          <a:ln>
+            <a:noFill/>
+          </a:ln>
+        </p:spPr>
+        <p:style>
+          <a:lnRef idx="2">
+            <a:schemeClr val="accent1">
+              <a:shade val="50000"/>
+            </a:schemeClr>
+          </a:lnRef>
+          <a:fillRef idx="1">
+            <a:schemeClr val="accent1"/>
+          </a:fillRef>
+          <a:effectRef idx="0">
+            <a:schemeClr val="accent1"/>
+          </a:effectRef>
+          <a:fontRef idx="minor">
+            <a:schemeClr val="lt1"/>
+          </a:fontRef>
+        </p:style>
+        <p:txBody>
+          <a:bodyPr rtlCol="0" anchor="ctr"/>
+          <a:lstStyle/>
+          <a:p>
+            <a:pPr algn="ctr"/>
+            <a:endParaRPr lang="en-US"/>
+          </a:p>
+        </p:txBody>
+      </p:sp>
+      <p:sp>
+        <p:nvSpPr>
+          <p:cNvPr id="12" name="Rectangle 11">
+            <a:extLst>
+              <a:ext uri="{FF2B5EF4-FFF2-40B4-BE49-F238E27FC236}">
+                <a16:creationId xmlns:a16="http://schemas.microsoft.com/office/drawing/2014/main" id="{BC4C4868-CB8F-4AF9-9CDB-8108F2C19B67}"/>
+              </a:ext>
+              <a:ext uri="{C183D7F6-B498-43B3-948B-1728B52AA6E4}">
+                <adec:decorative xmlns:adec="http://schemas.microsoft.com/office/drawing/2017/decorative" val="1"/>
+              </a:ext>
+            </a:extLst>
+          </p:cNvPr>
+          <p:cNvSpPr>
+            <a:spLocks noGrp="1" noRot="1" noChangeAspect="1" noMove="1" noResize="1" noEditPoints="1" noAdjustHandles="1" noChangeArrowheads="1" noChangeShapeType="1" noTextEdit="1"/>
+          </p:cNvSpPr>
+          <p:nvPr>
+            <p:extLst>
+              <p:ext uri="{386F3935-93C4-4BCD-93E2-E3B085C9AB24}">
+                <p16:designElem xmlns:p16="http://schemas.microsoft.com/office/powerpoint/2015/main" val="1"/>
+              </p:ext>
+            </p:extLst>
+          </p:nvPr>
+        </p:nvSpPr>
+        <p:spPr>
+          <a:xfrm rot="10800000" flipH="1">
+            <a:off x="-3" y="0"/>
+            <a:ext cx="8115306" cy="1590742"/>
+          </a:xfrm>
+          <a:prstGeom prst="rect">
+            <a:avLst/>
+          </a:prstGeom>
+          <a:gradFill>
+            <a:gsLst>
+              <a:gs pos="20000">
+                <a:schemeClr val="accent1">
+                  <a:alpha val="0"/>
+                </a:schemeClr>
+              </a:gs>
+              <a:gs pos="100000">
+                <a:schemeClr val="accent1">
+                  <a:lumMod val="50000"/>
+                  <a:alpha val="55000"/>
+                </a:schemeClr>
+              </a:gs>
+            </a:gsLst>
+            <a:lin ang="13800000" scaled="0"/>
+          </a:gradFill>
+          <a:ln>
+            <a:noFill/>
+          </a:ln>
+        </p:spPr>
+        <p:style>
+          <a:lnRef idx="2">
+            <a:schemeClr val="accent1">
+              <a:shade val="50000"/>
+            </a:schemeClr>
+          </a:lnRef>
+          <a:fillRef idx="1">
+            <a:schemeClr val="accent1"/>
+          </a:fillRef>
+          <a:effectRef idx="0">
+            <a:schemeClr val="accent1"/>
+          </a:effectRef>
+          <a:fontRef idx="minor">
+            <a:schemeClr val="lt1"/>
+          </a:fontRef>
+        </p:style>
+        <p:txBody>
+          <a:bodyPr rtlCol="0" anchor="ctr"/>
+          <a:lstStyle/>
+          <a:p>
+            <a:pPr algn="ctr"/>
+            <a:endParaRPr lang="en-US"/>
+          </a:p>
+        </p:txBody>
+      </p:sp>
+      <p:sp>
+        <p:nvSpPr>
+          <p:cNvPr id="14" name="Rectangle 13">
+            <a:extLst>
+              <a:ext uri="{FF2B5EF4-FFF2-40B4-BE49-F238E27FC236}">
+                <a16:creationId xmlns:a16="http://schemas.microsoft.com/office/drawing/2014/main" id="{375E0459-6403-40CD-989D-56A4407CA12E}"/>
+              </a:ext>
+              <a:ext uri="{C183D7F6-B498-43B3-948B-1728B52AA6E4}">
+                <adec:decorative xmlns:adec="http://schemas.microsoft.com/office/drawing/2017/decorative" val="1"/>
+              </a:ext>
+            </a:extLst>
+          </p:cNvPr>
+          <p:cNvSpPr>
+            <a:spLocks noGrp="1" noRot="1" noChangeAspect="1" noMove="1" noResize="1" noEditPoints="1" noAdjustHandles="1" noChangeArrowheads="1" noChangeShapeType="1" noTextEdit="1"/>
+          </p:cNvSpPr>
+          <p:nvPr>
+            <p:extLst>
+              <p:ext uri="{386F3935-93C4-4BCD-93E2-E3B085C9AB24}">
+                <p16:designElem xmlns:p16="http://schemas.microsoft.com/office/powerpoint/2015/main" val="1"/>
+              </p:ext>
+            </p:extLst>
+          </p:nvPr>
+        </p:nvSpPr>
+        <p:spPr>
+          <a:xfrm flipH="1">
+            <a:off x="8115299" y="-1"/>
+            <a:ext cx="4076698" cy="1590742"/>
+          </a:xfrm>
+          <a:prstGeom prst="rect">
+            <a:avLst/>
+          </a:prstGeom>
+          <a:gradFill>
+            <a:gsLst>
+              <a:gs pos="0">
+                <a:schemeClr val="accent1">
+                  <a:alpha val="66000"/>
+                </a:schemeClr>
+              </a:gs>
+              <a:gs pos="100000">
+                <a:srgbClr val="000000">
+                  <a:alpha val="30000"/>
+                </a:srgbClr>
+              </a:gs>
+            </a:gsLst>
+            <a:lin ang="13200000" scaled="0"/>
+          </a:gradFill>
+          <a:ln>
+            <a:noFill/>
+          </a:ln>
+        </p:spPr>
+        <p:style>
+          <a:lnRef idx="2">
+            <a:schemeClr val="accent1">
+              <a:shade val="50000"/>
+            </a:schemeClr>
+          </a:lnRef>
+          <a:fillRef idx="1">
+            <a:schemeClr val="accent1"/>
+          </a:fillRef>
+          <a:effectRef idx="0">
+            <a:schemeClr val="accent1"/>
+          </a:effectRef>
+          <a:fontRef idx="minor">
+            <a:schemeClr val="lt1"/>
+          </a:fontRef>
+        </p:style>
+        <p:txBody>
+          <a:bodyPr rtlCol="0" anchor="ctr"/>
+          <a:lstStyle/>
+          <a:p>
+            <a:pPr algn="ctr"/>
+            <a:endParaRPr lang="en-US"/>
+          </a:p>
+        </p:txBody>
+      </p:sp>
+      <p:sp>
+        <p:nvSpPr>
+          <p:cNvPr id="16" name="Rectangle 15">
+            <a:extLst>
+              <a:ext uri="{FF2B5EF4-FFF2-40B4-BE49-F238E27FC236}">
+                <a16:creationId xmlns:a16="http://schemas.microsoft.com/office/drawing/2014/main" id="{53E5B1A8-3AC9-4BD1-9BBC-78CA94F2D1BA}"/>
+              </a:ext>
+              <a:ext uri="{C183D7F6-B498-43B3-948B-1728B52AA6E4}">
+                <adec:decorative xmlns:adec="http://schemas.microsoft.com/office/drawing/2017/decorative" val="1"/>
+              </a:ext>
+            </a:extLst>
+          </p:cNvPr>
+          <p:cNvSpPr>
+            <a:spLocks noGrp="1" noRot="1" noChangeAspect="1" noMove="1" noResize="1" noEditPoints="1" noAdjustHandles="1" noChangeArrowheads="1" noChangeShapeType="1" noTextEdit="1"/>
+          </p:cNvSpPr>
+          <p:nvPr>
+            <p:extLst>
+              <p:ext uri="{386F3935-93C4-4BCD-93E2-E3B085C9AB24}">
+                <p16:designElem xmlns:p16="http://schemas.microsoft.com/office/powerpoint/2015/main" val="1"/>
+              </p:ext>
+            </p:extLst>
+          </p:nvPr>
+        </p:nvSpPr>
+        <p:spPr>
+          <a:xfrm>
+            <a:off x="459350" y="-1"/>
+            <a:ext cx="11732646" cy="1597433"/>
+          </a:xfrm>
+          <a:prstGeom prst="rect">
+            <a:avLst/>
+          </a:prstGeom>
+          <a:gradFill>
+            <a:gsLst>
+              <a:gs pos="50000">
+                <a:srgbClr val="000000">
+                  <a:alpha val="0"/>
+                </a:srgbClr>
+              </a:gs>
+              <a:gs pos="99000">
+                <a:schemeClr val="accent1">
+                  <a:lumMod val="50000"/>
+                  <a:alpha val="52000"/>
+                </a:schemeClr>
+              </a:gs>
+            </a:gsLst>
+            <a:lin ang="16800000" scaled="0"/>
+          </a:gradFill>
+          <a:ln>
+            <a:noFill/>
+          </a:ln>
+        </p:spPr>
+        <p:style>
+          <a:lnRef idx="2">
+            <a:schemeClr val="accent1">
+              <a:shade val="50000"/>
+            </a:schemeClr>
+          </a:lnRef>
+          <a:fillRef idx="1">
+            <a:schemeClr val="accent1"/>
+          </a:fillRef>
+          <a:effectRef idx="0">
+            <a:schemeClr val="accent1"/>
+          </a:effectRef>
+          <a:fontRef idx="minor">
+            <a:schemeClr val="lt1"/>
+          </a:fontRef>
+        </p:style>
+        <p:txBody>
+          <a:bodyPr rtlCol="0" anchor="ctr"/>
+          <a:lstStyle/>
+          <a:p>
+            <a:pPr algn="ctr"/>
+            <a:endParaRPr lang="en-US"/>
+          </a:p>
+        </p:txBody>
+      </p:sp>
+      <p:sp>
+        <p:nvSpPr>
+          <p:cNvPr id="2" name="Titolo 1">
+            <a:extLst>
+              <a:ext uri="{FF2B5EF4-FFF2-40B4-BE49-F238E27FC236}">
+                <a16:creationId xmlns:a16="http://schemas.microsoft.com/office/drawing/2014/main" id="{CEF391EE-023B-234E-7AB8-2A01FC14849C}"/>
+              </a:ext>
+            </a:extLst>
+          </p:cNvPr>
+          <p:cNvSpPr>
+            <a:spLocks noGrp="1"/>
+          </p:cNvSpPr>
+          <p:nvPr>
+            <p:ph type="title"/>
+          </p:nvPr>
+        </p:nvSpPr>
+        <p:spPr>
+          <a:xfrm>
+            <a:off x="1371599" y="294538"/>
+            <a:ext cx="9895951" cy="1033669"/>
+          </a:xfrm>
+        </p:spPr>
+        <p:txBody>
+          <a:bodyPr>
+            <a:normAutofit/>
+          </a:bodyPr>
+          <a:lstStyle/>
+          <a:p>
+            <a:r>
+              <a:rPr lang="it-IT" sz="4000" dirty="0">
+                <a:solidFill>
+                  <a:srgbClr val="FFFFFF"/>
+                </a:solidFill>
+              </a:rPr>
+              <a:t>Database</a:t>
+            </a:r>
+          </a:p>
+        </p:txBody>
+      </p:sp>
+      <p:sp>
+        <p:nvSpPr>
+          <p:cNvPr id="3" name="Segnaposto contenuto 2">
+            <a:extLst>
+              <a:ext uri="{FF2B5EF4-FFF2-40B4-BE49-F238E27FC236}">
+                <a16:creationId xmlns:a16="http://schemas.microsoft.com/office/drawing/2014/main" id="{D9B20082-EC2C-0963-4E1C-60BC786A2541}"/>
+              </a:ext>
+            </a:extLst>
+          </p:cNvPr>
+          <p:cNvSpPr>
+            <a:spLocks noGrp="1"/>
+          </p:cNvSpPr>
+          <p:nvPr>
+            <p:ph idx="1"/>
+          </p:nvPr>
+        </p:nvSpPr>
+        <p:spPr>
+          <a:xfrm>
+            <a:off x="1371599" y="2318197"/>
+            <a:ext cx="9724031" cy="3683358"/>
+          </a:xfrm>
+        </p:spPr>
+        <p:style>
+          <a:lnRef idx="2">
+            <a:schemeClr val="accent1"/>
+          </a:lnRef>
+          <a:fillRef idx="1">
+            <a:schemeClr val="lt1"/>
+          </a:fillRef>
+          <a:effectRef idx="0">
+            <a:schemeClr val="accent1"/>
+          </a:effectRef>
+          <a:fontRef idx="minor">
+            <a:schemeClr val="dk1"/>
+          </a:fontRef>
+        </p:style>
+        <p:txBody>
+          <a:bodyPr anchor="ctr">
+            <a:normAutofit/>
+          </a:bodyPr>
+          <a:lstStyle/>
+          <a:p>
+            <a:r>
+              <a:rPr lang="it-IT" dirty="0"/>
+              <a:t>Per salvare i dati relativi alle sessioni ci appoggiamo ad un database </a:t>
+            </a:r>
+            <a:r>
+              <a:rPr lang="it-IT" dirty="0" err="1"/>
+              <a:t>SQLite</a:t>
+            </a:r>
+            <a:r>
+              <a:rPr lang="it-IT" dirty="0"/>
+              <a:t>.</a:t>
+            </a:r>
+          </a:p>
+          <a:p>
+            <a:r>
+              <a:rPr lang="it-IT" dirty="0"/>
+              <a:t>Creiamo 5 tabelle per velocità, accelerazione, piega, sessioni e per l’accelerazione necessaria per il calcolo del salto.</a:t>
+            </a:r>
+          </a:p>
+          <a:p>
+            <a:r>
+              <a:rPr lang="it-IT" dirty="0"/>
+              <a:t>Per poter comunicare con il database abbiamo dovuto appoggiarci alle classi </a:t>
+            </a:r>
+            <a:r>
+              <a:rPr lang="it-IT" dirty="0" err="1"/>
+              <a:t>ContentProvider</a:t>
+            </a:r>
+            <a:r>
+              <a:rPr lang="it-IT" dirty="0"/>
+              <a:t> e </a:t>
+            </a:r>
+            <a:r>
+              <a:rPr lang="it-IT" dirty="0" err="1"/>
+              <a:t>ContentResolver</a:t>
+            </a:r>
+            <a:r>
+              <a:rPr lang="it-IT" dirty="0"/>
+              <a:t>.</a:t>
+            </a:r>
+          </a:p>
+          <a:p>
+            <a:r>
+              <a:rPr lang="it-IT" dirty="0"/>
+              <a:t>A livello pratico gli unici metodi implementati sono QUERY e INSERT.</a:t>
+            </a:r>
+          </a:p>
+        </p:txBody>
+      </p:sp>
+    </p:spTree>
+    <p:extLst>
+      <p:ext uri="{BB962C8B-B14F-4D97-AF65-F5344CB8AC3E}">
+        <p14:creationId xmlns:p14="http://schemas.microsoft.com/office/powerpoint/2010/main" val="948079350"/>
+      </p:ext>
+    </p:extLst>
+  </p:cSld>
+  <p:clrMapOvr>
+    <a:masterClrMapping/>
+  </p:clrMapOvr>
+</p:sld>
+</file>
+
+<file path=ppt/slides/slide14.xml><?xml version="1.0" encoding="utf-8"?>
+<p:sld xmlns:a="http://schemas.openxmlformats.org/drawingml/2006/main" xmlns:r="http://schemas.openxmlformats.org/officeDocument/2006/relationships" xmlns:p="http://schemas.openxmlformats.org/presentationml/2006/main">
+  <p:cSld>
+    <p:bg>
+      <p:bgPr>
+        <a:solidFill>
+          <a:schemeClr val="bg1"/>
+        </a:solidFill>
+        <a:effectLst/>
+      </p:bgPr>
+    </p:bg>
+    <p:spTree>
+      <p:nvGrpSpPr>
+        <p:cNvPr id="1" name=""/>
+        <p:cNvGrpSpPr/>
+        <p:nvPr/>
+      </p:nvGrpSpPr>
+      <p:grpSpPr>
+        <a:xfrm>
+          <a:off x="0" y="0"/>
+          <a:ext cx="0" cy="0"/>
+          <a:chOff x="0" y="0"/>
+          <a:chExt cx="0" cy="0"/>
+        </a:xfrm>
+      </p:grpSpPr>
+      <p:sp useBgFill="1">
+        <p:nvSpPr>
+          <p:cNvPr id="8" name="Rectangle 7">
+            <a:extLst>
+              <a:ext uri="{FF2B5EF4-FFF2-40B4-BE49-F238E27FC236}">
+                <a16:creationId xmlns:a16="http://schemas.microsoft.com/office/drawing/2014/main" id="{1B15ED52-F352-441B-82BF-E0EA34836D08}"/>
+              </a:ext>
+              <a:ext uri="{C183D7F6-B498-43B3-948B-1728B52AA6E4}">
+                <adec:decorative xmlns:adec="http://schemas.microsoft.com/office/drawing/2017/decorative" val="1"/>
+              </a:ext>
+            </a:extLst>
+          </p:cNvPr>
+          <p:cNvSpPr>
+            <a:spLocks noGrp="1" noRot="1" noChangeAspect="1" noMove="1" noResize="1" noEditPoints="1" noAdjustHandles="1" noChangeArrowheads="1" noChangeShapeType="1" noTextEdit="1"/>
+          </p:cNvSpPr>
+          <p:nvPr>
+            <p:extLst>
+              <p:ext uri="{386F3935-93C4-4BCD-93E2-E3B085C9AB24}">
+                <p16:designElem xmlns:p16="http://schemas.microsoft.com/office/powerpoint/2015/main" val="1"/>
+              </p:ext>
+            </p:extLst>
+          </p:nvPr>
+        </p:nvSpPr>
+        <p:spPr>
+          <a:xfrm>
+            <a:off x="0" y="0"/>
+            <a:ext cx="12192000" cy="6858000"/>
+          </a:xfrm>
+          <a:prstGeom prst="rect">
+            <a:avLst/>
+          </a:prstGeom>
+          <a:ln w="12700" cap="flat" cmpd="sng" algn="ctr">
+            <a:noFill/>
+            <a:prstDash val="solid"/>
+            <a:miter lim="800000"/>
+          </a:ln>
+          <a:effectLst/>
+          <a:extLst>
+            <a:ext uri="{91240B29-F687-4F45-9708-019B960494DF}">
+              <a14:hiddenLine xmlns:a14="http://schemas.microsoft.com/office/drawing/2010/main" w="12700" cap="flat" cmpd="sng" algn="ctr">
+                <a:solidFill>
+                  <a:schemeClr val="accent1">
+                    <a:shade val="50000"/>
+                  </a:schemeClr>
+                </a:solidFill>
+                <a:prstDash val="solid"/>
+                <a:miter lim="800000"/>
+              </a14:hiddenLine>
+            </a:ext>
+          </a:extLst>
+        </p:spPr>
+        <p:style>
+          <a:lnRef idx="2">
+            <a:schemeClr val="accent1">
+              <a:shade val="50000"/>
+            </a:schemeClr>
+          </a:lnRef>
+          <a:fillRef idx="1">
+            <a:schemeClr val="accent1"/>
+          </a:fillRef>
+          <a:effectRef idx="0">
+            <a:schemeClr val="accent1"/>
+          </a:effectRef>
+          <a:fontRef idx="minor">
+            <a:schemeClr val="lt1"/>
+          </a:fontRef>
+        </p:style>
+        <p:txBody>
+          <a:bodyPr rtlCol="0" anchor="ctr"/>
+          <a:lstStyle/>
+          <a:p>
+            <a:pPr algn="ctr"/>
+            <a:endParaRPr lang="en-US"/>
+          </a:p>
+        </p:txBody>
+      </p:sp>
+      <p:sp>
+        <p:nvSpPr>
+          <p:cNvPr id="10" name="Rectangle 9">
+            <a:extLst>
+              <a:ext uri="{FF2B5EF4-FFF2-40B4-BE49-F238E27FC236}">
+                <a16:creationId xmlns:a16="http://schemas.microsoft.com/office/drawing/2014/main" id="{3B2E3793-BFE6-45A2-9B7B-E18844431C99}"/>
+              </a:ext>
+              <a:ext uri="{C183D7F6-B498-43B3-948B-1728B52AA6E4}">
+                <adec:decorative xmlns:adec="http://schemas.microsoft.com/office/drawing/2017/decorative" val="1"/>
+              </a:ext>
+            </a:extLst>
+          </p:cNvPr>
+          <p:cNvSpPr>
+            <a:spLocks noGrp="1" noRot="1" noChangeAspect="1" noMove="1" noResize="1" noEditPoints="1" noAdjustHandles="1" noChangeArrowheads="1" noChangeShapeType="1" noTextEdit="1"/>
+          </p:cNvSpPr>
+          <p:nvPr>
+            <p:extLst>
+              <p:ext uri="{386F3935-93C4-4BCD-93E2-E3B085C9AB24}">
+                <p16:designElem xmlns:p16="http://schemas.microsoft.com/office/powerpoint/2015/main" val="1"/>
+              </p:ext>
+            </p:extLst>
+          </p:nvPr>
+        </p:nvSpPr>
+        <p:spPr>
+          <a:xfrm flipH="1">
+            <a:off x="-1" y="-1"/>
+            <a:ext cx="12191998" cy="1590742"/>
+          </a:xfrm>
+          <a:prstGeom prst="rect">
+            <a:avLst/>
+          </a:prstGeom>
+          <a:gradFill>
+            <a:gsLst>
+              <a:gs pos="0">
+                <a:srgbClr val="000000"/>
+              </a:gs>
+              <a:gs pos="100000">
+                <a:schemeClr val="accent1">
+                  <a:lumMod val="75000"/>
+                </a:schemeClr>
+              </a:gs>
+            </a:gsLst>
+            <a:lin ang="8400000" scaled="0"/>
+          </a:gradFill>
+          <a:ln>
+            <a:noFill/>
+          </a:ln>
+        </p:spPr>
+        <p:style>
+          <a:lnRef idx="2">
+            <a:schemeClr val="accent1">
+              <a:shade val="50000"/>
+            </a:schemeClr>
+          </a:lnRef>
+          <a:fillRef idx="1">
+            <a:schemeClr val="accent1"/>
+          </a:fillRef>
+          <a:effectRef idx="0">
+            <a:schemeClr val="accent1"/>
+          </a:effectRef>
+          <a:fontRef idx="minor">
+            <a:schemeClr val="lt1"/>
+          </a:fontRef>
+        </p:style>
+        <p:txBody>
+          <a:bodyPr rtlCol="0" anchor="ctr"/>
+          <a:lstStyle/>
+          <a:p>
+            <a:pPr algn="ctr"/>
+            <a:endParaRPr lang="en-US"/>
+          </a:p>
+        </p:txBody>
+      </p:sp>
+      <p:sp>
+        <p:nvSpPr>
+          <p:cNvPr id="12" name="Rectangle 11">
+            <a:extLst>
+              <a:ext uri="{FF2B5EF4-FFF2-40B4-BE49-F238E27FC236}">
+                <a16:creationId xmlns:a16="http://schemas.microsoft.com/office/drawing/2014/main" id="{BC4C4868-CB8F-4AF9-9CDB-8108F2C19B67}"/>
+              </a:ext>
+              <a:ext uri="{C183D7F6-B498-43B3-948B-1728B52AA6E4}">
+                <adec:decorative xmlns:adec="http://schemas.microsoft.com/office/drawing/2017/decorative" val="1"/>
+              </a:ext>
+            </a:extLst>
+          </p:cNvPr>
+          <p:cNvSpPr>
+            <a:spLocks noGrp="1" noRot="1" noChangeAspect="1" noMove="1" noResize="1" noEditPoints="1" noAdjustHandles="1" noChangeArrowheads="1" noChangeShapeType="1" noTextEdit="1"/>
+          </p:cNvSpPr>
+          <p:nvPr>
+            <p:extLst>
+              <p:ext uri="{386F3935-93C4-4BCD-93E2-E3B085C9AB24}">
+                <p16:designElem xmlns:p16="http://schemas.microsoft.com/office/powerpoint/2015/main" val="1"/>
+              </p:ext>
+            </p:extLst>
+          </p:nvPr>
+        </p:nvSpPr>
+        <p:spPr>
+          <a:xfrm rot="10800000" flipH="1">
+            <a:off x="-3" y="0"/>
+            <a:ext cx="8115306" cy="1590742"/>
+          </a:xfrm>
+          <a:prstGeom prst="rect">
+            <a:avLst/>
+          </a:prstGeom>
+          <a:gradFill>
+            <a:gsLst>
+              <a:gs pos="20000">
+                <a:schemeClr val="accent1">
+                  <a:alpha val="0"/>
+                </a:schemeClr>
+              </a:gs>
+              <a:gs pos="100000">
+                <a:schemeClr val="accent1">
+                  <a:lumMod val="50000"/>
+                  <a:alpha val="55000"/>
+                </a:schemeClr>
+              </a:gs>
+            </a:gsLst>
+            <a:lin ang="13800000" scaled="0"/>
+          </a:gradFill>
+          <a:ln>
+            <a:noFill/>
+          </a:ln>
+        </p:spPr>
+        <p:style>
+          <a:lnRef idx="2">
+            <a:schemeClr val="accent1">
+              <a:shade val="50000"/>
+            </a:schemeClr>
+          </a:lnRef>
+          <a:fillRef idx="1">
+            <a:schemeClr val="accent1"/>
+          </a:fillRef>
+          <a:effectRef idx="0">
+            <a:schemeClr val="accent1"/>
+          </a:effectRef>
+          <a:fontRef idx="minor">
+            <a:schemeClr val="lt1"/>
+          </a:fontRef>
+        </p:style>
+        <p:txBody>
+          <a:bodyPr rtlCol="0" anchor="ctr"/>
+          <a:lstStyle/>
+          <a:p>
+            <a:pPr algn="ctr"/>
+            <a:endParaRPr lang="en-US"/>
+          </a:p>
+        </p:txBody>
+      </p:sp>
+      <p:sp>
+        <p:nvSpPr>
+          <p:cNvPr id="14" name="Rectangle 13">
+            <a:extLst>
+              <a:ext uri="{FF2B5EF4-FFF2-40B4-BE49-F238E27FC236}">
+                <a16:creationId xmlns:a16="http://schemas.microsoft.com/office/drawing/2014/main" id="{375E0459-6403-40CD-989D-56A4407CA12E}"/>
+              </a:ext>
+              <a:ext uri="{C183D7F6-B498-43B3-948B-1728B52AA6E4}">
+                <adec:decorative xmlns:adec="http://schemas.microsoft.com/office/drawing/2017/decorative" val="1"/>
+              </a:ext>
+            </a:extLst>
+          </p:cNvPr>
+          <p:cNvSpPr>
+            <a:spLocks noGrp="1" noRot="1" noChangeAspect="1" noMove="1" noResize="1" noEditPoints="1" noAdjustHandles="1" noChangeArrowheads="1" noChangeShapeType="1" noTextEdit="1"/>
+          </p:cNvSpPr>
+          <p:nvPr>
+            <p:extLst>
+              <p:ext uri="{386F3935-93C4-4BCD-93E2-E3B085C9AB24}">
+                <p16:designElem xmlns:p16="http://schemas.microsoft.com/office/powerpoint/2015/main" val="1"/>
+              </p:ext>
+            </p:extLst>
+          </p:nvPr>
+        </p:nvSpPr>
+        <p:spPr>
+          <a:xfrm flipH="1">
+            <a:off x="8115299" y="-1"/>
+            <a:ext cx="4076698" cy="1590742"/>
+          </a:xfrm>
+          <a:prstGeom prst="rect">
+            <a:avLst/>
+          </a:prstGeom>
+          <a:gradFill>
+            <a:gsLst>
+              <a:gs pos="0">
+                <a:schemeClr val="accent1">
+                  <a:alpha val="66000"/>
+                </a:schemeClr>
+              </a:gs>
+              <a:gs pos="100000">
+                <a:srgbClr val="000000">
+                  <a:alpha val="30000"/>
+                </a:srgbClr>
+              </a:gs>
+            </a:gsLst>
+            <a:lin ang="13200000" scaled="0"/>
+          </a:gradFill>
+          <a:ln>
+            <a:noFill/>
+          </a:ln>
+        </p:spPr>
+        <p:style>
+          <a:lnRef idx="2">
+            <a:schemeClr val="accent1">
+              <a:shade val="50000"/>
+            </a:schemeClr>
+          </a:lnRef>
+          <a:fillRef idx="1">
+            <a:schemeClr val="accent1"/>
+          </a:fillRef>
+          <a:effectRef idx="0">
+            <a:schemeClr val="accent1"/>
+          </a:effectRef>
+          <a:fontRef idx="minor">
+            <a:schemeClr val="lt1"/>
+          </a:fontRef>
+        </p:style>
+        <p:txBody>
+          <a:bodyPr rtlCol="0" anchor="ctr"/>
+          <a:lstStyle/>
+          <a:p>
+            <a:pPr algn="ctr"/>
+            <a:endParaRPr lang="en-US"/>
+          </a:p>
+        </p:txBody>
+      </p:sp>
+      <p:sp>
+        <p:nvSpPr>
+          <p:cNvPr id="16" name="Rectangle 15">
+            <a:extLst>
+              <a:ext uri="{FF2B5EF4-FFF2-40B4-BE49-F238E27FC236}">
+                <a16:creationId xmlns:a16="http://schemas.microsoft.com/office/drawing/2014/main" id="{53E5B1A8-3AC9-4BD1-9BBC-78CA94F2D1BA}"/>
+              </a:ext>
+              <a:ext uri="{C183D7F6-B498-43B3-948B-1728B52AA6E4}">
+                <adec:decorative xmlns:adec="http://schemas.microsoft.com/office/drawing/2017/decorative" val="1"/>
+              </a:ext>
+            </a:extLst>
+          </p:cNvPr>
+          <p:cNvSpPr>
+            <a:spLocks noGrp="1" noRot="1" noChangeAspect="1" noMove="1" noResize="1" noEditPoints="1" noAdjustHandles="1" noChangeArrowheads="1" noChangeShapeType="1" noTextEdit="1"/>
+          </p:cNvSpPr>
+          <p:nvPr>
+            <p:extLst>
+              <p:ext uri="{386F3935-93C4-4BCD-93E2-E3B085C9AB24}">
+                <p16:designElem xmlns:p16="http://schemas.microsoft.com/office/powerpoint/2015/main" val="1"/>
+              </p:ext>
+            </p:extLst>
+          </p:nvPr>
+        </p:nvSpPr>
+        <p:spPr>
+          <a:xfrm>
+            <a:off x="459350" y="-1"/>
+            <a:ext cx="11732646" cy="1597433"/>
+          </a:xfrm>
+          <a:prstGeom prst="rect">
+            <a:avLst/>
+          </a:prstGeom>
+          <a:gradFill>
+            <a:gsLst>
+              <a:gs pos="50000">
+                <a:srgbClr val="000000">
+                  <a:alpha val="0"/>
+                </a:srgbClr>
+              </a:gs>
+              <a:gs pos="99000">
+                <a:schemeClr val="accent1">
+                  <a:lumMod val="50000"/>
+                  <a:alpha val="52000"/>
+                </a:schemeClr>
+              </a:gs>
+            </a:gsLst>
+            <a:lin ang="16800000" scaled="0"/>
+          </a:gradFill>
+          <a:ln>
+            <a:noFill/>
+          </a:ln>
+        </p:spPr>
+        <p:style>
+          <a:lnRef idx="2">
+            <a:schemeClr val="accent1">
+              <a:shade val="50000"/>
+            </a:schemeClr>
+          </a:lnRef>
+          <a:fillRef idx="1">
+            <a:schemeClr val="accent1"/>
+          </a:fillRef>
+          <a:effectRef idx="0">
+            <a:schemeClr val="accent1"/>
+          </a:effectRef>
+          <a:fontRef idx="minor">
+            <a:schemeClr val="lt1"/>
+          </a:fontRef>
+        </p:style>
+        <p:txBody>
+          <a:bodyPr rtlCol="0" anchor="ctr"/>
+          <a:lstStyle/>
+          <a:p>
+            <a:pPr algn="ctr"/>
+            <a:endParaRPr lang="en-US"/>
+          </a:p>
+        </p:txBody>
+      </p:sp>
+      <p:sp>
+        <p:nvSpPr>
+          <p:cNvPr id="2" name="Titolo 1">
+            <a:extLst>
+              <a:ext uri="{FF2B5EF4-FFF2-40B4-BE49-F238E27FC236}">
+                <a16:creationId xmlns:a16="http://schemas.microsoft.com/office/drawing/2014/main" id="{B8F4161C-A865-7BC0-ECCF-EF5DD6461259}"/>
+              </a:ext>
+            </a:extLst>
+          </p:cNvPr>
+          <p:cNvSpPr>
+            <a:spLocks noGrp="1"/>
+          </p:cNvSpPr>
+          <p:nvPr>
+            <p:ph type="title"/>
+          </p:nvPr>
+        </p:nvSpPr>
+        <p:spPr>
+          <a:xfrm>
+            <a:off x="1371599" y="294538"/>
+            <a:ext cx="9895951" cy="1033669"/>
+          </a:xfrm>
+        </p:spPr>
+        <p:txBody>
+          <a:bodyPr>
+            <a:normAutofit/>
+          </a:bodyPr>
+          <a:lstStyle/>
+          <a:p>
+            <a:r>
+              <a:rPr lang="it-IT" sz="4000" dirty="0">
+                <a:solidFill>
+                  <a:srgbClr val="FFFFFF"/>
+                </a:solidFill>
+              </a:rPr>
+              <a:t>Attività grafica </a:t>
+            </a:r>
+          </a:p>
+        </p:txBody>
+      </p:sp>
+      <p:sp>
+        <p:nvSpPr>
+          <p:cNvPr id="3" name="Segnaposto contenuto 2">
+            <a:extLst>
+              <a:ext uri="{FF2B5EF4-FFF2-40B4-BE49-F238E27FC236}">
+                <a16:creationId xmlns:a16="http://schemas.microsoft.com/office/drawing/2014/main" id="{065D564A-91BD-7A19-089E-8C1551C71D79}"/>
+              </a:ext>
+            </a:extLst>
+          </p:cNvPr>
+          <p:cNvSpPr>
+            <a:spLocks noGrp="1"/>
+          </p:cNvSpPr>
+          <p:nvPr>
+            <p:ph idx="1"/>
+          </p:nvPr>
+        </p:nvSpPr>
+        <p:spPr>
+          <a:xfrm>
+            <a:off x="1371599" y="2318197"/>
+            <a:ext cx="9724031" cy="3683358"/>
+          </a:xfrm>
+        </p:spPr>
+        <p:style>
+          <a:lnRef idx="2">
+            <a:schemeClr val="accent1"/>
+          </a:lnRef>
+          <a:fillRef idx="1">
+            <a:schemeClr val="lt1"/>
+          </a:fillRef>
+          <a:effectRef idx="0">
+            <a:schemeClr val="accent1"/>
+          </a:effectRef>
+          <a:fontRef idx="minor">
+            <a:schemeClr val="dk1"/>
+          </a:fontRef>
+        </p:style>
+        <p:txBody>
+          <a:bodyPr anchor="ctr">
+            <a:normAutofit/>
+          </a:bodyPr>
+          <a:lstStyle/>
+          <a:p>
+            <a:r>
+              <a:rPr lang="it-IT" dirty="0"/>
+              <a:t>Per rappresentare graficamente i risultati ottenuti abbiamo importato la libreria esterna: </a:t>
+            </a:r>
+            <a:r>
+              <a:rPr lang="it-IT" dirty="0" err="1">
+                <a:hlinkClick r:id="rId2"/>
+              </a:rPr>
+              <a:t>MPAndroidChart</a:t>
+            </a:r>
+            <a:r>
+              <a:rPr lang="it-IT" dirty="0"/>
+              <a:t>.</a:t>
+            </a:r>
+          </a:p>
+          <a:p>
+            <a:r>
+              <a:rPr lang="it-IT" dirty="0"/>
+              <a:t>I dati vengono sotto-campionati in maniera dinamica per render i grafici più fluidi: viene calcolato un passo di campionamento in funzione del numero di campioni; vengono inoltre salvati i massimi e minimi locali per mantenere una coerenza con le statistiche.</a:t>
+            </a:r>
+          </a:p>
+        </p:txBody>
+      </p:sp>
+    </p:spTree>
+    <p:extLst>
+      <p:ext uri="{BB962C8B-B14F-4D97-AF65-F5344CB8AC3E}">
+        <p14:creationId xmlns:p14="http://schemas.microsoft.com/office/powerpoint/2010/main" val="171558558"/>
+      </p:ext>
+    </p:extLst>
+  </p:cSld>
+  <p:clrMapOvr>
+    <a:masterClrMapping/>
+  </p:clrMapOvr>
+</p:sld>
+</file>
+
+<file path=ppt/slides/slide15.xml><?xml version="1.0" encoding="utf-8"?>
+<p:sld xmlns:a="http://schemas.openxmlformats.org/drawingml/2006/main" xmlns:r="http://schemas.openxmlformats.org/officeDocument/2006/relationships" xmlns:p="http://schemas.openxmlformats.org/presentationml/2006/main">
+  <p:cSld>
+    <p:bg>
+      <p:bgPr>
+        <a:solidFill>
+          <a:schemeClr val="bg1"/>
+        </a:solidFill>
+        <a:effectLst/>
+      </p:bgPr>
+    </p:bg>
+    <p:spTree>
+      <p:nvGrpSpPr>
+        <p:cNvPr id="1" name=""/>
+        <p:cNvGrpSpPr/>
+        <p:nvPr/>
+      </p:nvGrpSpPr>
+      <p:grpSpPr>
+        <a:xfrm>
+          <a:off x="0" y="0"/>
+          <a:ext cx="0" cy="0"/>
+          <a:chOff x="0" y="0"/>
+          <a:chExt cx="0" cy="0"/>
+        </a:xfrm>
+      </p:grpSpPr>
+      <p:sp useBgFill="1">
+        <p:nvSpPr>
+          <p:cNvPr id="8" name="Rectangle 7">
+            <a:extLst>
+              <a:ext uri="{FF2B5EF4-FFF2-40B4-BE49-F238E27FC236}">
+                <a16:creationId xmlns:a16="http://schemas.microsoft.com/office/drawing/2014/main" id="{1B15ED52-F352-441B-82BF-E0EA34836D08}"/>
+              </a:ext>
+              <a:ext uri="{C183D7F6-B498-43B3-948B-1728B52AA6E4}">
+                <adec:decorative xmlns:adec="http://schemas.microsoft.com/office/drawing/2017/decorative" val="1"/>
+              </a:ext>
+            </a:extLst>
+          </p:cNvPr>
+          <p:cNvSpPr>
+            <a:spLocks noGrp="1" noRot="1" noChangeAspect="1" noMove="1" noResize="1" noEditPoints="1" noAdjustHandles="1" noChangeArrowheads="1" noChangeShapeType="1" noTextEdit="1"/>
+          </p:cNvSpPr>
+          <p:nvPr>
+            <p:extLst>
+              <p:ext uri="{386F3935-93C4-4BCD-93E2-E3B085C9AB24}">
+                <p16:designElem xmlns:p16="http://schemas.microsoft.com/office/powerpoint/2015/main" val="1"/>
+              </p:ext>
+            </p:extLst>
+          </p:nvPr>
+        </p:nvSpPr>
+        <p:spPr>
+          <a:xfrm>
+            <a:off x="0" y="0"/>
+            <a:ext cx="12192000" cy="6858000"/>
+          </a:xfrm>
+          <a:prstGeom prst="rect">
+            <a:avLst/>
+          </a:prstGeom>
+          <a:ln w="12700" cap="flat" cmpd="sng" algn="ctr">
+            <a:noFill/>
+            <a:prstDash val="solid"/>
+            <a:miter lim="800000"/>
+          </a:ln>
+          <a:effectLst/>
+          <a:extLst>
+            <a:ext uri="{91240B29-F687-4F45-9708-019B960494DF}">
+              <a14:hiddenLine xmlns:a14="http://schemas.microsoft.com/office/drawing/2010/main" w="12700" cap="flat" cmpd="sng" algn="ctr">
+                <a:solidFill>
+                  <a:schemeClr val="accent1">
+                    <a:shade val="50000"/>
+                  </a:schemeClr>
+                </a:solidFill>
+                <a:prstDash val="solid"/>
+                <a:miter lim="800000"/>
+              </a14:hiddenLine>
+            </a:ext>
+          </a:extLst>
+        </p:spPr>
+        <p:style>
+          <a:lnRef idx="2">
+            <a:schemeClr val="accent1">
+              <a:shade val="50000"/>
+            </a:schemeClr>
+          </a:lnRef>
+          <a:fillRef idx="1">
+            <a:schemeClr val="accent1"/>
+          </a:fillRef>
+          <a:effectRef idx="0">
+            <a:schemeClr val="accent1"/>
+          </a:effectRef>
+          <a:fontRef idx="minor">
+            <a:schemeClr val="lt1"/>
+          </a:fontRef>
+        </p:style>
+        <p:txBody>
+          <a:bodyPr rtlCol="0" anchor="ctr"/>
+          <a:lstStyle/>
+          <a:p>
+            <a:pPr algn="ctr"/>
+            <a:endParaRPr lang="en-US"/>
+          </a:p>
+        </p:txBody>
+      </p:sp>
+      <p:sp>
+        <p:nvSpPr>
+          <p:cNvPr id="10" name="Rectangle 9">
+            <a:extLst>
+              <a:ext uri="{FF2B5EF4-FFF2-40B4-BE49-F238E27FC236}">
+                <a16:creationId xmlns:a16="http://schemas.microsoft.com/office/drawing/2014/main" id="{3B2E3793-BFE6-45A2-9B7B-E18844431C99}"/>
+              </a:ext>
+              <a:ext uri="{C183D7F6-B498-43B3-948B-1728B52AA6E4}">
+                <adec:decorative xmlns:adec="http://schemas.microsoft.com/office/drawing/2017/decorative" val="1"/>
+              </a:ext>
+            </a:extLst>
+          </p:cNvPr>
+          <p:cNvSpPr>
+            <a:spLocks noGrp="1" noRot="1" noChangeAspect="1" noMove="1" noResize="1" noEditPoints="1" noAdjustHandles="1" noChangeArrowheads="1" noChangeShapeType="1" noTextEdit="1"/>
+          </p:cNvSpPr>
+          <p:nvPr>
+            <p:extLst>
+              <p:ext uri="{386F3935-93C4-4BCD-93E2-E3B085C9AB24}">
+                <p16:designElem xmlns:p16="http://schemas.microsoft.com/office/powerpoint/2015/main" val="1"/>
+              </p:ext>
+            </p:extLst>
+          </p:nvPr>
+        </p:nvSpPr>
+        <p:spPr>
+          <a:xfrm flipH="1">
+            <a:off x="-1" y="-1"/>
+            <a:ext cx="12191998" cy="1590742"/>
+          </a:xfrm>
+          <a:prstGeom prst="rect">
+            <a:avLst/>
+          </a:prstGeom>
+          <a:gradFill>
+            <a:gsLst>
+              <a:gs pos="0">
+                <a:srgbClr val="000000"/>
+              </a:gs>
+              <a:gs pos="100000">
+                <a:schemeClr val="accent1">
+                  <a:lumMod val="75000"/>
+                </a:schemeClr>
+              </a:gs>
+            </a:gsLst>
+            <a:lin ang="8400000" scaled="0"/>
+          </a:gradFill>
+          <a:ln>
+            <a:noFill/>
+          </a:ln>
+        </p:spPr>
+        <p:style>
+          <a:lnRef idx="2">
+            <a:schemeClr val="accent1">
+              <a:shade val="50000"/>
+            </a:schemeClr>
+          </a:lnRef>
+          <a:fillRef idx="1">
+            <a:schemeClr val="accent1"/>
+          </a:fillRef>
+          <a:effectRef idx="0">
+            <a:schemeClr val="accent1"/>
+          </a:effectRef>
+          <a:fontRef idx="minor">
+            <a:schemeClr val="lt1"/>
+          </a:fontRef>
+        </p:style>
+        <p:txBody>
+          <a:bodyPr rtlCol="0" anchor="ctr"/>
+          <a:lstStyle/>
+          <a:p>
+            <a:pPr algn="ctr"/>
+            <a:endParaRPr lang="en-US"/>
+          </a:p>
+        </p:txBody>
+      </p:sp>
+      <p:sp>
+        <p:nvSpPr>
+          <p:cNvPr id="12" name="Rectangle 11">
+            <a:extLst>
+              <a:ext uri="{FF2B5EF4-FFF2-40B4-BE49-F238E27FC236}">
+                <a16:creationId xmlns:a16="http://schemas.microsoft.com/office/drawing/2014/main" id="{BC4C4868-CB8F-4AF9-9CDB-8108F2C19B67}"/>
+              </a:ext>
+              <a:ext uri="{C183D7F6-B498-43B3-948B-1728B52AA6E4}">
+                <adec:decorative xmlns:adec="http://schemas.microsoft.com/office/drawing/2017/decorative" val="1"/>
+              </a:ext>
+            </a:extLst>
+          </p:cNvPr>
+          <p:cNvSpPr>
+            <a:spLocks noGrp="1" noRot="1" noChangeAspect="1" noMove="1" noResize="1" noEditPoints="1" noAdjustHandles="1" noChangeArrowheads="1" noChangeShapeType="1" noTextEdit="1"/>
+          </p:cNvSpPr>
+          <p:nvPr>
+            <p:extLst>
+              <p:ext uri="{386F3935-93C4-4BCD-93E2-E3B085C9AB24}">
+                <p16:designElem xmlns:p16="http://schemas.microsoft.com/office/powerpoint/2015/main" val="1"/>
+              </p:ext>
+            </p:extLst>
+          </p:nvPr>
+        </p:nvSpPr>
+        <p:spPr>
+          <a:xfrm rot="10800000" flipH="1">
+            <a:off x="-3" y="0"/>
+            <a:ext cx="8115306" cy="1590742"/>
+          </a:xfrm>
+          <a:prstGeom prst="rect">
+            <a:avLst/>
+          </a:prstGeom>
+          <a:gradFill>
+            <a:gsLst>
+              <a:gs pos="20000">
+                <a:schemeClr val="accent1">
+                  <a:alpha val="0"/>
+                </a:schemeClr>
+              </a:gs>
+              <a:gs pos="100000">
+                <a:schemeClr val="accent1">
+                  <a:lumMod val="50000"/>
+                  <a:alpha val="55000"/>
+                </a:schemeClr>
+              </a:gs>
+            </a:gsLst>
+            <a:lin ang="13800000" scaled="0"/>
+          </a:gradFill>
+          <a:ln>
+            <a:noFill/>
+          </a:ln>
+        </p:spPr>
+        <p:style>
+          <a:lnRef idx="2">
+            <a:schemeClr val="accent1">
+              <a:shade val="50000"/>
+            </a:schemeClr>
+          </a:lnRef>
+          <a:fillRef idx="1">
+            <a:schemeClr val="accent1"/>
+          </a:fillRef>
+          <a:effectRef idx="0">
+            <a:schemeClr val="accent1"/>
+          </a:effectRef>
+          <a:fontRef idx="minor">
+            <a:schemeClr val="lt1"/>
+          </a:fontRef>
+        </p:style>
+        <p:txBody>
+          <a:bodyPr rtlCol="0" anchor="ctr"/>
+          <a:lstStyle/>
+          <a:p>
+            <a:pPr algn="ctr"/>
+            <a:endParaRPr lang="en-US"/>
+          </a:p>
+        </p:txBody>
+      </p:sp>
+      <p:sp>
+        <p:nvSpPr>
+          <p:cNvPr id="14" name="Rectangle 13">
+            <a:extLst>
+              <a:ext uri="{FF2B5EF4-FFF2-40B4-BE49-F238E27FC236}">
+                <a16:creationId xmlns:a16="http://schemas.microsoft.com/office/drawing/2014/main" id="{375E0459-6403-40CD-989D-56A4407CA12E}"/>
+              </a:ext>
+              <a:ext uri="{C183D7F6-B498-43B3-948B-1728B52AA6E4}">
+                <adec:decorative xmlns:adec="http://schemas.microsoft.com/office/drawing/2017/decorative" val="1"/>
+              </a:ext>
+            </a:extLst>
+          </p:cNvPr>
+          <p:cNvSpPr>
+            <a:spLocks noGrp="1" noRot="1" noChangeAspect="1" noMove="1" noResize="1" noEditPoints="1" noAdjustHandles="1" noChangeArrowheads="1" noChangeShapeType="1" noTextEdit="1"/>
+          </p:cNvSpPr>
+          <p:nvPr>
+            <p:extLst>
+              <p:ext uri="{386F3935-93C4-4BCD-93E2-E3B085C9AB24}">
+                <p16:designElem xmlns:p16="http://schemas.microsoft.com/office/powerpoint/2015/main" val="1"/>
+              </p:ext>
+            </p:extLst>
+          </p:nvPr>
+        </p:nvSpPr>
+        <p:spPr>
+          <a:xfrm flipH="1">
+            <a:off x="8115299" y="-1"/>
+            <a:ext cx="4076698" cy="1590742"/>
+          </a:xfrm>
+          <a:prstGeom prst="rect">
+            <a:avLst/>
+          </a:prstGeom>
+          <a:gradFill>
+            <a:gsLst>
+              <a:gs pos="0">
+                <a:schemeClr val="accent1">
+                  <a:alpha val="66000"/>
+                </a:schemeClr>
+              </a:gs>
+              <a:gs pos="100000">
+                <a:srgbClr val="000000">
+                  <a:alpha val="30000"/>
+                </a:srgbClr>
+              </a:gs>
+            </a:gsLst>
+            <a:lin ang="13200000" scaled="0"/>
+          </a:gradFill>
+          <a:ln>
+            <a:noFill/>
+          </a:ln>
+        </p:spPr>
+        <p:style>
+          <a:lnRef idx="2">
+            <a:schemeClr val="accent1">
+              <a:shade val="50000"/>
+            </a:schemeClr>
+          </a:lnRef>
+          <a:fillRef idx="1">
+            <a:schemeClr val="accent1"/>
+          </a:fillRef>
+          <a:effectRef idx="0">
+            <a:schemeClr val="accent1"/>
+          </a:effectRef>
+          <a:fontRef idx="minor">
+            <a:schemeClr val="lt1"/>
+          </a:fontRef>
+        </p:style>
+        <p:txBody>
+          <a:bodyPr rtlCol="0" anchor="ctr"/>
+          <a:lstStyle/>
+          <a:p>
+            <a:pPr algn="ctr"/>
+            <a:endParaRPr lang="en-US"/>
+          </a:p>
+        </p:txBody>
+      </p:sp>
+      <p:sp>
+        <p:nvSpPr>
+          <p:cNvPr id="16" name="Rectangle 15">
+            <a:extLst>
+              <a:ext uri="{FF2B5EF4-FFF2-40B4-BE49-F238E27FC236}">
+                <a16:creationId xmlns:a16="http://schemas.microsoft.com/office/drawing/2014/main" id="{53E5B1A8-3AC9-4BD1-9BBC-78CA94F2D1BA}"/>
+              </a:ext>
+              <a:ext uri="{C183D7F6-B498-43B3-948B-1728B52AA6E4}">
+                <adec:decorative xmlns:adec="http://schemas.microsoft.com/office/drawing/2017/decorative" val="1"/>
+              </a:ext>
+            </a:extLst>
+          </p:cNvPr>
+          <p:cNvSpPr>
+            <a:spLocks noGrp="1" noRot="1" noChangeAspect="1" noMove="1" noResize="1" noEditPoints="1" noAdjustHandles="1" noChangeArrowheads="1" noChangeShapeType="1" noTextEdit="1"/>
+          </p:cNvSpPr>
+          <p:nvPr>
+            <p:extLst>
+              <p:ext uri="{386F3935-93C4-4BCD-93E2-E3B085C9AB24}">
+                <p16:designElem xmlns:p16="http://schemas.microsoft.com/office/powerpoint/2015/main" val="1"/>
+              </p:ext>
+            </p:extLst>
+          </p:nvPr>
+        </p:nvSpPr>
+        <p:spPr>
+          <a:xfrm>
+            <a:off x="459350" y="-1"/>
+            <a:ext cx="11732646" cy="1597433"/>
+          </a:xfrm>
+          <a:prstGeom prst="rect">
+            <a:avLst/>
+          </a:prstGeom>
+          <a:gradFill>
+            <a:gsLst>
+              <a:gs pos="50000">
+                <a:srgbClr val="000000">
+                  <a:alpha val="0"/>
+                </a:srgbClr>
+              </a:gs>
+              <a:gs pos="99000">
+                <a:schemeClr val="accent1">
+                  <a:lumMod val="50000"/>
+                  <a:alpha val="52000"/>
+                </a:schemeClr>
+              </a:gs>
+            </a:gsLst>
+            <a:lin ang="16800000" scaled="0"/>
+          </a:gradFill>
+          <a:ln>
+            <a:noFill/>
+          </a:ln>
+        </p:spPr>
+        <p:style>
+          <a:lnRef idx="2">
+            <a:schemeClr val="accent1">
+              <a:shade val="50000"/>
+            </a:schemeClr>
+          </a:lnRef>
+          <a:fillRef idx="1">
+            <a:schemeClr val="accent1"/>
+          </a:fillRef>
+          <a:effectRef idx="0">
+            <a:schemeClr val="accent1"/>
+          </a:effectRef>
+          <a:fontRef idx="minor">
+            <a:schemeClr val="lt1"/>
+          </a:fontRef>
+        </p:style>
+        <p:txBody>
+          <a:bodyPr rtlCol="0" anchor="ctr"/>
+          <a:lstStyle/>
+          <a:p>
+            <a:pPr algn="ctr"/>
+            <a:endParaRPr lang="en-US"/>
+          </a:p>
+        </p:txBody>
+      </p:sp>
+      <p:sp>
+        <p:nvSpPr>
+          <p:cNvPr id="2" name="Titolo 1">
+            <a:extLst>
+              <a:ext uri="{FF2B5EF4-FFF2-40B4-BE49-F238E27FC236}">
+                <a16:creationId xmlns:a16="http://schemas.microsoft.com/office/drawing/2014/main" id="{2079CA20-8AFE-1688-5087-D78736A7E6DE}"/>
+              </a:ext>
+            </a:extLst>
+          </p:cNvPr>
+          <p:cNvSpPr>
+            <a:spLocks noGrp="1"/>
+          </p:cNvSpPr>
+          <p:nvPr>
+            <p:ph type="title"/>
+          </p:nvPr>
+        </p:nvSpPr>
+        <p:spPr>
+          <a:xfrm>
+            <a:off x="1371599" y="294538"/>
+            <a:ext cx="9895951" cy="1033669"/>
+          </a:xfrm>
+        </p:spPr>
+        <p:txBody>
+          <a:bodyPr>
+            <a:normAutofit/>
+          </a:bodyPr>
+          <a:lstStyle/>
+          <a:p>
+            <a:r>
+              <a:rPr lang="it-IT" sz="4000" dirty="0">
+                <a:solidFill>
+                  <a:srgbClr val="FFFFFF"/>
+                </a:solidFill>
+              </a:rPr>
+              <a:t>DEMO</a:t>
+            </a:r>
+          </a:p>
+        </p:txBody>
+      </p:sp>
+      <p:sp>
+        <p:nvSpPr>
+          <p:cNvPr id="3" name="Segnaposto contenuto 2">
+            <a:extLst>
+              <a:ext uri="{FF2B5EF4-FFF2-40B4-BE49-F238E27FC236}">
+                <a16:creationId xmlns:a16="http://schemas.microsoft.com/office/drawing/2014/main" id="{A7C82FED-994F-8A29-4BCC-A6C3489A2849}"/>
+              </a:ext>
+            </a:extLst>
+          </p:cNvPr>
+          <p:cNvSpPr>
+            <a:spLocks noGrp="1"/>
+          </p:cNvSpPr>
+          <p:nvPr>
+            <p:ph idx="1"/>
+          </p:nvPr>
+        </p:nvSpPr>
+        <p:spPr>
+          <a:xfrm>
+            <a:off x="1371599" y="2318197"/>
+            <a:ext cx="9724031" cy="3683358"/>
+          </a:xfrm>
+        </p:spPr>
+        <p:txBody>
+          <a:bodyPr anchor="ctr">
+            <a:normAutofit/>
+          </a:bodyPr>
+          <a:lstStyle/>
+          <a:p>
+            <a:endParaRPr lang="it-IT" sz="2000" dirty="0"/>
+          </a:p>
+        </p:txBody>
+      </p:sp>
+    </p:spTree>
+    <p:extLst>
+      <p:ext uri="{BB962C8B-B14F-4D97-AF65-F5344CB8AC3E}">
+        <p14:creationId xmlns:p14="http://schemas.microsoft.com/office/powerpoint/2010/main" val="976298881"/>
+      </p:ext>
+    </p:extLst>
+  </p:cSld>
+  <p:clrMapOvr>
+    <a:masterClrMapping/>
+  </p:clrMapOvr>
+</p:sld>
+</file>
+
+<file path=ppt/slides/slide16.xml><?xml version="1.0" encoding="utf-8"?>
+<p:sld xmlns:a="http://schemas.openxmlformats.org/drawingml/2006/main" xmlns:r="http://schemas.openxmlformats.org/officeDocument/2006/relationships" xmlns:p="http://schemas.openxmlformats.org/presentationml/2006/main">
+  <p:cSld>
+    <p:bg>
+      <p:bgPr>
+        <a:solidFill>
+          <a:schemeClr val="bg1"/>
+        </a:solidFill>
+        <a:effectLst/>
+      </p:bgPr>
+    </p:bg>
+    <p:spTree>
+      <p:nvGrpSpPr>
+        <p:cNvPr id="1" name=""/>
+        <p:cNvGrpSpPr/>
+        <p:nvPr/>
+      </p:nvGrpSpPr>
+      <p:grpSpPr>
+        <a:xfrm>
+          <a:off x="0" y="0"/>
+          <a:ext cx="0" cy="0"/>
+          <a:chOff x="0" y="0"/>
+          <a:chExt cx="0" cy="0"/>
+        </a:xfrm>
+      </p:grpSpPr>
+      <p:sp useBgFill="1">
+        <p:nvSpPr>
+          <p:cNvPr id="8" name="Rectangle 7">
+            <a:extLst>
+              <a:ext uri="{FF2B5EF4-FFF2-40B4-BE49-F238E27FC236}">
+                <a16:creationId xmlns:a16="http://schemas.microsoft.com/office/drawing/2014/main" id="{1B15ED52-F352-441B-82BF-E0EA34836D08}"/>
+              </a:ext>
+              <a:ext uri="{C183D7F6-B498-43B3-948B-1728B52AA6E4}">
+                <adec:decorative xmlns:adec="http://schemas.microsoft.com/office/drawing/2017/decorative" val="1"/>
+              </a:ext>
+            </a:extLst>
+          </p:cNvPr>
+          <p:cNvSpPr>
+            <a:spLocks noGrp="1" noRot="1" noChangeAspect="1" noMove="1" noResize="1" noEditPoints="1" noAdjustHandles="1" noChangeArrowheads="1" noChangeShapeType="1" noTextEdit="1"/>
+          </p:cNvSpPr>
+          <p:nvPr>
+            <p:extLst>
+              <p:ext uri="{386F3935-93C4-4BCD-93E2-E3B085C9AB24}">
+                <p16:designElem xmlns:p16="http://schemas.microsoft.com/office/powerpoint/2015/main" val="1"/>
+              </p:ext>
+            </p:extLst>
+          </p:nvPr>
+        </p:nvSpPr>
+        <p:spPr>
+          <a:xfrm>
+            <a:off x="0" y="0"/>
+            <a:ext cx="12192000" cy="6858000"/>
+          </a:xfrm>
+          <a:prstGeom prst="rect">
+            <a:avLst/>
+          </a:prstGeom>
+          <a:ln w="12700" cap="flat" cmpd="sng" algn="ctr">
+            <a:noFill/>
+            <a:prstDash val="solid"/>
+            <a:miter lim="800000"/>
+          </a:ln>
+          <a:effectLst/>
+          <a:extLst>
+            <a:ext uri="{91240B29-F687-4F45-9708-019B960494DF}">
+              <a14:hiddenLine xmlns:a14="http://schemas.microsoft.com/office/drawing/2010/main" w="12700" cap="flat" cmpd="sng" algn="ctr">
+                <a:solidFill>
+                  <a:schemeClr val="accent1">
+                    <a:shade val="50000"/>
+                  </a:schemeClr>
+                </a:solidFill>
+                <a:prstDash val="solid"/>
+                <a:miter lim="800000"/>
+              </a14:hiddenLine>
+            </a:ext>
+          </a:extLst>
+        </p:spPr>
+        <p:style>
+          <a:lnRef idx="2">
+            <a:schemeClr val="accent1">
+              <a:shade val="50000"/>
+            </a:schemeClr>
+          </a:lnRef>
+          <a:fillRef idx="1">
+            <a:schemeClr val="accent1"/>
+          </a:fillRef>
+          <a:effectRef idx="0">
+            <a:schemeClr val="accent1"/>
+          </a:effectRef>
+          <a:fontRef idx="minor">
+            <a:schemeClr val="lt1"/>
+          </a:fontRef>
+        </p:style>
+        <p:txBody>
+          <a:bodyPr rtlCol="0" anchor="ctr"/>
+          <a:lstStyle/>
+          <a:p>
+            <a:pPr algn="ctr"/>
+            <a:endParaRPr lang="en-US"/>
+          </a:p>
+        </p:txBody>
+      </p:sp>
+      <p:sp>
+        <p:nvSpPr>
+          <p:cNvPr id="10" name="Rectangle 9">
+            <a:extLst>
+              <a:ext uri="{FF2B5EF4-FFF2-40B4-BE49-F238E27FC236}">
+                <a16:creationId xmlns:a16="http://schemas.microsoft.com/office/drawing/2014/main" id="{3B2E3793-BFE6-45A2-9B7B-E18844431C99}"/>
+              </a:ext>
+              <a:ext uri="{C183D7F6-B498-43B3-948B-1728B52AA6E4}">
+                <adec:decorative xmlns:adec="http://schemas.microsoft.com/office/drawing/2017/decorative" val="1"/>
+              </a:ext>
+            </a:extLst>
+          </p:cNvPr>
+          <p:cNvSpPr>
+            <a:spLocks noGrp="1" noRot="1" noChangeAspect="1" noMove="1" noResize="1" noEditPoints="1" noAdjustHandles="1" noChangeArrowheads="1" noChangeShapeType="1" noTextEdit="1"/>
+          </p:cNvSpPr>
+          <p:nvPr>
+            <p:extLst>
+              <p:ext uri="{386F3935-93C4-4BCD-93E2-E3B085C9AB24}">
+                <p16:designElem xmlns:p16="http://schemas.microsoft.com/office/powerpoint/2015/main" val="1"/>
+              </p:ext>
+            </p:extLst>
+          </p:nvPr>
+        </p:nvSpPr>
+        <p:spPr>
+          <a:xfrm flipH="1">
+            <a:off x="-1" y="-1"/>
+            <a:ext cx="12191998" cy="1590742"/>
+          </a:xfrm>
+          <a:prstGeom prst="rect">
+            <a:avLst/>
+          </a:prstGeom>
+          <a:gradFill>
+            <a:gsLst>
+              <a:gs pos="0">
+                <a:srgbClr val="000000"/>
+              </a:gs>
+              <a:gs pos="100000">
+                <a:schemeClr val="accent1">
+                  <a:lumMod val="75000"/>
+                </a:schemeClr>
+              </a:gs>
+            </a:gsLst>
+            <a:lin ang="8400000" scaled="0"/>
+          </a:gradFill>
+          <a:ln>
+            <a:noFill/>
+          </a:ln>
+        </p:spPr>
+        <p:style>
+          <a:lnRef idx="2">
+            <a:schemeClr val="accent1">
+              <a:shade val="50000"/>
+            </a:schemeClr>
+          </a:lnRef>
+          <a:fillRef idx="1">
+            <a:schemeClr val="accent1"/>
+          </a:fillRef>
+          <a:effectRef idx="0">
+            <a:schemeClr val="accent1"/>
+          </a:effectRef>
+          <a:fontRef idx="minor">
+            <a:schemeClr val="lt1"/>
+          </a:fontRef>
+        </p:style>
+        <p:txBody>
+          <a:bodyPr rtlCol="0" anchor="ctr"/>
+          <a:lstStyle/>
+          <a:p>
+            <a:pPr algn="ctr"/>
+            <a:endParaRPr lang="en-US"/>
+          </a:p>
+        </p:txBody>
+      </p:sp>
+      <p:sp>
+        <p:nvSpPr>
+          <p:cNvPr id="12" name="Rectangle 11">
+            <a:extLst>
+              <a:ext uri="{FF2B5EF4-FFF2-40B4-BE49-F238E27FC236}">
+                <a16:creationId xmlns:a16="http://schemas.microsoft.com/office/drawing/2014/main" id="{BC4C4868-CB8F-4AF9-9CDB-8108F2C19B67}"/>
+              </a:ext>
+              <a:ext uri="{C183D7F6-B498-43B3-948B-1728B52AA6E4}">
+                <adec:decorative xmlns:adec="http://schemas.microsoft.com/office/drawing/2017/decorative" val="1"/>
+              </a:ext>
+            </a:extLst>
+          </p:cNvPr>
+          <p:cNvSpPr>
+            <a:spLocks noGrp="1" noRot="1" noChangeAspect="1" noMove="1" noResize="1" noEditPoints="1" noAdjustHandles="1" noChangeArrowheads="1" noChangeShapeType="1" noTextEdit="1"/>
+          </p:cNvSpPr>
+          <p:nvPr>
+            <p:extLst>
+              <p:ext uri="{386F3935-93C4-4BCD-93E2-E3B085C9AB24}">
+                <p16:designElem xmlns:p16="http://schemas.microsoft.com/office/powerpoint/2015/main" val="1"/>
+              </p:ext>
+            </p:extLst>
+          </p:nvPr>
+        </p:nvSpPr>
+        <p:spPr>
+          <a:xfrm rot="10800000" flipH="1">
+            <a:off x="-3" y="0"/>
+            <a:ext cx="8115306" cy="1590742"/>
+          </a:xfrm>
+          <a:prstGeom prst="rect">
+            <a:avLst/>
+          </a:prstGeom>
+          <a:gradFill>
+            <a:gsLst>
+              <a:gs pos="20000">
+                <a:schemeClr val="accent1">
+                  <a:alpha val="0"/>
+                </a:schemeClr>
+              </a:gs>
+              <a:gs pos="100000">
+                <a:schemeClr val="accent1">
+                  <a:lumMod val="50000"/>
+                  <a:alpha val="55000"/>
+                </a:schemeClr>
+              </a:gs>
+            </a:gsLst>
+            <a:lin ang="13800000" scaled="0"/>
+          </a:gradFill>
+          <a:ln>
+            <a:noFill/>
+          </a:ln>
+        </p:spPr>
+        <p:style>
+          <a:lnRef idx="2">
+            <a:schemeClr val="accent1">
+              <a:shade val="50000"/>
+            </a:schemeClr>
+          </a:lnRef>
+          <a:fillRef idx="1">
+            <a:schemeClr val="accent1"/>
+          </a:fillRef>
+          <a:effectRef idx="0">
+            <a:schemeClr val="accent1"/>
+          </a:effectRef>
+          <a:fontRef idx="minor">
+            <a:schemeClr val="lt1"/>
+          </a:fontRef>
+        </p:style>
+        <p:txBody>
+          <a:bodyPr rtlCol="0" anchor="ctr"/>
+          <a:lstStyle/>
+          <a:p>
+            <a:pPr algn="ctr"/>
+            <a:endParaRPr lang="en-US"/>
+          </a:p>
+        </p:txBody>
+      </p:sp>
+      <p:sp>
+        <p:nvSpPr>
+          <p:cNvPr id="14" name="Rectangle 13">
+            <a:extLst>
+              <a:ext uri="{FF2B5EF4-FFF2-40B4-BE49-F238E27FC236}">
+                <a16:creationId xmlns:a16="http://schemas.microsoft.com/office/drawing/2014/main" id="{375E0459-6403-40CD-989D-56A4407CA12E}"/>
+              </a:ext>
+              <a:ext uri="{C183D7F6-B498-43B3-948B-1728B52AA6E4}">
+                <adec:decorative xmlns:adec="http://schemas.microsoft.com/office/drawing/2017/decorative" val="1"/>
+              </a:ext>
+            </a:extLst>
+          </p:cNvPr>
+          <p:cNvSpPr>
+            <a:spLocks noGrp="1" noRot="1" noChangeAspect="1" noMove="1" noResize="1" noEditPoints="1" noAdjustHandles="1" noChangeArrowheads="1" noChangeShapeType="1" noTextEdit="1"/>
+          </p:cNvSpPr>
+          <p:nvPr>
+            <p:extLst>
+              <p:ext uri="{386F3935-93C4-4BCD-93E2-E3B085C9AB24}">
+                <p16:designElem xmlns:p16="http://schemas.microsoft.com/office/powerpoint/2015/main" val="1"/>
+              </p:ext>
+            </p:extLst>
+          </p:nvPr>
+        </p:nvSpPr>
+        <p:spPr>
+          <a:xfrm flipH="1">
+            <a:off x="8115299" y="-1"/>
+            <a:ext cx="4076698" cy="1590742"/>
+          </a:xfrm>
+          <a:prstGeom prst="rect">
+            <a:avLst/>
+          </a:prstGeom>
+          <a:gradFill>
+            <a:gsLst>
+              <a:gs pos="0">
+                <a:schemeClr val="accent1">
+                  <a:alpha val="66000"/>
+                </a:schemeClr>
+              </a:gs>
+              <a:gs pos="100000">
+                <a:srgbClr val="000000">
+                  <a:alpha val="30000"/>
+                </a:srgbClr>
+              </a:gs>
+            </a:gsLst>
+            <a:lin ang="13200000" scaled="0"/>
+          </a:gradFill>
+          <a:ln>
+            <a:noFill/>
+          </a:ln>
+        </p:spPr>
+        <p:style>
+          <a:lnRef idx="2">
+            <a:schemeClr val="accent1">
+              <a:shade val="50000"/>
+            </a:schemeClr>
+          </a:lnRef>
+          <a:fillRef idx="1">
+            <a:schemeClr val="accent1"/>
+          </a:fillRef>
+          <a:effectRef idx="0">
+            <a:schemeClr val="accent1"/>
+          </a:effectRef>
+          <a:fontRef idx="minor">
+            <a:schemeClr val="lt1"/>
+          </a:fontRef>
+        </p:style>
+        <p:txBody>
+          <a:bodyPr rtlCol="0" anchor="ctr"/>
+          <a:lstStyle/>
+          <a:p>
+            <a:pPr algn="ctr"/>
+            <a:endParaRPr lang="en-US"/>
+          </a:p>
+        </p:txBody>
+      </p:sp>
+      <p:sp>
+        <p:nvSpPr>
+          <p:cNvPr id="16" name="Rectangle 15">
+            <a:extLst>
+              <a:ext uri="{FF2B5EF4-FFF2-40B4-BE49-F238E27FC236}">
+                <a16:creationId xmlns:a16="http://schemas.microsoft.com/office/drawing/2014/main" id="{53E5B1A8-3AC9-4BD1-9BBC-78CA94F2D1BA}"/>
+              </a:ext>
+              <a:ext uri="{C183D7F6-B498-43B3-948B-1728B52AA6E4}">
+                <adec:decorative xmlns:adec="http://schemas.microsoft.com/office/drawing/2017/decorative" val="1"/>
+              </a:ext>
+            </a:extLst>
+          </p:cNvPr>
+          <p:cNvSpPr>
+            <a:spLocks noGrp="1" noRot="1" noChangeAspect="1" noMove="1" noResize="1" noEditPoints="1" noAdjustHandles="1" noChangeArrowheads="1" noChangeShapeType="1" noTextEdit="1"/>
+          </p:cNvSpPr>
+          <p:nvPr>
+            <p:extLst>
+              <p:ext uri="{386F3935-93C4-4BCD-93E2-E3B085C9AB24}">
+                <p16:designElem xmlns:p16="http://schemas.microsoft.com/office/powerpoint/2015/main" val="1"/>
+              </p:ext>
+            </p:extLst>
+          </p:nvPr>
+        </p:nvSpPr>
+        <p:spPr>
+          <a:xfrm>
+            <a:off x="459350" y="-1"/>
+            <a:ext cx="11732646" cy="1597433"/>
+          </a:xfrm>
+          <a:prstGeom prst="rect">
+            <a:avLst/>
+          </a:prstGeom>
+          <a:gradFill>
+            <a:gsLst>
+              <a:gs pos="50000">
+                <a:srgbClr val="000000">
+                  <a:alpha val="0"/>
+                </a:srgbClr>
+              </a:gs>
+              <a:gs pos="99000">
+                <a:schemeClr val="accent1">
+                  <a:lumMod val="50000"/>
+                  <a:alpha val="52000"/>
+                </a:schemeClr>
+              </a:gs>
+            </a:gsLst>
+            <a:lin ang="16800000" scaled="0"/>
+          </a:gradFill>
+          <a:ln>
+            <a:noFill/>
+          </a:ln>
+        </p:spPr>
+        <p:style>
+          <a:lnRef idx="2">
+            <a:schemeClr val="accent1">
+              <a:shade val="50000"/>
+            </a:schemeClr>
+          </a:lnRef>
+          <a:fillRef idx="1">
+            <a:schemeClr val="accent1"/>
+          </a:fillRef>
+          <a:effectRef idx="0">
+            <a:schemeClr val="accent1"/>
+          </a:effectRef>
+          <a:fontRef idx="minor">
+            <a:schemeClr val="lt1"/>
+          </a:fontRef>
+        </p:style>
+        <p:txBody>
+          <a:bodyPr rtlCol="0" anchor="ctr"/>
+          <a:lstStyle/>
+          <a:p>
+            <a:pPr algn="ctr"/>
+            <a:endParaRPr lang="en-US"/>
+          </a:p>
+        </p:txBody>
+      </p:sp>
+      <p:sp>
+        <p:nvSpPr>
+          <p:cNvPr id="2" name="Titolo 1">
+            <a:extLst>
+              <a:ext uri="{FF2B5EF4-FFF2-40B4-BE49-F238E27FC236}">
+                <a16:creationId xmlns:a16="http://schemas.microsoft.com/office/drawing/2014/main" id="{B040F280-8F31-0FA6-46E5-74C42748953F}"/>
+              </a:ext>
+            </a:extLst>
+          </p:cNvPr>
+          <p:cNvSpPr>
+            <a:spLocks noGrp="1"/>
+          </p:cNvSpPr>
+          <p:nvPr>
+            <p:ph type="title"/>
+          </p:nvPr>
+        </p:nvSpPr>
+        <p:spPr>
+          <a:xfrm>
+            <a:off x="1371599" y="294538"/>
+            <a:ext cx="9895951" cy="1033669"/>
+          </a:xfrm>
+        </p:spPr>
+        <p:txBody>
+          <a:bodyPr>
+            <a:normAutofit/>
+          </a:bodyPr>
+          <a:lstStyle/>
+          <a:p>
+            <a:r>
+              <a:rPr lang="it-IT" sz="4000" dirty="0" err="1">
+                <a:solidFill>
+                  <a:srgbClr val="FFFFFF"/>
+                </a:solidFill>
+              </a:rPr>
+              <a:t>Going</a:t>
+            </a:r>
+            <a:r>
+              <a:rPr lang="it-IT" sz="4000" dirty="0">
+                <a:solidFill>
+                  <a:srgbClr val="FFFFFF"/>
+                </a:solidFill>
+              </a:rPr>
+              <a:t> </a:t>
+            </a:r>
+            <a:r>
+              <a:rPr lang="it-IT" sz="4000" dirty="0" err="1">
+                <a:solidFill>
+                  <a:srgbClr val="FFFFFF"/>
+                </a:solidFill>
+              </a:rPr>
+              <a:t>forward</a:t>
+            </a:r>
+            <a:endParaRPr lang="it-IT" sz="4000" dirty="0">
+              <a:solidFill>
+                <a:srgbClr val="FFFFFF"/>
+              </a:solidFill>
+            </a:endParaRPr>
+          </a:p>
+        </p:txBody>
+      </p:sp>
+      <p:sp>
+        <p:nvSpPr>
+          <p:cNvPr id="3" name="Segnaposto contenuto 2">
+            <a:extLst>
+              <a:ext uri="{FF2B5EF4-FFF2-40B4-BE49-F238E27FC236}">
+                <a16:creationId xmlns:a16="http://schemas.microsoft.com/office/drawing/2014/main" id="{2A3AADDE-8B2C-B098-9233-8201F15337D1}"/>
+              </a:ext>
+            </a:extLst>
+          </p:cNvPr>
+          <p:cNvSpPr>
+            <a:spLocks noGrp="1"/>
+          </p:cNvSpPr>
+          <p:nvPr>
+            <p:ph idx="1"/>
+          </p:nvPr>
+        </p:nvSpPr>
+        <p:spPr>
+          <a:xfrm>
+            <a:off x="1371599" y="2318197"/>
+            <a:ext cx="9724031" cy="3683358"/>
+          </a:xfrm>
+        </p:spPr>
+        <p:style>
+          <a:lnRef idx="2">
+            <a:schemeClr val="accent1"/>
+          </a:lnRef>
+          <a:fillRef idx="1">
+            <a:schemeClr val="lt1"/>
+          </a:fillRef>
+          <a:effectRef idx="0">
+            <a:schemeClr val="accent1"/>
+          </a:effectRef>
+          <a:fontRef idx="minor">
+            <a:schemeClr val="dk1"/>
+          </a:fontRef>
+        </p:style>
+        <p:txBody>
+          <a:bodyPr anchor="ctr">
+            <a:normAutofit/>
+          </a:bodyPr>
+          <a:lstStyle/>
+          <a:p>
+            <a:pPr marL="0" indent="0">
+              <a:buNone/>
+            </a:pPr>
+            <a:r>
+              <a:rPr lang="it-IT" dirty="0"/>
+              <a:t>L’applicazione potrebbe essere oggetto di ulteriori miglioramenti. Alcune idee implementabili:</a:t>
+            </a:r>
+          </a:p>
+          <a:p>
+            <a:r>
+              <a:rPr lang="it-IT" dirty="0"/>
+              <a:t>Visualizzazione del tragitto tramite appoggio a Google Maps.</a:t>
+            </a:r>
+          </a:p>
+          <a:p>
+            <a:r>
+              <a:rPr lang="it-IT" dirty="0"/>
+              <a:t>Ottimizzazione del funzionamento e della memoria.</a:t>
+            </a:r>
+          </a:p>
+          <a:p>
+            <a:r>
+              <a:rPr lang="it-IT" dirty="0"/>
+              <a:t>Condivisione delle proprie statistiche con altri utenti.</a:t>
+            </a:r>
+          </a:p>
+          <a:p>
+            <a:r>
+              <a:rPr lang="it-IT" dirty="0"/>
+              <a:t>Visualizzazione delle statistiche relative a più sessioni.</a:t>
+            </a:r>
+          </a:p>
+        </p:txBody>
+      </p:sp>
+    </p:spTree>
+    <p:extLst>
+      <p:ext uri="{BB962C8B-B14F-4D97-AF65-F5344CB8AC3E}">
+        <p14:creationId xmlns:p14="http://schemas.microsoft.com/office/powerpoint/2010/main" val="1266159918"/>
+      </p:ext>
+    </p:extLst>
+  </p:cSld>
+  <p:clrMapOvr>
+    <a:masterClrMapping/>
+  </p:clrMapOvr>
+</p:sld>
+</file>
+
 <file path=ppt/slides/slide2.xml><?xml version="1.0" encoding="utf-8"?>
 <p:sld xmlns:a="http://schemas.openxmlformats.org/drawingml/2006/main" xmlns:r="http://schemas.openxmlformats.org/officeDocument/2006/relationships" xmlns:p="http://schemas.openxmlformats.org/presentationml/2006/main">
   <p:cSld>
@@ -4455,6 +8495,20 @@
             <a:ext cx="9724031" cy="3683358"/>
           </a:xfrm>
         </p:spPr>
+        <p:style>
+          <a:lnRef idx="2">
+            <a:schemeClr val="accent1"/>
+          </a:lnRef>
+          <a:fillRef idx="1">
+            <a:schemeClr val="lt1"/>
+          </a:fillRef>
+          <a:effectRef idx="0">
+            <a:schemeClr val="accent1"/>
+          </a:effectRef>
+          <a:fontRef idx="minor">
+            <a:schemeClr val="dk1"/>
+          </a:fontRef>
+        </p:style>
         <p:txBody>
           <a:bodyPr anchor="ctr">
             <a:normAutofit/>
@@ -4499,7 +8553,47 @@
             </a:r>
             <a:r>
               <a:rPr lang="en-GB" dirty="0"/>
-              <a:t> e per </a:t>
+              <a:t> (</a:t>
+            </a:r>
+            <a:r>
+              <a:rPr lang="en-GB" dirty="0" err="1"/>
+              <a:t>sia</a:t>
+            </a:r>
+            <a:r>
+              <a:rPr lang="en-GB" dirty="0"/>
+              <a:t> </a:t>
+            </a:r>
+            <a:r>
+              <a:rPr lang="en-GB" dirty="0" err="1"/>
+              <a:t>su</a:t>
+            </a:r>
+            <a:r>
+              <a:rPr lang="en-GB" dirty="0"/>
+              <a:t> </a:t>
+            </a:r>
+            <a:r>
+              <a:rPr lang="en-GB" dirty="0" err="1"/>
+              <a:t>strada</a:t>
+            </a:r>
+            <a:r>
+              <a:rPr lang="en-GB" dirty="0"/>
+              <a:t> </a:t>
+            </a:r>
+            <a:r>
+              <a:rPr lang="en-GB" dirty="0" err="1"/>
+              <a:t>che</a:t>
+            </a:r>
+            <a:r>
+              <a:rPr lang="en-GB" dirty="0"/>
+              <a:t> </a:t>
+            </a:r>
+            <a:r>
+              <a:rPr lang="en-GB" dirty="0" err="1"/>
+              <a:t>fuoristrada</a:t>
+            </a:r>
+            <a:r>
+              <a:rPr lang="en-GB" dirty="0"/>
+              <a:t>) e per </a:t>
             </a:r>
             <a:r>
               <a:rPr lang="en-GB" dirty="0" err="1"/>
@@ -4585,11 +8679,19 @@
             </a:r>
             <a:r>
               <a:rPr lang="en-GB" dirty="0"/>
-              <a:t> lo </a:t>
+              <a:t> lo smartphone </a:t>
             </a:r>
             <a:r>
               <a:rPr lang="en-GB" dirty="0" err="1"/>
-              <a:t>smarthphone</a:t>
+              <a:t>su</a:t>
+            </a:r>
+            <a:r>
+              <a:rPr lang="en-GB" dirty="0"/>
+              <a:t> un </a:t>
+            </a:r>
+            <a:r>
+              <a:rPr lang="en-GB" dirty="0" err="1"/>
+              <a:t>supporto</a:t>
             </a:r>
             <a:r>
               <a:rPr lang="en-GB" dirty="0"/>
@@ -4597,75 +8699,11 @@
             </a:r>
             <a:r>
               <a:rPr lang="en-GB" dirty="0" err="1"/>
-              <a:t>su</a:t>
+              <a:t>solidale</a:t>
             </a:r>
             <a:r>
               <a:rPr lang="en-GB" dirty="0"/>
-              <a:t> un support </a:t>
-            </a:r>
-            <a:r>
-              <a:rPr lang="en-GB" dirty="0" err="1"/>
-              <a:t>fisso</a:t>
-            </a:r>
-            <a:r>
-              <a:rPr lang="en-GB" dirty="0"/>
-              <a:t> o in </a:t>
-            </a:r>
-            <a:r>
-              <a:rPr lang="en-GB" dirty="0" err="1"/>
-              <a:t>una</a:t>
-            </a:r>
-            <a:r>
-              <a:rPr lang="en-GB" dirty="0"/>
-              <a:t> </a:t>
-            </a:r>
-            <a:r>
-              <a:rPr lang="en-GB" dirty="0" err="1"/>
-              <a:t>tasca</a:t>
-            </a:r>
-            <a:r>
-              <a:rPr lang="en-GB" dirty="0"/>
-              <a:t> in cui </a:t>
-            </a:r>
-            <a:r>
-              <a:rPr lang="en-GB" dirty="0" err="1"/>
-              <a:t>esso</a:t>
-            </a:r>
-            <a:r>
-              <a:rPr lang="en-GB" dirty="0"/>
-              <a:t> non </a:t>
-            </a:r>
-            <a:r>
-              <a:rPr lang="en-GB" dirty="0" err="1"/>
-              <a:t>sia</a:t>
-            </a:r>
-            <a:r>
-              <a:rPr lang="en-GB" dirty="0"/>
-              <a:t> </a:t>
-            </a:r>
-            <a:r>
-              <a:rPr lang="en-GB" dirty="0" err="1"/>
-              <a:t>soggetto</a:t>
-            </a:r>
-            <a:r>
-              <a:rPr lang="en-GB" dirty="0"/>
-              <a:t> a </a:t>
-            </a:r>
-            <a:r>
-              <a:rPr lang="en-GB" dirty="0" err="1"/>
-              <a:t>movimenti</a:t>
-            </a:r>
-            <a:r>
-              <a:rPr lang="en-GB" dirty="0"/>
-              <a:t> </a:t>
-            </a:r>
-            <a:r>
-              <a:rPr lang="en-GB" dirty="0" err="1"/>
-              <a:t>particolari</a:t>
-            </a:r>
-            <a:r>
-              <a:rPr lang="en-GB" dirty="0"/>
-              <a:t>.</a:t>
+              <a:t> con la moto.</a:t>
             </a:r>
             <a:endParaRPr lang="it-IT" dirty="0"/>
           </a:p>
@@ -5238,6 +9276,20 @@
             <a:ext cx="6743699" cy="3683358"/>
           </a:xfrm>
         </p:spPr>
+        <p:style>
+          <a:lnRef idx="2">
+            <a:schemeClr val="accent1"/>
+          </a:lnRef>
+          <a:fillRef idx="1">
+            <a:schemeClr val="lt1"/>
+          </a:fillRef>
+          <a:effectRef idx="0">
+            <a:schemeClr val="accent1"/>
+          </a:effectRef>
+          <a:fontRef idx="minor">
+            <a:schemeClr val="dk1"/>
+          </a:fontRef>
+        </p:style>
         <p:txBody>
           <a:bodyPr anchor="ctr">
             <a:noAutofit/>
@@ -5246,7 +9298,7 @@
           <a:p>
             <a:r>
               <a:rPr lang="it-IT" dirty="0"/>
-              <a:t>L’app permette di visualizzare l’angolo di piega della moto, l’accelerazione e la velocità mentre durante la corsa.</a:t>
+              <a:t>L’app permette di visualizzare l’angolo di piega della moto, l’accelerazione, la velocità e il tempo relativo all’ultimo salto durante la corsa.</a:t>
             </a:r>
           </a:p>
           <a:p>
@@ -5279,14 +9331,13 @@
               </a:ext>
             </a:extLst>
           </a:blip>
-          <a:stretch>
-            <a:fillRect/>
-          </a:stretch>
+          <a:srcRect/>
+          <a:stretch/>
         </p:blipFill>
         <p:spPr>
           <a:xfrm>
             <a:off x="8490763" y="422485"/>
-            <a:ext cx="3031889" cy="6232217"/>
+            <a:ext cx="3031889" cy="6232216"/>
           </a:xfrm>
           <a:prstGeom prst="rect">
             <a:avLst/>
@@ -5764,10 +9815,24 @@
         </p:nvSpPr>
         <p:spPr>
           <a:xfrm>
-            <a:off x="1050587" y="1702340"/>
-            <a:ext cx="5807413" cy="4299215"/>
-          </a:xfrm>
-        </p:spPr>
+            <a:off x="1050587" y="1891970"/>
+            <a:ext cx="4361555" cy="4009696"/>
+          </a:xfrm>
+        </p:spPr>
+        <p:style>
+          <a:lnRef idx="2">
+            <a:schemeClr val="accent1"/>
+          </a:lnRef>
+          <a:fillRef idx="1">
+            <a:schemeClr val="lt1"/>
+          </a:fillRef>
+          <a:effectRef idx="0">
+            <a:schemeClr val="accent1"/>
+          </a:effectRef>
+          <a:fontRef idx="minor">
+            <a:schemeClr val="dk1"/>
+          </a:fontRef>
+        </p:style>
         <p:txBody>
           <a:bodyPr anchor="ctr">
             <a:normAutofit/>
@@ -5809,14 +9874,13 @@
               </a:ext>
             </a:extLst>
           </a:blip>
-          <a:stretch>
-            <a:fillRect/>
-          </a:stretch>
+          <a:srcRect/>
+          <a:stretch/>
         </p:blipFill>
         <p:spPr>
           <a:xfrm>
-            <a:off x="9486902" y="1080230"/>
-            <a:ext cx="2254178" cy="5009284"/>
+            <a:off x="9073456" y="913514"/>
+            <a:ext cx="2571308" cy="5285466"/>
           </a:xfrm>
           <a:prstGeom prst="rect">
             <a:avLst/>
@@ -5845,14 +9909,13 @@
               </a:ext>
             </a:extLst>
           </a:blip>
-          <a:stretch>
-            <a:fillRect/>
-          </a:stretch>
+          <a:srcRect/>
+          <a:stretch/>
         </p:blipFill>
         <p:spPr>
           <a:xfrm>
-            <a:off x="6779859" y="1080230"/>
-            <a:ext cx="2254178" cy="5009284"/>
+            <a:off x="5871492" y="913514"/>
+            <a:ext cx="2571308" cy="5285466"/>
           </a:xfrm>
           <a:prstGeom prst="rect">
             <a:avLst/>
@@ -6334,6 +10397,20 @@
             <a:ext cx="9724031" cy="3683358"/>
           </a:xfrm>
         </p:spPr>
+        <p:style>
+          <a:lnRef idx="2">
+            <a:schemeClr val="accent1"/>
+          </a:lnRef>
+          <a:fillRef idx="1">
+            <a:schemeClr val="lt1"/>
+          </a:fillRef>
+          <a:effectRef idx="0">
+            <a:schemeClr val="accent1"/>
+          </a:effectRef>
+          <a:fontRef idx="minor">
+            <a:schemeClr val="dk1"/>
+          </a:fontRef>
+        </p:style>
         <p:txBody>
           <a:bodyPr anchor="ctr">
             <a:normAutofit/>
@@ -6348,7 +10425,7 @@
           <a:p>
             <a:r>
               <a:rPr lang="it-IT" dirty="0"/>
-              <a:t>La velocità è calcolata utilizzando la posizione GPS</a:t>
+              <a:t>La velocità è calcolata utilizzando la posizione GPS.</a:t>
             </a:r>
           </a:p>
           <a:p>
@@ -6363,6 +10440,12 @@
             <a:r>
               <a:rPr lang="it-IT" dirty="0"/>
               <a:t>.</a:t>
+            </a:r>
+          </a:p>
+          <a:p>
+            <a:r>
+              <a:rPr lang="it-IT" dirty="0"/>
+              <a:t>Il tempo di salto viene calcolato a partire dai dati accelerometrici.</a:t>
             </a:r>
           </a:p>
         </p:txBody>
@@ -6844,6 +10927,20 @@
                 <a:ext cx="10235705" cy="4109585"/>
               </a:xfrm>
             </p:spPr>
+            <p:style>
+              <a:lnRef idx="2">
+                <a:schemeClr val="accent5"/>
+              </a:lnRef>
+              <a:fillRef idx="1">
+                <a:schemeClr val="lt1"/>
+              </a:fillRef>
+              <a:effectRef idx="0">
+                <a:schemeClr val="accent5"/>
+              </a:effectRef>
+              <a:fontRef idx="minor">
+                <a:schemeClr val="dk1"/>
+              </a:fontRef>
+            </p:style>
             <p:txBody>
               <a:bodyPr anchor="ctr">
                 <a:normAutofit/>
@@ -7112,7 +11209,7 @@
               <a:blipFill>
                 <a:blip r:embed="rId2"/>
                 <a:stretch>
-                  <a:fillRect l="-1072" r="-60" b="-1185"/>
+                  <a:fillRect l="-1011" b="-1034"/>
                 </a:stretch>
               </a:blipFill>
             </p:spPr>
@@ -7147,8 +11244,8 @@
             </p:nvSpPr>
             <p:spPr>
               <a:xfrm>
-                <a:off x="7710618" y="5771626"/>
-                <a:ext cx="3556932" cy="923330"/>
+                <a:off x="7919166" y="6101797"/>
+                <a:ext cx="3270203" cy="923330"/>
               </a:xfrm>
               <a:prstGeom prst="rect">
                 <a:avLst/>
@@ -7233,8 +11330,8 @@
             </p:nvSpPr>
             <p:spPr>
               <a:xfrm>
-                <a:off x="7710618" y="5771626"/>
-                <a:ext cx="3556932" cy="923330"/>
+                <a:off x="7919166" y="6101797"/>
+                <a:ext cx="3270203" cy="923330"/>
               </a:xfrm>
               <a:prstGeom prst="rect">
                 <a:avLst/>
@@ -7242,7 +11339,7 @@
               <a:blipFill>
                 <a:blip r:embed="rId3"/>
                 <a:stretch>
-                  <a:fillRect l="-1544" t="-3974"/>
+                  <a:fillRect l="-1490" t="-3974"/>
                 </a:stretch>
               </a:blipFill>
             </p:spPr>
@@ -7735,7 +11832,22 @@
             <a:off x="1371600" y="2318197"/>
             <a:ext cx="7017392" cy="3683358"/>
           </a:xfrm>
-        </p:spPr>
+          <a:ln/>
+        </p:spPr>
+        <p:style>
+          <a:lnRef idx="2">
+            <a:schemeClr val="accent1"/>
+          </a:lnRef>
+          <a:fillRef idx="1">
+            <a:schemeClr val="lt1"/>
+          </a:fillRef>
+          <a:effectRef idx="0">
+            <a:schemeClr val="accent1"/>
+          </a:effectRef>
+          <a:fontRef idx="minor">
+            <a:schemeClr val="dk1"/>
+          </a:fontRef>
+        </p:style>
         <p:txBody>
           <a:bodyPr anchor="ctr">
             <a:normAutofit/>
@@ -8693,6 +12805,20 @@
                 <a:ext cx="9724031" cy="3683358"/>
               </a:xfrm>
             </p:spPr>
+            <p:style>
+              <a:lnRef idx="2">
+                <a:schemeClr val="accent1"/>
+              </a:lnRef>
+              <a:fillRef idx="1">
+                <a:schemeClr val="lt1"/>
+              </a:fillRef>
+              <a:effectRef idx="0">
+                <a:schemeClr val="accent1"/>
+              </a:effectRef>
+              <a:fontRef idx="minor">
+                <a:schemeClr val="dk1"/>
+              </a:fontRef>
+            </p:style>
             <p:txBody>
               <a:bodyPr anchor="ctr">
                 <a:normAutofit lnSpcReduction="10000"/>
@@ -8846,7 +12972,7 @@
               <a:blipFill>
                 <a:blip r:embed="rId2"/>
                 <a:stretch>
-                  <a:fillRect l="-1129" t="-1157" r="-1254" b="-2149"/>
+                  <a:fillRect l="-1064" t="-988" r="-1190" b="-1977"/>
                 </a:stretch>
               </a:blipFill>
             </p:spPr>
@@ -8869,6 +12995,567 @@
     <p:extLst>
       <p:ext uri="{BB962C8B-B14F-4D97-AF65-F5344CB8AC3E}">
         <p14:creationId xmlns:p14="http://schemas.microsoft.com/office/powerpoint/2010/main" val="401503863"/>
+      </p:ext>
+    </p:extLst>
+  </p:cSld>
+  <p:clrMapOvr>
+    <a:masterClrMapping/>
+  </p:clrMapOvr>
+</p:sld>
+</file>
+
+<file path=ppt/slides/slide9.xml><?xml version="1.0" encoding="utf-8"?>
+<p:sld xmlns:a="http://schemas.openxmlformats.org/drawingml/2006/main" xmlns:r="http://schemas.openxmlformats.org/officeDocument/2006/relationships" xmlns:p="http://schemas.openxmlformats.org/presentationml/2006/main">
+  <p:cSld>
+    <p:bg>
+      <p:bgPr>
+        <a:solidFill>
+          <a:schemeClr val="bg1"/>
+        </a:solidFill>
+        <a:effectLst/>
+      </p:bgPr>
+    </p:bg>
+    <p:spTree>
+      <p:nvGrpSpPr>
+        <p:cNvPr id="1" name=""/>
+        <p:cNvGrpSpPr/>
+        <p:nvPr/>
+      </p:nvGrpSpPr>
+      <p:grpSpPr>
+        <a:xfrm>
+          <a:off x="0" y="0"/>
+          <a:ext cx="0" cy="0"/>
+          <a:chOff x="0" y="0"/>
+          <a:chExt cx="0" cy="0"/>
+        </a:xfrm>
+      </p:grpSpPr>
+      <p:sp useBgFill="1">
+        <p:nvSpPr>
+          <p:cNvPr id="8" name="Rectangle 7">
+            <a:extLst>
+              <a:ext uri="{FF2B5EF4-FFF2-40B4-BE49-F238E27FC236}">
+                <a16:creationId xmlns:a16="http://schemas.microsoft.com/office/drawing/2014/main" id="{1B15ED52-F352-441B-82BF-E0EA34836D08}"/>
+              </a:ext>
+              <a:ext uri="{C183D7F6-B498-43B3-948B-1728B52AA6E4}">
+                <adec:decorative xmlns:adec="http://schemas.microsoft.com/office/drawing/2017/decorative" val="1"/>
+              </a:ext>
+            </a:extLst>
+          </p:cNvPr>
+          <p:cNvSpPr>
+            <a:spLocks noGrp="1" noRot="1" noChangeAspect="1" noMove="1" noResize="1" noEditPoints="1" noAdjustHandles="1" noChangeArrowheads="1" noChangeShapeType="1" noTextEdit="1"/>
+          </p:cNvSpPr>
+          <p:nvPr>
+            <p:extLst>
+              <p:ext uri="{386F3935-93C4-4BCD-93E2-E3B085C9AB24}">
+                <p16:designElem xmlns:p16="http://schemas.microsoft.com/office/powerpoint/2015/main" val="1"/>
+              </p:ext>
+            </p:extLst>
+          </p:nvPr>
+        </p:nvSpPr>
+        <p:spPr>
+          <a:xfrm>
+            <a:off x="0" y="0"/>
+            <a:ext cx="12192000" cy="6858000"/>
+          </a:xfrm>
+          <a:prstGeom prst="rect">
+            <a:avLst/>
+          </a:prstGeom>
+          <a:ln w="12700" cap="flat" cmpd="sng" algn="ctr">
+            <a:noFill/>
+            <a:prstDash val="solid"/>
+            <a:miter lim="800000"/>
+          </a:ln>
+          <a:effectLst/>
+          <a:extLst>
+            <a:ext uri="{91240B29-F687-4F45-9708-019B960494DF}">
+              <a14:hiddenLine xmlns:a14="http://schemas.microsoft.com/office/drawing/2010/main" w="12700" cap="flat" cmpd="sng" algn="ctr">
+                <a:solidFill>
+                  <a:schemeClr val="accent1">
+                    <a:shade val="50000"/>
+                  </a:schemeClr>
+                </a:solidFill>
+                <a:prstDash val="solid"/>
+                <a:miter lim="800000"/>
+              </a14:hiddenLine>
+            </a:ext>
+          </a:extLst>
+        </p:spPr>
+        <p:style>
+          <a:lnRef idx="2">
+            <a:schemeClr val="accent1">
+              <a:shade val="50000"/>
+            </a:schemeClr>
+          </a:lnRef>
+          <a:fillRef idx="1">
+            <a:schemeClr val="accent1"/>
+          </a:fillRef>
+          <a:effectRef idx="0">
+            <a:schemeClr val="accent1"/>
+          </a:effectRef>
+          <a:fontRef idx="minor">
+            <a:schemeClr val="lt1"/>
+          </a:fontRef>
+        </p:style>
+        <p:txBody>
+          <a:bodyPr rtlCol="0" anchor="ctr"/>
+          <a:lstStyle/>
+          <a:p>
+            <a:pPr algn="ctr"/>
+            <a:endParaRPr lang="en-US"/>
+          </a:p>
+        </p:txBody>
+      </p:sp>
+      <p:sp>
+        <p:nvSpPr>
+          <p:cNvPr id="10" name="Rectangle 9">
+            <a:extLst>
+              <a:ext uri="{FF2B5EF4-FFF2-40B4-BE49-F238E27FC236}">
+                <a16:creationId xmlns:a16="http://schemas.microsoft.com/office/drawing/2014/main" id="{3B2E3793-BFE6-45A2-9B7B-E18844431C99}"/>
+              </a:ext>
+              <a:ext uri="{C183D7F6-B498-43B3-948B-1728B52AA6E4}">
+                <adec:decorative xmlns:adec="http://schemas.microsoft.com/office/drawing/2017/decorative" val="1"/>
+              </a:ext>
+            </a:extLst>
+          </p:cNvPr>
+          <p:cNvSpPr>
+            <a:spLocks noGrp="1" noRot="1" noChangeAspect="1" noMove="1" noResize="1" noEditPoints="1" noAdjustHandles="1" noChangeArrowheads="1" noChangeShapeType="1" noTextEdit="1"/>
+          </p:cNvSpPr>
+          <p:nvPr>
+            <p:extLst>
+              <p:ext uri="{386F3935-93C4-4BCD-93E2-E3B085C9AB24}">
+                <p16:designElem xmlns:p16="http://schemas.microsoft.com/office/powerpoint/2015/main" val="1"/>
+              </p:ext>
+            </p:extLst>
+          </p:nvPr>
+        </p:nvSpPr>
+        <p:spPr>
+          <a:xfrm flipH="1">
+            <a:off x="-1" y="-1"/>
+            <a:ext cx="12191998" cy="1590742"/>
+          </a:xfrm>
+          <a:prstGeom prst="rect">
+            <a:avLst/>
+          </a:prstGeom>
+          <a:gradFill>
+            <a:gsLst>
+              <a:gs pos="0">
+                <a:srgbClr val="000000"/>
+              </a:gs>
+              <a:gs pos="100000">
+                <a:schemeClr val="accent1">
+                  <a:lumMod val="75000"/>
+                </a:schemeClr>
+              </a:gs>
+            </a:gsLst>
+            <a:lin ang="8400000" scaled="0"/>
+          </a:gradFill>
+          <a:ln>
+            <a:noFill/>
+          </a:ln>
+        </p:spPr>
+        <p:style>
+          <a:lnRef idx="2">
+            <a:schemeClr val="accent1">
+              <a:shade val="50000"/>
+            </a:schemeClr>
+          </a:lnRef>
+          <a:fillRef idx="1">
+            <a:schemeClr val="accent1"/>
+          </a:fillRef>
+          <a:effectRef idx="0">
+            <a:schemeClr val="accent1"/>
+          </a:effectRef>
+          <a:fontRef idx="minor">
+            <a:schemeClr val="lt1"/>
+          </a:fontRef>
+        </p:style>
+        <p:txBody>
+          <a:bodyPr rtlCol="0" anchor="ctr"/>
+          <a:lstStyle/>
+          <a:p>
+            <a:pPr algn="ctr"/>
+            <a:endParaRPr lang="en-US"/>
+          </a:p>
+        </p:txBody>
+      </p:sp>
+      <p:sp>
+        <p:nvSpPr>
+          <p:cNvPr id="12" name="Rectangle 11">
+            <a:extLst>
+              <a:ext uri="{FF2B5EF4-FFF2-40B4-BE49-F238E27FC236}">
+                <a16:creationId xmlns:a16="http://schemas.microsoft.com/office/drawing/2014/main" id="{BC4C4868-CB8F-4AF9-9CDB-8108F2C19B67}"/>
+              </a:ext>
+              <a:ext uri="{C183D7F6-B498-43B3-948B-1728B52AA6E4}">
+                <adec:decorative xmlns:adec="http://schemas.microsoft.com/office/drawing/2017/decorative" val="1"/>
+              </a:ext>
+            </a:extLst>
+          </p:cNvPr>
+          <p:cNvSpPr>
+            <a:spLocks noGrp="1" noRot="1" noChangeAspect="1" noMove="1" noResize="1" noEditPoints="1" noAdjustHandles="1" noChangeArrowheads="1" noChangeShapeType="1" noTextEdit="1"/>
+          </p:cNvSpPr>
+          <p:nvPr>
+            <p:extLst>
+              <p:ext uri="{386F3935-93C4-4BCD-93E2-E3B085C9AB24}">
+                <p16:designElem xmlns:p16="http://schemas.microsoft.com/office/powerpoint/2015/main" val="1"/>
+              </p:ext>
+            </p:extLst>
+          </p:nvPr>
+        </p:nvSpPr>
+        <p:spPr>
+          <a:xfrm rot="10800000" flipH="1">
+            <a:off x="-3" y="0"/>
+            <a:ext cx="8115306" cy="1590742"/>
+          </a:xfrm>
+          <a:prstGeom prst="rect">
+            <a:avLst/>
+          </a:prstGeom>
+          <a:gradFill>
+            <a:gsLst>
+              <a:gs pos="20000">
+                <a:schemeClr val="accent1">
+                  <a:alpha val="0"/>
+                </a:schemeClr>
+              </a:gs>
+              <a:gs pos="100000">
+                <a:schemeClr val="accent1">
+                  <a:lumMod val="50000"/>
+                  <a:alpha val="55000"/>
+                </a:schemeClr>
+              </a:gs>
+            </a:gsLst>
+            <a:lin ang="13800000" scaled="0"/>
+          </a:gradFill>
+          <a:ln>
+            <a:noFill/>
+          </a:ln>
+        </p:spPr>
+        <p:style>
+          <a:lnRef idx="2">
+            <a:schemeClr val="accent1">
+              <a:shade val="50000"/>
+            </a:schemeClr>
+          </a:lnRef>
+          <a:fillRef idx="1">
+            <a:schemeClr val="accent1"/>
+          </a:fillRef>
+          <a:effectRef idx="0">
+            <a:schemeClr val="accent1"/>
+          </a:effectRef>
+          <a:fontRef idx="minor">
+            <a:schemeClr val="lt1"/>
+          </a:fontRef>
+        </p:style>
+        <p:txBody>
+          <a:bodyPr rtlCol="0" anchor="ctr"/>
+          <a:lstStyle/>
+          <a:p>
+            <a:pPr algn="ctr"/>
+            <a:endParaRPr lang="en-US"/>
+          </a:p>
+        </p:txBody>
+      </p:sp>
+      <p:sp>
+        <p:nvSpPr>
+          <p:cNvPr id="14" name="Rectangle 13">
+            <a:extLst>
+              <a:ext uri="{FF2B5EF4-FFF2-40B4-BE49-F238E27FC236}">
+                <a16:creationId xmlns:a16="http://schemas.microsoft.com/office/drawing/2014/main" id="{375E0459-6403-40CD-989D-56A4407CA12E}"/>
+              </a:ext>
+              <a:ext uri="{C183D7F6-B498-43B3-948B-1728B52AA6E4}">
+                <adec:decorative xmlns:adec="http://schemas.microsoft.com/office/drawing/2017/decorative" val="1"/>
+              </a:ext>
+            </a:extLst>
+          </p:cNvPr>
+          <p:cNvSpPr>
+            <a:spLocks noGrp="1" noRot="1" noChangeAspect="1" noMove="1" noResize="1" noEditPoints="1" noAdjustHandles="1" noChangeArrowheads="1" noChangeShapeType="1" noTextEdit="1"/>
+          </p:cNvSpPr>
+          <p:nvPr>
+            <p:extLst>
+              <p:ext uri="{386F3935-93C4-4BCD-93E2-E3B085C9AB24}">
+                <p16:designElem xmlns:p16="http://schemas.microsoft.com/office/powerpoint/2015/main" val="1"/>
+              </p:ext>
+            </p:extLst>
+          </p:nvPr>
+        </p:nvSpPr>
+        <p:spPr>
+          <a:xfrm flipH="1">
+            <a:off x="8115299" y="-1"/>
+            <a:ext cx="4076698" cy="1590742"/>
+          </a:xfrm>
+          <a:prstGeom prst="rect">
+            <a:avLst/>
+          </a:prstGeom>
+          <a:gradFill>
+            <a:gsLst>
+              <a:gs pos="0">
+                <a:schemeClr val="accent1">
+                  <a:alpha val="66000"/>
+                </a:schemeClr>
+              </a:gs>
+              <a:gs pos="100000">
+                <a:srgbClr val="000000">
+                  <a:alpha val="30000"/>
+                </a:srgbClr>
+              </a:gs>
+            </a:gsLst>
+            <a:lin ang="13200000" scaled="0"/>
+          </a:gradFill>
+          <a:ln>
+            <a:noFill/>
+          </a:ln>
+        </p:spPr>
+        <p:style>
+          <a:lnRef idx="2">
+            <a:schemeClr val="accent1">
+              <a:shade val="50000"/>
+            </a:schemeClr>
+          </a:lnRef>
+          <a:fillRef idx="1">
+            <a:schemeClr val="accent1"/>
+          </a:fillRef>
+          <a:effectRef idx="0">
+            <a:schemeClr val="accent1"/>
+          </a:effectRef>
+          <a:fontRef idx="minor">
+            <a:schemeClr val="lt1"/>
+          </a:fontRef>
+        </p:style>
+        <p:txBody>
+          <a:bodyPr rtlCol="0" anchor="ctr"/>
+          <a:lstStyle/>
+          <a:p>
+            <a:pPr algn="ctr"/>
+            <a:endParaRPr lang="en-US"/>
+          </a:p>
+        </p:txBody>
+      </p:sp>
+      <p:sp>
+        <p:nvSpPr>
+          <p:cNvPr id="16" name="Rectangle 15">
+            <a:extLst>
+              <a:ext uri="{FF2B5EF4-FFF2-40B4-BE49-F238E27FC236}">
+                <a16:creationId xmlns:a16="http://schemas.microsoft.com/office/drawing/2014/main" id="{53E5B1A8-3AC9-4BD1-9BBC-78CA94F2D1BA}"/>
+              </a:ext>
+              <a:ext uri="{C183D7F6-B498-43B3-948B-1728B52AA6E4}">
+                <adec:decorative xmlns:adec="http://schemas.microsoft.com/office/drawing/2017/decorative" val="1"/>
+              </a:ext>
+            </a:extLst>
+          </p:cNvPr>
+          <p:cNvSpPr>
+            <a:spLocks noGrp="1" noRot="1" noChangeAspect="1" noMove="1" noResize="1" noEditPoints="1" noAdjustHandles="1" noChangeArrowheads="1" noChangeShapeType="1" noTextEdit="1"/>
+          </p:cNvSpPr>
+          <p:nvPr>
+            <p:extLst>
+              <p:ext uri="{386F3935-93C4-4BCD-93E2-E3B085C9AB24}">
+                <p16:designElem xmlns:p16="http://schemas.microsoft.com/office/powerpoint/2015/main" val="1"/>
+              </p:ext>
+            </p:extLst>
+          </p:nvPr>
+        </p:nvSpPr>
+        <p:spPr>
+          <a:xfrm>
+            <a:off x="459350" y="-1"/>
+            <a:ext cx="11732646" cy="1597433"/>
+          </a:xfrm>
+          <a:prstGeom prst="rect">
+            <a:avLst/>
+          </a:prstGeom>
+          <a:gradFill>
+            <a:gsLst>
+              <a:gs pos="50000">
+                <a:srgbClr val="000000">
+                  <a:alpha val="0"/>
+                </a:srgbClr>
+              </a:gs>
+              <a:gs pos="99000">
+                <a:schemeClr val="accent1">
+                  <a:lumMod val="50000"/>
+                  <a:alpha val="52000"/>
+                </a:schemeClr>
+              </a:gs>
+            </a:gsLst>
+            <a:lin ang="16800000" scaled="0"/>
+          </a:gradFill>
+          <a:ln>
+            <a:noFill/>
+          </a:ln>
+        </p:spPr>
+        <p:style>
+          <a:lnRef idx="2">
+            <a:schemeClr val="accent1">
+              <a:shade val="50000"/>
+            </a:schemeClr>
+          </a:lnRef>
+          <a:fillRef idx="1">
+            <a:schemeClr val="accent1"/>
+          </a:fillRef>
+          <a:effectRef idx="0">
+            <a:schemeClr val="accent1"/>
+          </a:effectRef>
+          <a:fontRef idx="minor">
+            <a:schemeClr val="lt1"/>
+          </a:fontRef>
+        </p:style>
+        <p:txBody>
+          <a:bodyPr rtlCol="0" anchor="ctr"/>
+          <a:lstStyle/>
+          <a:p>
+            <a:pPr algn="ctr"/>
+            <a:endParaRPr lang="en-US"/>
+          </a:p>
+        </p:txBody>
+      </p:sp>
+      <p:sp>
+        <p:nvSpPr>
+          <p:cNvPr id="2" name="Titolo 1">
+            <a:extLst>
+              <a:ext uri="{FF2B5EF4-FFF2-40B4-BE49-F238E27FC236}">
+                <a16:creationId xmlns:a16="http://schemas.microsoft.com/office/drawing/2014/main" id="{E20A14A1-819F-F54D-8EAE-CED89A39EC53}"/>
+              </a:ext>
+            </a:extLst>
+          </p:cNvPr>
+          <p:cNvSpPr>
+            <a:spLocks noGrp="1"/>
+          </p:cNvSpPr>
+          <p:nvPr>
+            <p:ph type="title"/>
+          </p:nvPr>
+        </p:nvSpPr>
+        <p:spPr>
+          <a:xfrm>
+            <a:off x="1371599" y="294538"/>
+            <a:ext cx="9895951" cy="1033669"/>
+          </a:xfrm>
+        </p:spPr>
+        <p:txBody>
+          <a:bodyPr>
+            <a:normAutofit/>
+          </a:bodyPr>
+          <a:lstStyle/>
+          <a:p>
+            <a:r>
+              <a:rPr lang="it-IT" sz="4000" dirty="0">
+                <a:solidFill>
+                  <a:srgbClr val="FFFFFF"/>
+                </a:solidFill>
+              </a:rPr>
+              <a:t>Cambiamento di coordinate</a:t>
+            </a:r>
+          </a:p>
+        </p:txBody>
+      </p:sp>
+      <p:sp>
+        <p:nvSpPr>
+          <p:cNvPr id="3" name="Segnaposto contenuto 2">
+            <a:extLst>
+              <a:ext uri="{FF2B5EF4-FFF2-40B4-BE49-F238E27FC236}">
+                <a16:creationId xmlns:a16="http://schemas.microsoft.com/office/drawing/2014/main" id="{B589D96D-A0CD-70DA-8A03-96F7D8E02016}"/>
+              </a:ext>
+            </a:extLst>
+          </p:cNvPr>
+          <p:cNvSpPr>
+            <a:spLocks noGrp="1"/>
+          </p:cNvSpPr>
+          <p:nvPr>
+            <p:ph idx="1"/>
+          </p:nvPr>
+        </p:nvSpPr>
+        <p:spPr>
+          <a:xfrm>
+            <a:off x="1371599" y="2125579"/>
+            <a:ext cx="5178491" cy="3888894"/>
+          </a:xfrm>
+        </p:spPr>
+        <p:style>
+          <a:lnRef idx="2">
+            <a:schemeClr val="accent1"/>
+          </a:lnRef>
+          <a:fillRef idx="1">
+            <a:schemeClr val="lt1"/>
+          </a:fillRef>
+          <a:effectRef idx="0">
+            <a:schemeClr val="accent1"/>
+          </a:effectRef>
+          <a:fontRef idx="minor">
+            <a:schemeClr val="dk1"/>
+          </a:fontRef>
+        </p:style>
+        <p:txBody>
+          <a:bodyPr anchor="ctr">
+            <a:normAutofit fontScale="92500"/>
+          </a:bodyPr>
+          <a:lstStyle/>
+          <a:p>
+            <a:r>
+              <a:rPr lang="it-IT" dirty="0"/>
+              <a:t>La calibrazione avviene all’inizio dell’attività ricavando un sistema di riferimento solidale con la moto.</a:t>
+            </a:r>
+          </a:p>
+          <a:p>
+            <a:r>
+              <a:rPr lang="it-IT" dirty="0"/>
+              <a:t>Tutti i valori successivi ottenuti dai sensori vengono convertiti nel nuovo sistema di riferimento.</a:t>
+            </a:r>
+          </a:p>
+          <a:p>
+            <a:r>
+              <a:rPr lang="it-IT" dirty="0"/>
+              <a:t>L’asse Z’ parallelo all’accelerazione di gravità, l’asse X’ è entrante nel grafico, l’asse Y’ è parallelo.</a:t>
+            </a:r>
+          </a:p>
+        </p:txBody>
+      </p:sp>
+      <p:pic>
+        <p:nvPicPr>
+          <p:cNvPr id="2052" name="Picture 4">
+            <a:extLst>
+              <a:ext uri="{FF2B5EF4-FFF2-40B4-BE49-F238E27FC236}">
+                <a16:creationId xmlns:a16="http://schemas.microsoft.com/office/drawing/2014/main" id="{2E936C9B-B84B-2BAA-E1AB-3A30B2177836}"/>
+              </a:ext>
+            </a:extLst>
+          </p:cNvPr>
+          <p:cNvPicPr>
+            <a:picLocks noChangeAspect="1" noChangeArrowheads="1"/>
+          </p:cNvPicPr>
+          <p:nvPr/>
+        </p:nvPicPr>
+        <p:blipFill>
+          <a:blip r:embed="rId2">
+            <a:extLst>
+              <a:ext uri="{28A0092B-C50C-407E-A947-70E740481C1C}">
+                <a14:useLocalDpi xmlns:a14="http://schemas.microsoft.com/office/drawing/2010/main" val="0"/>
+              </a:ext>
+            </a:extLst>
+          </a:blip>
+          <a:srcRect/>
+          <a:stretch>
+            <a:fillRect/>
+          </a:stretch>
+        </p:blipFill>
+        <p:spPr bwMode="auto">
+          <a:xfrm>
+            <a:off x="7636042" y="2680768"/>
+            <a:ext cx="4286134" cy="2973506"/>
+          </a:xfrm>
+          <a:prstGeom prst="rect">
+            <a:avLst/>
+          </a:prstGeom>
+          <a:noFill/>
+          <a:extLst>
+            <a:ext uri="{909E8E84-426E-40DD-AFC4-6F175D3DCCD1}">
+              <a14:hiddenFill xmlns:a14="http://schemas.microsoft.com/office/drawing/2010/main">
+                <a:solidFill>
+                  <a:srgbClr val="FFFFFF"/>
+                </a:solidFill>
+              </a14:hiddenFill>
+            </a:ext>
+          </a:extLst>
+        </p:spPr>
+      </p:pic>
+    </p:spTree>
+    <p:extLst>
+      <p:ext uri="{BB962C8B-B14F-4D97-AF65-F5344CB8AC3E}">
+        <p14:creationId xmlns:p14="http://schemas.microsoft.com/office/powerpoint/2010/main" val="1125606825"/>
       </p:ext>
     </p:extLst>
   </p:cSld>

--- a/BikeActivity.pptx
+++ b/BikeActivity.pptx
@@ -14,13 +14,14 @@
     <p:sldId id="264" r:id="rId8"/>
     <p:sldId id="262" r:id="rId9"/>
     <p:sldId id="269" r:id="rId10"/>
-    <p:sldId id="265" r:id="rId11"/>
-    <p:sldId id="266" r:id="rId12"/>
-    <p:sldId id="270" r:id="rId13"/>
-    <p:sldId id="267" r:id="rId14"/>
-    <p:sldId id="268" r:id="rId15"/>
-    <p:sldId id="271" r:id="rId16"/>
-    <p:sldId id="272" r:id="rId17"/>
+    <p:sldId id="274" r:id="rId11"/>
+    <p:sldId id="265" r:id="rId12"/>
+    <p:sldId id="266" r:id="rId13"/>
+    <p:sldId id="270" r:id="rId14"/>
+    <p:sldId id="267" r:id="rId15"/>
+    <p:sldId id="268" r:id="rId16"/>
+    <p:sldId id="271" r:id="rId17"/>
+    <p:sldId id="272" r:id="rId18"/>
   </p:sldIdLst>
   <p:sldSz cx="12192000" cy="6858000"/>
   <p:notesSz cx="6858000" cy="9144000"/>
@@ -4028,6 +4029,764 @@
       </p:grpSpPr>
       <p:sp useBgFill="1">
         <p:nvSpPr>
+          <p:cNvPr id="8" name="Rectangle 7">
+            <a:extLst>
+              <a:ext uri="{FF2B5EF4-FFF2-40B4-BE49-F238E27FC236}">
+                <a16:creationId xmlns:a16="http://schemas.microsoft.com/office/drawing/2014/main" id="{1B15ED52-F352-441B-82BF-E0EA34836D08}"/>
+              </a:ext>
+              <a:ext uri="{C183D7F6-B498-43B3-948B-1728B52AA6E4}">
+                <adec:decorative xmlns:adec="http://schemas.microsoft.com/office/drawing/2017/decorative" val="1"/>
+              </a:ext>
+            </a:extLst>
+          </p:cNvPr>
+          <p:cNvSpPr>
+            <a:spLocks noGrp="1" noRot="1" noChangeAspect="1" noMove="1" noResize="1" noEditPoints="1" noAdjustHandles="1" noChangeArrowheads="1" noChangeShapeType="1" noTextEdit="1"/>
+          </p:cNvSpPr>
+          <p:nvPr>
+            <p:extLst>
+              <p:ext uri="{386F3935-93C4-4BCD-93E2-E3B085C9AB24}">
+                <p16:designElem xmlns:p16="http://schemas.microsoft.com/office/powerpoint/2015/main" val="1"/>
+              </p:ext>
+            </p:extLst>
+          </p:nvPr>
+        </p:nvSpPr>
+        <p:spPr>
+          <a:xfrm>
+            <a:off x="0" y="0"/>
+            <a:ext cx="12192000" cy="6858000"/>
+          </a:xfrm>
+          <a:prstGeom prst="rect">
+            <a:avLst/>
+          </a:prstGeom>
+          <a:ln w="12700" cap="flat" cmpd="sng" algn="ctr">
+            <a:noFill/>
+            <a:prstDash val="solid"/>
+            <a:miter lim="800000"/>
+          </a:ln>
+          <a:effectLst/>
+          <a:extLst>
+            <a:ext uri="{91240B29-F687-4F45-9708-019B960494DF}">
+              <a14:hiddenLine xmlns:a14="http://schemas.microsoft.com/office/drawing/2010/main" w="12700" cap="flat" cmpd="sng" algn="ctr">
+                <a:solidFill>
+                  <a:schemeClr val="accent1">
+                    <a:shade val="50000"/>
+                  </a:schemeClr>
+                </a:solidFill>
+                <a:prstDash val="solid"/>
+                <a:miter lim="800000"/>
+              </a14:hiddenLine>
+            </a:ext>
+          </a:extLst>
+        </p:spPr>
+        <p:style>
+          <a:lnRef idx="2">
+            <a:schemeClr val="accent1">
+              <a:shade val="50000"/>
+            </a:schemeClr>
+          </a:lnRef>
+          <a:fillRef idx="1">
+            <a:schemeClr val="accent1"/>
+          </a:fillRef>
+          <a:effectRef idx="0">
+            <a:schemeClr val="accent1"/>
+          </a:effectRef>
+          <a:fontRef idx="minor">
+            <a:schemeClr val="lt1"/>
+          </a:fontRef>
+        </p:style>
+        <p:txBody>
+          <a:bodyPr rtlCol="0" anchor="ctr"/>
+          <a:lstStyle/>
+          <a:p>
+            <a:pPr marL="0" marR="0" lvl="0" indent="0" algn="ctr" defTabSz="914400" rtl="0" eaLnBrk="1" fontAlgn="auto" latinLnBrk="0" hangingPunct="1">
+              <a:lnSpc>
+                <a:spcPct val="100000"/>
+              </a:lnSpc>
+              <a:spcBef>
+                <a:spcPts val="0"/>
+              </a:spcBef>
+              <a:spcAft>
+                <a:spcPts val="0"/>
+              </a:spcAft>
+              <a:buClrTx/>
+              <a:buSzTx/>
+              <a:buFontTx/>
+              <a:buNone/>
+              <a:tabLst/>
+              <a:defRPr/>
+            </a:pPr>
+            <a:endParaRPr kumimoji="0" lang="en-US" sz="1800" b="0" i="0" u="none" strike="noStrike" kern="1200" cap="none" spc="0" normalizeH="0" baseline="0" noProof="0">
+              <a:ln>
+                <a:noFill/>
+              </a:ln>
+              <a:solidFill>
+                <a:prstClr val="white"/>
+              </a:solidFill>
+              <a:effectLst/>
+              <a:uLnTx/>
+              <a:uFillTx/>
+              <a:latin typeface="Calibri" panose="020F0502020204030204"/>
+              <a:ea typeface="+mn-ea"/>
+              <a:cs typeface="+mn-cs"/>
+            </a:endParaRPr>
+          </a:p>
+        </p:txBody>
+      </p:sp>
+      <p:sp>
+        <p:nvSpPr>
+          <p:cNvPr id="10" name="Rectangle 9">
+            <a:extLst>
+              <a:ext uri="{FF2B5EF4-FFF2-40B4-BE49-F238E27FC236}">
+                <a16:creationId xmlns:a16="http://schemas.microsoft.com/office/drawing/2014/main" id="{3B2E3793-BFE6-45A2-9B7B-E18844431C99}"/>
+              </a:ext>
+              <a:ext uri="{C183D7F6-B498-43B3-948B-1728B52AA6E4}">
+                <adec:decorative xmlns:adec="http://schemas.microsoft.com/office/drawing/2017/decorative" val="1"/>
+              </a:ext>
+            </a:extLst>
+          </p:cNvPr>
+          <p:cNvSpPr>
+            <a:spLocks noGrp="1" noRot="1" noChangeAspect="1" noMove="1" noResize="1" noEditPoints="1" noAdjustHandles="1" noChangeArrowheads="1" noChangeShapeType="1" noTextEdit="1"/>
+          </p:cNvSpPr>
+          <p:nvPr>
+            <p:extLst>
+              <p:ext uri="{386F3935-93C4-4BCD-93E2-E3B085C9AB24}">
+                <p16:designElem xmlns:p16="http://schemas.microsoft.com/office/powerpoint/2015/main" val="1"/>
+              </p:ext>
+            </p:extLst>
+          </p:nvPr>
+        </p:nvSpPr>
+        <p:spPr>
+          <a:xfrm flipH="1">
+            <a:off x="-1" y="-1"/>
+            <a:ext cx="12191998" cy="1590742"/>
+          </a:xfrm>
+          <a:prstGeom prst="rect">
+            <a:avLst/>
+          </a:prstGeom>
+          <a:gradFill>
+            <a:gsLst>
+              <a:gs pos="0">
+                <a:srgbClr val="000000"/>
+              </a:gs>
+              <a:gs pos="100000">
+                <a:schemeClr val="accent1">
+                  <a:lumMod val="75000"/>
+                </a:schemeClr>
+              </a:gs>
+            </a:gsLst>
+            <a:lin ang="8400000" scaled="0"/>
+          </a:gradFill>
+          <a:ln>
+            <a:noFill/>
+          </a:ln>
+        </p:spPr>
+        <p:style>
+          <a:lnRef idx="2">
+            <a:schemeClr val="accent1">
+              <a:shade val="50000"/>
+            </a:schemeClr>
+          </a:lnRef>
+          <a:fillRef idx="1">
+            <a:schemeClr val="accent1"/>
+          </a:fillRef>
+          <a:effectRef idx="0">
+            <a:schemeClr val="accent1"/>
+          </a:effectRef>
+          <a:fontRef idx="minor">
+            <a:schemeClr val="lt1"/>
+          </a:fontRef>
+        </p:style>
+        <p:txBody>
+          <a:bodyPr rtlCol="0" anchor="ctr"/>
+          <a:lstStyle/>
+          <a:p>
+            <a:pPr marL="0" marR="0" lvl="0" indent="0" algn="ctr" defTabSz="914400" rtl="0" eaLnBrk="1" fontAlgn="auto" latinLnBrk="0" hangingPunct="1">
+              <a:lnSpc>
+                <a:spcPct val="100000"/>
+              </a:lnSpc>
+              <a:spcBef>
+                <a:spcPts val="0"/>
+              </a:spcBef>
+              <a:spcAft>
+                <a:spcPts val="0"/>
+              </a:spcAft>
+              <a:buClrTx/>
+              <a:buSzTx/>
+              <a:buFontTx/>
+              <a:buNone/>
+              <a:tabLst/>
+              <a:defRPr/>
+            </a:pPr>
+            <a:endParaRPr kumimoji="0" lang="en-US" sz="1800" b="0" i="0" u="none" strike="noStrike" kern="1200" cap="none" spc="0" normalizeH="0" baseline="0" noProof="0">
+              <a:ln>
+                <a:noFill/>
+              </a:ln>
+              <a:solidFill>
+                <a:prstClr val="white"/>
+              </a:solidFill>
+              <a:effectLst/>
+              <a:uLnTx/>
+              <a:uFillTx/>
+              <a:latin typeface="Calibri" panose="020F0502020204030204"/>
+              <a:ea typeface="+mn-ea"/>
+              <a:cs typeface="+mn-cs"/>
+            </a:endParaRPr>
+          </a:p>
+        </p:txBody>
+      </p:sp>
+      <p:sp>
+        <p:nvSpPr>
+          <p:cNvPr id="12" name="Rectangle 11">
+            <a:extLst>
+              <a:ext uri="{FF2B5EF4-FFF2-40B4-BE49-F238E27FC236}">
+                <a16:creationId xmlns:a16="http://schemas.microsoft.com/office/drawing/2014/main" id="{BC4C4868-CB8F-4AF9-9CDB-8108F2C19B67}"/>
+              </a:ext>
+              <a:ext uri="{C183D7F6-B498-43B3-948B-1728B52AA6E4}">
+                <adec:decorative xmlns:adec="http://schemas.microsoft.com/office/drawing/2017/decorative" val="1"/>
+              </a:ext>
+            </a:extLst>
+          </p:cNvPr>
+          <p:cNvSpPr>
+            <a:spLocks noGrp="1" noRot="1" noChangeAspect="1" noMove="1" noResize="1" noEditPoints="1" noAdjustHandles="1" noChangeArrowheads="1" noChangeShapeType="1" noTextEdit="1"/>
+          </p:cNvSpPr>
+          <p:nvPr>
+            <p:extLst>
+              <p:ext uri="{386F3935-93C4-4BCD-93E2-E3B085C9AB24}">
+                <p16:designElem xmlns:p16="http://schemas.microsoft.com/office/powerpoint/2015/main" val="1"/>
+              </p:ext>
+            </p:extLst>
+          </p:nvPr>
+        </p:nvSpPr>
+        <p:spPr>
+          <a:xfrm rot="10800000" flipH="1">
+            <a:off x="-3" y="0"/>
+            <a:ext cx="8115306" cy="1590742"/>
+          </a:xfrm>
+          <a:prstGeom prst="rect">
+            <a:avLst/>
+          </a:prstGeom>
+          <a:gradFill>
+            <a:gsLst>
+              <a:gs pos="20000">
+                <a:schemeClr val="accent1">
+                  <a:alpha val="0"/>
+                </a:schemeClr>
+              </a:gs>
+              <a:gs pos="100000">
+                <a:schemeClr val="accent1">
+                  <a:lumMod val="50000"/>
+                  <a:alpha val="55000"/>
+                </a:schemeClr>
+              </a:gs>
+            </a:gsLst>
+            <a:lin ang="13800000" scaled="0"/>
+          </a:gradFill>
+          <a:ln>
+            <a:noFill/>
+          </a:ln>
+        </p:spPr>
+        <p:style>
+          <a:lnRef idx="2">
+            <a:schemeClr val="accent1">
+              <a:shade val="50000"/>
+            </a:schemeClr>
+          </a:lnRef>
+          <a:fillRef idx="1">
+            <a:schemeClr val="accent1"/>
+          </a:fillRef>
+          <a:effectRef idx="0">
+            <a:schemeClr val="accent1"/>
+          </a:effectRef>
+          <a:fontRef idx="minor">
+            <a:schemeClr val="lt1"/>
+          </a:fontRef>
+        </p:style>
+        <p:txBody>
+          <a:bodyPr rtlCol="0" anchor="ctr"/>
+          <a:lstStyle/>
+          <a:p>
+            <a:pPr marL="0" marR="0" lvl="0" indent="0" algn="ctr" defTabSz="914400" rtl="0" eaLnBrk="1" fontAlgn="auto" latinLnBrk="0" hangingPunct="1">
+              <a:lnSpc>
+                <a:spcPct val="100000"/>
+              </a:lnSpc>
+              <a:spcBef>
+                <a:spcPts val="0"/>
+              </a:spcBef>
+              <a:spcAft>
+                <a:spcPts val="0"/>
+              </a:spcAft>
+              <a:buClrTx/>
+              <a:buSzTx/>
+              <a:buFontTx/>
+              <a:buNone/>
+              <a:tabLst/>
+              <a:defRPr/>
+            </a:pPr>
+            <a:endParaRPr kumimoji="0" lang="en-US" sz="1800" b="0" i="0" u="none" strike="noStrike" kern="1200" cap="none" spc="0" normalizeH="0" baseline="0" noProof="0">
+              <a:ln>
+                <a:noFill/>
+              </a:ln>
+              <a:solidFill>
+                <a:prstClr val="white"/>
+              </a:solidFill>
+              <a:effectLst/>
+              <a:uLnTx/>
+              <a:uFillTx/>
+              <a:latin typeface="Calibri" panose="020F0502020204030204"/>
+              <a:ea typeface="+mn-ea"/>
+              <a:cs typeface="+mn-cs"/>
+            </a:endParaRPr>
+          </a:p>
+        </p:txBody>
+      </p:sp>
+      <p:sp>
+        <p:nvSpPr>
+          <p:cNvPr id="14" name="Rectangle 13">
+            <a:extLst>
+              <a:ext uri="{FF2B5EF4-FFF2-40B4-BE49-F238E27FC236}">
+                <a16:creationId xmlns:a16="http://schemas.microsoft.com/office/drawing/2014/main" id="{375E0459-6403-40CD-989D-56A4407CA12E}"/>
+              </a:ext>
+              <a:ext uri="{C183D7F6-B498-43B3-948B-1728B52AA6E4}">
+                <adec:decorative xmlns:adec="http://schemas.microsoft.com/office/drawing/2017/decorative" val="1"/>
+              </a:ext>
+            </a:extLst>
+          </p:cNvPr>
+          <p:cNvSpPr>
+            <a:spLocks noGrp="1" noRot="1" noChangeAspect="1" noMove="1" noResize="1" noEditPoints="1" noAdjustHandles="1" noChangeArrowheads="1" noChangeShapeType="1" noTextEdit="1"/>
+          </p:cNvSpPr>
+          <p:nvPr>
+            <p:extLst>
+              <p:ext uri="{386F3935-93C4-4BCD-93E2-E3B085C9AB24}">
+                <p16:designElem xmlns:p16="http://schemas.microsoft.com/office/powerpoint/2015/main" val="1"/>
+              </p:ext>
+            </p:extLst>
+          </p:nvPr>
+        </p:nvSpPr>
+        <p:spPr>
+          <a:xfrm flipH="1">
+            <a:off x="8115299" y="-1"/>
+            <a:ext cx="4076698" cy="1590742"/>
+          </a:xfrm>
+          <a:prstGeom prst="rect">
+            <a:avLst/>
+          </a:prstGeom>
+          <a:gradFill>
+            <a:gsLst>
+              <a:gs pos="0">
+                <a:schemeClr val="accent1">
+                  <a:alpha val="66000"/>
+                </a:schemeClr>
+              </a:gs>
+              <a:gs pos="100000">
+                <a:srgbClr val="000000">
+                  <a:alpha val="30000"/>
+                </a:srgbClr>
+              </a:gs>
+            </a:gsLst>
+            <a:lin ang="13200000" scaled="0"/>
+          </a:gradFill>
+          <a:ln>
+            <a:noFill/>
+          </a:ln>
+        </p:spPr>
+        <p:style>
+          <a:lnRef idx="2">
+            <a:schemeClr val="accent1">
+              <a:shade val="50000"/>
+            </a:schemeClr>
+          </a:lnRef>
+          <a:fillRef idx="1">
+            <a:schemeClr val="accent1"/>
+          </a:fillRef>
+          <a:effectRef idx="0">
+            <a:schemeClr val="accent1"/>
+          </a:effectRef>
+          <a:fontRef idx="minor">
+            <a:schemeClr val="lt1"/>
+          </a:fontRef>
+        </p:style>
+        <p:txBody>
+          <a:bodyPr rtlCol="0" anchor="ctr"/>
+          <a:lstStyle/>
+          <a:p>
+            <a:pPr marL="0" marR="0" lvl="0" indent="0" algn="ctr" defTabSz="914400" rtl="0" eaLnBrk="1" fontAlgn="auto" latinLnBrk="0" hangingPunct="1">
+              <a:lnSpc>
+                <a:spcPct val="100000"/>
+              </a:lnSpc>
+              <a:spcBef>
+                <a:spcPts val="0"/>
+              </a:spcBef>
+              <a:spcAft>
+                <a:spcPts val="0"/>
+              </a:spcAft>
+              <a:buClrTx/>
+              <a:buSzTx/>
+              <a:buFontTx/>
+              <a:buNone/>
+              <a:tabLst/>
+              <a:defRPr/>
+            </a:pPr>
+            <a:endParaRPr kumimoji="0" lang="en-US" sz="1800" b="0" i="0" u="none" strike="noStrike" kern="1200" cap="none" spc="0" normalizeH="0" baseline="0" noProof="0">
+              <a:ln>
+                <a:noFill/>
+              </a:ln>
+              <a:solidFill>
+                <a:prstClr val="white"/>
+              </a:solidFill>
+              <a:effectLst/>
+              <a:uLnTx/>
+              <a:uFillTx/>
+              <a:latin typeface="Calibri" panose="020F0502020204030204"/>
+              <a:ea typeface="+mn-ea"/>
+              <a:cs typeface="+mn-cs"/>
+            </a:endParaRPr>
+          </a:p>
+        </p:txBody>
+      </p:sp>
+      <p:sp>
+        <p:nvSpPr>
+          <p:cNvPr id="16" name="Rectangle 15">
+            <a:extLst>
+              <a:ext uri="{FF2B5EF4-FFF2-40B4-BE49-F238E27FC236}">
+                <a16:creationId xmlns:a16="http://schemas.microsoft.com/office/drawing/2014/main" id="{53E5B1A8-3AC9-4BD1-9BBC-78CA94F2D1BA}"/>
+              </a:ext>
+              <a:ext uri="{C183D7F6-B498-43B3-948B-1728B52AA6E4}">
+                <adec:decorative xmlns:adec="http://schemas.microsoft.com/office/drawing/2017/decorative" val="1"/>
+              </a:ext>
+            </a:extLst>
+          </p:cNvPr>
+          <p:cNvSpPr>
+            <a:spLocks noGrp="1" noRot="1" noChangeAspect="1" noMove="1" noResize="1" noEditPoints="1" noAdjustHandles="1" noChangeArrowheads="1" noChangeShapeType="1" noTextEdit="1"/>
+          </p:cNvSpPr>
+          <p:nvPr>
+            <p:extLst>
+              <p:ext uri="{386F3935-93C4-4BCD-93E2-E3B085C9AB24}">
+                <p16:designElem xmlns:p16="http://schemas.microsoft.com/office/powerpoint/2015/main" val="1"/>
+              </p:ext>
+            </p:extLst>
+          </p:nvPr>
+        </p:nvSpPr>
+        <p:spPr>
+          <a:xfrm>
+            <a:off x="459350" y="-1"/>
+            <a:ext cx="11732646" cy="1597433"/>
+          </a:xfrm>
+          <a:prstGeom prst="rect">
+            <a:avLst/>
+          </a:prstGeom>
+          <a:gradFill>
+            <a:gsLst>
+              <a:gs pos="50000">
+                <a:srgbClr val="000000">
+                  <a:alpha val="0"/>
+                </a:srgbClr>
+              </a:gs>
+              <a:gs pos="99000">
+                <a:schemeClr val="accent1">
+                  <a:lumMod val="50000"/>
+                  <a:alpha val="52000"/>
+                </a:schemeClr>
+              </a:gs>
+            </a:gsLst>
+            <a:lin ang="16800000" scaled="0"/>
+          </a:gradFill>
+          <a:ln>
+            <a:noFill/>
+          </a:ln>
+        </p:spPr>
+        <p:style>
+          <a:lnRef idx="2">
+            <a:schemeClr val="accent1">
+              <a:shade val="50000"/>
+            </a:schemeClr>
+          </a:lnRef>
+          <a:fillRef idx="1">
+            <a:schemeClr val="accent1"/>
+          </a:fillRef>
+          <a:effectRef idx="0">
+            <a:schemeClr val="accent1"/>
+          </a:effectRef>
+          <a:fontRef idx="minor">
+            <a:schemeClr val="lt1"/>
+          </a:fontRef>
+        </p:style>
+        <p:txBody>
+          <a:bodyPr rtlCol="0" anchor="ctr"/>
+          <a:lstStyle/>
+          <a:p>
+            <a:pPr marL="0" marR="0" lvl="0" indent="0" algn="ctr" defTabSz="914400" rtl="0" eaLnBrk="1" fontAlgn="auto" latinLnBrk="0" hangingPunct="1">
+              <a:lnSpc>
+                <a:spcPct val="100000"/>
+              </a:lnSpc>
+              <a:spcBef>
+                <a:spcPts val="0"/>
+              </a:spcBef>
+              <a:spcAft>
+                <a:spcPts val="0"/>
+              </a:spcAft>
+              <a:buClrTx/>
+              <a:buSzTx/>
+              <a:buFontTx/>
+              <a:buNone/>
+              <a:tabLst/>
+              <a:defRPr/>
+            </a:pPr>
+            <a:endParaRPr kumimoji="0" lang="en-US" sz="1800" b="0" i="0" u="none" strike="noStrike" kern="1200" cap="none" spc="0" normalizeH="0" baseline="0" noProof="0">
+              <a:ln>
+                <a:noFill/>
+              </a:ln>
+              <a:solidFill>
+                <a:prstClr val="white"/>
+              </a:solidFill>
+              <a:effectLst/>
+              <a:uLnTx/>
+              <a:uFillTx/>
+              <a:latin typeface="Calibri" panose="020F0502020204030204"/>
+              <a:ea typeface="+mn-ea"/>
+              <a:cs typeface="+mn-cs"/>
+            </a:endParaRPr>
+          </a:p>
+        </p:txBody>
+      </p:sp>
+      <p:sp>
+        <p:nvSpPr>
+          <p:cNvPr id="2" name="Titolo 1">
+            <a:extLst>
+              <a:ext uri="{FF2B5EF4-FFF2-40B4-BE49-F238E27FC236}">
+                <a16:creationId xmlns:a16="http://schemas.microsoft.com/office/drawing/2014/main" id="{E20A14A1-819F-F54D-8EAE-CED89A39EC53}"/>
+              </a:ext>
+            </a:extLst>
+          </p:cNvPr>
+          <p:cNvSpPr>
+            <a:spLocks noGrp="1"/>
+          </p:cNvSpPr>
+          <p:nvPr>
+            <p:ph type="title"/>
+          </p:nvPr>
+        </p:nvSpPr>
+        <p:spPr>
+          <a:xfrm>
+            <a:off x="1371599" y="294538"/>
+            <a:ext cx="9895951" cy="1033669"/>
+          </a:xfrm>
+        </p:spPr>
+        <p:txBody>
+          <a:bodyPr>
+            <a:normAutofit/>
+          </a:bodyPr>
+          <a:lstStyle/>
+          <a:p>
+            <a:r>
+              <a:rPr lang="it-IT" sz="4000" dirty="0">
+                <a:solidFill>
+                  <a:srgbClr val="FFFFFF"/>
+                </a:solidFill>
+              </a:rPr>
+              <a:t>Cambiamento di coordinate</a:t>
+            </a:r>
+          </a:p>
+        </p:txBody>
+      </p:sp>
+      <p:pic>
+        <p:nvPicPr>
+          <p:cNvPr id="13" name="Immagine 12">
+            <a:extLst>
+              <a:ext uri="{FF2B5EF4-FFF2-40B4-BE49-F238E27FC236}">
+                <a16:creationId xmlns:a16="http://schemas.microsoft.com/office/drawing/2014/main" id="{2D4AD4EA-B5AA-42DC-B0CD-6BF401444295}"/>
+              </a:ext>
+            </a:extLst>
+          </p:cNvPr>
+          <p:cNvPicPr>
+            <a:picLocks noChangeAspect="1"/>
+          </p:cNvPicPr>
+          <p:nvPr/>
+        </p:nvPicPr>
+        <p:blipFill rotWithShape="1">
+          <a:blip r:embed="rId2">
+            <a:extLst>
+              <a:ext uri="{28A0092B-C50C-407E-A947-70E740481C1C}">
+                <a14:useLocalDpi xmlns:a14="http://schemas.microsoft.com/office/drawing/2010/main" val="0"/>
+              </a:ext>
+            </a:extLst>
+          </a:blip>
+          <a:srcRect l="1377" t="586"/>
+          <a:stretch/>
+        </p:blipFill>
+        <p:spPr>
+          <a:xfrm>
+            <a:off x="2152069" y="1753103"/>
+            <a:ext cx="3790019" cy="2340000"/>
+          </a:xfrm>
+          <a:prstGeom prst="rect">
+            <a:avLst/>
+          </a:prstGeom>
+          <a:ln>
+            <a:solidFill>
+              <a:schemeClr val="tx1"/>
+            </a:solidFill>
+          </a:ln>
+        </p:spPr>
+      </p:pic>
+      <p:pic>
+        <p:nvPicPr>
+          <p:cNvPr id="15" name="Immagine 14">
+            <a:extLst>
+              <a:ext uri="{FF2B5EF4-FFF2-40B4-BE49-F238E27FC236}">
+                <a16:creationId xmlns:a16="http://schemas.microsoft.com/office/drawing/2014/main" id="{E945B897-8282-4A00-9763-8057E5DAE8B6}"/>
+              </a:ext>
+            </a:extLst>
+          </p:cNvPr>
+          <p:cNvPicPr>
+            <a:picLocks noChangeAspect="1"/>
+          </p:cNvPicPr>
+          <p:nvPr/>
+        </p:nvPicPr>
+        <p:blipFill rotWithShape="1">
+          <a:blip r:embed="rId3">
+            <a:extLst>
+              <a:ext uri="{28A0092B-C50C-407E-A947-70E740481C1C}">
+                <a14:useLocalDpi xmlns:a14="http://schemas.microsoft.com/office/drawing/2010/main" val="0"/>
+              </a:ext>
+            </a:extLst>
+          </a:blip>
+          <a:srcRect r="1606"/>
+          <a:stretch/>
+        </p:blipFill>
+        <p:spPr>
+          <a:xfrm>
+            <a:off x="6353056" y="1753103"/>
+            <a:ext cx="3790019" cy="2340000"/>
+          </a:xfrm>
+          <a:prstGeom prst="rect">
+            <a:avLst/>
+          </a:prstGeom>
+          <a:ln>
+            <a:solidFill>
+              <a:schemeClr val="tx1"/>
+            </a:solidFill>
+          </a:ln>
+        </p:spPr>
+      </p:pic>
+      <p:pic>
+        <p:nvPicPr>
+          <p:cNvPr id="17" name="Immagine 16">
+            <a:extLst>
+              <a:ext uri="{FF2B5EF4-FFF2-40B4-BE49-F238E27FC236}">
+                <a16:creationId xmlns:a16="http://schemas.microsoft.com/office/drawing/2014/main" id="{C727534B-01E6-409C-9BC2-37B209B17A3C}"/>
+              </a:ext>
+            </a:extLst>
+          </p:cNvPr>
+          <p:cNvPicPr>
+            <a:picLocks noChangeAspect="1"/>
+          </p:cNvPicPr>
+          <p:nvPr/>
+        </p:nvPicPr>
+        <p:blipFill rotWithShape="1">
+          <a:blip r:embed="rId4">
+            <a:extLst>
+              <a:ext uri="{28A0092B-C50C-407E-A947-70E740481C1C}">
+                <a14:useLocalDpi xmlns:a14="http://schemas.microsoft.com/office/drawing/2010/main" val="0"/>
+              </a:ext>
+            </a:extLst>
+          </a:blip>
+          <a:srcRect r="4034"/>
+          <a:stretch/>
+        </p:blipFill>
+        <p:spPr>
+          <a:xfrm>
+            <a:off x="2152070" y="4362328"/>
+            <a:ext cx="3790019" cy="2340000"/>
+          </a:xfrm>
+          <a:prstGeom prst="rect">
+            <a:avLst/>
+          </a:prstGeom>
+          <a:ln>
+            <a:solidFill>
+              <a:schemeClr val="tx1"/>
+            </a:solidFill>
+          </a:ln>
+        </p:spPr>
+      </p:pic>
+      <p:pic>
+        <p:nvPicPr>
+          <p:cNvPr id="18" name="Immagine 17">
+            <a:extLst>
+              <a:ext uri="{FF2B5EF4-FFF2-40B4-BE49-F238E27FC236}">
+                <a16:creationId xmlns:a16="http://schemas.microsoft.com/office/drawing/2014/main" id="{6A012B93-0910-48BD-8C61-059CA2DA3CDC}"/>
+              </a:ext>
+            </a:extLst>
+          </p:cNvPr>
+          <p:cNvPicPr>
+            <a:picLocks noChangeAspect="1"/>
+          </p:cNvPicPr>
+          <p:nvPr/>
+        </p:nvPicPr>
+        <p:blipFill rotWithShape="1">
+          <a:blip r:embed="rId5">
+            <a:extLst>
+              <a:ext uri="{28A0092B-C50C-407E-A947-70E740481C1C}">
+                <a14:useLocalDpi xmlns:a14="http://schemas.microsoft.com/office/drawing/2010/main" val="0"/>
+              </a:ext>
+            </a:extLst>
+          </a:blip>
+          <a:srcRect l="1643" r="7655"/>
+          <a:stretch/>
+        </p:blipFill>
+        <p:spPr>
+          <a:xfrm>
+            <a:off x="6353056" y="4362328"/>
+            <a:ext cx="3790020" cy="2340000"/>
+          </a:xfrm>
+          <a:prstGeom prst="rect">
+            <a:avLst/>
+          </a:prstGeom>
+          <a:ln>
+            <a:solidFill>
+              <a:schemeClr val="tx1"/>
+            </a:solidFill>
+          </a:ln>
+        </p:spPr>
+      </p:pic>
+    </p:spTree>
+    <p:extLst>
+      <p:ext uri="{BB962C8B-B14F-4D97-AF65-F5344CB8AC3E}">
+        <p14:creationId xmlns:p14="http://schemas.microsoft.com/office/powerpoint/2010/main" val="3372540160"/>
+      </p:ext>
+    </p:extLst>
+  </p:cSld>
+  <p:clrMapOvr>
+    <a:masterClrMapping/>
+  </p:clrMapOvr>
+</p:sld>
+</file>
+
+<file path=ppt/slides/slide11.xml><?xml version="1.0" encoding="utf-8"?>
+<p:sld xmlns:a="http://schemas.openxmlformats.org/drawingml/2006/main" xmlns:r="http://schemas.openxmlformats.org/officeDocument/2006/relationships" xmlns:p="http://schemas.openxmlformats.org/presentationml/2006/main">
+  <p:cSld>
+    <p:bg>
+      <p:bgPr>
+        <a:solidFill>
+          <a:schemeClr val="bg1"/>
+        </a:solidFill>
+        <a:effectLst/>
+      </p:bgPr>
+    </p:bg>
+    <p:spTree>
+      <p:nvGrpSpPr>
+        <p:cNvPr id="1" name=""/>
+        <p:cNvGrpSpPr/>
+        <p:nvPr/>
+      </p:nvGrpSpPr>
+      <p:grpSpPr>
+        <a:xfrm>
+          <a:off x="0" y="0"/>
+          <a:ext cx="0" cy="0"/>
+          <a:chOff x="0" y="0"/>
+          <a:chExt cx="0" cy="0"/>
+        </a:xfrm>
+      </p:grpSpPr>
+      <p:sp useBgFill="1">
+        <p:nvSpPr>
           <p:cNvPr id="124" name="Rectangle 115">
             <a:extLst>
               <a:ext uri="{FF2B5EF4-FFF2-40B4-BE49-F238E27FC236}">
@@ -4385,8 +5144,8 @@
         </p:nvSpPr>
         <p:spPr>
           <a:xfrm>
-            <a:off x="699712" y="2017050"/>
-            <a:ext cx="3365999" cy="3970318"/>
+            <a:off x="624690" y="2017050"/>
+            <a:ext cx="3441022" cy="3693319"/>
           </a:xfrm>
           <a:prstGeom prst="rect">
             <a:avLst/>
@@ -4414,7 +5173,7 @@
           <a:p>
             <a:pPr marL="342900" indent="-342900" rtl="0">
               <a:buFont typeface="+mj-lt"/>
-              <a:buAutoNum type="arabicPeriod"/>
+              <a:buAutoNum type="arabicParenR"/>
             </a:pPr>
             <a:r>
               <a:rPr lang="it-IT" dirty="0">
@@ -4428,7 +5187,7 @@
           <a:p>
             <a:pPr marL="342900" indent="-342900" rtl="0">
               <a:buFont typeface="+mj-lt"/>
-              <a:buAutoNum type="arabicPeriod"/>
+              <a:buAutoNum type="arabicParenR"/>
             </a:pPr>
             <a:r>
               <a:rPr lang="it-IT" dirty="0">
@@ -4449,34 +5208,101 @@
                 <a:effectLst/>
                 <a:latin typeface="-apple-system"/>
               </a:rPr>
-              <a:t>-salto: accelerazione più alta dovuta alla rampa ripida, misurato un picco verso il basso. Da qui in poi si misurerà un'accelerazione decrescente.</a:t>
-            </a:r>
-          </a:p>
-          <a:p>
-            <a:pPr marL="342900" indent="-342900" rtl="0">
-              <a:buFont typeface="+mj-lt"/>
-              <a:buAutoNum type="arabicPeriod"/>
-            </a:pPr>
+              <a:t>-salto</a:t>
+            </a:r>
+            <a:r>
+              <a:rPr lang="it-IT">
+                <a:effectLst/>
+                <a:latin typeface="-apple-system"/>
+              </a:rPr>
+              <a:t>: accelerazione misurata </a:t>
+            </a:r>
             <a:r>
               <a:rPr lang="it-IT" dirty="0">
                 <a:effectLst/>
                 <a:latin typeface="-apple-system"/>
               </a:rPr>
-              <a:t>Fase di inizio caduta: raggiunto il punto più alto della gittata l'accelerazione misurata da qui in poi sarà circa 0.</a:t>
-            </a:r>
-          </a:p>
-          <a:p>
-            <a:pPr marL="342900" indent="-342900" rtl="0">
-              <a:buFont typeface="+mj-lt"/>
-              <a:buAutoNum type="arabicPeriod"/>
-            </a:pPr>
+              <a:t>più alta </a:t>
+            </a:r>
+            <a:r>
+              <a:rPr lang="it-IT">
+                <a:effectLst/>
+                <a:latin typeface="-apple-system"/>
+              </a:rPr>
+              <a:t>dovuta rampa </a:t>
+            </a:r>
             <a:r>
               <a:rPr lang="it-IT" dirty="0">
                 <a:effectLst/>
                 <a:latin typeface="-apple-system"/>
               </a:rPr>
-              <a:t>Fase di atterraggio: picco verso il basso.</a:t>
-            </a:r>
+              <a:t>ripida, misurato </a:t>
+            </a:r>
+            <a:r>
+              <a:rPr lang="it-IT">
+                <a:effectLst/>
+                <a:latin typeface="-apple-system"/>
+              </a:rPr>
+              <a:t>un picco. </a:t>
+            </a:r>
+            <a:r>
+              <a:rPr lang="it-IT" dirty="0">
+                <a:effectLst/>
+                <a:latin typeface="-apple-system"/>
+              </a:rPr>
+              <a:t>Da qui in poi si misurerà un'accelerazione decrescente.</a:t>
+            </a:r>
+          </a:p>
+          <a:p>
+            <a:pPr marL="342900" indent="-342900" rtl="0">
+              <a:buFont typeface="+mj-lt"/>
+              <a:buAutoNum type="arabicParenR"/>
+            </a:pPr>
+            <a:r>
+              <a:rPr lang="it-IT" dirty="0">
+                <a:effectLst/>
+                <a:latin typeface="-apple-system"/>
+              </a:rPr>
+              <a:t>Fase di inizio caduta: raggiunto il punto più alto </a:t>
+            </a:r>
+            <a:r>
+              <a:rPr lang="it-IT">
+                <a:effectLst/>
+                <a:latin typeface="-apple-system"/>
+              </a:rPr>
+              <a:t>della traiettoria l'accelerazione </a:t>
+            </a:r>
+            <a:r>
+              <a:rPr lang="it-IT" dirty="0">
+                <a:effectLst/>
+                <a:latin typeface="-apple-system"/>
+              </a:rPr>
+              <a:t>misurata da qui in poi sarà circa 0.</a:t>
+            </a:r>
+          </a:p>
+          <a:p>
+            <a:pPr marL="342900" indent="-342900" rtl="0">
+              <a:buFont typeface="+mj-lt"/>
+              <a:buAutoNum type="arabicParenR"/>
+            </a:pPr>
+            <a:r>
+              <a:rPr lang="it-IT" dirty="0">
+                <a:effectLst/>
+                <a:latin typeface="-apple-system"/>
+              </a:rPr>
+              <a:t>Fase di atterraggio</a:t>
+            </a:r>
+            <a:r>
+              <a:rPr lang="it-IT">
+                <a:effectLst/>
+                <a:latin typeface="-apple-system"/>
+              </a:rPr>
+              <a:t>: misurato un picco in atterraggio.</a:t>
+            </a:r>
+            <a:endParaRPr lang="it-IT" dirty="0">
+              <a:effectLst/>
+              <a:latin typeface="-apple-system"/>
+            </a:endParaRPr>
           </a:p>
         </p:txBody>
       </p:sp>
@@ -4630,508 +5456,6 @@
 </p:sld>
 </file>
 
-<file path=ppt/slides/slide11.xml><?xml version="1.0" encoding="utf-8"?>
-<p:sld xmlns:a="http://schemas.openxmlformats.org/drawingml/2006/main" xmlns:r="http://schemas.openxmlformats.org/officeDocument/2006/relationships" xmlns:p="http://schemas.openxmlformats.org/presentationml/2006/main">
-  <p:cSld>
-    <p:bg>
-      <p:bgPr>
-        <a:solidFill>
-          <a:schemeClr val="bg1"/>
-        </a:solidFill>
-        <a:effectLst/>
-      </p:bgPr>
-    </p:bg>
-    <p:spTree>
-      <p:nvGrpSpPr>
-        <p:cNvPr id="1" name=""/>
-        <p:cNvGrpSpPr/>
-        <p:nvPr/>
-      </p:nvGrpSpPr>
-      <p:grpSpPr>
-        <a:xfrm>
-          <a:off x="0" y="0"/>
-          <a:ext cx="0" cy="0"/>
-          <a:chOff x="0" y="0"/>
-          <a:chExt cx="0" cy="0"/>
-        </a:xfrm>
-      </p:grpSpPr>
-      <p:sp useBgFill="1">
-        <p:nvSpPr>
-          <p:cNvPr id="8" name="Rectangle 7">
-            <a:extLst>
-              <a:ext uri="{FF2B5EF4-FFF2-40B4-BE49-F238E27FC236}">
-                <a16:creationId xmlns:a16="http://schemas.microsoft.com/office/drawing/2014/main" id="{1B15ED52-F352-441B-82BF-E0EA34836D08}"/>
-              </a:ext>
-              <a:ext uri="{C183D7F6-B498-43B3-948B-1728B52AA6E4}">
-                <adec:decorative xmlns:adec="http://schemas.microsoft.com/office/drawing/2017/decorative" val="1"/>
-              </a:ext>
-            </a:extLst>
-          </p:cNvPr>
-          <p:cNvSpPr>
-            <a:spLocks noGrp="1" noRot="1" noChangeAspect="1" noMove="1" noResize="1" noEditPoints="1" noAdjustHandles="1" noChangeArrowheads="1" noChangeShapeType="1" noTextEdit="1"/>
-          </p:cNvSpPr>
-          <p:nvPr>
-            <p:extLst>
-              <p:ext uri="{386F3935-93C4-4BCD-93E2-E3B085C9AB24}">
-                <p16:designElem xmlns:p16="http://schemas.microsoft.com/office/powerpoint/2015/main" val="1"/>
-              </p:ext>
-            </p:extLst>
-          </p:nvPr>
-        </p:nvSpPr>
-        <p:spPr>
-          <a:xfrm>
-            <a:off x="0" y="0"/>
-            <a:ext cx="12192000" cy="6858000"/>
-          </a:xfrm>
-          <a:prstGeom prst="rect">
-            <a:avLst/>
-          </a:prstGeom>
-          <a:ln w="12700" cap="flat" cmpd="sng" algn="ctr">
-            <a:noFill/>
-            <a:prstDash val="solid"/>
-            <a:miter lim="800000"/>
-          </a:ln>
-          <a:effectLst/>
-          <a:extLst>
-            <a:ext uri="{91240B29-F687-4F45-9708-019B960494DF}">
-              <a14:hiddenLine xmlns:a14="http://schemas.microsoft.com/office/drawing/2010/main" w="12700" cap="flat" cmpd="sng" algn="ctr">
-                <a:solidFill>
-                  <a:schemeClr val="accent1">
-                    <a:shade val="50000"/>
-                  </a:schemeClr>
-                </a:solidFill>
-                <a:prstDash val="solid"/>
-                <a:miter lim="800000"/>
-              </a14:hiddenLine>
-            </a:ext>
-          </a:extLst>
-        </p:spPr>
-        <p:style>
-          <a:lnRef idx="2">
-            <a:schemeClr val="accent1">
-              <a:shade val="50000"/>
-            </a:schemeClr>
-          </a:lnRef>
-          <a:fillRef idx="1">
-            <a:schemeClr val="accent1"/>
-          </a:fillRef>
-          <a:effectRef idx="0">
-            <a:schemeClr val="accent1"/>
-          </a:effectRef>
-          <a:fontRef idx="minor">
-            <a:schemeClr val="lt1"/>
-          </a:fontRef>
-        </p:style>
-        <p:txBody>
-          <a:bodyPr rtlCol="0" anchor="ctr"/>
-          <a:lstStyle/>
-          <a:p>
-            <a:pPr algn="ctr"/>
-            <a:endParaRPr lang="en-US"/>
-          </a:p>
-        </p:txBody>
-      </p:sp>
-      <p:sp>
-        <p:nvSpPr>
-          <p:cNvPr id="10" name="Rectangle 9">
-            <a:extLst>
-              <a:ext uri="{FF2B5EF4-FFF2-40B4-BE49-F238E27FC236}">
-                <a16:creationId xmlns:a16="http://schemas.microsoft.com/office/drawing/2014/main" id="{3B2E3793-BFE6-45A2-9B7B-E18844431C99}"/>
-              </a:ext>
-              <a:ext uri="{C183D7F6-B498-43B3-948B-1728B52AA6E4}">
-                <adec:decorative xmlns:adec="http://schemas.microsoft.com/office/drawing/2017/decorative" val="1"/>
-              </a:ext>
-            </a:extLst>
-          </p:cNvPr>
-          <p:cNvSpPr>
-            <a:spLocks noGrp="1" noRot="1" noChangeAspect="1" noMove="1" noResize="1" noEditPoints="1" noAdjustHandles="1" noChangeArrowheads="1" noChangeShapeType="1" noTextEdit="1"/>
-          </p:cNvSpPr>
-          <p:nvPr>
-            <p:extLst>
-              <p:ext uri="{386F3935-93C4-4BCD-93E2-E3B085C9AB24}">
-                <p16:designElem xmlns:p16="http://schemas.microsoft.com/office/powerpoint/2015/main" val="1"/>
-              </p:ext>
-            </p:extLst>
-          </p:nvPr>
-        </p:nvSpPr>
-        <p:spPr>
-          <a:xfrm flipH="1">
-            <a:off x="-1" y="-1"/>
-            <a:ext cx="12191998" cy="1590742"/>
-          </a:xfrm>
-          <a:prstGeom prst="rect">
-            <a:avLst/>
-          </a:prstGeom>
-          <a:gradFill>
-            <a:gsLst>
-              <a:gs pos="0">
-                <a:srgbClr val="000000"/>
-              </a:gs>
-              <a:gs pos="100000">
-                <a:schemeClr val="accent1">
-                  <a:lumMod val="75000"/>
-                </a:schemeClr>
-              </a:gs>
-            </a:gsLst>
-            <a:lin ang="8400000" scaled="0"/>
-          </a:gradFill>
-          <a:ln>
-            <a:noFill/>
-          </a:ln>
-        </p:spPr>
-        <p:style>
-          <a:lnRef idx="2">
-            <a:schemeClr val="accent1">
-              <a:shade val="50000"/>
-            </a:schemeClr>
-          </a:lnRef>
-          <a:fillRef idx="1">
-            <a:schemeClr val="accent1"/>
-          </a:fillRef>
-          <a:effectRef idx="0">
-            <a:schemeClr val="accent1"/>
-          </a:effectRef>
-          <a:fontRef idx="minor">
-            <a:schemeClr val="lt1"/>
-          </a:fontRef>
-        </p:style>
-        <p:txBody>
-          <a:bodyPr rtlCol="0" anchor="ctr"/>
-          <a:lstStyle/>
-          <a:p>
-            <a:pPr algn="ctr"/>
-            <a:endParaRPr lang="en-US"/>
-          </a:p>
-        </p:txBody>
-      </p:sp>
-      <p:sp>
-        <p:nvSpPr>
-          <p:cNvPr id="12" name="Rectangle 11">
-            <a:extLst>
-              <a:ext uri="{FF2B5EF4-FFF2-40B4-BE49-F238E27FC236}">
-                <a16:creationId xmlns:a16="http://schemas.microsoft.com/office/drawing/2014/main" id="{BC4C4868-CB8F-4AF9-9CDB-8108F2C19B67}"/>
-              </a:ext>
-              <a:ext uri="{C183D7F6-B498-43B3-948B-1728B52AA6E4}">
-                <adec:decorative xmlns:adec="http://schemas.microsoft.com/office/drawing/2017/decorative" val="1"/>
-              </a:ext>
-            </a:extLst>
-          </p:cNvPr>
-          <p:cNvSpPr>
-            <a:spLocks noGrp="1" noRot="1" noChangeAspect="1" noMove="1" noResize="1" noEditPoints="1" noAdjustHandles="1" noChangeArrowheads="1" noChangeShapeType="1" noTextEdit="1"/>
-          </p:cNvSpPr>
-          <p:nvPr>
-            <p:extLst>
-              <p:ext uri="{386F3935-93C4-4BCD-93E2-E3B085C9AB24}">
-                <p16:designElem xmlns:p16="http://schemas.microsoft.com/office/powerpoint/2015/main" val="1"/>
-              </p:ext>
-            </p:extLst>
-          </p:nvPr>
-        </p:nvSpPr>
-        <p:spPr>
-          <a:xfrm rot="10800000" flipH="1">
-            <a:off x="-3" y="0"/>
-            <a:ext cx="8115306" cy="1590742"/>
-          </a:xfrm>
-          <a:prstGeom prst="rect">
-            <a:avLst/>
-          </a:prstGeom>
-          <a:gradFill>
-            <a:gsLst>
-              <a:gs pos="20000">
-                <a:schemeClr val="accent1">
-                  <a:alpha val="0"/>
-                </a:schemeClr>
-              </a:gs>
-              <a:gs pos="100000">
-                <a:schemeClr val="accent1">
-                  <a:lumMod val="50000"/>
-                  <a:alpha val="55000"/>
-                </a:schemeClr>
-              </a:gs>
-            </a:gsLst>
-            <a:lin ang="13800000" scaled="0"/>
-          </a:gradFill>
-          <a:ln>
-            <a:noFill/>
-          </a:ln>
-        </p:spPr>
-        <p:style>
-          <a:lnRef idx="2">
-            <a:schemeClr val="accent1">
-              <a:shade val="50000"/>
-            </a:schemeClr>
-          </a:lnRef>
-          <a:fillRef idx="1">
-            <a:schemeClr val="accent1"/>
-          </a:fillRef>
-          <a:effectRef idx="0">
-            <a:schemeClr val="accent1"/>
-          </a:effectRef>
-          <a:fontRef idx="minor">
-            <a:schemeClr val="lt1"/>
-          </a:fontRef>
-        </p:style>
-        <p:txBody>
-          <a:bodyPr rtlCol="0" anchor="ctr"/>
-          <a:lstStyle/>
-          <a:p>
-            <a:pPr algn="ctr"/>
-            <a:endParaRPr lang="en-US"/>
-          </a:p>
-        </p:txBody>
-      </p:sp>
-      <p:sp>
-        <p:nvSpPr>
-          <p:cNvPr id="14" name="Rectangle 13">
-            <a:extLst>
-              <a:ext uri="{FF2B5EF4-FFF2-40B4-BE49-F238E27FC236}">
-                <a16:creationId xmlns:a16="http://schemas.microsoft.com/office/drawing/2014/main" id="{375E0459-6403-40CD-989D-56A4407CA12E}"/>
-              </a:ext>
-              <a:ext uri="{C183D7F6-B498-43B3-948B-1728B52AA6E4}">
-                <adec:decorative xmlns:adec="http://schemas.microsoft.com/office/drawing/2017/decorative" val="1"/>
-              </a:ext>
-            </a:extLst>
-          </p:cNvPr>
-          <p:cNvSpPr>
-            <a:spLocks noGrp="1" noRot="1" noChangeAspect="1" noMove="1" noResize="1" noEditPoints="1" noAdjustHandles="1" noChangeArrowheads="1" noChangeShapeType="1" noTextEdit="1"/>
-          </p:cNvSpPr>
-          <p:nvPr>
-            <p:extLst>
-              <p:ext uri="{386F3935-93C4-4BCD-93E2-E3B085C9AB24}">
-                <p16:designElem xmlns:p16="http://schemas.microsoft.com/office/powerpoint/2015/main" val="1"/>
-              </p:ext>
-            </p:extLst>
-          </p:nvPr>
-        </p:nvSpPr>
-        <p:spPr>
-          <a:xfrm flipH="1">
-            <a:off x="8115299" y="-1"/>
-            <a:ext cx="4076698" cy="1590742"/>
-          </a:xfrm>
-          <a:prstGeom prst="rect">
-            <a:avLst/>
-          </a:prstGeom>
-          <a:gradFill>
-            <a:gsLst>
-              <a:gs pos="0">
-                <a:schemeClr val="accent1">
-                  <a:alpha val="66000"/>
-                </a:schemeClr>
-              </a:gs>
-              <a:gs pos="100000">
-                <a:srgbClr val="000000">
-                  <a:alpha val="30000"/>
-                </a:srgbClr>
-              </a:gs>
-            </a:gsLst>
-            <a:lin ang="13200000" scaled="0"/>
-          </a:gradFill>
-          <a:ln>
-            <a:noFill/>
-          </a:ln>
-        </p:spPr>
-        <p:style>
-          <a:lnRef idx="2">
-            <a:schemeClr val="accent1">
-              <a:shade val="50000"/>
-            </a:schemeClr>
-          </a:lnRef>
-          <a:fillRef idx="1">
-            <a:schemeClr val="accent1"/>
-          </a:fillRef>
-          <a:effectRef idx="0">
-            <a:schemeClr val="accent1"/>
-          </a:effectRef>
-          <a:fontRef idx="minor">
-            <a:schemeClr val="lt1"/>
-          </a:fontRef>
-        </p:style>
-        <p:txBody>
-          <a:bodyPr rtlCol="0" anchor="ctr"/>
-          <a:lstStyle/>
-          <a:p>
-            <a:pPr algn="ctr"/>
-            <a:endParaRPr lang="en-US"/>
-          </a:p>
-        </p:txBody>
-      </p:sp>
-      <p:sp>
-        <p:nvSpPr>
-          <p:cNvPr id="16" name="Rectangle 15">
-            <a:extLst>
-              <a:ext uri="{FF2B5EF4-FFF2-40B4-BE49-F238E27FC236}">
-                <a16:creationId xmlns:a16="http://schemas.microsoft.com/office/drawing/2014/main" id="{53E5B1A8-3AC9-4BD1-9BBC-78CA94F2D1BA}"/>
-              </a:ext>
-              <a:ext uri="{C183D7F6-B498-43B3-948B-1728B52AA6E4}">
-                <adec:decorative xmlns:adec="http://schemas.microsoft.com/office/drawing/2017/decorative" val="1"/>
-              </a:ext>
-            </a:extLst>
-          </p:cNvPr>
-          <p:cNvSpPr>
-            <a:spLocks noGrp="1" noRot="1" noChangeAspect="1" noMove="1" noResize="1" noEditPoints="1" noAdjustHandles="1" noChangeArrowheads="1" noChangeShapeType="1" noTextEdit="1"/>
-          </p:cNvSpPr>
-          <p:nvPr>
-            <p:extLst>
-              <p:ext uri="{386F3935-93C4-4BCD-93E2-E3B085C9AB24}">
-                <p16:designElem xmlns:p16="http://schemas.microsoft.com/office/powerpoint/2015/main" val="1"/>
-              </p:ext>
-            </p:extLst>
-          </p:nvPr>
-        </p:nvSpPr>
-        <p:spPr>
-          <a:xfrm>
-            <a:off x="459350" y="-1"/>
-            <a:ext cx="11732646" cy="1597433"/>
-          </a:xfrm>
-          <a:prstGeom prst="rect">
-            <a:avLst/>
-          </a:prstGeom>
-          <a:gradFill>
-            <a:gsLst>
-              <a:gs pos="50000">
-                <a:srgbClr val="000000">
-                  <a:alpha val="0"/>
-                </a:srgbClr>
-              </a:gs>
-              <a:gs pos="99000">
-                <a:schemeClr val="accent1">
-                  <a:lumMod val="50000"/>
-                  <a:alpha val="52000"/>
-                </a:schemeClr>
-              </a:gs>
-            </a:gsLst>
-            <a:lin ang="16800000" scaled="0"/>
-          </a:gradFill>
-          <a:ln>
-            <a:noFill/>
-          </a:ln>
-        </p:spPr>
-        <p:style>
-          <a:lnRef idx="2">
-            <a:schemeClr val="accent1">
-              <a:shade val="50000"/>
-            </a:schemeClr>
-          </a:lnRef>
-          <a:fillRef idx="1">
-            <a:schemeClr val="accent1"/>
-          </a:fillRef>
-          <a:effectRef idx="0">
-            <a:schemeClr val="accent1"/>
-          </a:effectRef>
-          <a:fontRef idx="minor">
-            <a:schemeClr val="lt1"/>
-          </a:fontRef>
-        </p:style>
-        <p:txBody>
-          <a:bodyPr rtlCol="0" anchor="ctr"/>
-          <a:lstStyle/>
-          <a:p>
-            <a:pPr algn="ctr"/>
-            <a:endParaRPr lang="en-US"/>
-          </a:p>
-        </p:txBody>
-      </p:sp>
-      <p:sp>
-        <p:nvSpPr>
-          <p:cNvPr id="2" name="Titolo 1">
-            <a:extLst>
-              <a:ext uri="{FF2B5EF4-FFF2-40B4-BE49-F238E27FC236}">
-                <a16:creationId xmlns:a16="http://schemas.microsoft.com/office/drawing/2014/main" id="{02228E2B-B6A8-0620-C14E-21AE13883A55}"/>
-              </a:ext>
-            </a:extLst>
-          </p:cNvPr>
-          <p:cNvSpPr>
-            <a:spLocks noGrp="1"/>
-          </p:cNvSpPr>
-          <p:nvPr>
-            <p:ph type="title"/>
-          </p:nvPr>
-        </p:nvSpPr>
-        <p:spPr>
-          <a:xfrm>
-            <a:off x="1371599" y="294538"/>
-            <a:ext cx="9895951" cy="1033669"/>
-          </a:xfrm>
-        </p:spPr>
-        <p:txBody>
-          <a:bodyPr>
-            <a:normAutofit/>
-          </a:bodyPr>
-          <a:lstStyle/>
-          <a:p>
-            <a:r>
-              <a:rPr lang="it-IT" sz="4000" dirty="0">
-                <a:solidFill>
-                  <a:srgbClr val="FFFFFF"/>
-                </a:solidFill>
-              </a:rPr>
-              <a:t>Gerarchia delle classi</a:t>
-            </a:r>
-          </a:p>
-        </p:txBody>
-      </p:sp>
-      <p:sp>
-        <p:nvSpPr>
-          <p:cNvPr id="3" name="Segnaposto contenuto 2">
-            <a:extLst>
-              <a:ext uri="{FF2B5EF4-FFF2-40B4-BE49-F238E27FC236}">
-                <a16:creationId xmlns:a16="http://schemas.microsoft.com/office/drawing/2014/main" id="{0BC732F3-5C81-7C85-BE24-576EA102184E}"/>
-              </a:ext>
-            </a:extLst>
-          </p:cNvPr>
-          <p:cNvSpPr>
-            <a:spLocks noGrp="1"/>
-          </p:cNvSpPr>
-          <p:nvPr>
-            <p:ph idx="1"/>
-          </p:nvPr>
-        </p:nvSpPr>
-        <p:spPr>
-          <a:xfrm>
-            <a:off x="1371599" y="2318197"/>
-            <a:ext cx="9724031" cy="3683358"/>
-          </a:xfrm>
-        </p:spPr>
-        <p:style>
-          <a:lnRef idx="2">
-            <a:schemeClr val="accent1"/>
-          </a:lnRef>
-          <a:fillRef idx="1">
-            <a:schemeClr val="lt1"/>
-          </a:fillRef>
-          <a:effectRef idx="0">
-            <a:schemeClr val="accent1"/>
-          </a:effectRef>
-          <a:fontRef idx="minor">
-            <a:schemeClr val="dk1"/>
-          </a:fontRef>
-        </p:style>
-        <p:txBody>
-          <a:bodyPr anchor="ctr">
-            <a:normAutofit/>
-          </a:bodyPr>
-          <a:lstStyle/>
-          <a:p>
-            <a:pPr marL="0" indent="0">
-              <a:buNone/>
-            </a:pPr>
-            <a:endParaRPr lang="it-IT" sz="2000" dirty="0"/>
-          </a:p>
-        </p:txBody>
-      </p:sp>
-    </p:spTree>
-    <p:extLst>
-      <p:ext uri="{BB962C8B-B14F-4D97-AF65-F5344CB8AC3E}">
-        <p14:creationId xmlns:p14="http://schemas.microsoft.com/office/powerpoint/2010/main" val="3618204561"/>
-      </p:ext>
-    </p:extLst>
-  </p:cSld>
-  <p:clrMapOvr>
-    <a:masterClrMapping/>
-  </p:clrMapOvr>
-</p:sld>
-</file>
-
 <file path=ppt/slides/slide12.xml><?xml version="1.0" encoding="utf-8"?>
 <p:sld xmlns:a="http://schemas.openxmlformats.org/drawingml/2006/main" xmlns:r="http://schemas.openxmlformats.org/officeDocument/2006/relationships" xmlns:p="http://schemas.openxmlformats.org/presentationml/2006/main">
   <p:cSld>
@@ -5538,6 +5862,508 @@
           <p:cNvPr id="2" name="Titolo 1">
             <a:extLst>
               <a:ext uri="{FF2B5EF4-FFF2-40B4-BE49-F238E27FC236}">
+                <a16:creationId xmlns:a16="http://schemas.microsoft.com/office/drawing/2014/main" id="{02228E2B-B6A8-0620-C14E-21AE13883A55}"/>
+              </a:ext>
+            </a:extLst>
+          </p:cNvPr>
+          <p:cNvSpPr>
+            <a:spLocks noGrp="1"/>
+          </p:cNvSpPr>
+          <p:nvPr>
+            <p:ph type="title"/>
+          </p:nvPr>
+        </p:nvSpPr>
+        <p:spPr>
+          <a:xfrm>
+            <a:off x="1371599" y="294538"/>
+            <a:ext cx="9895951" cy="1033669"/>
+          </a:xfrm>
+        </p:spPr>
+        <p:txBody>
+          <a:bodyPr>
+            <a:normAutofit/>
+          </a:bodyPr>
+          <a:lstStyle/>
+          <a:p>
+            <a:r>
+              <a:rPr lang="it-IT" sz="4000" dirty="0">
+                <a:solidFill>
+                  <a:srgbClr val="FFFFFF"/>
+                </a:solidFill>
+              </a:rPr>
+              <a:t>Gerarchia delle classi</a:t>
+            </a:r>
+          </a:p>
+        </p:txBody>
+      </p:sp>
+      <p:sp>
+        <p:nvSpPr>
+          <p:cNvPr id="3" name="Segnaposto contenuto 2">
+            <a:extLst>
+              <a:ext uri="{FF2B5EF4-FFF2-40B4-BE49-F238E27FC236}">
+                <a16:creationId xmlns:a16="http://schemas.microsoft.com/office/drawing/2014/main" id="{0BC732F3-5C81-7C85-BE24-576EA102184E}"/>
+              </a:ext>
+            </a:extLst>
+          </p:cNvPr>
+          <p:cNvSpPr>
+            <a:spLocks noGrp="1"/>
+          </p:cNvSpPr>
+          <p:nvPr>
+            <p:ph idx="1"/>
+          </p:nvPr>
+        </p:nvSpPr>
+        <p:spPr>
+          <a:xfrm>
+            <a:off x="1371599" y="2318197"/>
+            <a:ext cx="9724031" cy="3683358"/>
+          </a:xfrm>
+        </p:spPr>
+        <p:style>
+          <a:lnRef idx="2">
+            <a:schemeClr val="accent1"/>
+          </a:lnRef>
+          <a:fillRef idx="1">
+            <a:schemeClr val="lt1"/>
+          </a:fillRef>
+          <a:effectRef idx="0">
+            <a:schemeClr val="accent1"/>
+          </a:effectRef>
+          <a:fontRef idx="minor">
+            <a:schemeClr val="dk1"/>
+          </a:fontRef>
+        </p:style>
+        <p:txBody>
+          <a:bodyPr anchor="ctr">
+            <a:normAutofit/>
+          </a:bodyPr>
+          <a:lstStyle/>
+          <a:p>
+            <a:pPr marL="0" indent="0">
+              <a:buNone/>
+            </a:pPr>
+            <a:endParaRPr lang="it-IT" sz="2000" dirty="0"/>
+          </a:p>
+        </p:txBody>
+      </p:sp>
+    </p:spTree>
+    <p:extLst>
+      <p:ext uri="{BB962C8B-B14F-4D97-AF65-F5344CB8AC3E}">
+        <p14:creationId xmlns:p14="http://schemas.microsoft.com/office/powerpoint/2010/main" val="3618204561"/>
+      </p:ext>
+    </p:extLst>
+  </p:cSld>
+  <p:clrMapOvr>
+    <a:masterClrMapping/>
+  </p:clrMapOvr>
+</p:sld>
+</file>
+
+<file path=ppt/slides/slide13.xml><?xml version="1.0" encoding="utf-8"?>
+<p:sld xmlns:a="http://schemas.openxmlformats.org/drawingml/2006/main" xmlns:r="http://schemas.openxmlformats.org/officeDocument/2006/relationships" xmlns:p="http://schemas.openxmlformats.org/presentationml/2006/main">
+  <p:cSld>
+    <p:bg>
+      <p:bgPr>
+        <a:solidFill>
+          <a:schemeClr val="bg1"/>
+        </a:solidFill>
+        <a:effectLst/>
+      </p:bgPr>
+    </p:bg>
+    <p:spTree>
+      <p:nvGrpSpPr>
+        <p:cNvPr id="1" name=""/>
+        <p:cNvGrpSpPr/>
+        <p:nvPr/>
+      </p:nvGrpSpPr>
+      <p:grpSpPr>
+        <a:xfrm>
+          <a:off x="0" y="0"/>
+          <a:ext cx="0" cy="0"/>
+          <a:chOff x="0" y="0"/>
+          <a:chExt cx="0" cy="0"/>
+        </a:xfrm>
+      </p:grpSpPr>
+      <p:sp useBgFill="1">
+        <p:nvSpPr>
+          <p:cNvPr id="8" name="Rectangle 7">
+            <a:extLst>
+              <a:ext uri="{FF2B5EF4-FFF2-40B4-BE49-F238E27FC236}">
+                <a16:creationId xmlns:a16="http://schemas.microsoft.com/office/drawing/2014/main" id="{1B15ED52-F352-441B-82BF-E0EA34836D08}"/>
+              </a:ext>
+              <a:ext uri="{C183D7F6-B498-43B3-948B-1728B52AA6E4}">
+                <adec:decorative xmlns:adec="http://schemas.microsoft.com/office/drawing/2017/decorative" val="1"/>
+              </a:ext>
+            </a:extLst>
+          </p:cNvPr>
+          <p:cNvSpPr>
+            <a:spLocks noGrp="1" noRot="1" noChangeAspect="1" noMove="1" noResize="1" noEditPoints="1" noAdjustHandles="1" noChangeArrowheads="1" noChangeShapeType="1" noTextEdit="1"/>
+          </p:cNvSpPr>
+          <p:nvPr>
+            <p:extLst>
+              <p:ext uri="{386F3935-93C4-4BCD-93E2-E3B085C9AB24}">
+                <p16:designElem xmlns:p16="http://schemas.microsoft.com/office/powerpoint/2015/main" val="1"/>
+              </p:ext>
+            </p:extLst>
+          </p:nvPr>
+        </p:nvSpPr>
+        <p:spPr>
+          <a:xfrm>
+            <a:off x="0" y="0"/>
+            <a:ext cx="12192000" cy="6858000"/>
+          </a:xfrm>
+          <a:prstGeom prst="rect">
+            <a:avLst/>
+          </a:prstGeom>
+          <a:ln w="12700" cap="flat" cmpd="sng" algn="ctr">
+            <a:noFill/>
+            <a:prstDash val="solid"/>
+            <a:miter lim="800000"/>
+          </a:ln>
+          <a:effectLst/>
+          <a:extLst>
+            <a:ext uri="{91240B29-F687-4F45-9708-019B960494DF}">
+              <a14:hiddenLine xmlns:a14="http://schemas.microsoft.com/office/drawing/2010/main" w="12700" cap="flat" cmpd="sng" algn="ctr">
+                <a:solidFill>
+                  <a:schemeClr val="accent1">
+                    <a:shade val="50000"/>
+                  </a:schemeClr>
+                </a:solidFill>
+                <a:prstDash val="solid"/>
+                <a:miter lim="800000"/>
+              </a14:hiddenLine>
+            </a:ext>
+          </a:extLst>
+        </p:spPr>
+        <p:style>
+          <a:lnRef idx="2">
+            <a:schemeClr val="accent1">
+              <a:shade val="50000"/>
+            </a:schemeClr>
+          </a:lnRef>
+          <a:fillRef idx="1">
+            <a:schemeClr val="accent1"/>
+          </a:fillRef>
+          <a:effectRef idx="0">
+            <a:schemeClr val="accent1"/>
+          </a:effectRef>
+          <a:fontRef idx="minor">
+            <a:schemeClr val="lt1"/>
+          </a:fontRef>
+        </p:style>
+        <p:txBody>
+          <a:bodyPr rtlCol="0" anchor="ctr"/>
+          <a:lstStyle/>
+          <a:p>
+            <a:pPr algn="ctr"/>
+            <a:endParaRPr lang="en-US"/>
+          </a:p>
+        </p:txBody>
+      </p:sp>
+      <p:sp>
+        <p:nvSpPr>
+          <p:cNvPr id="10" name="Rectangle 9">
+            <a:extLst>
+              <a:ext uri="{FF2B5EF4-FFF2-40B4-BE49-F238E27FC236}">
+                <a16:creationId xmlns:a16="http://schemas.microsoft.com/office/drawing/2014/main" id="{3B2E3793-BFE6-45A2-9B7B-E18844431C99}"/>
+              </a:ext>
+              <a:ext uri="{C183D7F6-B498-43B3-948B-1728B52AA6E4}">
+                <adec:decorative xmlns:adec="http://schemas.microsoft.com/office/drawing/2017/decorative" val="1"/>
+              </a:ext>
+            </a:extLst>
+          </p:cNvPr>
+          <p:cNvSpPr>
+            <a:spLocks noGrp="1" noRot="1" noChangeAspect="1" noMove="1" noResize="1" noEditPoints="1" noAdjustHandles="1" noChangeArrowheads="1" noChangeShapeType="1" noTextEdit="1"/>
+          </p:cNvSpPr>
+          <p:nvPr>
+            <p:extLst>
+              <p:ext uri="{386F3935-93C4-4BCD-93E2-E3B085C9AB24}">
+                <p16:designElem xmlns:p16="http://schemas.microsoft.com/office/powerpoint/2015/main" val="1"/>
+              </p:ext>
+            </p:extLst>
+          </p:nvPr>
+        </p:nvSpPr>
+        <p:spPr>
+          <a:xfrm flipH="1">
+            <a:off x="-1" y="-1"/>
+            <a:ext cx="12191998" cy="1590742"/>
+          </a:xfrm>
+          <a:prstGeom prst="rect">
+            <a:avLst/>
+          </a:prstGeom>
+          <a:gradFill>
+            <a:gsLst>
+              <a:gs pos="0">
+                <a:srgbClr val="000000"/>
+              </a:gs>
+              <a:gs pos="100000">
+                <a:schemeClr val="accent1">
+                  <a:lumMod val="75000"/>
+                </a:schemeClr>
+              </a:gs>
+            </a:gsLst>
+            <a:lin ang="8400000" scaled="0"/>
+          </a:gradFill>
+          <a:ln>
+            <a:noFill/>
+          </a:ln>
+        </p:spPr>
+        <p:style>
+          <a:lnRef idx="2">
+            <a:schemeClr val="accent1">
+              <a:shade val="50000"/>
+            </a:schemeClr>
+          </a:lnRef>
+          <a:fillRef idx="1">
+            <a:schemeClr val="accent1"/>
+          </a:fillRef>
+          <a:effectRef idx="0">
+            <a:schemeClr val="accent1"/>
+          </a:effectRef>
+          <a:fontRef idx="minor">
+            <a:schemeClr val="lt1"/>
+          </a:fontRef>
+        </p:style>
+        <p:txBody>
+          <a:bodyPr rtlCol="0" anchor="ctr"/>
+          <a:lstStyle/>
+          <a:p>
+            <a:pPr algn="ctr"/>
+            <a:endParaRPr lang="en-US"/>
+          </a:p>
+        </p:txBody>
+      </p:sp>
+      <p:sp>
+        <p:nvSpPr>
+          <p:cNvPr id="12" name="Rectangle 11">
+            <a:extLst>
+              <a:ext uri="{FF2B5EF4-FFF2-40B4-BE49-F238E27FC236}">
+                <a16:creationId xmlns:a16="http://schemas.microsoft.com/office/drawing/2014/main" id="{BC4C4868-CB8F-4AF9-9CDB-8108F2C19B67}"/>
+              </a:ext>
+              <a:ext uri="{C183D7F6-B498-43B3-948B-1728B52AA6E4}">
+                <adec:decorative xmlns:adec="http://schemas.microsoft.com/office/drawing/2017/decorative" val="1"/>
+              </a:ext>
+            </a:extLst>
+          </p:cNvPr>
+          <p:cNvSpPr>
+            <a:spLocks noGrp="1" noRot="1" noChangeAspect="1" noMove="1" noResize="1" noEditPoints="1" noAdjustHandles="1" noChangeArrowheads="1" noChangeShapeType="1" noTextEdit="1"/>
+          </p:cNvSpPr>
+          <p:nvPr>
+            <p:extLst>
+              <p:ext uri="{386F3935-93C4-4BCD-93E2-E3B085C9AB24}">
+                <p16:designElem xmlns:p16="http://schemas.microsoft.com/office/powerpoint/2015/main" val="1"/>
+              </p:ext>
+            </p:extLst>
+          </p:nvPr>
+        </p:nvSpPr>
+        <p:spPr>
+          <a:xfrm rot="10800000" flipH="1">
+            <a:off x="-3" y="0"/>
+            <a:ext cx="8115306" cy="1590742"/>
+          </a:xfrm>
+          <a:prstGeom prst="rect">
+            <a:avLst/>
+          </a:prstGeom>
+          <a:gradFill>
+            <a:gsLst>
+              <a:gs pos="20000">
+                <a:schemeClr val="accent1">
+                  <a:alpha val="0"/>
+                </a:schemeClr>
+              </a:gs>
+              <a:gs pos="100000">
+                <a:schemeClr val="accent1">
+                  <a:lumMod val="50000"/>
+                  <a:alpha val="55000"/>
+                </a:schemeClr>
+              </a:gs>
+            </a:gsLst>
+            <a:lin ang="13800000" scaled="0"/>
+          </a:gradFill>
+          <a:ln>
+            <a:noFill/>
+          </a:ln>
+        </p:spPr>
+        <p:style>
+          <a:lnRef idx="2">
+            <a:schemeClr val="accent1">
+              <a:shade val="50000"/>
+            </a:schemeClr>
+          </a:lnRef>
+          <a:fillRef idx="1">
+            <a:schemeClr val="accent1"/>
+          </a:fillRef>
+          <a:effectRef idx="0">
+            <a:schemeClr val="accent1"/>
+          </a:effectRef>
+          <a:fontRef idx="minor">
+            <a:schemeClr val="lt1"/>
+          </a:fontRef>
+        </p:style>
+        <p:txBody>
+          <a:bodyPr rtlCol="0" anchor="ctr"/>
+          <a:lstStyle/>
+          <a:p>
+            <a:pPr algn="ctr"/>
+            <a:endParaRPr lang="en-US"/>
+          </a:p>
+        </p:txBody>
+      </p:sp>
+      <p:sp>
+        <p:nvSpPr>
+          <p:cNvPr id="14" name="Rectangle 13">
+            <a:extLst>
+              <a:ext uri="{FF2B5EF4-FFF2-40B4-BE49-F238E27FC236}">
+                <a16:creationId xmlns:a16="http://schemas.microsoft.com/office/drawing/2014/main" id="{375E0459-6403-40CD-989D-56A4407CA12E}"/>
+              </a:ext>
+              <a:ext uri="{C183D7F6-B498-43B3-948B-1728B52AA6E4}">
+                <adec:decorative xmlns:adec="http://schemas.microsoft.com/office/drawing/2017/decorative" val="1"/>
+              </a:ext>
+            </a:extLst>
+          </p:cNvPr>
+          <p:cNvSpPr>
+            <a:spLocks noGrp="1" noRot="1" noChangeAspect="1" noMove="1" noResize="1" noEditPoints="1" noAdjustHandles="1" noChangeArrowheads="1" noChangeShapeType="1" noTextEdit="1"/>
+          </p:cNvSpPr>
+          <p:nvPr>
+            <p:extLst>
+              <p:ext uri="{386F3935-93C4-4BCD-93E2-E3B085C9AB24}">
+                <p16:designElem xmlns:p16="http://schemas.microsoft.com/office/powerpoint/2015/main" val="1"/>
+              </p:ext>
+            </p:extLst>
+          </p:nvPr>
+        </p:nvSpPr>
+        <p:spPr>
+          <a:xfrm flipH="1">
+            <a:off x="8115299" y="-1"/>
+            <a:ext cx="4076698" cy="1590742"/>
+          </a:xfrm>
+          <a:prstGeom prst="rect">
+            <a:avLst/>
+          </a:prstGeom>
+          <a:gradFill>
+            <a:gsLst>
+              <a:gs pos="0">
+                <a:schemeClr val="accent1">
+                  <a:alpha val="66000"/>
+                </a:schemeClr>
+              </a:gs>
+              <a:gs pos="100000">
+                <a:srgbClr val="000000">
+                  <a:alpha val="30000"/>
+                </a:srgbClr>
+              </a:gs>
+            </a:gsLst>
+            <a:lin ang="13200000" scaled="0"/>
+          </a:gradFill>
+          <a:ln>
+            <a:noFill/>
+          </a:ln>
+        </p:spPr>
+        <p:style>
+          <a:lnRef idx="2">
+            <a:schemeClr val="accent1">
+              <a:shade val="50000"/>
+            </a:schemeClr>
+          </a:lnRef>
+          <a:fillRef idx="1">
+            <a:schemeClr val="accent1"/>
+          </a:fillRef>
+          <a:effectRef idx="0">
+            <a:schemeClr val="accent1"/>
+          </a:effectRef>
+          <a:fontRef idx="minor">
+            <a:schemeClr val="lt1"/>
+          </a:fontRef>
+        </p:style>
+        <p:txBody>
+          <a:bodyPr rtlCol="0" anchor="ctr"/>
+          <a:lstStyle/>
+          <a:p>
+            <a:pPr algn="ctr"/>
+            <a:endParaRPr lang="en-US"/>
+          </a:p>
+        </p:txBody>
+      </p:sp>
+      <p:sp>
+        <p:nvSpPr>
+          <p:cNvPr id="16" name="Rectangle 15">
+            <a:extLst>
+              <a:ext uri="{FF2B5EF4-FFF2-40B4-BE49-F238E27FC236}">
+                <a16:creationId xmlns:a16="http://schemas.microsoft.com/office/drawing/2014/main" id="{53E5B1A8-3AC9-4BD1-9BBC-78CA94F2D1BA}"/>
+              </a:ext>
+              <a:ext uri="{C183D7F6-B498-43B3-948B-1728B52AA6E4}">
+                <adec:decorative xmlns:adec="http://schemas.microsoft.com/office/drawing/2017/decorative" val="1"/>
+              </a:ext>
+            </a:extLst>
+          </p:cNvPr>
+          <p:cNvSpPr>
+            <a:spLocks noGrp="1" noRot="1" noChangeAspect="1" noMove="1" noResize="1" noEditPoints="1" noAdjustHandles="1" noChangeArrowheads="1" noChangeShapeType="1" noTextEdit="1"/>
+          </p:cNvSpPr>
+          <p:nvPr>
+            <p:extLst>
+              <p:ext uri="{386F3935-93C4-4BCD-93E2-E3B085C9AB24}">
+                <p16:designElem xmlns:p16="http://schemas.microsoft.com/office/powerpoint/2015/main" val="1"/>
+              </p:ext>
+            </p:extLst>
+          </p:nvPr>
+        </p:nvSpPr>
+        <p:spPr>
+          <a:xfrm>
+            <a:off x="459350" y="-1"/>
+            <a:ext cx="11732646" cy="1597433"/>
+          </a:xfrm>
+          <a:prstGeom prst="rect">
+            <a:avLst/>
+          </a:prstGeom>
+          <a:gradFill>
+            <a:gsLst>
+              <a:gs pos="50000">
+                <a:srgbClr val="000000">
+                  <a:alpha val="0"/>
+                </a:srgbClr>
+              </a:gs>
+              <a:gs pos="99000">
+                <a:schemeClr val="accent1">
+                  <a:lumMod val="50000"/>
+                  <a:alpha val="52000"/>
+                </a:schemeClr>
+              </a:gs>
+            </a:gsLst>
+            <a:lin ang="16800000" scaled="0"/>
+          </a:gradFill>
+          <a:ln>
+            <a:noFill/>
+          </a:ln>
+        </p:spPr>
+        <p:style>
+          <a:lnRef idx="2">
+            <a:schemeClr val="accent1">
+              <a:shade val="50000"/>
+            </a:schemeClr>
+          </a:lnRef>
+          <a:fillRef idx="1">
+            <a:schemeClr val="accent1"/>
+          </a:fillRef>
+          <a:effectRef idx="0">
+            <a:schemeClr val="accent1"/>
+          </a:effectRef>
+          <a:fontRef idx="minor">
+            <a:schemeClr val="lt1"/>
+          </a:fontRef>
+        </p:style>
+        <p:txBody>
+          <a:bodyPr rtlCol="0" anchor="ctr"/>
+          <a:lstStyle/>
+          <a:p>
+            <a:pPr algn="ctr"/>
+            <a:endParaRPr lang="en-US"/>
+          </a:p>
+        </p:txBody>
+      </p:sp>
+      <p:sp>
+        <p:nvSpPr>
+          <p:cNvPr id="2" name="Titolo 1">
+            <a:extLst>
+              <a:ext uri="{FF2B5EF4-FFF2-40B4-BE49-F238E27FC236}">
                 <a16:creationId xmlns:a16="http://schemas.microsoft.com/office/drawing/2014/main" id="{01CFBF5E-27B7-B711-834E-D462F608B09A}"/>
               </a:ext>
             </a:extLst>
@@ -5572,8 +6398,8 @@
           </a:p>
         </p:txBody>
       </p:sp>
-      <mc:AlternateContent xmlns:mc="http://schemas.openxmlformats.org/markup-compatibility/2006">
-        <mc:Choice xmlns:a14="http://schemas.microsoft.com/office/drawing/2010/main" Requires="a14">
+      <mc:AlternateContent xmlns:mc="http://schemas.openxmlformats.org/markup-compatibility/2006" xmlns:a14="http://schemas.microsoft.com/office/drawing/2010/main">
+        <mc:Choice Requires="a14">
           <p:sp>
             <p:nvSpPr>
               <p:cNvPr id="3" name="Segnaposto contenuto 2">
@@ -5879,7 +6705,7 @@
             </p:txBody>
           </p:sp>
         </mc:Choice>
-        <mc:Fallback>
+        <mc:Fallback xmlns="">
           <p:sp>
             <p:nvSpPr>
               <p:cNvPr id="3" name="Segnaposto contenuto 2">
@@ -5936,550 +6762,6 @@
 </p:sld>
 </file>
 
-<file path=ppt/slides/slide13.xml><?xml version="1.0" encoding="utf-8"?>
-<p:sld xmlns:a="http://schemas.openxmlformats.org/drawingml/2006/main" xmlns:r="http://schemas.openxmlformats.org/officeDocument/2006/relationships" xmlns:p="http://schemas.openxmlformats.org/presentationml/2006/main">
-  <p:cSld>
-    <p:bg>
-      <p:bgPr>
-        <a:solidFill>
-          <a:schemeClr val="bg1"/>
-        </a:solidFill>
-        <a:effectLst/>
-      </p:bgPr>
-    </p:bg>
-    <p:spTree>
-      <p:nvGrpSpPr>
-        <p:cNvPr id="1" name=""/>
-        <p:cNvGrpSpPr/>
-        <p:nvPr/>
-      </p:nvGrpSpPr>
-      <p:grpSpPr>
-        <a:xfrm>
-          <a:off x="0" y="0"/>
-          <a:ext cx="0" cy="0"/>
-          <a:chOff x="0" y="0"/>
-          <a:chExt cx="0" cy="0"/>
-        </a:xfrm>
-      </p:grpSpPr>
-      <p:sp useBgFill="1">
-        <p:nvSpPr>
-          <p:cNvPr id="8" name="Rectangle 7">
-            <a:extLst>
-              <a:ext uri="{FF2B5EF4-FFF2-40B4-BE49-F238E27FC236}">
-                <a16:creationId xmlns:a16="http://schemas.microsoft.com/office/drawing/2014/main" id="{1B15ED52-F352-441B-82BF-E0EA34836D08}"/>
-              </a:ext>
-              <a:ext uri="{C183D7F6-B498-43B3-948B-1728B52AA6E4}">
-                <adec:decorative xmlns:adec="http://schemas.microsoft.com/office/drawing/2017/decorative" val="1"/>
-              </a:ext>
-            </a:extLst>
-          </p:cNvPr>
-          <p:cNvSpPr>
-            <a:spLocks noGrp="1" noRot="1" noChangeAspect="1" noMove="1" noResize="1" noEditPoints="1" noAdjustHandles="1" noChangeArrowheads="1" noChangeShapeType="1" noTextEdit="1"/>
-          </p:cNvSpPr>
-          <p:nvPr>
-            <p:extLst>
-              <p:ext uri="{386F3935-93C4-4BCD-93E2-E3B085C9AB24}">
-                <p16:designElem xmlns:p16="http://schemas.microsoft.com/office/powerpoint/2015/main" val="1"/>
-              </p:ext>
-            </p:extLst>
-          </p:nvPr>
-        </p:nvSpPr>
-        <p:spPr>
-          <a:xfrm>
-            <a:off x="0" y="0"/>
-            <a:ext cx="12192000" cy="6858000"/>
-          </a:xfrm>
-          <a:prstGeom prst="rect">
-            <a:avLst/>
-          </a:prstGeom>
-          <a:ln w="12700" cap="flat" cmpd="sng" algn="ctr">
-            <a:noFill/>
-            <a:prstDash val="solid"/>
-            <a:miter lim="800000"/>
-          </a:ln>
-          <a:effectLst/>
-          <a:extLst>
-            <a:ext uri="{91240B29-F687-4F45-9708-019B960494DF}">
-              <a14:hiddenLine xmlns:a14="http://schemas.microsoft.com/office/drawing/2010/main" w="12700" cap="flat" cmpd="sng" algn="ctr">
-                <a:solidFill>
-                  <a:schemeClr val="accent1">
-                    <a:shade val="50000"/>
-                  </a:schemeClr>
-                </a:solidFill>
-                <a:prstDash val="solid"/>
-                <a:miter lim="800000"/>
-              </a14:hiddenLine>
-            </a:ext>
-          </a:extLst>
-        </p:spPr>
-        <p:style>
-          <a:lnRef idx="2">
-            <a:schemeClr val="accent1">
-              <a:shade val="50000"/>
-            </a:schemeClr>
-          </a:lnRef>
-          <a:fillRef idx="1">
-            <a:schemeClr val="accent1"/>
-          </a:fillRef>
-          <a:effectRef idx="0">
-            <a:schemeClr val="accent1"/>
-          </a:effectRef>
-          <a:fontRef idx="minor">
-            <a:schemeClr val="lt1"/>
-          </a:fontRef>
-        </p:style>
-        <p:txBody>
-          <a:bodyPr rtlCol="0" anchor="ctr"/>
-          <a:lstStyle/>
-          <a:p>
-            <a:pPr algn="ctr"/>
-            <a:endParaRPr lang="en-US"/>
-          </a:p>
-        </p:txBody>
-      </p:sp>
-      <p:sp>
-        <p:nvSpPr>
-          <p:cNvPr id="10" name="Rectangle 9">
-            <a:extLst>
-              <a:ext uri="{FF2B5EF4-FFF2-40B4-BE49-F238E27FC236}">
-                <a16:creationId xmlns:a16="http://schemas.microsoft.com/office/drawing/2014/main" id="{3B2E3793-BFE6-45A2-9B7B-E18844431C99}"/>
-              </a:ext>
-              <a:ext uri="{C183D7F6-B498-43B3-948B-1728B52AA6E4}">
-                <adec:decorative xmlns:adec="http://schemas.microsoft.com/office/drawing/2017/decorative" val="1"/>
-              </a:ext>
-            </a:extLst>
-          </p:cNvPr>
-          <p:cNvSpPr>
-            <a:spLocks noGrp="1" noRot="1" noChangeAspect="1" noMove="1" noResize="1" noEditPoints="1" noAdjustHandles="1" noChangeArrowheads="1" noChangeShapeType="1" noTextEdit="1"/>
-          </p:cNvSpPr>
-          <p:nvPr>
-            <p:extLst>
-              <p:ext uri="{386F3935-93C4-4BCD-93E2-E3B085C9AB24}">
-                <p16:designElem xmlns:p16="http://schemas.microsoft.com/office/powerpoint/2015/main" val="1"/>
-              </p:ext>
-            </p:extLst>
-          </p:nvPr>
-        </p:nvSpPr>
-        <p:spPr>
-          <a:xfrm flipH="1">
-            <a:off x="-1" y="-1"/>
-            <a:ext cx="12191998" cy="1590742"/>
-          </a:xfrm>
-          <a:prstGeom prst="rect">
-            <a:avLst/>
-          </a:prstGeom>
-          <a:gradFill>
-            <a:gsLst>
-              <a:gs pos="0">
-                <a:srgbClr val="000000"/>
-              </a:gs>
-              <a:gs pos="100000">
-                <a:schemeClr val="accent1">
-                  <a:lumMod val="75000"/>
-                </a:schemeClr>
-              </a:gs>
-            </a:gsLst>
-            <a:lin ang="8400000" scaled="0"/>
-          </a:gradFill>
-          <a:ln>
-            <a:noFill/>
-          </a:ln>
-        </p:spPr>
-        <p:style>
-          <a:lnRef idx="2">
-            <a:schemeClr val="accent1">
-              <a:shade val="50000"/>
-            </a:schemeClr>
-          </a:lnRef>
-          <a:fillRef idx="1">
-            <a:schemeClr val="accent1"/>
-          </a:fillRef>
-          <a:effectRef idx="0">
-            <a:schemeClr val="accent1"/>
-          </a:effectRef>
-          <a:fontRef idx="minor">
-            <a:schemeClr val="lt1"/>
-          </a:fontRef>
-        </p:style>
-        <p:txBody>
-          <a:bodyPr rtlCol="0" anchor="ctr"/>
-          <a:lstStyle/>
-          <a:p>
-            <a:pPr algn="ctr"/>
-            <a:endParaRPr lang="en-US"/>
-          </a:p>
-        </p:txBody>
-      </p:sp>
-      <p:sp>
-        <p:nvSpPr>
-          <p:cNvPr id="12" name="Rectangle 11">
-            <a:extLst>
-              <a:ext uri="{FF2B5EF4-FFF2-40B4-BE49-F238E27FC236}">
-                <a16:creationId xmlns:a16="http://schemas.microsoft.com/office/drawing/2014/main" id="{BC4C4868-CB8F-4AF9-9CDB-8108F2C19B67}"/>
-              </a:ext>
-              <a:ext uri="{C183D7F6-B498-43B3-948B-1728B52AA6E4}">
-                <adec:decorative xmlns:adec="http://schemas.microsoft.com/office/drawing/2017/decorative" val="1"/>
-              </a:ext>
-            </a:extLst>
-          </p:cNvPr>
-          <p:cNvSpPr>
-            <a:spLocks noGrp="1" noRot="1" noChangeAspect="1" noMove="1" noResize="1" noEditPoints="1" noAdjustHandles="1" noChangeArrowheads="1" noChangeShapeType="1" noTextEdit="1"/>
-          </p:cNvSpPr>
-          <p:nvPr>
-            <p:extLst>
-              <p:ext uri="{386F3935-93C4-4BCD-93E2-E3B085C9AB24}">
-                <p16:designElem xmlns:p16="http://schemas.microsoft.com/office/powerpoint/2015/main" val="1"/>
-              </p:ext>
-            </p:extLst>
-          </p:nvPr>
-        </p:nvSpPr>
-        <p:spPr>
-          <a:xfrm rot="10800000" flipH="1">
-            <a:off x="-3" y="0"/>
-            <a:ext cx="8115306" cy="1590742"/>
-          </a:xfrm>
-          <a:prstGeom prst="rect">
-            <a:avLst/>
-          </a:prstGeom>
-          <a:gradFill>
-            <a:gsLst>
-              <a:gs pos="20000">
-                <a:schemeClr val="accent1">
-                  <a:alpha val="0"/>
-                </a:schemeClr>
-              </a:gs>
-              <a:gs pos="100000">
-                <a:schemeClr val="accent1">
-                  <a:lumMod val="50000"/>
-                  <a:alpha val="55000"/>
-                </a:schemeClr>
-              </a:gs>
-            </a:gsLst>
-            <a:lin ang="13800000" scaled="0"/>
-          </a:gradFill>
-          <a:ln>
-            <a:noFill/>
-          </a:ln>
-        </p:spPr>
-        <p:style>
-          <a:lnRef idx="2">
-            <a:schemeClr val="accent1">
-              <a:shade val="50000"/>
-            </a:schemeClr>
-          </a:lnRef>
-          <a:fillRef idx="1">
-            <a:schemeClr val="accent1"/>
-          </a:fillRef>
-          <a:effectRef idx="0">
-            <a:schemeClr val="accent1"/>
-          </a:effectRef>
-          <a:fontRef idx="minor">
-            <a:schemeClr val="lt1"/>
-          </a:fontRef>
-        </p:style>
-        <p:txBody>
-          <a:bodyPr rtlCol="0" anchor="ctr"/>
-          <a:lstStyle/>
-          <a:p>
-            <a:pPr algn="ctr"/>
-            <a:endParaRPr lang="en-US"/>
-          </a:p>
-        </p:txBody>
-      </p:sp>
-      <p:sp>
-        <p:nvSpPr>
-          <p:cNvPr id="14" name="Rectangle 13">
-            <a:extLst>
-              <a:ext uri="{FF2B5EF4-FFF2-40B4-BE49-F238E27FC236}">
-                <a16:creationId xmlns:a16="http://schemas.microsoft.com/office/drawing/2014/main" id="{375E0459-6403-40CD-989D-56A4407CA12E}"/>
-              </a:ext>
-              <a:ext uri="{C183D7F6-B498-43B3-948B-1728B52AA6E4}">
-                <adec:decorative xmlns:adec="http://schemas.microsoft.com/office/drawing/2017/decorative" val="1"/>
-              </a:ext>
-            </a:extLst>
-          </p:cNvPr>
-          <p:cNvSpPr>
-            <a:spLocks noGrp="1" noRot="1" noChangeAspect="1" noMove="1" noResize="1" noEditPoints="1" noAdjustHandles="1" noChangeArrowheads="1" noChangeShapeType="1" noTextEdit="1"/>
-          </p:cNvSpPr>
-          <p:nvPr>
-            <p:extLst>
-              <p:ext uri="{386F3935-93C4-4BCD-93E2-E3B085C9AB24}">
-                <p16:designElem xmlns:p16="http://schemas.microsoft.com/office/powerpoint/2015/main" val="1"/>
-              </p:ext>
-            </p:extLst>
-          </p:nvPr>
-        </p:nvSpPr>
-        <p:spPr>
-          <a:xfrm flipH="1">
-            <a:off x="8115299" y="-1"/>
-            <a:ext cx="4076698" cy="1590742"/>
-          </a:xfrm>
-          <a:prstGeom prst="rect">
-            <a:avLst/>
-          </a:prstGeom>
-          <a:gradFill>
-            <a:gsLst>
-              <a:gs pos="0">
-                <a:schemeClr val="accent1">
-                  <a:alpha val="66000"/>
-                </a:schemeClr>
-              </a:gs>
-              <a:gs pos="100000">
-                <a:srgbClr val="000000">
-                  <a:alpha val="30000"/>
-                </a:srgbClr>
-              </a:gs>
-            </a:gsLst>
-            <a:lin ang="13200000" scaled="0"/>
-          </a:gradFill>
-          <a:ln>
-            <a:noFill/>
-          </a:ln>
-        </p:spPr>
-        <p:style>
-          <a:lnRef idx="2">
-            <a:schemeClr val="accent1">
-              <a:shade val="50000"/>
-            </a:schemeClr>
-          </a:lnRef>
-          <a:fillRef idx="1">
-            <a:schemeClr val="accent1"/>
-          </a:fillRef>
-          <a:effectRef idx="0">
-            <a:schemeClr val="accent1"/>
-          </a:effectRef>
-          <a:fontRef idx="minor">
-            <a:schemeClr val="lt1"/>
-          </a:fontRef>
-        </p:style>
-        <p:txBody>
-          <a:bodyPr rtlCol="0" anchor="ctr"/>
-          <a:lstStyle/>
-          <a:p>
-            <a:pPr algn="ctr"/>
-            <a:endParaRPr lang="en-US"/>
-          </a:p>
-        </p:txBody>
-      </p:sp>
-      <p:sp>
-        <p:nvSpPr>
-          <p:cNvPr id="16" name="Rectangle 15">
-            <a:extLst>
-              <a:ext uri="{FF2B5EF4-FFF2-40B4-BE49-F238E27FC236}">
-                <a16:creationId xmlns:a16="http://schemas.microsoft.com/office/drawing/2014/main" id="{53E5B1A8-3AC9-4BD1-9BBC-78CA94F2D1BA}"/>
-              </a:ext>
-              <a:ext uri="{C183D7F6-B498-43B3-948B-1728B52AA6E4}">
-                <adec:decorative xmlns:adec="http://schemas.microsoft.com/office/drawing/2017/decorative" val="1"/>
-              </a:ext>
-            </a:extLst>
-          </p:cNvPr>
-          <p:cNvSpPr>
-            <a:spLocks noGrp="1" noRot="1" noChangeAspect="1" noMove="1" noResize="1" noEditPoints="1" noAdjustHandles="1" noChangeArrowheads="1" noChangeShapeType="1" noTextEdit="1"/>
-          </p:cNvSpPr>
-          <p:nvPr>
-            <p:extLst>
-              <p:ext uri="{386F3935-93C4-4BCD-93E2-E3B085C9AB24}">
-                <p16:designElem xmlns:p16="http://schemas.microsoft.com/office/powerpoint/2015/main" val="1"/>
-              </p:ext>
-            </p:extLst>
-          </p:nvPr>
-        </p:nvSpPr>
-        <p:spPr>
-          <a:xfrm>
-            <a:off x="459350" y="-1"/>
-            <a:ext cx="11732646" cy="1597433"/>
-          </a:xfrm>
-          <a:prstGeom prst="rect">
-            <a:avLst/>
-          </a:prstGeom>
-          <a:gradFill>
-            <a:gsLst>
-              <a:gs pos="50000">
-                <a:srgbClr val="000000">
-                  <a:alpha val="0"/>
-                </a:srgbClr>
-              </a:gs>
-              <a:gs pos="99000">
-                <a:schemeClr val="accent1">
-                  <a:lumMod val="50000"/>
-                  <a:alpha val="52000"/>
-                </a:schemeClr>
-              </a:gs>
-            </a:gsLst>
-            <a:lin ang="16800000" scaled="0"/>
-          </a:gradFill>
-          <a:ln>
-            <a:noFill/>
-          </a:ln>
-        </p:spPr>
-        <p:style>
-          <a:lnRef idx="2">
-            <a:schemeClr val="accent1">
-              <a:shade val="50000"/>
-            </a:schemeClr>
-          </a:lnRef>
-          <a:fillRef idx="1">
-            <a:schemeClr val="accent1"/>
-          </a:fillRef>
-          <a:effectRef idx="0">
-            <a:schemeClr val="accent1"/>
-          </a:effectRef>
-          <a:fontRef idx="minor">
-            <a:schemeClr val="lt1"/>
-          </a:fontRef>
-        </p:style>
-        <p:txBody>
-          <a:bodyPr rtlCol="0" anchor="ctr"/>
-          <a:lstStyle/>
-          <a:p>
-            <a:pPr algn="ctr"/>
-            <a:endParaRPr lang="en-US"/>
-          </a:p>
-        </p:txBody>
-      </p:sp>
-      <p:sp>
-        <p:nvSpPr>
-          <p:cNvPr id="2" name="Titolo 1">
-            <a:extLst>
-              <a:ext uri="{FF2B5EF4-FFF2-40B4-BE49-F238E27FC236}">
-                <a16:creationId xmlns:a16="http://schemas.microsoft.com/office/drawing/2014/main" id="{CEF391EE-023B-234E-7AB8-2A01FC14849C}"/>
-              </a:ext>
-            </a:extLst>
-          </p:cNvPr>
-          <p:cNvSpPr>
-            <a:spLocks noGrp="1"/>
-          </p:cNvSpPr>
-          <p:nvPr>
-            <p:ph type="title"/>
-          </p:nvPr>
-        </p:nvSpPr>
-        <p:spPr>
-          <a:xfrm>
-            <a:off x="1371599" y="294538"/>
-            <a:ext cx="9895951" cy="1033669"/>
-          </a:xfrm>
-        </p:spPr>
-        <p:txBody>
-          <a:bodyPr>
-            <a:normAutofit/>
-          </a:bodyPr>
-          <a:lstStyle/>
-          <a:p>
-            <a:r>
-              <a:rPr lang="it-IT" sz="4000" dirty="0">
-                <a:solidFill>
-                  <a:srgbClr val="FFFFFF"/>
-                </a:solidFill>
-              </a:rPr>
-              <a:t>Database</a:t>
-            </a:r>
-          </a:p>
-        </p:txBody>
-      </p:sp>
-      <p:sp>
-        <p:nvSpPr>
-          <p:cNvPr id="3" name="Segnaposto contenuto 2">
-            <a:extLst>
-              <a:ext uri="{FF2B5EF4-FFF2-40B4-BE49-F238E27FC236}">
-                <a16:creationId xmlns:a16="http://schemas.microsoft.com/office/drawing/2014/main" id="{D9B20082-EC2C-0963-4E1C-60BC786A2541}"/>
-              </a:ext>
-            </a:extLst>
-          </p:cNvPr>
-          <p:cNvSpPr>
-            <a:spLocks noGrp="1"/>
-          </p:cNvSpPr>
-          <p:nvPr>
-            <p:ph idx="1"/>
-          </p:nvPr>
-        </p:nvSpPr>
-        <p:spPr>
-          <a:xfrm>
-            <a:off x="1371599" y="2318197"/>
-            <a:ext cx="9724031" cy="3683358"/>
-          </a:xfrm>
-        </p:spPr>
-        <p:style>
-          <a:lnRef idx="2">
-            <a:schemeClr val="accent1"/>
-          </a:lnRef>
-          <a:fillRef idx="1">
-            <a:schemeClr val="lt1"/>
-          </a:fillRef>
-          <a:effectRef idx="0">
-            <a:schemeClr val="accent1"/>
-          </a:effectRef>
-          <a:fontRef idx="minor">
-            <a:schemeClr val="dk1"/>
-          </a:fontRef>
-        </p:style>
-        <p:txBody>
-          <a:bodyPr anchor="ctr">
-            <a:normAutofit/>
-          </a:bodyPr>
-          <a:lstStyle/>
-          <a:p>
-            <a:r>
-              <a:rPr lang="it-IT" dirty="0"/>
-              <a:t>Per salvare i dati relativi alle sessioni ci appoggiamo ad un database </a:t>
-            </a:r>
-            <a:r>
-              <a:rPr lang="it-IT" dirty="0" err="1"/>
-              <a:t>SQLite</a:t>
-            </a:r>
-            <a:r>
-              <a:rPr lang="it-IT" dirty="0"/>
-              <a:t>.</a:t>
-            </a:r>
-          </a:p>
-          <a:p>
-            <a:r>
-              <a:rPr lang="it-IT" dirty="0"/>
-              <a:t>Creiamo 5 tabelle per velocità, accelerazione, piega, sessioni e per l’accelerazione necessaria per il calcolo del salto.</a:t>
-            </a:r>
-          </a:p>
-          <a:p>
-            <a:r>
-              <a:rPr lang="it-IT" dirty="0"/>
-              <a:t>Per poter comunicare con il database abbiamo dovuto appoggiarci alle classi </a:t>
-            </a:r>
-            <a:r>
-              <a:rPr lang="it-IT" dirty="0" err="1"/>
-              <a:t>ContentProvider</a:t>
-            </a:r>
-            <a:r>
-              <a:rPr lang="it-IT" dirty="0"/>
-              <a:t> e </a:t>
-            </a:r>
-            <a:r>
-              <a:rPr lang="it-IT" dirty="0" err="1"/>
-              <a:t>ContentResolver</a:t>
-            </a:r>
-            <a:r>
-              <a:rPr lang="it-IT" dirty="0"/>
-              <a:t>.</a:t>
-            </a:r>
-          </a:p>
-          <a:p>
-            <a:r>
-              <a:rPr lang="it-IT" dirty="0"/>
-              <a:t>A livello pratico gli unici metodi implementati sono QUERY e INSERT.</a:t>
-            </a:r>
-          </a:p>
-        </p:txBody>
-      </p:sp>
-    </p:spTree>
-    <p:extLst>
-      <p:ext uri="{BB962C8B-B14F-4D97-AF65-F5344CB8AC3E}">
-        <p14:creationId xmlns:p14="http://schemas.microsoft.com/office/powerpoint/2010/main" val="948079350"/>
-      </p:ext>
-    </p:extLst>
-  </p:cSld>
-  <p:clrMapOvr>
-    <a:masterClrMapping/>
-  </p:clrMapOvr>
-</p:sld>
-</file>
-
 <file path=ppt/slides/slide14.xml><?xml version="1.0" encoding="utf-8"?>
 <p:sld xmlns:a="http://schemas.openxmlformats.org/drawingml/2006/main" xmlns:r="http://schemas.openxmlformats.org/officeDocument/2006/relationships" xmlns:p="http://schemas.openxmlformats.org/presentationml/2006/main">
   <p:cSld>
@@ -6886,7 +7168,7 @@
           <p:cNvPr id="2" name="Titolo 1">
             <a:extLst>
               <a:ext uri="{FF2B5EF4-FFF2-40B4-BE49-F238E27FC236}">
-                <a16:creationId xmlns:a16="http://schemas.microsoft.com/office/drawing/2014/main" id="{B8F4161C-A865-7BC0-ECCF-EF5DD6461259}"/>
+                <a16:creationId xmlns:a16="http://schemas.microsoft.com/office/drawing/2014/main" id="{CEF391EE-023B-234E-7AB8-2A01FC14849C}"/>
               </a:ext>
             </a:extLst>
           </p:cNvPr>
@@ -6915,7 +7197,7 @@
                   <a:srgbClr val="FFFFFF"/>
                 </a:solidFill>
               </a:rPr>
-              <a:t>Attività grafica </a:t>
+              <a:t>Database</a:t>
             </a:r>
           </a:p>
         </p:txBody>
@@ -6925,7 +7207,7 @@
           <p:cNvPr id="3" name="Segnaposto contenuto 2">
             <a:extLst>
               <a:ext uri="{FF2B5EF4-FFF2-40B4-BE49-F238E27FC236}">
-                <a16:creationId xmlns:a16="http://schemas.microsoft.com/office/drawing/2014/main" id="{065D564A-91BD-7A19-089E-8C1551C71D79}"/>
+                <a16:creationId xmlns:a16="http://schemas.microsoft.com/office/drawing/2014/main" id="{D9B20082-EC2C-0963-4E1C-60BC786A2541}"/>
               </a:ext>
             </a:extLst>
           </p:cNvPr>
@@ -6964,13 +7246,11 @@
           <a:p>
             <a:r>
               <a:rPr lang="it-IT" dirty="0"/>
-              <a:t>Per rappresentare graficamente i risultati ottenuti abbiamo importato la libreria esterna: </a:t>
-            </a:r>
-            <a:r>
-              <a:rPr lang="it-IT" dirty="0" err="1">
-                <a:hlinkClick r:id="rId2"/>
-              </a:rPr>
-              <a:t>MPAndroidChart</a:t>
+              <a:t>Per salvare i dati relativi alle sessioni ci appoggiamo ad un database </a:t>
+            </a:r>
+            <a:r>
+              <a:rPr lang="it-IT" dirty="0" err="1"/>
+              <a:t>SQLite</a:t>
             </a:r>
             <a:r>
               <a:rPr lang="it-IT" dirty="0"/>
@@ -6980,7 +7260,35 @@
           <a:p>
             <a:r>
               <a:rPr lang="it-IT" dirty="0"/>
-              <a:t>I dati vengono sotto-campionati in maniera dinamica per render i grafici più fluidi: viene calcolato un passo di campionamento in funzione del numero di campioni; vengono inoltre salvati i massimi e minimi locali per mantenere una coerenza con le statistiche.</a:t>
+              <a:t>Creiamo 5 tabelle per velocità, accelerazione, piega, sessioni e per l’accelerazione necessaria per il calcolo del salto.</a:t>
+            </a:r>
+          </a:p>
+          <a:p>
+            <a:r>
+              <a:rPr lang="it-IT" dirty="0"/>
+              <a:t>Per poter comunicare con il database abbiamo dovuto appoggiarci alle classi </a:t>
+            </a:r>
+            <a:r>
+              <a:rPr lang="it-IT" dirty="0" err="1"/>
+              <a:t>ContentProvider</a:t>
+            </a:r>
+            <a:r>
+              <a:rPr lang="it-IT" dirty="0"/>
+              <a:t> e </a:t>
+            </a:r>
+            <a:r>
+              <a:rPr lang="it-IT" dirty="0" err="1"/>
+              <a:t>ContentResolver</a:t>
+            </a:r>
+            <a:r>
+              <a:rPr lang="it-IT" dirty="0"/>
+              <a:t>.</a:t>
+            </a:r>
+          </a:p>
+          <a:p>
+            <a:r>
+              <a:rPr lang="it-IT" dirty="0"/>
+              <a:t>A livello pratico gli unici metodi implementati sono QUERY e INSERT.</a:t>
             </a:r>
           </a:p>
         </p:txBody>
@@ -6988,7 +7296,7 @@
     </p:spTree>
     <p:extLst>
       <p:ext uri="{BB962C8B-B14F-4D97-AF65-F5344CB8AC3E}">
-        <p14:creationId xmlns:p14="http://schemas.microsoft.com/office/powerpoint/2010/main" val="171558558"/>
+        <p14:creationId xmlns:p14="http://schemas.microsoft.com/office/powerpoint/2010/main" val="948079350"/>
       </p:ext>
     </p:extLst>
   </p:cSld>
@@ -7404,6 +7712,524 @@
           <p:cNvPr id="2" name="Titolo 1">
             <a:extLst>
               <a:ext uri="{FF2B5EF4-FFF2-40B4-BE49-F238E27FC236}">
+                <a16:creationId xmlns:a16="http://schemas.microsoft.com/office/drawing/2014/main" id="{B8F4161C-A865-7BC0-ECCF-EF5DD6461259}"/>
+              </a:ext>
+            </a:extLst>
+          </p:cNvPr>
+          <p:cNvSpPr>
+            <a:spLocks noGrp="1"/>
+          </p:cNvSpPr>
+          <p:nvPr>
+            <p:ph type="title"/>
+          </p:nvPr>
+        </p:nvSpPr>
+        <p:spPr>
+          <a:xfrm>
+            <a:off x="1371599" y="294538"/>
+            <a:ext cx="9895951" cy="1033669"/>
+          </a:xfrm>
+        </p:spPr>
+        <p:txBody>
+          <a:bodyPr>
+            <a:normAutofit/>
+          </a:bodyPr>
+          <a:lstStyle/>
+          <a:p>
+            <a:r>
+              <a:rPr lang="it-IT" sz="4000" dirty="0">
+                <a:solidFill>
+                  <a:srgbClr val="FFFFFF"/>
+                </a:solidFill>
+              </a:rPr>
+              <a:t>Attività grafica </a:t>
+            </a:r>
+          </a:p>
+        </p:txBody>
+      </p:sp>
+      <p:sp>
+        <p:nvSpPr>
+          <p:cNvPr id="3" name="Segnaposto contenuto 2">
+            <a:extLst>
+              <a:ext uri="{FF2B5EF4-FFF2-40B4-BE49-F238E27FC236}">
+                <a16:creationId xmlns:a16="http://schemas.microsoft.com/office/drawing/2014/main" id="{065D564A-91BD-7A19-089E-8C1551C71D79}"/>
+              </a:ext>
+            </a:extLst>
+          </p:cNvPr>
+          <p:cNvSpPr>
+            <a:spLocks noGrp="1"/>
+          </p:cNvSpPr>
+          <p:nvPr>
+            <p:ph idx="1"/>
+          </p:nvPr>
+        </p:nvSpPr>
+        <p:spPr>
+          <a:xfrm>
+            <a:off x="1371599" y="2318197"/>
+            <a:ext cx="9724031" cy="3683358"/>
+          </a:xfrm>
+        </p:spPr>
+        <p:style>
+          <a:lnRef idx="2">
+            <a:schemeClr val="accent1"/>
+          </a:lnRef>
+          <a:fillRef idx="1">
+            <a:schemeClr val="lt1"/>
+          </a:fillRef>
+          <a:effectRef idx="0">
+            <a:schemeClr val="accent1"/>
+          </a:effectRef>
+          <a:fontRef idx="minor">
+            <a:schemeClr val="dk1"/>
+          </a:fontRef>
+        </p:style>
+        <p:txBody>
+          <a:bodyPr anchor="ctr">
+            <a:normAutofit/>
+          </a:bodyPr>
+          <a:lstStyle/>
+          <a:p>
+            <a:r>
+              <a:rPr lang="it-IT" dirty="0"/>
+              <a:t>Per rappresentare graficamente i risultati ottenuti abbiamo importato la libreria esterna: </a:t>
+            </a:r>
+            <a:r>
+              <a:rPr lang="it-IT" dirty="0" err="1">
+                <a:hlinkClick r:id="rId2"/>
+              </a:rPr>
+              <a:t>MPAndroidChart</a:t>
+            </a:r>
+            <a:r>
+              <a:rPr lang="it-IT" dirty="0"/>
+              <a:t>.</a:t>
+            </a:r>
+          </a:p>
+          <a:p>
+            <a:r>
+              <a:rPr lang="it-IT" dirty="0"/>
+              <a:t>I dati vengono sotto-campionati in maniera dinamica per render i grafici più fluidi: viene calcolato un passo di campionamento in funzione del numero di campioni; vengono inoltre salvati i massimi e minimi locali per mantenere una coerenza con le statistiche.</a:t>
+            </a:r>
+          </a:p>
+        </p:txBody>
+      </p:sp>
+    </p:spTree>
+    <p:extLst>
+      <p:ext uri="{BB962C8B-B14F-4D97-AF65-F5344CB8AC3E}">
+        <p14:creationId xmlns:p14="http://schemas.microsoft.com/office/powerpoint/2010/main" val="171558558"/>
+      </p:ext>
+    </p:extLst>
+  </p:cSld>
+  <p:clrMapOvr>
+    <a:masterClrMapping/>
+  </p:clrMapOvr>
+</p:sld>
+</file>
+
+<file path=ppt/slides/slide16.xml><?xml version="1.0" encoding="utf-8"?>
+<p:sld xmlns:a="http://schemas.openxmlformats.org/drawingml/2006/main" xmlns:r="http://schemas.openxmlformats.org/officeDocument/2006/relationships" xmlns:p="http://schemas.openxmlformats.org/presentationml/2006/main">
+  <p:cSld>
+    <p:bg>
+      <p:bgPr>
+        <a:solidFill>
+          <a:schemeClr val="bg1"/>
+        </a:solidFill>
+        <a:effectLst/>
+      </p:bgPr>
+    </p:bg>
+    <p:spTree>
+      <p:nvGrpSpPr>
+        <p:cNvPr id="1" name=""/>
+        <p:cNvGrpSpPr/>
+        <p:nvPr/>
+      </p:nvGrpSpPr>
+      <p:grpSpPr>
+        <a:xfrm>
+          <a:off x="0" y="0"/>
+          <a:ext cx="0" cy="0"/>
+          <a:chOff x="0" y="0"/>
+          <a:chExt cx="0" cy="0"/>
+        </a:xfrm>
+      </p:grpSpPr>
+      <p:sp useBgFill="1">
+        <p:nvSpPr>
+          <p:cNvPr id="8" name="Rectangle 7">
+            <a:extLst>
+              <a:ext uri="{FF2B5EF4-FFF2-40B4-BE49-F238E27FC236}">
+                <a16:creationId xmlns:a16="http://schemas.microsoft.com/office/drawing/2014/main" id="{1B15ED52-F352-441B-82BF-E0EA34836D08}"/>
+              </a:ext>
+              <a:ext uri="{C183D7F6-B498-43B3-948B-1728B52AA6E4}">
+                <adec:decorative xmlns:adec="http://schemas.microsoft.com/office/drawing/2017/decorative" val="1"/>
+              </a:ext>
+            </a:extLst>
+          </p:cNvPr>
+          <p:cNvSpPr>
+            <a:spLocks noGrp="1" noRot="1" noChangeAspect="1" noMove="1" noResize="1" noEditPoints="1" noAdjustHandles="1" noChangeArrowheads="1" noChangeShapeType="1" noTextEdit="1"/>
+          </p:cNvSpPr>
+          <p:nvPr>
+            <p:extLst>
+              <p:ext uri="{386F3935-93C4-4BCD-93E2-E3B085C9AB24}">
+                <p16:designElem xmlns:p16="http://schemas.microsoft.com/office/powerpoint/2015/main" val="1"/>
+              </p:ext>
+            </p:extLst>
+          </p:nvPr>
+        </p:nvSpPr>
+        <p:spPr>
+          <a:xfrm>
+            <a:off x="0" y="0"/>
+            <a:ext cx="12192000" cy="6858000"/>
+          </a:xfrm>
+          <a:prstGeom prst="rect">
+            <a:avLst/>
+          </a:prstGeom>
+          <a:ln w="12700" cap="flat" cmpd="sng" algn="ctr">
+            <a:noFill/>
+            <a:prstDash val="solid"/>
+            <a:miter lim="800000"/>
+          </a:ln>
+          <a:effectLst/>
+          <a:extLst>
+            <a:ext uri="{91240B29-F687-4F45-9708-019B960494DF}">
+              <a14:hiddenLine xmlns:a14="http://schemas.microsoft.com/office/drawing/2010/main" w="12700" cap="flat" cmpd="sng" algn="ctr">
+                <a:solidFill>
+                  <a:schemeClr val="accent1">
+                    <a:shade val="50000"/>
+                  </a:schemeClr>
+                </a:solidFill>
+                <a:prstDash val="solid"/>
+                <a:miter lim="800000"/>
+              </a14:hiddenLine>
+            </a:ext>
+          </a:extLst>
+        </p:spPr>
+        <p:style>
+          <a:lnRef idx="2">
+            <a:schemeClr val="accent1">
+              <a:shade val="50000"/>
+            </a:schemeClr>
+          </a:lnRef>
+          <a:fillRef idx="1">
+            <a:schemeClr val="accent1"/>
+          </a:fillRef>
+          <a:effectRef idx="0">
+            <a:schemeClr val="accent1"/>
+          </a:effectRef>
+          <a:fontRef idx="minor">
+            <a:schemeClr val="lt1"/>
+          </a:fontRef>
+        </p:style>
+        <p:txBody>
+          <a:bodyPr rtlCol="0" anchor="ctr"/>
+          <a:lstStyle/>
+          <a:p>
+            <a:pPr algn="ctr"/>
+            <a:endParaRPr lang="en-US"/>
+          </a:p>
+        </p:txBody>
+      </p:sp>
+      <p:sp>
+        <p:nvSpPr>
+          <p:cNvPr id="10" name="Rectangle 9">
+            <a:extLst>
+              <a:ext uri="{FF2B5EF4-FFF2-40B4-BE49-F238E27FC236}">
+                <a16:creationId xmlns:a16="http://schemas.microsoft.com/office/drawing/2014/main" id="{3B2E3793-BFE6-45A2-9B7B-E18844431C99}"/>
+              </a:ext>
+              <a:ext uri="{C183D7F6-B498-43B3-948B-1728B52AA6E4}">
+                <adec:decorative xmlns:adec="http://schemas.microsoft.com/office/drawing/2017/decorative" val="1"/>
+              </a:ext>
+            </a:extLst>
+          </p:cNvPr>
+          <p:cNvSpPr>
+            <a:spLocks noGrp="1" noRot="1" noChangeAspect="1" noMove="1" noResize="1" noEditPoints="1" noAdjustHandles="1" noChangeArrowheads="1" noChangeShapeType="1" noTextEdit="1"/>
+          </p:cNvSpPr>
+          <p:nvPr>
+            <p:extLst>
+              <p:ext uri="{386F3935-93C4-4BCD-93E2-E3B085C9AB24}">
+                <p16:designElem xmlns:p16="http://schemas.microsoft.com/office/powerpoint/2015/main" val="1"/>
+              </p:ext>
+            </p:extLst>
+          </p:nvPr>
+        </p:nvSpPr>
+        <p:spPr>
+          <a:xfrm flipH="1">
+            <a:off x="-1" y="-1"/>
+            <a:ext cx="12191998" cy="1590742"/>
+          </a:xfrm>
+          <a:prstGeom prst="rect">
+            <a:avLst/>
+          </a:prstGeom>
+          <a:gradFill>
+            <a:gsLst>
+              <a:gs pos="0">
+                <a:srgbClr val="000000"/>
+              </a:gs>
+              <a:gs pos="100000">
+                <a:schemeClr val="accent1">
+                  <a:lumMod val="75000"/>
+                </a:schemeClr>
+              </a:gs>
+            </a:gsLst>
+            <a:lin ang="8400000" scaled="0"/>
+          </a:gradFill>
+          <a:ln>
+            <a:noFill/>
+          </a:ln>
+        </p:spPr>
+        <p:style>
+          <a:lnRef idx="2">
+            <a:schemeClr val="accent1">
+              <a:shade val="50000"/>
+            </a:schemeClr>
+          </a:lnRef>
+          <a:fillRef idx="1">
+            <a:schemeClr val="accent1"/>
+          </a:fillRef>
+          <a:effectRef idx="0">
+            <a:schemeClr val="accent1"/>
+          </a:effectRef>
+          <a:fontRef idx="minor">
+            <a:schemeClr val="lt1"/>
+          </a:fontRef>
+        </p:style>
+        <p:txBody>
+          <a:bodyPr rtlCol="0" anchor="ctr"/>
+          <a:lstStyle/>
+          <a:p>
+            <a:pPr algn="ctr"/>
+            <a:endParaRPr lang="en-US"/>
+          </a:p>
+        </p:txBody>
+      </p:sp>
+      <p:sp>
+        <p:nvSpPr>
+          <p:cNvPr id="12" name="Rectangle 11">
+            <a:extLst>
+              <a:ext uri="{FF2B5EF4-FFF2-40B4-BE49-F238E27FC236}">
+                <a16:creationId xmlns:a16="http://schemas.microsoft.com/office/drawing/2014/main" id="{BC4C4868-CB8F-4AF9-9CDB-8108F2C19B67}"/>
+              </a:ext>
+              <a:ext uri="{C183D7F6-B498-43B3-948B-1728B52AA6E4}">
+                <adec:decorative xmlns:adec="http://schemas.microsoft.com/office/drawing/2017/decorative" val="1"/>
+              </a:ext>
+            </a:extLst>
+          </p:cNvPr>
+          <p:cNvSpPr>
+            <a:spLocks noGrp="1" noRot="1" noChangeAspect="1" noMove="1" noResize="1" noEditPoints="1" noAdjustHandles="1" noChangeArrowheads="1" noChangeShapeType="1" noTextEdit="1"/>
+          </p:cNvSpPr>
+          <p:nvPr>
+            <p:extLst>
+              <p:ext uri="{386F3935-93C4-4BCD-93E2-E3B085C9AB24}">
+                <p16:designElem xmlns:p16="http://schemas.microsoft.com/office/powerpoint/2015/main" val="1"/>
+              </p:ext>
+            </p:extLst>
+          </p:nvPr>
+        </p:nvSpPr>
+        <p:spPr>
+          <a:xfrm rot="10800000" flipH="1">
+            <a:off x="-3" y="0"/>
+            <a:ext cx="8115306" cy="1590742"/>
+          </a:xfrm>
+          <a:prstGeom prst="rect">
+            <a:avLst/>
+          </a:prstGeom>
+          <a:gradFill>
+            <a:gsLst>
+              <a:gs pos="20000">
+                <a:schemeClr val="accent1">
+                  <a:alpha val="0"/>
+                </a:schemeClr>
+              </a:gs>
+              <a:gs pos="100000">
+                <a:schemeClr val="accent1">
+                  <a:lumMod val="50000"/>
+                  <a:alpha val="55000"/>
+                </a:schemeClr>
+              </a:gs>
+            </a:gsLst>
+            <a:lin ang="13800000" scaled="0"/>
+          </a:gradFill>
+          <a:ln>
+            <a:noFill/>
+          </a:ln>
+        </p:spPr>
+        <p:style>
+          <a:lnRef idx="2">
+            <a:schemeClr val="accent1">
+              <a:shade val="50000"/>
+            </a:schemeClr>
+          </a:lnRef>
+          <a:fillRef idx="1">
+            <a:schemeClr val="accent1"/>
+          </a:fillRef>
+          <a:effectRef idx="0">
+            <a:schemeClr val="accent1"/>
+          </a:effectRef>
+          <a:fontRef idx="minor">
+            <a:schemeClr val="lt1"/>
+          </a:fontRef>
+        </p:style>
+        <p:txBody>
+          <a:bodyPr rtlCol="0" anchor="ctr"/>
+          <a:lstStyle/>
+          <a:p>
+            <a:pPr algn="ctr"/>
+            <a:endParaRPr lang="en-US"/>
+          </a:p>
+        </p:txBody>
+      </p:sp>
+      <p:sp>
+        <p:nvSpPr>
+          <p:cNvPr id="14" name="Rectangle 13">
+            <a:extLst>
+              <a:ext uri="{FF2B5EF4-FFF2-40B4-BE49-F238E27FC236}">
+                <a16:creationId xmlns:a16="http://schemas.microsoft.com/office/drawing/2014/main" id="{375E0459-6403-40CD-989D-56A4407CA12E}"/>
+              </a:ext>
+              <a:ext uri="{C183D7F6-B498-43B3-948B-1728B52AA6E4}">
+                <adec:decorative xmlns:adec="http://schemas.microsoft.com/office/drawing/2017/decorative" val="1"/>
+              </a:ext>
+            </a:extLst>
+          </p:cNvPr>
+          <p:cNvSpPr>
+            <a:spLocks noGrp="1" noRot="1" noChangeAspect="1" noMove="1" noResize="1" noEditPoints="1" noAdjustHandles="1" noChangeArrowheads="1" noChangeShapeType="1" noTextEdit="1"/>
+          </p:cNvSpPr>
+          <p:nvPr>
+            <p:extLst>
+              <p:ext uri="{386F3935-93C4-4BCD-93E2-E3B085C9AB24}">
+                <p16:designElem xmlns:p16="http://schemas.microsoft.com/office/powerpoint/2015/main" val="1"/>
+              </p:ext>
+            </p:extLst>
+          </p:nvPr>
+        </p:nvSpPr>
+        <p:spPr>
+          <a:xfrm flipH="1">
+            <a:off x="8115299" y="-1"/>
+            <a:ext cx="4076698" cy="1590742"/>
+          </a:xfrm>
+          <a:prstGeom prst="rect">
+            <a:avLst/>
+          </a:prstGeom>
+          <a:gradFill>
+            <a:gsLst>
+              <a:gs pos="0">
+                <a:schemeClr val="accent1">
+                  <a:alpha val="66000"/>
+                </a:schemeClr>
+              </a:gs>
+              <a:gs pos="100000">
+                <a:srgbClr val="000000">
+                  <a:alpha val="30000"/>
+                </a:srgbClr>
+              </a:gs>
+            </a:gsLst>
+            <a:lin ang="13200000" scaled="0"/>
+          </a:gradFill>
+          <a:ln>
+            <a:noFill/>
+          </a:ln>
+        </p:spPr>
+        <p:style>
+          <a:lnRef idx="2">
+            <a:schemeClr val="accent1">
+              <a:shade val="50000"/>
+            </a:schemeClr>
+          </a:lnRef>
+          <a:fillRef idx="1">
+            <a:schemeClr val="accent1"/>
+          </a:fillRef>
+          <a:effectRef idx="0">
+            <a:schemeClr val="accent1"/>
+          </a:effectRef>
+          <a:fontRef idx="minor">
+            <a:schemeClr val="lt1"/>
+          </a:fontRef>
+        </p:style>
+        <p:txBody>
+          <a:bodyPr rtlCol="0" anchor="ctr"/>
+          <a:lstStyle/>
+          <a:p>
+            <a:pPr algn="ctr"/>
+            <a:endParaRPr lang="en-US"/>
+          </a:p>
+        </p:txBody>
+      </p:sp>
+      <p:sp>
+        <p:nvSpPr>
+          <p:cNvPr id="16" name="Rectangle 15">
+            <a:extLst>
+              <a:ext uri="{FF2B5EF4-FFF2-40B4-BE49-F238E27FC236}">
+                <a16:creationId xmlns:a16="http://schemas.microsoft.com/office/drawing/2014/main" id="{53E5B1A8-3AC9-4BD1-9BBC-78CA94F2D1BA}"/>
+              </a:ext>
+              <a:ext uri="{C183D7F6-B498-43B3-948B-1728B52AA6E4}">
+                <adec:decorative xmlns:adec="http://schemas.microsoft.com/office/drawing/2017/decorative" val="1"/>
+              </a:ext>
+            </a:extLst>
+          </p:cNvPr>
+          <p:cNvSpPr>
+            <a:spLocks noGrp="1" noRot="1" noChangeAspect="1" noMove="1" noResize="1" noEditPoints="1" noAdjustHandles="1" noChangeArrowheads="1" noChangeShapeType="1" noTextEdit="1"/>
+          </p:cNvSpPr>
+          <p:nvPr>
+            <p:extLst>
+              <p:ext uri="{386F3935-93C4-4BCD-93E2-E3B085C9AB24}">
+                <p16:designElem xmlns:p16="http://schemas.microsoft.com/office/powerpoint/2015/main" val="1"/>
+              </p:ext>
+            </p:extLst>
+          </p:nvPr>
+        </p:nvSpPr>
+        <p:spPr>
+          <a:xfrm>
+            <a:off x="459350" y="-1"/>
+            <a:ext cx="11732646" cy="1597433"/>
+          </a:xfrm>
+          <a:prstGeom prst="rect">
+            <a:avLst/>
+          </a:prstGeom>
+          <a:gradFill>
+            <a:gsLst>
+              <a:gs pos="50000">
+                <a:srgbClr val="000000">
+                  <a:alpha val="0"/>
+                </a:srgbClr>
+              </a:gs>
+              <a:gs pos="99000">
+                <a:schemeClr val="accent1">
+                  <a:lumMod val="50000"/>
+                  <a:alpha val="52000"/>
+                </a:schemeClr>
+              </a:gs>
+            </a:gsLst>
+            <a:lin ang="16800000" scaled="0"/>
+          </a:gradFill>
+          <a:ln>
+            <a:noFill/>
+          </a:ln>
+        </p:spPr>
+        <p:style>
+          <a:lnRef idx="2">
+            <a:schemeClr val="accent1">
+              <a:shade val="50000"/>
+            </a:schemeClr>
+          </a:lnRef>
+          <a:fillRef idx="1">
+            <a:schemeClr val="accent1"/>
+          </a:fillRef>
+          <a:effectRef idx="0">
+            <a:schemeClr val="accent1"/>
+          </a:effectRef>
+          <a:fontRef idx="minor">
+            <a:schemeClr val="lt1"/>
+          </a:fontRef>
+        </p:style>
+        <p:txBody>
+          <a:bodyPr rtlCol="0" anchor="ctr"/>
+          <a:lstStyle/>
+          <a:p>
+            <a:pPr algn="ctr"/>
+            <a:endParaRPr lang="en-US"/>
+          </a:p>
+        </p:txBody>
+      </p:sp>
+      <p:sp>
+        <p:nvSpPr>
+          <p:cNvPr id="2" name="Titolo 1">
+            <a:extLst>
+              <a:ext uri="{FF2B5EF4-FFF2-40B4-BE49-F238E27FC236}">
                 <a16:creationId xmlns:a16="http://schemas.microsoft.com/office/drawing/2014/main" id="{2079CA20-8AFE-1688-5087-D78736A7E6DE}"/>
               </a:ext>
             </a:extLst>
@@ -7483,7 +8309,7 @@
 </p:sld>
 </file>
 
-<file path=ppt/slides/slide16.xml><?xml version="1.0" encoding="utf-8"?>
+<file path=ppt/slides/slide17.xml><?xml version="1.0" encoding="utf-8"?>
 <p:sld xmlns:a="http://schemas.openxmlformats.org/drawingml/2006/main" xmlns:r="http://schemas.openxmlformats.org/officeDocument/2006/relationships" xmlns:p="http://schemas.openxmlformats.org/presentationml/2006/main">
   <p:cSld>
     <p:bg>
@@ -10419,34 +11245,59 @@
           <a:p>
             <a:r>
               <a:rPr lang="it-IT" dirty="0"/>
-              <a:t>L’app si appoggia sul sensore accelerometrico e sul giroscopio per il calcolo dell’angolo, combinando i dati attraverso un filtro complementare.</a:t>
-            </a:r>
-          </a:p>
-          <a:p>
+              <a:t>L’app si appoggia sul sensore accelerometrico e sul giroscopio per il </a:t>
+            </a:r>
+            <a:r>
+              <a:rPr lang="it-IT"/>
+              <a:t>calcolo dell’angolo, </a:t>
+            </a:r>
             <a:r>
               <a:rPr lang="it-IT" dirty="0"/>
-              <a:t>La velocità è calcolata utilizzando la posizione GPS.</a:t>
-            </a:r>
+              <a:t>combinando i dati attraverso un </a:t>
+            </a:r>
+            <a:r>
+              <a:rPr lang="it-IT"/>
+              <a:t>filtro complementare</a:t>
+            </a:r>
+            <a:endParaRPr lang="it-IT" dirty="0"/>
           </a:p>
           <a:p>
             <a:r>
               <a:rPr lang="it-IT" dirty="0"/>
-              <a:t>I dati vengono salvati in un database </a:t>
-            </a:r>
-            <a:r>
-              <a:rPr lang="it-IT" dirty="0" err="1"/>
-              <a:t>SQLite</a:t>
+              <a:t>La velocità è calcolata </a:t>
+            </a:r>
+            <a:r>
+              <a:rPr lang="it-IT"/>
+              <a:t>utilizzando un servizio GPS</a:t>
+            </a:r>
+          </a:p>
+          <a:p>
+            <a:r>
+              <a:rPr lang="it-IT"/>
+              <a:t>L’accelerazione sfrutta il sensore di accelerazione lineare</a:t>
+            </a:r>
+            <a:endParaRPr lang="it-IT" dirty="0"/>
+          </a:p>
+          <a:p>
+            <a:r>
+              <a:rPr lang="it-IT"/>
+              <a:t>Il tempo di salto viene calcolato a partire dai dati accelerometrici</a:t>
+            </a:r>
+          </a:p>
+          <a:p>
+            <a:r>
+              <a:rPr lang="it-IT"/>
+              <a:t>Infine i </a:t>
             </a:r>
             <a:r>
               <a:rPr lang="it-IT" dirty="0"/>
-              <a:t>.</a:t>
-            </a:r>
-          </a:p>
-          <a:p>
-            <a:r>
-              <a:rPr lang="it-IT" dirty="0"/>
-              <a:t>Il tempo di salto viene calcolato a partire dai dati accelerometrici.</a:t>
-            </a:r>
+              <a:t>dati vengono salvati in un </a:t>
+            </a:r>
+            <a:r>
+              <a:rPr lang="it-IT"/>
+              <a:t>database SQLite.</a:t>
+            </a:r>
+            <a:endParaRPr lang="it-IT" dirty="0"/>
           </a:p>
         </p:txBody>
       </p:sp>
@@ -11178,8 +12029,13 @@
               <a:p>
                 <a:r>
                   <a:rPr lang="it-IT" dirty="0"/>
-                  <a:t>A causa della natura del giroscopio, tuttavia, il calcolo dell’angolo tende a divergere dalla reale misura, con il passare del tempo, in maniera troppo evidente.</a:t>
+                  <a:t>A causa della natura del giroscopio, tuttavia, il calcolo dell’angolo tende a divergere dalla reale misura, con il passare del tempo, in </a:t>
                 </a:r>
+                <a:r>
+                  <a:rPr lang="it-IT"/>
+                  <a:t>maniera non trascurabile.</a:t>
+                </a:r>
+                <a:endParaRPr lang="it-IT" dirty="0"/>
               </a:p>
             </p:txBody>
           </p:sp>
@@ -11228,8 +12084,8 @@
           </p:sp>
         </mc:Fallback>
       </mc:AlternateContent>
-      <mc:AlternateContent xmlns:mc="http://schemas.openxmlformats.org/markup-compatibility/2006">
-        <mc:Choice xmlns:a14="http://schemas.microsoft.com/office/drawing/2010/main" Requires="a14">
+      <mc:AlternateContent xmlns:mc="http://schemas.openxmlformats.org/markup-compatibility/2006" xmlns:a14="http://schemas.microsoft.com/office/drawing/2010/main">
+        <mc:Choice Requires="a14">
           <p:sp>
             <p:nvSpPr>
               <p:cNvPr id="4" name="CasellaDiTesto 3">
@@ -11313,7 +12169,7 @@
             </p:txBody>
           </p:sp>
         </mc:Choice>
-        <mc:Fallback>
+        <mc:Fallback xmlns="">
           <p:sp>
             <p:nvSpPr>
               <p:cNvPr id="4" name="CasellaDiTesto 3">
@@ -11862,8 +12718,13 @@
           <a:p>
             <a:r>
               <a:rPr lang="it-IT" dirty="0"/>
-              <a:t>La misurazione è tuttavia inaffidabile a causa del rumore introdotto dall’accelerometro e dalla presenza di altre accelerazioni</a:t>
-            </a:r>
+              <a:t>La misurazione è tuttavia inaffidabile a causa del rumore introdotto dall’accelerometro e dalla presenza di </a:t>
+            </a:r>
+            <a:r>
+              <a:rPr lang="it-IT"/>
+              <a:t>altre accelerazioni.</a:t>
+            </a:r>
+            <a:endParaRPr lang="it-IT" dirty="0"/>
           </a:p>
         </p:txBody>
       </p:sp>
@@ -12827,8 +13688,21 @@
               <a:p>
                 <a:r>
                   <a:rPr lang="it-IT" dirty="0"/>
-                  <a:t>Utilizziamo il filtro complementare per combinare i valori ottenuti dai due sensori. L’utilizzo dei due sensori permette infatti di ottenere una misurazione accurata dell’angolo, eliminando le criticità introdotte dai due sensori.</a:t>
+                  <a:t>Utilizziamo il filtro complementare per combinare i valori ottenuti dai due </a:t>
                 </a:r>
+                <a:r>
+                  <a:rPr lang="it-IT"/>
+                  <a:t>sensori. L’utilizzo </a:t>
+                </a:r>
+                <a:r>
+                  <a:rPr lang="it-IT" dirty="0"/>
+                  <a:t>dei due sensori permette infatti di ottenere una misurazione accurata </a:t>
+                </a:r>
+                <a:r>
+                  <a:rPr lang="it-IT"/>
+                  <a:t>dell’angolo, questi compensano l’uno l’errore introdotto dall’altro.</a:t>
+                </a:r>
+                <a:endParaRPr lang="it-IT" dirty="0"/>
               </a:p>
               <a:p>
                 <a:r>
@@ -12940,9 +13814,18 @@
               </a:p>
               <a:p>
                 <a:r>
+                  <a:rPr lang="it-IT"/>
+                  <a:t>Il nuovo angolo viene misurato ogni </a:t>
+                </a:r>
+                <a:r>
                   <a:rPr lang="it-IT" dirty="0"/>
-                  <a:t>Aggiorniamo i valori ogni volta che uno dei due sensori aggiorna il valore.</a:t>
+                  <a:t>volta che uno dei due sensori aggiorna </a:t>
                 </a:r>
+                <a:r>
+                  <a:rPr lang="it-IT"/>
+                  <a:t>il valore.</a:t>
+                </a:r>
+                <a:endParaRPr lang="it-IT" dirty="0"/>
               </a:p>
             </p:txBody>
           </p:sp>
@@ -12972,7 +13855,7 @@
               <a:blipFill>
                 <a:blip r:embed="rId2"/>
                 <a:stretch>
-                  <a:fillRect l="-1064" t="-988" r="-1190" b="-1977"/>
+                  <a:fillRect l="-1064" t="-988" b="-1977"/>
                 </a:stretch>
               </a:blipFill>
             </p:spPr>
@@ -13482,20 +14365,42 @@
         </p:style>
         <p:txBody>
           <a:bodyPr anchor="ctr">
-            <a:normAutofit fontScale="92500"/>
+            <a:normAutofit fontScale="92500" lnSpcReduction="10000"/>
           </a:bodyPr>
           <a:lstStyle/>
           <a:p>
             <a:r>
+              <a:rPr lang="it-IT"/>
+              <a:t>All’inizio dell’attività avviene una calibrazione dove si ricava </a:t>
+            </a:r>
+            <a:r>
               <a:rPr lang="it-IT" dirty="0"/>
-              <a:t>La calibrazione avviene all’inizio dell’attività ricavando un sistema di riferimento solidale con la moto.</a:t>
-            </a:r>
+              <a:t>un sistema di riferimento solidale con </a:t>
+            </a:r>
+            <a:r>
+              <a:rPr lang="it-IT"/>
+              <a:t>la moto</a:t>
+            </a:r>
+            <a:endParaRPr lang="it-IT" dirty="0"/>
           </a:p>
           <a:p>
             <a:r>
               <a:rPr lang="it-IT" dirty="0"/>
-              <a:t>Tutti i valori successivi ottenuti dai sensori vengono convertiti nel nuovo sistema di riferimento.</a:t>
-            </a:r>
+              <a:t>Tutti i valori successivi ottenuti dai </a:t>
+            </a:r>
+            <a:r>
+              <a:rPr lang="it-IT"/>
+              <a:t>sensori verranno </a:t>
+            </a:r>
+            <a:r>
+              <a:rPr lang="it-IT" dirty="0"/>
+              <a:t>convertiti nel nuovo sistema </a:t>
+            </a:r>
+            <a:r>
+              <a:rPr lang="it-IT"/>
+              <a:t>di riferimento.</a:t>
+            </a:r>
+            <a:endParaRPr lang="it-IT" dirty="0"/>
           </a:p>
           <a:p>
             <a:r>
@@ -13534,8 +14439,8 @@
         </p:blipFill>
         <p:spPr bwMode="auto">
           <a:xfrm>
-            <a:off x="7636042" y="2680768"/>
-            <a:ext cx="4286134" cy="2973506"/>
+            <a:off x="6982181" y="2227152"/>
+            <a:ext cx="4939995" cy="3427122"/>
           </a:xfrm>
           <a:prstGeom prst="rect">
             <a:avLst/>

--- a/BikeActivity.pptx
+++ b/BikeActivity.pptx
@@ -5308,47 +5308,38 @@
       </p:sp>
       <p:pic>
         <p:nvPicPr>
-          <p:cNvPr id="1026" name="Picture 2" descr="immagine">
-            <a:extLst>
-              <a:ext uri="{FF2B5EF4-FFF2-40B4-BE49-F238E27FC236}">
-                <a16:creationId xmlns:a16="http://schemas.microsoft.com/office/drawing/2014/main" id="{7CBAA520-8409-82B0-66E0-8FE51AD467F7}"/>
+          <p:cNvPr id="4" name="Immagine 3">
+            <a:extLst>
+              <a:ext uri="{FF2B5EF4-FFF2-40B4-BE49-F238E27FC236}">
+                <a16:creationId xmlns:a16="http://schemas.microsoft.com/office/drawing/2014/main" id="{619D4681-E24C-4AC9-9234-86ABDF5076F6}"/>
               </a:ext>
             </a:extLst>
           </p:cNvPr>
           <p:cNvPicPr>
-            <a:picLocks noChangeAspect="1" noChangeArrowheads="1"/>
+            <a:picLocks noChangeAspect="1"/>
           </p:cNvPicPr>
           <p:nvPr/>
         </p:nvPicPr>
         <p:blipFill rotWithShape="1">
           <a:blip r:embed="rId2">
+            <a:alphaModFix/>
             <a:extLst>
               <a:ext uri="{28A0092B-C50C-407E-A947-70E740481C1C}">
                 <a14:useLocalDpi xmlns:a14="http://schemas.microsoft.com/office/drawing/2010/main" val="0"/>
               </a:ext>
             </a:extLst>
           </a:blip>
-          <a:srcRect l="13677" t="12954" r="13593" b="8074"/>
+          <a:srcRect r="9441" b="12804"/>
           <a:stretch/>
         </p:blipFill>
-        <p:spPr bwMode="auto">
+        <p:spPr>
           <a:xfrm>
-            <a:off x="4281669" y="550726"/>
-            <a:ext cx="7689243" cy="5901147"/>
+            <a:off x="4447051" y="501497"/>
+            <a:ext cx="7189268" cy="5994194"/>
           </a:xfrm>
           <a:prstGeom prst="rect">
             <a:avLst/>
           </a:prstGeom>
-          <a:noFill/>
-          <a:extLst>
-            <a:ext uri="{909E8E84-426E-40DD-AFC4-6F175D3DCCD1}">
-              <a14:hiddenFill xmlns:a14="http://schemas.microsoft.com/office/drawing/2010/main">
-                <a:solidFill>
-                  <a:srgbClr val="FFFFFF"/>
-                </a:solidFill>
-              </a14:hiddenFill>
-            </a:ext>
-          </a:extLst>
         </p:spPr>
       </p:pic>
     </p:spTree>
@@ -5361,98 +5352,6 @@
   <p:clrMapOvr>
     <a:masterClrMapping/>
   </p:clrMapOvr>
-  <p:timing>
-    <p:tnLst>
-      <p:par>
-        <p:cTn id="1" dur="indefinite" restart="never" nodeType="tmRoot">
-          <p:childTnLst>
-            <p:seq concurrent="1" nextAc="seek">
-              <p:cTn id="2" dur="indefinite" nodeType="mainSeq">
-                <p:childTnLst>
-                  <p:par>
-                    <p:cTn id="3" fill="hold">
-                      <p:stCondLst>
-                        <p:cond delay="indefinite"/>
-                        <p:cond evt="onBegin" delay="0">
-                          <p:tn val="2"/>
-                        </p:cond>
-                      </p:stCondLst>
-                      <p:childTnLst>
-                        <p:par>
-                          <p:cTn id="4" fill="hold">
-                            <p:stCondLst>
-                              <p:cond delay="0"/>
-                            </p:stCondLst>
-                            <p:childTnLst>
-                              <p:par>
-                                <p:cTn id="5" presetID="10" presetClass="entr" presetSubtype="0" fill="hold" grpId="0" nodeType="withEffect">
-                                  <p:stCondLst>
-                                    <p:cond delay="1000"/>
-                                  </p:stCondLst>
-                                  <p:iterate type="lt">
-                                    <p:tmPct val="10000"/>
-                                  </p:iterate>
-                                  <p:childTnLst>
-                                    <p:set>
-                                      <p:cBhvr>
-                                        <p:cTn id="6" dur="1" fill="hold">
-                                          <p:stCondLst>
-                                            <p:cond delay="0"/>
-                                          </p:stCondLst>
-                                        </p:cTn>
-                                        <p:tgtEl>
-                                          <p:spTgt spid="2"/>
-                                        </p:tgtEl>
-                                        <p:attrNameLst>
-                                          <p:attrName>style.visibility</p:attrName>
-                                        </p:attrNameLst>
-                                      </p:cBhvr>
-                                      <p:to>
-                                        <p:strVal val="visible"/>
-                                      </p:to>
-                                    </p:set>
-                                    <p:animEffect transition="in" filter="fade">
-                                      <p:cBhvr>
-                                        <p:cTn id="7" dur="400"/>
-                                        <p:tgtEl>
-                                          <p:spTgt spid="2"/>
-                                        </p:tgtEl>
-                                      </p:cBhvr>
-                                    </p:animEffect>
-                                  </p:childTnLst>
-                                </p:cTn>
-                              </p:par>
-                            </p:childTnLst>
-                          </p:cTn>
-                        </p:par>
-                      </p:childTnLst>
-                    </p:cTn>
-                  </p:par>
-                </p:childTnLst>
-              </p:cTn>
-              <p:prevCondLst>
-                <p:cond evt="onPrev" delay="0">
-                  <p:tgtEl>
-                    <p:sldTgt/>
-                  </p:tgtEl>
-                </p:cond>
-              </p:prevCondLst>
-              <p:nextCondLst>
-                <p:cond evt="onNext" delay="0">
-                  <p:tgtEl>
-                    <p:sldTgt/>
-                  </p:tgtEl>
-                </p:cond>
-              </p:nextCondLst>
-            </p:seq>
-          </p:childTnLst>
-        </p:cTn>
-      </p:par>
-    </p:tnLst>
-    <p:bldLst>
-      <p:bldP spid="2" grpId="0"/>
-    </p:bldLst>
-  </p:timing>
 </p:sld>
 </file>
 
@@ -5896,55 +5795,2570 @@
           </a:p>
         </p:txBody>
       </p:sp>
-      <p:sp>
-        <p:nvSpPr>
-          <p:cNvPr id="3" name="Segnaposto contenuto 2">
-            <a:extLst>
-              <a:ext uri="{FF2B5EF4-FFF2-40B4-BE49-F238E27FC236}">
-                <a16:creationId xmlns:a16="http://schemas.microsoft.com/office/drawing/2014/main" id="{0BC732F3-5C81-7C85-BE24-576EA102184E}"/>
-              </a:ext>
-            </a:extLst>
-          </p:cNvPr>
-          <p:cNvSpPr>
-            <a:spLocks noGrp="1"/>
-          </p:cNvSpPr>
-          <p:nvPr>
-            <p:ph idx="1"/>
-          </p:nvPr>
-        </p:nvSpPr>
-        <p:spPr>
+      <p:grpSp>
+        <p:nvGrpSpPr>
+          <p:cNvPr id="34" name="Gruppo 33">
+            <a:extLst>
+              <a:ext uri="{FF2B5EF4-FFF2-40B4-BE49-F238E27FC236}">
+                <a16:creationId xmlns:a16="http://schemas.microsoft.com/office/drawing/2014/main" id="{7CE40EAF-6D51-44E4-828B-DE1BF4C4AC53}"/>
+              </a:ext>
+            </a:extLst>
+          </p:cNvPr>
+          <p:cNvGrpSpPr/>
+          <p:nvPr/>
+        </p:nvGrpSpPr>
+        <p:grpSpPr>
           <a:xfrm>
-            <a:off x="1371599" y="2318197"/>
-            <a:ext cx="9724031" cy="3683358"/>
+            <a:off x="2746805" y="924580"/>
+            <a:ext cx="9356794" cy="1470189"/>
+            <a:chOff x="2746805" y="752044"/>
+            <a:chExt cx="9356794" cy="1470189"/>
           </a:xfrm>
-        </p:spPr>
-        <p:style>
-          <a:lnRef idx="2">
-            <a:schemeClr val="accent1"/>
-          </a:lnRef>
-          <a:fillRef idx="1">
-            <a:schemeClr val="lt1"/>
-          </a:fillRef>
-          <a:effectRef idx="0">
-            <a:schemeClr val="accent1"/>
-          </a:effectRef>
-          <a:fontRef idx="minor">
-            <a:schemeClr val="dk1"/>
-          </a:fontRef>
-        </p:style>
-        <p:txBody>
-          <a:bodyPr anchor="ctr">
-            <a:normAutofit/>
-          </a:bodyPr>
-          <a:lstStyle/>
-          <a:p>
-            <a:pPr marL="0" indent="0">
-              <a:buNone/>
-            </a:pPr>
-            <a:endParaRPr lang="it-IT" sz="2000" dirty="0"/>
-          </a:p>
-        </p:txBody>
-      </p:sp>
+        </p:grpSpPr>
+        <p:grpSp>
+          <p:nvGrpSpPr>
+            <p:cNvPr id="32" name="Gruppo 31">
+              <a:extLst>
+                <a:ext uri="{FF2B5EF4-FFF2-40B4-BE49-F238E27FC236}">
+                  <a16:creationId xmlns:a16="http://schemas.microsoft.com/office/drawing/2014/main" id="{8BF2DE47-E103-4BFC-8CF3-DFBB5ADA2EDD}"/>
+                </a:ext>
+              </a:extLst>
+            </p:cNvPr>
+            <p:cNvGrpSpPr/>
+            <p:nvPr/>
+          </p:nvGrpSpPr>
+          <p:grpSpPr>
+            <a:xfrm>
+              <a:off x="2746805" y="752044"/>
+              <a:ext cx="9356794" cy="1470189"/>
+              <a:chOff x="2823005" y="752044"/>
+              <a:chExt cx="9356794" cy="1470189"/>
+            </a:xfrm>
+          </p:grpSpPr>
+          <p:grpSp>
+            <p:nvGrpSpPr>
+              <p:cNvPr id="30" name="Gruppo 29">
+                <a:extLst>
+                  <a:ext uri="{FF2B5EF4-FFF2-40B4-BE49-F238E27FC236}">
+                    <a16:creationId xmlns:a16="http://schemas.microsoft.com/office/drawing/2014/main" id="{73E7F47A-2C86-491D-ADDD-848113D9E2F4}"/>
+                  </a:ext>
+                </a:extLst>
+              </p:cNvPr>
+              <p:cNvGrpSpPr/>
+              <p:nvPr/>
+            </p:nvGrpSpPr>
+            <p:grpSpPr>
+              <a:xfrm>
+                <a:off x="2823005" y="752044"/>
+                <a:ext cx="9356794" cy="1470189"/>
+                <a:chOff x="2823005" y="752044"/>
+                <a:chExt cx="9356794" cy="1470189"/>
+              </a:xfrm>
+            </p:grpSpPr>
+            <p:sp>
+              <p:nvSpPr>
+                <p:cNvPr id="15" name="Rettangolo 14">
+                  <a:extLst>
+                    <a:ext uri="{FF2B5EF4-FFF2-40B4-BE49-F238E27FC236}">
+                      <a16:creationId xmlns:a16="http://schemas.microsoft.com/office/drawing/2014/main" id="{EE7781FC-E67B-4E38-A487-B0CF9CAA4D69}"/>
+                    </a:ext>
+                  </a:extLst>
+                </p:cNvPr>
+                <p:cNvSpPr/>
+                <p:nvPr/>
+              </p:nvSpPr>
+              <p:spPr>
+                <a:xfrm>
+                  <a:off x="2823005" y="1122879"/>
+                  <a:ext cx="9356794" cy="1099354"/>
+                </a:xfrm>
+                <a:prstGeom prst="rect">
+                  <a:avLst/>
+                </a:prstGeom>
+                <a:solidFill>
+                  <a:schemeClr val="bg1"/>
+                </a:solidFill>
+                <a:ln>
+                  <a:solidFill>
+                    <a:schemeClr val="tx1"/>
+                  </a:solidFill>
+                  <a:extLst>
+                    <a:ext uri="{C807C97D-BFC1-408E-A445-0C87EB9F89A2}">
+                      <ask:lineSketchStyleProps xmlns:ask="http://schemas.microsoft.com/office/drawing/2018/sketchyshapes">
+                        <ask:type>
+                          <ask:lineSketchNone/>
+                        </ask:type>
+                      </ask:lineSketchStyleProps>
+                    </a:ext>
+                  </a:extLst>
+                </a:ln>
+              </p:spPr>
+              <p:style>
+                <a:lnRef idx="2">
+                  <a:schemeClr val="accent1">
+                    <a:shade val="50000"/>
+                  </a:schemeClr>
+                </a:lnRef>
+                <a:fillRef idx="1">
+                  <a:schemeClr val="accent1"/>
+                </a:fillRef>
+                <a:effectRef idx="0">
+                  <a:schemeClr val="accent1"/>
+                </a:effectRef>
+                <a:fontRef idx="minor">
+                  <a:schemeClr val="lt1"/>
+                </a:fontRef>
+              </p:style>
+              <p:txBody>
+                <a:bodyPr rtlCol="0" anchor="ctr"/>
+                <a:lstStyle/>
+                <a:p>
+                  <a:pPr algn="ctr"/>
+                  <a:endParaRPr lang="it-IT"/>
+                </a:p>
+              </p:txBody>
+            </p:sp>
+            <p:sp>
+              <p:nvSpPr>
+                <p:cNvPr id="9" name="Rettangolo 8">
+                  <a:extLst>
+                    <a:ext uri="{FF2B5EF4-FFF2-40B4-BE49-F238E27FC236}">
+                      <a16:creationId xmlns:a16="http://schemas.microsoft.com/office/drawing/2014/main" id="{856C1CA7-957C-4B38-A648-955FCBB27529}"/>
+                    </a:ext>
+                  </a:extLst>
+                </p:cNvPr>
+                <p:cNvSpPr/>
+                <p:nvPr/>
+              </p:nvSpPr>
+              <p:spPr>
+                <a:xfrm>
+                  <a:off x="6535242" y="752044"/>
+                  <a:ext cx="1900693" cy="845388"/>
+                </a:xfrm>
+                <a:prstGeom prst="rect">
+                  <a:avLst/>
+                </a:prstGeom>
+                <a:solidFill>
+                  <a:schemeClr val="bg1"/>
+                </a:solidFill>
+                <a:ln>
+                  <a:solidFill>
+                    <a:schemeClr val="tx1"/>
+                  </a:solidFill>
+                  <a:extLst>
+                    <a:ext uri="{C807C97D-BFC1-408E-A445-0C87EB9F89A2}">
+                      <ask:lineSketchStyleProps xmlns:ask="http://schemas.microsoft.com/office/drawing/2018/sketchyshapes">
+                        <ask:type>
+                          <ask:lineSketchNone/>
+                        </ask:type>
+                      </ask:lineSketchStyleProps>
+                    </a:ext>
+                  </a:extLst>
+                </a:ln>
+              </p:spPr>
+              <p:style>
+                <a:lnRef idx="2">
+                  <a:schemeClr val="accent1">
+                    <a:shade val="50000"/>
+                  </a:schemeClr>
+                </a:lnRef>
+                <a:fillRef idx="1">
+                  <a:schemeClr val="accent1"/>
+                </a:fillRef>
+                <a:effectRef idx="0">
+                  <a:schemeClr val="accent1"/>
+                </a:effectRef>
+                <a:fontRef idx="minor">
+                  <a:schemeClr val="lt1"/>
+                </a:fontRef>
+              </p:style>
+              <p:txBody>
+                <a:bodyPr rtlCol="0" anchor="ctr"/>
+                <a:lstStyle/>
+                <a:p>
+                  <a:pPr algn="ctr"/>
+                  <a:endParaRPr lang="it-IT"/>
+                </a:p>
+              </p:txBody>
+            </p:sp>
+          </p:grpSp>
+          <p:sp>
+            <p:nvSpPr>
+              <p:cNvPr id="31" name="Rettangolo 30">
+                <a:extLst>
+                  <a:ext uri="{FF2B5EF4-FFF2-40B4-BE49-F238E27FC236}">
+                    <a16:creationId xmlns:a16="http://schemas.microsoft.com/office/drawing/2014/main" id="{AD78E222-B403-4DE1-8F45-86C13DDA93B4}"/>
+                  </a:ext>
+                </a:extLst>
+              </p:cNvPr>
+              <p:cNvSpPr/>
+              <p:nvPr/>
+            </p:nvSpPr>
+            <p:spPr>
+              <a:xfrm>
+                <a:off x="6495945" y="1134650"/>
+                <a:ext cx="1978023" cy="610642"/>
+              </a:xfrm>
+              <a:prstGeom prst="rect">
+                <a:avLst/>
+              </a:prstGeom>
+              <a:solidFill>
+                <a:schemeClr val="bg1"/>
+              </a:solidFill>
+              <a:ln>
+                <a:solidFill>
+                  <a:schemeClr val="bg1"/>
+                </a:solidFill>
+                <a:extLst>
+                  <a:ext uri="{C807C97D-BFC1-408E-A445-0C87EB9F89A2}">
+                    <ask:lineSketchStyleProps xmlns:ask="http://schemas.microsoft.com/office/drawing/2018/sketchyshapes">
+                      <ask:type>
+                        <ask:lineSketchNone/>
+                      </ask:type>
+                    </ask:lineSketchStyleProps>
+                  </a:ext>
+                </a:extLst>
+              </a:ln>
+            </p:spPr>
+            <p:style>
+              <a:lnRef idx="2">
+                <a:schemeClr val="accent1">
+                  <a:shade val="50000"/>
+                </a:schemeClr>
+              </a:lnRef>
+              <a:fillRef idx="1">
+                <a:schemeClr val="accent1"/>
+              </a:fillRef>
+              <a:effectRef idx="0">
+                <a:schemeClr val="accent1"/>
+              </a:effectRef>
+              <a:fontRef idx="minor">
+                <a:schemeClr val="lt1"/>
+              </a:fontRef>
+            </p:style>
+            <p:txBody>
+              <a:bodyPr rtlCol="0" anchor="ctr"/>
+              <a:lstStyle/>
+              <a:p>
+                <a:pPr algn="ctr"/>
+                <a:endParaRPr lang="it-IT"/>
+              </a:p>
+            </p:txBody>
+          </p:sp>
+        </p:grpSp>
+        <p:pic>
+          <p:nvPicPr>
+            <p:cNvPr id="7" name="Immagine 6">
+              <a:extLst>
+                <a:ext uri="{FF2B5EF4-FFF2-40B4-BE49-F238E27FC236}">
+                  <a16:creationId xmlns:a16="http://schemas.microsoft.com/office/drawing/2014/main" id="{18D2DF83-0DB8-4CCE-B7FB-0F1F8C1C4775}"/>
+                </a:ext>
+              </a:extLst>
+            </p:cNvPr>
+            <p:cNvPicPr>
+              <a:picLocks noChangeAspect="1"/>
+            </p:cNvPicPr>
+            <p:nvPr/>
+          </p:nvPicPr>
+          <p:blipFill>
+            <a:blip r:embed="rId2">
+              <a:extLst>
+                <a:ext uri="{28A0092B-C50C-407E-A947-70E740481C1C}">
+                  <a14:useLocalDpi xmlns:a14="http://schemas.microsoft.com/office/drawing/2010/main" val="0"/>
+                </a:ext>
+              </a:extLst>
+            </a:blip>
+            <a:stretch>
+              <a:fillRect/>
+            </a:stretch>
+          </p:blipFill>
+          <p:spPr>
+            <a:xfrm>
+              <a:off x="2840880" y="835716"/>
+              <a:ext cx="9144000" cy="1295400"/>
+            </a:xfrm>
+            <a:prstGeom prst="rect">
+              <a:avLst/>
+            </a:prstGeom>
+          </p:spPr>
+        </p:pic>
+      </p:grpSp>
+      <p:grpSp>
+        <p:nvGrpSpPr>
+          <p:cNvPr id="41" name="Gruppo 40">
+            <a:extLst>
+              <a:ext uri="{FF2B5EF4-FFF2-40B4-BE49-F238E27FC236}">
+                <a16:creationId xmlns:a16="http://schemas.microsoft.com/office/drawing/2014/main" id="{820430C7-1C19-4896-A935-CB3464EEF5BF}"/>
+              </a:ext>
+            </a:extLst>
+          </p:cNvPr>
+          <p:cNvGrpSpPr/>
+          <p:nvPr/>
+        </p:nvGrpSpPr>
+        <p:grpSpPr>
+          <a:xfrm>
+            <a:off x="230921" y="2531120"/>
+            <a:ext cx="6949440" cy="1460529"/>
+            <a:chOff x="162560" y="2720311"/>
+            <a:chExt cx="6949440" cy="1460529"/>
+          </a:xfrm>
+        </p:grpSpPr>
+        <p:grpSp>
+          <p:nvGrpSpPr>
+            <p:cNvPr id="40" name="Gruppo 39">
+              <a:extLst>
+                <a:ext uri="{FF2B5EF4-FFF2-40B4-BE49-F238E27FC236}">
+                  <a16:creationId xmlns:a16="http://schemas.microsoft.com/office/drawing/2014/main" id="{F15EC753-9B05-4AEE-A8B1-97EB3550B724}"/>
+                </a:ext>
+              </a:extLst>
+            </p:cNvPr>
+            <p:cNvGrpSpPr/>
+            <p:nvPr/>
+          </p:nvGrpSpPr>
+          <p:grpSpPr>
+            <a:xfrm>
+              <a:off x="162560" y="2720311"/>
+              <a:ext cx="6949440" cy="1460529"/>
+              <a:chOff x="3600" y="2720311"/>
+              <a:chExt cx="7254967" cy="1460529"/>
+            </a:xfrm>
+          </p:grpSpPr>
+          <p:sp>
+            <p:nvSpPr>
+              <p:cNvPr id="35" name="Rettangolo 34">
+                <a:extLst>
+                  <a:ext uri="{FF2B5EF4-FFF2-40B4-BE49-F238E27FC236}">
+                    <a16:creationId xmlns:a16="http://schemas.microsoft.com/office/drawing/2014/main" id="{BB37B0B4-3718-4A10-A823-EB8DC3F572F6}"/>
+                  </a:ext>
+                </a:extLst>
+              </p:cNvPr>
+              <p:cNvSpPr/>
+              <p:nvPr/>
+            </p:nvSpPr>
+            <p:spPr>
+              <a:xfrm>
+                <a:off x="3600" y="2720311"/>
+                <a:ext cx="7254967" cy="546779"/>
+              </a:xfrm>
+              <a:prstGeom prst="rect">
+                <a:avLst/>
+              </a:prstGeom>
+              <a:solidFill>
+                <a:schemeClr val="bg1"/>
+              </a:solidFill>
+              <a:ln>
+                <a:solidFill>
+                  <a:schemeClr val="tx1"/>
+                </a:solidFill>
+              </a:ln>
+            </p:spPr>
+            <p:style>
+              <a:lnRef idx="2">
+                <a:schemeClr val="accent1">
+                  <a:shade val="50000"/>
+                </a:schemeClr>
+              </a:lnRef>
+              <a:fillRef idx="1">
+                <a:schemeClr val="accent1"/>
+              </a:fillRef>
+              <a:effectRef idx="0">
+                <a:schemeClr val="accent1"/>
+              </a:effectRef>
+              <a:fontRef idx="minor">
+                <a:schemeClr val="lt1"/>
+              </a:fontRef>
+            </p:style>
+            <p:txBody>
+              <a:bodyPr rtlCol="0" anchor="ctr"/>
+              <a:lstStyle/>
+              <a:p>
+                <a:pPr algn="ctr"/>
+                <a:endParaRPr lang="it-IT"/>
+              </a:p>
+            </p:txBody>
+          </p:sp>
+          <p:sp>
+            <p:nvSpPr>
+              <p:cNvPr id="37" name="Rettangolo 36">
+                <a:extLst>
+                  <a:ext uri="{FF2B5EF4-FFF2-40B4-BE49-F238E27FC236}">
+                    <a16:creationId xmlns:a16="http://schemas.microsoft.com/office/drawing/2014/main" id="{6140E102-20C9-43C8-92DE-DCFC6DE11DDB}"/>
+                  </a:ext>
+                </a:extLst>
+              </p:cNvPr>
+              <p:cNvSpPr/>
+              <p:nvPr/>
+            </p:nvSpPr>
+            <p:spPr>
+              <a:xfrm>
+                <a:off x="2146149" y="3657600"/>
+                <a:ext cx="2953960" cy="523240"/>
+              </a:xfrm>
+              <a:prstGeom prst="rect">
+                <a:avLst/>
+              </a:prstGeom>
+              <a:solidFill>
+                <a:schemeClr val="bg1"/>
+              </a:solidFill>
+              <a:ln>
+                <a:solidFill>
+                  <a:schemeClr val="tx1"/>
+                </a:solidFill>
+              </a:ln>
+            </p:spPr>
+            <p:style>
+              <a:lnRef idx="2">
+                <a:schemeClr val="accent1">
+                  <a:shade val="50000"/>
+                </a:schemeClr>
+              </a:lnRef>
+              <a:fillRef idx="1">
+                <a:schemeClr val="accent1"/>
+              </a:fillRef>
+              <a:effectRef idx="0">
+                <a:schemeClr val="accent1"/>
+              </a:effectRef>
+              <a:fontRef idx="minor">
+                <a:schemeClr val="lt1"/>
+              </a:fontRef>
+            </p:style>
+            <p:txBody>
+              <a:bodyPr rtlCol="0" anchor="ctr"/>
+              <a:lstStyle/>
+              <a:p>
+                <a:pPr algn="ctr"/>
+                <a:endParaRPr lang="it-IT"/>
+              </a:p>
+            </p:txBody>
+          </p:sp>
+          <p:sp>
+            <p:nvSpPr>
+              <p:cNvPr id="36" name="Rettangolo 35">
+                <a:extLst>
+                  <a:ext uri="{FF2B5EF4-FFF2-40B4-BE49-F238E27FC236}">
+                    <a16:creationId xmlns:a16="http://schemas.microsoft.com/office/drawing/2014/main" id="{AB26309A-AFBC-4139-9BEB-7E3EA6B7C0C0}"/>
+                  </a:ext>
+                </a:extLst>
+              </p:cNvPr>
+              <p:cNvSpPr/>
+              <p:nvPr/>
+            </p:nvSpPr>
+            <p:spPr>
+              <a:xfrm>
+                <a:off x="2848841" y="3175973"/>
+                <a:ext cx="1547898" cy="589263"/>
+              </a:xfrm>
+              <a:prstGeom prst="rect">
+                <a:avLst/>
+              </a:prstGeom>
+              <a:solidFill>
+                <a:schemeClr val="bg1"/>
+              </a:solidFill>
+              <a:ln>
+                <a:solidFill>
+                  <a:schemeClr val="tx1"/>
+                </a:solidFill>
+              </a:ln>
+            </p:spPr>
+            <p:style>
+              <a:lnRef idx="2">
+                <a:schemeClr val="accent1">
+                  <a:shade val="50000"/>
+                </a:schemeClr>
+              </a:lnRef>
+              <a:fillRef idx="1">
+                <a:schemeClr val="accent1"/>
+              </a:fillRef>
+              <a:effectRef idx="0">
+                <a:schemeClr val="accent1"/>
+              </a:effectRef>
+              <a:fontRef idx="minor">
+                <a:schemeClr val="lt1"/>
+              </a:fontRef>
+            </p:style>
+            <p:txBody>
+              <a:bodyPr rtlCol="0" anchor="ctr"/>
+              <a:lstStyle/>
+              <a:p>
+                <a:pPr algn="ctr"/>
+                <a:endParaRPr lang="it-IT"/>
+              </a:p>
+            </p:txBody>
+          </p:sp>
+          <p:sp>
+            <p:nvSpPr>
+              <p:cNvPr id="38" name="Rettangolo 37">
+                <a:extLst>
+                  <a:ext uri="{FF2B5EF4-FFF2-40B4-BE49-F238E27FC236}">
+                    <a16:creationId xmlns:a16="http://schemas.microsoft.com/office/drawing/2014/main" id="{C09570E4-218F-4CC8-8BAC-AD20CCCFAE16}"/>
+                  </a:ext>
+                </a:extLst>
+              </p:cNvPr>
+              <p:cNvSpPr/>
+              <p:nvPr/>
+            </p:nvSpPr>
+            <p:spPr>
+              <a:xfrm>
+                <a:off x="2705625" y="3665559"/>
+                <a:ext cx="1891140" cy="396136"/>
+              </a:xfrm>
+              <a:prstGeom prst="rect">
+                <a:avLst/>
+              </a:prstGeom>
+              <a:solidFill>
+                <a:schemeClr val="bg1"/>
+              </a:solidFill>
+              <a:ln>
+                <a:noFill/>
+              </a:ln>
+            </p:spPr>
+            <p:style>
+              <a:lnRef idx="2">
+                <a:schemeClr val="accent1">
+                  <a:shade val="50000"/>
+                </a:schemeClr>
+              </a:lnRef>
+              <a:fillRef idx="1">
+                <a:schemeClr val="accent1"/>
+              </a:fillRef>
+              <a:effectRef idx="0">
+                <a:schemeClr val="accent1"/>
+              </a:effectRef>
+              <a:fontRef idx="minor">
+                <a:schemeClr val="lt1"/>
+              </a:fontRef>
+            </p:style>
+            <p:txBody>
+              <a:bodyPr rtlCol="0" anchor="ctr"/>
+              <a:lstStyle/>
+              <a:p>
+                <a:pPr algn="ctr"/>
+                <a:endParaRPr lang="it-IT"/>
+              </a:p>
+            </p:txBody>
+          </p:sp>
+          <p:sp>
+            <p:nvSpPr>
+              <p:cNvPr id="39" name="Rettangolo 38">
+                <a:extLst>
+                  <a:ext uri="{FF2B5EF4-FFF2-40B4-BE49-F238E27FC236}">
+                    <a16:creationId xmlns:a16="http://schemas.microsoft.com/office/drawing/2014/main" id="{ECEFB588-861C-4C27-B9FF-D439B64440EF}"/>
+                  </a:ext>
+                </a:extLst>
+              </p:cNvPr>
+              <p:cNvSpPr/>
+              <p:nvPr/>
+            </p:nvSpPr>
+            <p:spPr>
+              <a:xfrm>
+                <a:off x="2633235" y="2824697"/>
+                <a:ext cx="1891140" cy="435750"/>
+              </a:xfrm>
+              <a:prstGeom prst="rect">
+                <a:avLst/>
+              </a:prstGeom>
+              <a:solidFill>
+                <a:schemeClr val="bg1"/>
+              </a:solidFill>
+              <a:ln>
+                <a:noFill/>
+              </a:ln>
+            </p:spPr>
+            <p:style>
+              <a:lnRef idx="2">
+                <a:schemeClr val="accent1">
+                  <a:shade val="50000"/>
+                </a:schemeClr>
+              </a:lnRef>
+              <a:fillRef idx="1">
+                <a:schemeClr val="accent1"/>
+              </a:fillRef>
+              <a:effectRef idx="0">
+                <a:schemeClr val="accent1"/>
+              </a:effectRef>
+              <a:fontRef idx="minor">
+                <a:schemeClr val="lt1"/>
+              </a:fontRef>
+            </p:style>
+            <p:txBody>
+              <a:bodyPr rtlCol="0" anchor="ctr"/>
+              <a:lstStyle/>
+              <a:p>
+                <a:pPr algn="ctr"/>
+                <a:endParaRPr lang="it-IT"/>
+              </a:p>
+            </p:txBody>
+          </p:sp>
+        </p:grpSp>
+        <p:pic>
+          <p:nvPicPr>
+            <p:cNvPr id="18" name="Immagine 17">
+              <a:extLst>
+                <a:ext uri="{FF2B5EF4-FFF2-40B4-BE49-F238E27FC236}">
+                  <a16:creationId xmlns:a16="http://schemas.microsoft.com/office/drawing/2014/main" id="{17F158F8-7FFB-45FE-AE39-CFA4BF08DA8D}"/>
+                </a:ext>
+              </a:extLst>
+            </p:cNvPr>
+            <p:cNvPicPr>
+              <a:picLocks noChangeAspect="1"/>
+            </p:cNvPicPr>
+            <p:nvPr/>
+          </p:nvPicPr>
+          <p:blipFill>
+            <a:blip r:embed="rId3">
+              <a:extLst>
+                <a:ext uri="{28A0092B-C50C-407E-A947-70E740481C1C}">
+                  <a14:useLocalDpi xmlns:a14="http://schemas.microsoft.com/office/drawing/2010/main" val="0"/>
+                </a:ext>
+              </a:extLst>
+            </a:blip>
+            <a:stretch>
+              <a:fillRect/>
+            </a:stretch>
+          </p:blipFill>
+          <p:spPr>
+            <a:xfrm>
+              <a:off x="205248" y="2814276"/>
+              <a:ext cx="6858000" cy="1295400"/>
+            </a:xfrm>
+            <a:prstGeom prst="rect">
+              <a:avLst/>
+            </a:prstGeom>
+          </p:spPr>
+        </p:pic>
+      </p:grpSp>
+      <p:grpSp>
+        <p:nvGrpSpPr>
+          <p:cNvPr id="50" name="Gruppo 49">
+            <a:extLst>
+              <a:ext uri="{FF2B5EF4-FFF2-40B4-BE49-F238E27FC236}">
+                <a16:creationId xmlns:a16="http://schemas.microsoft.com/office/drawing/2014/main" id="{5F2B632D-C6B9-4FF6-A64C-DAA78EE53AC6}"/>
+              </a:ext>
+            </a:extLst>
+          </p:cNvPr>
+          <p:cNvGrpSpPr/>
+          <p:nvPr/>
+        </p:nvGrpSpPr>
+        <p:grpSpPr>
+          <a:xfrm>
+            <a:off x="6319574" y="2959857"/>
+            <a:ext cx="5559552" cy="1466835"/>
+            <a:chOff x="5803392" y="3245085"/>
+            <a:chExt cx="5559552" cy="1466835"/>
+          </a:xfrm>
+        </p:grpSpPr>
+        <p:grpSp>
+          <p:nvGrpSpPr>
+            <p:cNvPr id="48" name="Gruppo 47">
+              <a:extLst>
+                <a:ext uri="{FF2B5EF4-FFF2-40B4-BE49-F238E27FC236}">
+                  <a16:creationId xmlns:a16="http://schemas.microsoft.com/office/drawing/2014/main" id="{27EC9BFB-749D-48BB-8D03-3D03839D26FD}"/>
+                </a:ext>
+              </a:extLst>
+            </p:cNvPr>
+            <p:cNvGrpSpPr/>
+            <p:nvPr/>
+          </p:nvGrpSpPr>
+          <p:grpSpPr>
+            <a:xfrm>
+              <a:off x="5803392" y="3245085"/>
+              <a:ext cx="5559552" cy="1466835"/>
+              <a:chOff x="5803392" y="3245085"/>
+              <a:chExt cx="5559552" cy="1466835"/>
+            </a:xfrm>
+          </p:grpSpPr>
+          <p:sp>
+            <p:nvSpPr>
+              <p:cNvPr id="43" name="Rettangolo 42">
+                <a:extLst>
+                  <a:ext uri="{FF2B5EF4-FFF2-40B4-BE49-F238E27FC236}">
+                    <a16:creationId xmlns:a16="http://schemas.microsoft.com/office/drawing/2014/main" id="{7859CDCD-09EB-4C4A-B233-A88B771B962E}"/>
+                  </a:ext>
+                </a:extLst>
+              </p:cNvPr>
+              <p:cNvSpPr/>
+              <p:nvPr/>
+            </p:nvSpPr>
+            <p:spPr>
+              <a:xfrm>
+                <a:off x="5803392" y="3665559"/>
+                <a:ext cx="5559552" cy="509395"/>
+              </a:xfrm>
+              <a:prstGeom prst="rect">
+                <a:avLst/>
+              </a:prstGeom>
+              <a:solidFill>
+                <a:schemeClr val="bg1"/>
+              </a:solidFill>
+              <a:ln>
+                <a:solidFill>
+                  <a:schemeClr val="tx1"/>
+                </a:solidFill>
+              </a:ln>
+            </p:spPr>
+            <p:style>
+              <a:lnRef idx="2">
+                <a:schemeClr val="accent1">
+                  <a:shade val="50000"/>
+                </a:schemeClr>
+              </a:lnRef>
+              <a:fillRef idx="1">
+                <a:schemeClr val="accent1"/>
+              </a:fillRef>
+              <a:effectRef idx="0">
+                <a:schemeClr val="accent1"/>
+              </a:effectRef>
+              <a:fontRef idx="minor">
+                <a:schemeClr val="lt1"/>
+              </a:fontRef>
+            </p:style>
+            <p:txBody>
+              <a:bodyPr rtlCol="0" anchor="ctr"/>
+              <a:lstStyle/>
+              <a:p>
+                <a:pPr algn="ctr"/>
+                <a:endParaRPr lang="it-IT"/>
+              </a:p>
+            </p:txBody>
+          </p:sp>
+          <p:sp>
+            <p:nvSpPr>
+              <p:cNvPr id="44" name="Rettangolo 43">
+                <a:extLst>
+                  <a:ext uri="{FF2B5EF4-FFF2-40B4-BE49-F238E27FC236}">
+                    <a16:creationId xmlns:a16="http://schemas.microsoft.com/office/drawing/2014/main" id="{F86426ED-04B1-4460-8C1A-C44986D2EE30}"/>
+                  </a:ext>
+                </a:extLst>
+              </p:cNvPr>
+              <p:cNvSpPr/>
+              <p:nvPr/>
+            </p:nvSpPr>
+            <p:spPr>
+              <a:xfrm>
+                <a:off x="6504432" y="4061696"/>
+                <a:ext cx="2773696" cy="650224"/>
+              </a:xfrm>
+              <a:prstGeom prst="rect">
+                <a:avLst/>
+              </a:prstGeom>
+              <a:solidFill>
+                <a:schemeClr val="bg1"/>
+              </a:solidFill>
+              <a:ln>
+                <a:solidFill>
+                  <a:schemeClr val="tx1"/>
+                </a:solidFill>
+              </a:ln>
+            </p:spPr>
+            <p:style>
+              <a:lnRef idx="2">
+                <a:schemeClr val="accent1">
+                  <a:shade val="50000"/>
+                </a:schemeClr>
+              </a:lnRef>
+              <a:fillRef idx="1">
+                <a:schemeClr val="accent1"/>
+              </a:fillRef>
+              <a:effectRef idx="0">
+                <a:schemeClr val="accent1"/>
+              </a:effectRef>
+              <a:fontRef idx="minor">
+                <a:schemeClr val="lt1"/>
+              </a:fontRef>
+            </p:style>
+            <p:txBody>
+              <a:bodyPr rtlCol="0" anchor="ctr"/>
+              <a:lstStyle/>
+              <a:p>
+                <a:pPr algn="ctr"/>
+                <a:endParaRPr lang="it-IT"/>
+              </a:p>
+            </p:txBody>
+          </p:sp>
+          <p:sp>
+            <p:nvSpPr>
+              <p:cNvPr id="42" name="Rettangolo 41">
+                <a:extLst>
+                  <a:ext uri="{FF2B5EF4-FFF2-40B4-BE49-F238E27FC236}">
+                    <a16:creationId xmlns:a16="http://schemas.microsoft.com/office/drawing/2014/main" id="{67B698D1-C375-4E83-9F17-A877DF73EA3E}"/>
+                  </a:ext>
+                </a:extLst>
+              </p:cNvPr>
+              <p:cNvSpPr/>
+              <p:nvPr/>
+            </p:nvSpPr>
+            <p:spPr>
+              <a:xfrm>
+                <a:off x="7900416" y="3245085"/>
+                <a:ext cx="1377696" cy="509395"/>
+              </a:xfrm>
+              <a:prstGeom prst="rect">
+                <a:avLst/>
+              </a:prstGeom>
+              <a:solidFill>
+                <a:schemeClr val="bg1"/>
+              </a:solidFill>
+              <a:ln>
+                <a:solidFill>
+                  <a:schemeClr val="tx1"/>
+                </a:solidFill>
+              </a:ln>
+            </p:spPr>
+            <p:style>
+              <a:lnRef idx="2">
+                <a:schemeClr val="accent1">
+                  <a:shade val="50000"/>
+                </a:schemeClr>
+              </a:lnRef>
+              <a:fillRef idx="1">
+                <a:schemeClr val="accent1"/>
+              </a:fillRef>
+              <a:effectRef idx="0">
+                <a:schemeClr val="accent1"/>
+              </a:effectRef>
+              <a:fontRef idx="minor">
+                <a:schemeClr val="lt1"/>
+              </a:fontRef>
+            </p:style>
+            <p:txBody>
+              <a:bodyPr rtlCol="0" anchor="ctr"/>
+              <a:lstStyle/>
+              <a:p>
+                <a:pPr algn="ctr"/>
+                <a:endParaRPr lang="it-IT"/>
+              </a:p>
+            </p:txBody>
+          </p:sp>
+          <p:sp>
+            <p:nvSpPr>
+              <p:cNvPr id="45" name="Rettangolo 44">
+                <a:extLst>
+                  <a:ext uri="{FF2B5EF4-FFF2-40B4-BE49-F238E27FC236}">
+                    <a16:creationId xmlns:a16="http://schemas.microsoft.com/office/drawing/2014/main" id="{15BFD579-9038-4BC4-A45E-859D7B0F9E9A}"/>
+                  </a:ext>
+                </a:extLst>
+              </p:cNvPr>
+              <p:cNvSpPr/>
+              <p:nvPr/>
+            </p:nvSpPr>
+            <p:spPr>
+              <a:xfrm>
+                <a:off x="7831335" y="3672031"/>
+                <a:ext cx="1609869" cy="206550"/>
+              </a:xfrm>
+              <a:prstGeom prst="rect">
+                <a:avLst/>
+              </a:prstGeom>
+              <a:solidFill>
+                <a:schemeClr val="bg1"/>
+              </a:solidFill>
+              <a:ln>
+                <a:noFill/>
+              </a:ln>
+            </p:spPr>
+            <p:style>
+              <a:lnRef idx="2">
+                <a:schemeClr val="accent1">
+                  <a:shade val="50000"/>
+                </a:schemeClr>
+              </a:lnRef>
+              <a:fillRef idx="1">
+                <a:schemeClr val="accent1"/>
+              </a:fillRef>
+              <a:effectRef idx="0">
+                <a:schemeClr val="accent1"/>
+              </a:effectRef>
+              <a:fontRef idx="minor">
+                <a:schemeClr val="lt1"/>
+              </a:fontRef>
+            </p:style>
+            <p:txBody>
+              <a:bodyPr rtlCol="0" anchor="ctr"/>
+              <a:lstStyle/>
+              <a:p>
+                <a:pPr algn="ctr"/>
+                <a:endParaRPr lang="it-IT"/>
+              </a:p>
+            </p:txBody>
+          </p:sp>
+          <p:sp>
+            <p:nvSpPr>
+              <p:cNvPr id="46" name="Rettangolo 45">
+                <a:extLst>
+                  <a:ext uri="{FF2B5EF4-FFF2-40B4-BE49-F238E27FC236}">
+                    <a16:creationId xmlns:a16="http://schemas.microsoft.com/office/drawing/2014/main" id="{8E9D60FF-5A4B-41A5-AF9F-894ACB337CE1}"/>
+                  </a:ext>
+                </a:extLst>
+              </p:cNvPr>
+              <p:cNvSpPr/>
+              <p:nvPr/>
+            </p:nvSpPr>
+            <p:spPr>
+              <a:xfrm>
+                <a:off x="6203430" y="3963337"/>
+                <a:ext cx="3393972" cy="206550"/>
+              </a:xfrm>
+              <a:prstGeom prst="rect">
+                <a:avLst/>
+              </a:prstGeom>
+              <a:solidFill>
+                <a:schemeClr val="bg1"/>
+              </a:solidFill>
+              <a:ln>
+                <a:noFill/>
+              </a:ln>
+            </p:spPr>
+            <p:style>
+              <a:lnRef idx="2">
+                <a:schemeClr val="accent1">
+                  <a:shade val="50000"/>
+                </a:schemeClr>
+              </a:lnRef>
+              <a:fillRef idx="1">
+                <a:schemeClr val="accent1"/>
+              </a:fillRef>
+              <a:effectRef idx="0">
+                <a:schemeClr val="accent1"/>
+              </a:effectRef>
+              <a:fontRef idx="minor">
+                <a:schemeClr val="lt1"/>
+              </a:fontRef>
+            </p:style>
+            <p:txBody>
+              <a:bodyPr rtlCol="0" anchor="ctr"/>
+              <a:lstStyle/>
+              <a:p>
+                <a:pPr algn="ctr"/>
+                <a:endParaRPr lang="it-IT"/>
+              </a:p>
+            </p:txBody>
+          </p:sp>
+        </p:grpSp>
+        <p:pic>
+          <p:nvPicPr>
+            <p:cNvPr id="49" name="Immagine 48">
+              <a:extLst>
+                <a:ext uri="{FF2B5EF4-FFF2-40B4-BE49-F238E27FC236}">
+                  <a16:creationId xmlns:a16="http://schemas.microsoft.com/office/drawing/2014/main" id="{C18D7E1A-86D5-4A9E-9486-E498265D729B}"/>
+                </a:ext>
+              </a:extLst>
+            </p:cNvPr>
+            <p:cNvPicPr>
+              <a:picLocks noChangeAspect="1"/>
+            </p:cNvPicPr>
+            <p:nvPr/>
+          </p:nvPicPr>
+          <p:blipFill>
+            <a:blip r:embed="rId4">
+              <a:extLst>
+                <a:ext uri="{28A0092B-C50C-407E-A947-70E740481C1C}">
+                  <a14:useLocalDpi xmlns:a14="http://schemas.microsoft.com/office/drawing/2010/main" val="0"/>
+                </a:ext>
+              </a:extLst>
+            </a:blip>
+            <a:stretch>
+              <a:fillRect/>
+            </a:stretch>
+          </p:blipFill>
+          <p:spPr>
+            <a:xfrm>
+              <a:off x="5849493" y="3326824"/>
+              <a:ext cx="5467350" cy="1295400"/>
+            </a:xfrm>
+            <a:prstGeom prst="rect">
+              <a:avLst/>
+            </a:prstGeom>
+          </p:spPr>
+        </p:pic>
+      </p:grpSp>
+      <p:grpSp>
+        <p:nvGrpSpPr>
+          <p:cNvPr id="63" name="Gruppo 62">
+            <a:extLst>
+              <a:ext uri="{FF2B5EF4-FFF2-40B4-BE49-F238E27FC236}">
+                <a16:creationId xmlns:a16="http://schemas.microsoft.com/office/drawing/2014/main" id="{3C65E9BD-85AB-4DD6-A0B4-8C3A4E0D2B45}"/>
+              </a:ext>
+            </a:extLst>
+          </p:cNvPr>
+          <p:cNvGrpSpPr/>
+          <p:nvPr/>
+        </p:nvGrpSpPr>
+        <p:grpSpPr>
+          <a:xfrm>
+            <a:off x="9297394" y="4178390"/>
+            <a:ext cx="2758440" cy="1374044"/>
+            <a:chOff x="325120" y="4528222"/>
+            <a:chExt cx="2758440" cy="1374044"/>
+          </a:xfrm>
+        </p:grpSpPr>
+        <p:grpSp>
+          <p:nvGrpSpPr>
+            <p:cNvPr id="56" name="Gruppo 55">
+              <a:extLst>
+                <a:ext uri="{FF2B5EF4-FFF2-40B4-BE49-F238E27FC236}">
+                  <a16:creationId xmlns:a16="http://schemas.microsoft.com/office/drawing/2014/main" id="{2B7C3D29-BE06-45E6-8C2C-7C85C1671FBF}"/>
+                </a:ext>
+              </a:extLst>
+            </p:cNvPr>
+            <p:cNvGrpSpPr/>
+            <p:nvPr/>
+          </p:nvGrpSpPr>
+          <p:grpSpPr>
+            <a:xfrm>
+              <a:off x="325120" y="4528222"/>
+              <a:ext cx="2758440" cy="1374044"/>
+              <a:chOff x="325120" y="4528222"/>
+              <a:chExt cx="2758440" cy="1374044"/>
+            </a:xfrm>
+          </p:grpSpPr>
+          <p:sp>
+            <p:nvSpPr>
+              <p:cNvPr id="53" name="Rettangolo 52">
+                <a:extLst>
+                  <a:ext uri="{FF2B5EF4-FFF2-40B4-BE49-F238E27FC236}">
+                    <a16:creationId xmlns:a16="http://schemas.microsoft.com/office/drawing/2014/main" id="{A2C9B472-8AF8-48E6-9E35-BB84282E2BE1}"/>
+                  </a:ext>
+                </a:extLst>
+              </p:cNvPr>
+              <p:cNvSpPr/>
+              <p:nvPr/>
+            </p:nvSpPr>
+            <p:spPr>
+              <a:xfrm>
+                <a:off x="325120" y="5582919"/>
+                <a:ext cx="2758440" cy="319347"/>
+              </a:xfrm>
+              <a:prstGeom prst="rect">
+                <a:avLst/>
+              </a:prstGeom>
+              <a:solidFill>
+                <a:schemeClr val="bg1"/>
+              </a:solidFill>
+              <a:ln>
+                <a:solidFill>
+                  <a:schemeClr val="tx1"/>
+                </a:solidFill>
+              </a:ln>
+            </p:spPr>
+            <p:style>
+              <a:lnRef idx="2">
+                <a:schemeClr val="accent1">
+                  <a:shade val="50000"/>
+                </a:schemeClr>
+              </a:lnRef>
+              <a:fillRef idx="1">
+                <a:schemeClr val="accent1"/>
+              </a:fillRef>
+              <a:effectRef idx="0">
+                <a:schemeClr val="accent1"/>
+              </a:effectRef>
+              <a:fontRef idx="minor">
+                <a:schemeClr val="lt1"/>
+              </a:fontRef>
+            </p:style>
+            <p:txBody>
+              <a:bodyPr rtlCol="0" anchor="ctr"/>
+              <a:lstStyle/>
+              <a:p>
+                <a:pPr algn="ctr"/>
+                <a:endParaRPr lang="it-IT"/>
+              </a:p>
+            </p:txBody>
+          </p:sp>
+          <p:sp>
+            <p:nvSpPr>
+              <p:cNvPr id="52" name="Rettangolo 51">
+                <a:extLst>
+                  <a:ext uri="{FF2B5EF4-FFF2-40B4-BE49-F238E27FC236}">
+                    <a16:creationId xmlns:a16="http://schemas.microsoft.com/office/drawing/2014/main" id="{10B52EC2-5928-461B-A0E4-988695C29862}"/>
+                  </a:ext>
+                </a:extLst>
+              </p:cNvPr>
+              <p:cNvSpPr/>
+              <p:nvPr/>
+            </p:nvSpPr>
+            <p:spPr>
+              <a:xfrm>
+                <a:off x="970280" y="5433060"/>
+                <a:ext cx="1478280" cy="327660"/>
+              </a:xfrm>
+              <a:prstGeom prst="rect">
+                <a:avLst/>
+              </a:prstGeom>
+              <a:solidFill>
+                <a:schemeClr val="bg1"/>
+              </a:solidFill>
+              <a:ln>
+                <a:solidFill>
+                  <a:schemeClr val="tx1"/>
+                </a:solidFill>
+              </a:ln>
+            </p:spPr>
+            <p:style>
+              <a:lnRef idx="2">
+                <a:schemeClr val="accent1">
+                  <a:shade val="50000"/>
+                </a:schemeClr>
+              </a:lnRef>
+              <a:fillRef idx="1">
+                <a:schemeClr val="accent1"/>
+              </a:fillRef>
+              <a:effectRef idx="0">
+                <a:schemeClr val="accent1"/>
+              </a:effectRef>
+              <a:fontRef idx="minor">
+                <a:schemeClr val="lt1"/>
+              </a:fontRef>
+            </p:style>
+            <p:txBody>
+              <a:bodyPr rtlCol="0" anchor="ctr"/>
+              <a:lstStyle/>
+              <a:p>
+                <a:pPr algn="ctr"/>
+                <a:endParaRPr lang="it-IT"/>
+              </a:p>
+            </p:txBody>
+          </p:sp>
+          <p:sp>
+            <p:nvSpPr>
+              <p:cNvPr id="51" name="Rettangolo 50">
+                <a:extLst>
+                  <a:ext uri="{FF2B5EF4-FFF2-40B4-BE49-F238E27FC236}">
+                    <a16:creationId xmlns:a16="http://schemas.microsoft.com/office/drawing/2014/main" id="{E0C1BB35-47A4-4C74-9C5B-E2485594397B}"/>
+                  </a:ext>
+                </a:extLst>
+              </p:cNvPr>
+              <p:cNvSpPr/>
+              <p:nvPr/>
+            </p:nvSpPr>
+            <p:spPr>
+              <a:xfrm>
+                <a:off x="1021080" y="4528222"/>
+                <a:ext cx="1361440" cy="1054698"/>
+              </a:xfrm>
+              <a:prstGeom prst="rect">
+                <a:avLst/>
+              </a:prstGeom>
+              <a:solidFill>
+                <a:schemeClr val="bg1"/>
+              </a:solidFill>
+              <a:ln>
+                <a:solidFill>
+                  <a:schemeClr val="tx1"/>
+                </a:solidFill>
+              </a:ln>
+            </p:spPr>
+            <p:style>
+              <a:lnRef idx="2">
+                <a:schemeClr val="accent1">
+                  <a:shade val="50000"/>
+                </a:schemeClr>
+              </a:lnRef>
+              <a:fillRef idx="1">
+                <a:schemeClr val="accent1"/>
+              </a:fillRef>
+              <a:effectRef idx="0">
+                <a:schemeClr val="accent1"/>
+              </a:effectRef>
+              <a:fontRef idx="minor">
+                <a:schemeClr val="lt1"/>
+              </a:fontRef>
+            </p:style>
+            <p:txBody>
+              <a:bodyPr rtlCol="0" anchor="ctr"/>
+              <a:lstStyle/>
+              <a:p>
+                <a:pPr algn="ctr"/>
+                <a:endParaRPr lang="it-IT"/>
+              </a:p>
+            </p:txBody>
+          </p:sp>
+          <p:sp>
+            <p:nvSpPr>
+              <p:cNvPr id="54" name="Rettangolo 53">
+                <a:extLst>
+                  <a:ext uri="{FF2B5EF4-FFF2-40B4-BE49-F238E27FC236}">
+                    <a16:creationId xmlns:a16="http://schemas.microsoft.com/office/drawing/2014/main" id="{4E6DB3E3-F994-4122-A994-927993EBE0F5}"/>
+                  </a:ext>
+                </a:extLst>
+              </p:cNvPr>
+              <p:cNvSpPr/>
+              <p:nvPr/>
+            </p:nvSpPr>
+            <p:spPr>
+              <a:xfrm>
+                <a:off x="1010920" y="5440680"/>
+                <a:ext cx="1397000" cy="279400"/>
+              </a:xfrm>
+              <a:prstGeom prst="rect">
+                <a:avLst/>
+              </a:prstGeom>
+              <a:solidFill>
+                <a:schemeClr val="bg1"/>
+              </a:solidFill>
+              <a:ln>
+                <a:noFill/>
+              </a:ln>
+            </p:spPr>
+            <p:style>
+              <a:lnRef idx="2">
+                <a:schemeClr val="accent1">
+                  <a:shade val="50000"/>
+                </a:schemeClr>
+              </a:lnRef>
+              <a:fillRef idx="1">
+                <a:schemeClr val="accent1"/>
+              </a:fillRef>
+              <a:effectRef idx="0">
+                <a:schemeClr val="accent1"/>
+              </a:effectRef>
+              <a:fontRef idx="minor">
+                <a:schemeClr val="lt1"/>
+              </a:fontRef>
+            </p:style>
+            <p:txBody>
+              <a:bodyPr rtlCol="0" anchor="ctr"/>
+              <a:lstStyle/>
+              <a:p>
+                <a:pPr algn="ctr"/>
+                <a:endParaRPr lang="it-IT"/>
+              </a:p>
+            </p:txBody>
+          </p:sp>
+          <p:sp>
+            <p:nvSpPr>
+              <p:cNvPr id="55" name="Rettangolo 54">
+                <a:extLst>
+                  <a:ext uri="{FF2B5EF4-FFF2-40B4-BE49-F238E27FC236}">
+                    <a16:creationId xmlns:a16="http://schemas.microsoft.com/office/drawing/2014/main" id="{9AD0817D-D2F2-4F85-ADB8-989E41AA59ED}"/>
+                  </a:ext>
+                </a:extLst>
+              </p:cNvPr>
+              <p:cNvSpPr/>
+              <p:nvPr/>
+            </p:nvSpPr>
+            <p:spPr>
+              <a:xfrm>
+                <a:off x="885190" y="5591175"/>
+                <a:ext cx="1617980" cy="279400"/>
+              </a:xfrm>
+              <a:prstGeom prst="rect">
+                <a:avLst/>
+              </a:prstGeom>
+              <a:solidFill>
+                <a:schemeClr val="bg1"/>
+              </a:solidFill>
+              <a:ln>
+                <a:noFill/>
+              </a:ln>
+            </p:spPr>
+            <p:style>
+              <a:lnRef idx="2">
+                <a:schemeClr val="accent1">
+                  <a:shade val="50000"/>
+                </a:schemeClr>
+              </a:lnRef>
+              <a:fillRef idx="1">
+                <a:schemeClr val="accent1"/>
+              </a:fillRef>
+              <a:effectRef idx="0">
+                <a:schemeClr val="accent1"/>
+              </a:effectRef>
+              <a:fontRef idx="minor">
+                <a:schemeClr val="lt1"/>
+              </a:fontRef>
+            </p:style>
+            <p:txBody>
+              <a:bodyPr rtlCol="0" anchor="ctr"/>
+              <a:lstStyle/>
+              <a:p>
+                <a:pPr algn="ctr"/>
+                <a:endParaRPr lang="it-IT"/>
+              </a:p>
+            </p:txBody>
+          </p:sp>
+        </p:grpSp>
+        <p:pic>
+          <p:nvPicPr>
+            <p:cNvPr id="20" name="Immagine 19">
+              <a:extLst>
+                <a:ext uri="{FF2B5EF4-FFF2-40B4-BE49-F238E27FC236}">
+                  <a16:creationId xmlns:a16="http://schemas.microsoft.com/office/drawing/2014/main" id="{F91AB740-5528-40A1-A10A-46ADC09A987C}"/>
+                </a:ext>
+              </a:extLst>
+            </p:cNvPr>
+            <p:cNvPicPr>
+              <a:picLocks noChangeAspect="1"/>
+            </p:cNvPicPr>
+            <p:nvPr/>
+          </p:nvPicPr>
+          <p:blipFill>
+            <a:blip r:embed="rId5">
+              <a:extLst>
+                <a:ext uri="{28A0092B-C50C-407E-A947-70E740481C1C}">
+                  <a14:useLocalDpi xmlns:a14="http://schemas.microsoft.com/office/drawing/2010/main" val="0"/>
+                </a:ext>
+              </a:extLst>
+            </a:blip>
+            <a:stretch>
+              <a:fillRect/>
+            </a:stretch>
+          </p:blipFill>
+          <p:spPr>
+            <a:xfrm>
+              <a:off x="358775" y="4571350"/>
+              <a:ext cx="2686050" cy="1295400"/>
+            </a:xfrm>
+            <a:prstGeom prst="rect">
+              <a:avLst/>
+            </a:prstGeom>
+          </p:spPr>
+        </p:pic>
+      </p:grpSp>
+      <p:grpSp>
+        <p:nvGrpSpPr>
+          <p:cNvPr id="70" name="Gruppo 69">
+            <a:extLst>
+              <a:ext uri="{FF2B5EF4-FFF2-40B4-BE49-F238E27FC236}">
+                <a16:creationId xmlns:a16="http://schemas.microsoft.com/office/drawing/2014/main" id="{32039DF2-EAC8-4138-B153-067BD44879FC}"/>
+              </a:ext>
+            </a:extLst>
+          </p:cNvPr>
+          <p:cNvGrpSpPr/>
+          <p:nvPr/>
+        </p:nvGrpSpPr>
+        <p:grpSpPr>
+          <a:xfrm>
+            <a:off x="4505964" y="4344955"/>
+            <a:ext cx="2758440" cy="1374044"/>
+            <a:chOff x="3596640" y="5230058"/>
+            <a:chExt cx="2758440" cy="1374044"/>
+          </a:xfrm>
+        </p:grpSpPr>
+        <p:grpSp>
+          <p:nvGrpSpPr>
+            <p:cNvPr id="57" name="Gruppo 56">
+              <a:extLst>
+                <a:ext uri="{FF2B5EF4-FFF2-40B4-BE49-F238E27FC236}">
+                  <a16:creationId xmlns:a16="http://schemas.microsoft.com/office/drawing/2014/main" id="{0984AE39-B303-48D5-AA9A-5B041C6DF9DF}"/>
+                </a:ext>
+              </a:extLst>
+            </p:cNvPr>
+            <p:cNvGrpSpPr/>
+            <p:nvPr/>
+          </p:nvGrpSpPr>
+          <p:grpSpPr>
+            <a:xfrm>
+              <a:off x="3596640" y="5230058"/>
+              <a:ext cx="2758440" cy="1374044"/>
+              <a:chOff x="325120" y="4528222"/>
+              <a:chExt cx="2758440" cy="1374044"/>
+            </a:xfrm>
+          </p:grpSpPr>
+          <p:sp>
+            <p:nvSpPr>
+              <p:cNvPr id="58" name="Rettangolo 57">
+                <a:extLst>
+                  <a:ext uri="{FF2B5EF4-FFF2-40B4-BE49-F238E27FC236}">
+                    <a16:creationId xmlns:a16="http://schemas.microsoft.com/office/drawing/2014/main" id="{E82282EE-E65F-4DD6-841E-9ADF08F99E08}"/>
+                  </a:ext>
+                </a:extLst>
+              </p:cNvPr>
+              <p:cNvSpPr/>
+              <p:nvPr/>
+            </p:nvSpPr>
+            <p:spPr>
+              <a:xfrm>
+                <a:off x="325120" y="5582919"/>
+                <a:ext cx="2758440" cy="319347"/>
+              </a:xfrm>
+              <a:prstGeom prst="rect">
+                <a:avLst/>
+              </a:prstGeom>
+              <a:solidFill>
+                <a:schemeClr val="bg1"/>
+              </a:solidFill>
+              <a:ln>
+                <a:solidFill>
+                  <a:schemeClr val="tx1"/>
+                </a:solidFill>
+              </a:ln>
+            </p:spPr>
+            <p:style>
+              <a:lnRef idx="2">
+                <a:schemeClr val="accent1">
+                  <a:shade val="50000"/>
+                </a:schemeClr>
+              </a:lnRef>
+              <a:fillRef idx="1">
+                <a:schemeClr val="accent1"/>
+              </a:fillRef>
+              <a:effectRef idx="0">
+                <a:schemeClr val="accent1"/>
+              </a:effectRef>
+              <a:fontRef idx="minor">
+                <a:schemeClr val="lt1"/>
+              </a:fontRef>
+            </p:style>
+            <p:txBody>
+              <a:bodyPr rtlCol="0" anchor="ctr"/>
+              <a:lstStyle/>
+              <a:p>
+                <a:pPr algn="ctr"/>
+                <a:endParaRPr lang="it-IT"/>
+              </a:p>
+            </p:txBody>
+          </p:sp>
+          <p:sp>
+            <p:nvSpPr>
+              <p:cNvPr id="59" name="Rettangolo 58">
+                <a:extLst>
+                  <a:ext uri="{FF2B5EF4-FFF2-40B4-BE49-F238E27FC236}">
+                    <a16:creationId xmlns:a16="http://schemas.microsoft.com/office/drawing/2014/main" id="{501E4175-57FD-4325-9D8D-558ABA772A86}"/>
+                  </a:ext>
+                </a:extLst>
+              </p:cNvPr>
+              <p:cNvSpPr/>
+              <p:nvPr/>
+            </p:nvSpPr>
+            <p:spPr>
+              <a:xfrm>
+                <a:off x="970280" y="5433060"/>
+                <a:ext cx="1478280" cy="327660"/>
+              </a:xfrm>
+              <a:prstGeom prst="rect">
+                <a:avLst/>
+              </a:prstGeom>
+              <a:solidFill>
+                <a:schemeClr val="bg1"/>
+              </a:solidFill>
+              <a:ln>
+                <a:solidFill>
+                  <a:schemeClr val="tx1"/>
+                </a:solidFill>
+              </a:ln>
+            </p:spPr>
+            <p:style>
+              <a:lnRef idx="2">
+                <a:schemeClr val="accent1">
+                  <a:shade val="50000"/>
+                </a:schemeClr>
+              </a:lnRef>
+              <a:fillRef idx="1">
+                <a:schemeClr val="accent1"/>
+              </a:fillRef>
+              <a:effectRef idx="0">
+                <a:schemeClr val="accent1"/>
+              </a:effectRef>
+              <a:fontRef idx="minor">
+                <a:schemeClr val="lt1"/>
+              </a:fontRef>
+            </p:style>
+            <p:txBody>
+              <a:bodyPr rtlCol="0" anchor="ctr"/>
+              <a:lstStyle/>
+              <a:p>
+                <a:pPr algn="ctr"/>
+                <a:endParaRPr lang="it-IT"/>
+              </a:p>
+            </p:txBody>
+          </p:sp>
+          <p:sp>
+            <p:nvSpPr>
+              <p:cNvPr id="60" name="Rettangolo 59">
+                <a:extLst>
+                  <a:ext uri="{FF2B5EF4-FFF2-40B4-BE49-F238E27FC236}">
+                    <a16:creationId xmlns:a16="http://schemas.microsoft.com/office/drawing/2014/main" id="{D3B1569E-0E3E-4BA3-A202-ABF4129F7EF5}"/>
+                  </a:ext>
+                </a:extLst>
+              </p:cNvPr>
+              <p:cNvSpPr/>
+              <p:nvPr/>
+            </p:nvSpPr>
+            <p:spPr>
+              <a:xfrm>
+                <a:off x="1021080" y="4528222"/>
+                <a:ext cx="1361440" cy="1054698"/>
+              </a:xfrm>
+              <a:prstGeom prst="rect">
+                <a:avLst/>
+              </a:prstGeom>
+              <a:solidFill>
+                <a:schemeClr val="bg1"/>
+              </a:solidFill>
+              <a:ln>
+                <a:solidFill>
+                  <a:schemeClr val="tx1"/>
+                </a:solidFill>
+              </a:ln>
+            </p:spPr>
+            <p:style>
+              <a:lnRef idx="2">
+                <a:schemeClr val="accent1">
+                  <a:shade val="50000"/>
+                </a:schemeClr>
+              </a:lnRef>
+              <a:fillRef idx="1">
+                <a:schemeClr val="accent1"/>
+              </a:fillRef>
+              <a:effectRef idx="0">
+                <a:schemeClr val="accent1"/>
+              </a:effectRef>
+              <a:fontRef idx="minor">
+                <a:schemeClr val="lt1"/>
+              </a:fontRef>
+            </p:style>
+            <p:txBody>
+              <a:bodyPr rtlCol="0" anchor="ctr"/>
+              <a:lstStyle/>
+              <a:p>
+                <a:pPr algn="ctr"/>
+                <a:endParaRPr lang="it-IT"/>
+              </a:p>
+            </p:txBody>
+          </p:sp>
+          <p:sp>
+            <p:nvSpPr>
+              <p:cNvPr id="61" name="Rettangolo 60">
+                <a:extLst>
+                  <a:ext uri="{FF2B5EF4-FFF2-40B4-BE49-F238E27FC236}">
+                    <a16:creationId xmlns:a16="http://schemas.microsoft.com/office/drawing/2014/main" id="{293BC622-ABC1-471C-9D02-E70C968E5116}"/>
+                  </a:ext>
+                </a:extLst>
+              </p:cNvPr>
+              <p:cNvSpPr/>
+              <p:nvPr/>
+            </p:nvSpPr>
+            <p:spPr>
+              <a:xfrm>
+                <a:off x="1010920" y="5440680"/>
+                <a:ext cx="1397000" cy="279400"/>
+              </a:xfrm>
+              <a:prstGeom prst="rect">
+                <a:avLst/>
+              </a:prstGeom>
+              <a:solidFill>
+                <a:schemeClr val="bg1"/>
+              </a:solidFill>
+              <a:ln>
+                <a:noFill/>
+              </a:ln>
+            </p:spPr>
+            <p:style>
+              <a:lnRef idx="2">
+                <a:schemeClr val="accent1">
+                  <a:shade val="50000"/>
+                </a:schemeClr>
+              </a:lnRef>
+              <a:fillRef idx="1">
+                <a:schemeClr val="accent1"/>
+              </a:fillRef>
+              <a:effectRef idx="0">
+                <a:schemeClr val="accent1"/>
+              </a:effectRef>
+              <a:fontRef idx="minor">
+                <a:schemeClr val="lt1"/>
+              </a:fontRef>
+            </p:style>
+            <p:txBody>
+              <a:bodyPr rtlCol="0" anchor="ctr"/>
+              <a:lstStyle/>
+              <a:p>
+                <a:pPr algn="ctr"/>
+                <a:endParaRPr lang="it-IT"/>
+              </a:p>
+            </p:txBody>
+          </p:sp>
+          <p:sp>
+            <p:nvSpPr>
+              <p:cNvPr id="62" name="Rettangolo 61">
+                <a:extLst>
+                  <a:ext uri="{FF2B5EF4-FFF2-40B4-BE49-F238E27FC236}">
+                    <a16:creationId xmlns:a16="http://schemas.microsoft.com/office/drawing/2014/main" id="{A4C2852C-989A-4358-B78A-AB9052B67DAA}"/>
+                  </a:ext>
+                </a:extLst>
+              </p:cNvPr>
+              <p:cNvSpPr/>
+              <p:nvPr/>
+            </p:nvSpPr>
+            <p:spPr>
+              <a:xfrm>
+                <a:off x="885190" y="5591175"/>
+                <a:ext cx="1617980" cy="279400"/>
+              </a:xfrm>
+              <a:prstGeom prst="rect">
+                <a:avLst/>
+              </a:prstGeom>
+              <a:solidFill>
+                <a:schemeClr val="bg1"/>
+              </a:solidFill>
+              <a:ln>
+                <a:noFill/>
+              </a:ln>
+            </p:spPr>
+            <p:style>
+              <a:lnRef idx="2">
+                <a:schemeClr val="accent1">
+                  <a:shade val="50000"/>
+                </a:schemeClr>
+              </a:lnRef>
+              <a:fillRef idx="1">
+                <a:schemeClr val="accent1"/>
+              </a:fillRef>
+              <a:effectRef idx="0">
+                <a:schemeClr val="accent1"/>
+              </a:effectRef>
+              <a:fontRef idx="minor">
+                <a:schemeClr val="lt1"/>
+              </a:fontRef>
+            </p:style>
+            <p:txBody>
+              <a:bodyPr rtlCol="0" anchor="ctr"/>
+              <a:lstStyle/>
+              <a:p>
+                <a:pPr algn="ctr"/>
+                <a:endParaRPr lang="it-IT"/>
+              </a:p>
+            </p:txBody>
+          </p:sp>
+        </p:grpSp>
+        <p:pic>
+          <p:nvPicPr>
+            <p:cNvPr id="26" name="Immagine 25">
+              <a:extLst>
+                <a:ext uri="{FF2B5EF4-FFF2-40B4-BE49-F238E27FC236}">
+                  <a16:creationId xmlns:a16="http://schemas.microsoft.com/office/drawing/2014/main" id="{37C92A19-51C6-4804-998B-7BA0F94E36C4}"/>
+                </a:ext>
+              </a:extLst>
+            </p:cNvPr>
+            <p:cNvPicPr>
+              <a:picLocks noChangeAspect="1"/>
+            </p:cNvPicPr>
+            <p:nvPr/>
+          </p:nvPicPr>
+          <p:blipFill>
+            <a:blip r:embed="rId6">
+              <a:extLst>
+                <a:ext uri="{28A0092B-C50C-407E-A947-70E740481C1C}">
+                  <a14:useLocalDpi xmlns:a14="http://schemas.microsoft.com/office/drawing/2010/main" val="0"/>
+                </a:ext>
+              </a:extLst>
+            </a:blip>
+            <a:stretch>
+              <a:fillRect/>
+            </a:stretch>
+          </p:blipFill>
+          <p:spPr>
+            <a:xfrm>
+              <a:off x="3634248" y="5268062"/>
+              <a:ext cx="2686050" cy="1295400"/>
+            </a:xfrm>
+            <a:prstGeom prst="rect">
+              <a:avLst/>
+            </a:prstGeom>
+          </p:spPr>
+        </p:pic>
+      </p:grpSp>
+      <p:grpSp>
+        <p:nvGrpSpPr>
+          <p:cNvPr id="71" name="Gruppo 70">
+            <a:extLst>
+              <a:ext uri="{FF2B5EF4-FFF2-40B4-BE49-F238E27FC236}">
+                <a16:creationId xmlns:a16="http://schemas.microsoft.com/office/drawing/2014/main" id="{515D0223-F6CC-41C2-AA3C-EFEA4BC19B66}"/>
+              </a:ext>
+            </a:extLst>
+          </p:cNvPr>
+          <p:cNvGrpSpPr/>
+          <p:nvPr/>
+        </p:nvGrpSpPr>
+        <p:grpSpPr>
+          <a:xfrm>
+            <a:off x="6878362" y="5118265"/>
+            <a:ext cx="2758440" cy="1374044"/>
+            <a:chOff x="9387840" y="5222438"/>
+            <a:chExt cx="2758440" cy="1374044"/>
+          </a:xfrm>
+        </p:grpSpPr>
+        <p:grpSp>
+          <p:nvGrpSpPr>
+            <p:cNvPr id="64" name="Gruppo 63">
+              <a:extLst>
+                <a:ext uri="{FF2B5EF4-FFF2-40B4-BE49-F238E27FC236}">
+                  <a16:creationId xmlns:a16="http://schemas.microsoft.com/office/drawing/2014/main" id="{2033A64D-73CE-4B86-8309-36C6776473E0}"/>
+                </a:ext>
+              </a:extLst>
+            </p:cNvPr>
+            <p:cNvGrpSpPr/>
+            <p:nvPr/>
+          </p:nvGrpSpPr>
+          <p:grpSpPr>
+            <a:xfrm>
+              <a:off x="9387840" y="5222438"/>
+              <a:ext cx="2758440" cy="1374044"/>
+              <a:chOff x="325120" y="4528222"/>
+              <a:chExt cx="2758440" cy="1374044"/>
+            </a:xfrm>
+          </p:grpSpPr>
+          <p:sp>
+            <p:nvSpPr>
+              <p:cNvPr id="65" name="Rettangolo 64">
+                <a:extLst>
+                  <a:ext uri="{FF2B5EF4-FFF2-40B4-BE49-F238E27FC236}">
+                    <a16:creationId xmlns:a16="http://schemas.microsoft.com/office/drawing/2014/main" id="{914D4D24-1F5D-400B-A6FE-C350B1F93577}"/>
+                  </a:ext>
+                </a:extLst>
+              </p:cNvPr>
+              <p:cNvSpPr/>
+              <p:nvPr/>
+            </p:nvSpPr>
+            <p:spPr>
+              <a:xfrm>
+                <a:off x="325120" y="5582919"/>
+                <a:ext cx="2758440" cy="319347"/>
+              </a:xfrm>
+              <a:prstGeom prst="rect">
+                <a:avLst/>
+              </a:prstGeom>
+              <a:solidFill>
+                <a:schemeClr val="bg1"/>
+              </a:solidFill>
+              <a:ln>
+                <a:solidFill>
+                  <a:schemeClr val="tx1"/>
+                </a:solidFill>
+              </a:ln>
+            </p:spPr>
+            <p:style>
+              <a:lnRef idx="2">
+                <a:schemeClr val="accent1">
+                  <a:shade val="50000"/>
+                </a:schemeClr>
+              </a:lnRef>
+              <a:fillRef idx="1">
+                <a:schemeClr val="accent1"/>
+              </a:fillRef>
+              <a:effectRef idx="0">
+                <a:schemeClr val="accent1"/>
+              </a:effectRef>
+              <a:fontRef idx="minor">
+                <a:schemeClr val="lt1"/>
+              </a:fontRef>
+            </p:style>
+            <p:txBody>
+              <a:bodyPr rtlCol="0" anchor="ctr"/>
+              <a:lstStyle/>
+              <a:p>
+                <a:pPr algn="ctr"/>
+                <a:endParaRPr lang="it-IT"/>
+              </a:p>
+            </p:txBody>
+          </p:sp>
+          <p:sp>
+            <p:nvSpPr>
+              <p:cNvPr id="66" name="Rettangolo 65">
+                <a:extLst>
+                  <a:ext uri="{FF2B5EF4-FFF2-40B4-BE49-F238E27FC236}">
+                    <a16:creationId xmlns:a16="http://schemas.microsoft.com/office/drawing/2014/main" id="{C31980D5-13B1-4BAE-8395-042E34074356}"/>
+                  </a:ext>
+                </a:extLst>
+              </p:cNvPr>
+              <p:cNvSpPr/>
+              <p:nvPr/>
+            </p:nvSpPr>
+            <p:spPr>
+              <a:xfrm>
+                <a:off x="970280" y="5433060"/>
+                <a:ext cx="1478280" cy="327660"/>
+              </a:xfrm>
+              <a:prstGeom prst="rect">
+                <a:avLst/>
+              </a:prstGeom>
+              <a:solidFill>
+                <a:schemeClr val="bg1"/>
+              </a:solidFill>
+              <a:ln>
+                <a:solidFill>
+                  <a:schemeClr val="tx1"/>
+                </a:solidFill>
+              </a:ln>
+            </p:spPr>
+            <p:style>
+              <a:lnRef idx="2">
+                <a:schemeClr val="accent1">
+                  <a:shade val="50000"/>
+                </a:schemeClr>
+              </a:lnRef>
+              <a:fillRef idx="1">
+                <a:schemeClr val="accent1"/>
+              </a:fillRef>
+              <a:effectRef idx="0">
+                <a:schemeClr val="accent1"/>
+              </a:effectRef>
+              <a:fontRef idx="minor">
+                <a:schemeClr val="lt1"/>
+              </a:fontRef>
+            </p:style>
+            <p:txBody>
+              <a:bodyPr rtlCol="0" anchor="ctr"/>
+              <a:lstStyle/>
+              <a:p>
+                <a:pPr algn="ctr"/>
+                <a:endParaRPr lang="it-IT"/>
+              </a:p>
+            </p:txBody>
+          </p:sp>
+          <p:sp>
+            <p:nvSpPr>
+              <p:cNvPr id="67" name="Rettangolo 66">
+                <a:extLst>
+                  <a:ext uri="{FF2B5EF4-FFF2-40B4-BE49-F238E27FC236}">
+                    <a16:creationId xmlns:a16="http://schemas.microsoft.com/office/drawing/2014/main" id="{3C70F947-897B-48BD-B6C7-839BE834A4FB}"/>
+                  </a:ext>
+                </a:extLst>
+              </p:cNvPr>
+              <p:cNvSpPr/>
+              <p:nvPr/>
+            </p:nvSpPr>
+            <p:spPr>
+              <a:xfrm>
+                <a:off x="1021080" y="4528222"/>
+                <a:ext cx="1361440" cy="1054698"/>
+              </a:xfrm>
+              <a:prstGeom prst="rect">
+                <a:avLst/>
+              </a:prstGeom>
+              <a:solidFill>
+                <a:schemeClr val="bg1"/>
+              </a:solidFill>
+              <a:ln>
+                <a:solidFill>
+                  <a:schemeClr val="tx1"/>
+                </a:solidFill>
+              </a:ln>
+            </p:spPr>
+            <p:style>
+              <a:lnRef idx="2">
+                <a:schemeClr val="accent1">
+                  <a:shade val="50000"/>
+                </a:schemeClr>
+              </a:lnRef>
+              <a:fillRef idx="1">
+                <a:schemeClr val="accent1"/>
+              </a:fillRef>
+              <a:effectRef idx="0">
+                <a:schemeClr val="accent1"/>
+              </a:effectRef>
+              <a:fontRef idx="minor">
+                <a:schemeClr val="lt1"/>
+              </a:fontRef>
+            </p:style>
+            <p:txBody>
+              <a:bodyPr rtlCol="0" anchor="ctr"/>
+              <a:lstStyle/>
+              <a:p>
+                <a:pPr algn="ctr"/>
+                <a:endParaRPr lang="it-IT"/>
+              </a:p>
+            </p:txBody>
+          </p:sp>
+          <p:sp>
+            <p:nvSpPr>
+              <p:cNvPr id="68" name="Rettangolo 67">
+                <a:extLst>
+                  <a:ext uri="{FF2B5EF4-FFF2-40B4-BE49-F238E27FC236}">
+                    <a16:creationId xmlns:a16="http://schemas.microsoft.com/office/drawing/2014/main" id="{3334C1BE-C931-4778-ACBB-3ABF32410975}"/>
+                  </a:ext>
+                </a:extLst>
+              </p:cNvPr>
+              <p:cNvSpPr/>
+              <p:nvPr/>
+            </p:nvSpPr>
+            <p:spPr>
+              <a:xfrm>
+                <a:off x="1010920" y="5440680"/>
+                <a:ext cx="1397000" cy="279400"/>
+              </a:xfrm>
+              <a:prstGeom prst="rect">
+                <a:avLst/>
+              </a:prstGeom>
+              <a:solidFill>
+                <a:schemeClr val="bg1"/>
+              </a:solidFill>
+              <a:ln>
+                <a:noFill/>
+              </a:ln>
+            </p:spPr>
+            <p:style>
+              <a:lnRef idx="2">
+                <a:schemeClr val="accent1">
+                  <a:shade val="50000"/>
+                </a:schemeClr>
+              </a:lnRef>
+              <a:fillRef idx="1">
+                <a:schemeClr val="accent1"/>
+              </a:fillRef>
+              <a:effectRef idx="0">
+                <a:schemeClr val="accent1"/>
+              </a:effectRef>
+              <a:fontRef idx="minor">
+                <a:schemeClr val="lt1"/>
+              </a:fontRef>
+            </p:style>
+            <p:txBody>
+              <a:bodyPr rtlCol="0" anchor="ctr"/>
+              <a:lstStyle/>
+              <a:p>
+                <a:pPr algn="ctr"/>
+                <a:endParaRPr lang="it-IT"/>
+              </a:p>
+            </p:txBody>
+          </p:sp>
+          <p:sp>
+            <p:nvSpPr>
+              <p:cNvPr id="69" name="Rettangolo 68">
+                <a:extLst>
+                  <a:ext uri="{FF2B5EF4-FFF2-40B4-BE49-F238E27FC236}">
+                    <a16:creationId xmlns:a16="http://schemas.microsoft.com/office/drawing/2014/main" id="{35E4A618-5559-4195-BD2F-C224CFA2BCFD}"/>
+                  </a:ext>
+                </a:extLst>
+              </p:cNvPr>
+              <p:cNvSpPr/>
+              <p:nvPr/>
+            </p:nvSpPr>
+            <p:spPr>
+              <a:xfrm>
+                <a:off x="885190" y="5591175"/>
+                <a:ext cx="1617980" cy="279400"/>
+              </a:xfrm>
+              <a:prstGeom prst="rect">
+                <a:avLst/>
+              </a:prstGeom>
+              <a:solidFill>
+                <a:schemeClr val="bg1"/>
+              </a:solidFill>
+              <a:ln>
+                <a:noFill/>
+              </a:ln>
+            </p:spPr>
+            <p:style>
+              <a:lnRef idx="2">
+                <a:schemeClr val="accent1">
+                  <a:shade val="50000"/>
+                </a:schemeClr>
+              </a:lnRef>
+              <a:fillRef idx="1">
+                <a:schemeClr val="accent1"/>
+              </a:fillRef>
+              <a:effectRef idx="0">
+                <a:schemeClr val="accent1"/>
+              </a:effectRef>
+              <a:fontRef idx="minor">
+                <a:schemeClr val="lt1"/>
+              </a:fontRef>
+            </p:style>
+            <p:txBody>
+              <a:bodyPr rtlCol="0" anchor="ctr"/>
+              <a:lstStyle/>
+              <a:p>
+                <a:pPr algn="ctr"/>
+                <a:endParaRPr lang="it-IT"/>
+              </a:p>
+            </p:txBody>
+          </p:sp>
+        </p:grpSp>
+        <p:pic>
+          <p:nvPicPr>
+            <p:cNvPr id="28" name="Immagine 27">
+              <a:extLst>
+                <a:ext uri="{FF2B5EF4-FFF2-40B4-BE49-F238E27FC236}">
+                  <a16:creationId xmlns:a16="http://schemas.microsoft.com/office/drawing/2014/main" id="{07A44C1B-7E7D-4850-A604-DFD19E0BE3CA}"/>
+                </a:ext>
+              </a:extLst>
+            </p:cNvPr>
+            <p:cNvPicPr>
+              <a:picLocks noChangeAspect="1"/>
+            </p:cNvPicPr>
+            <p:nvPr/>
+          </p:nvPicPr>
+          <p:blipFill>
+            <a:blip r:embed="rId7">
+              <a:extLst>
+                <a:ext uri="{28A0092B-C50C-407E-A947-70E740481C1C}">
+                  <a14:useLocalDpi xmlns:a14="http://schemas.microsoft.com/office/drawing/2010/main" val="0"/>
+                </a:ext>
+              </a:extLst>
+            </a:blip>
+            <a:stretch>
+              <a:fillRect/>
+            </a:stretch>
+          </p:blipFill>
+          <p:spPr>
+            <a:xfrm>
+              <a:off x="9422474" y="5268062"/>
+              <a:ext cx="2686050" cy="1295400"/>
+            </a:xfrm>
+            <a:prstGeom prst="rect">
+              <a:avLst/>
+            </a:prstGeom>
+          </p:spPr>
+        </p:pic>
+      </p:grpSp>
+      <p:grpSp>
+        <p:nvGrpSpPr>
+          <p:cNvPr id="83" name="Gruppo 82">
+            <a:extLst>
+              <a:ext uri="{FF2B5EF4-FFF2-40B4-BE49-F238E27FC236}">
+                <a16:creationId xmlns:a16="http://schemas.microsoft.com/office/drawing/2014/main" id="{E6174AA2-8DED-4FBF-BA80-E9808B626EB0}"/>
+              </a:ext>
+            </a:extLst>
+          </p:cNvPr>
+          <p:cNvGrpSpPr/>
+          <p:nvPr/>
+        </p:nvGrpSpPr>
+        <p:grpSpPr>
+          <a:xfrm>
+            <a:off x="474349" y="4105854"/>
+            <a:ext cx="4242224" cy="1407573"/>
+            <a:chOff x="6021916" y="4714690"/>
+            <a:chExt cx="4242224" cy="1407573"/>
+          </a:xfrm>
+        </p:grpSpPr>
+        <p:grpSp>
+          <p:nvGrpSpPr>
+            <p:cNvPr id="82" name="Gruppo 81">
+              <a:extLst>
+                <a:ext uri="{FF2B5EF4-FFF2-40B4-BE49-F238E27FC236}">
+                  <a16:creationId xmlns:a16="http://schemas.microsoft.com/office/drawing/2014/main" id="{4E0A307F-E017-438D-8BAB-8445C41B99F6}"/>
+                </a:ext>
+              </a:extLst>
+            </p:cNvPr>
+            <p:cNvGrpSpPr/>
+            <p:nvPr/>
+          </p:nvGrpSpPr>
+          <p:grpSpPr>
+            <a:xfrm>
+              <a:off x="6021916" y="4714690"/>
+              <a:ext cx="4242224" cy="1407573"/>
+              <a:chOff x="6021916" y="4714690"/>
+              <a:chExt cx="4242224" cy="1407573"/>
+            </a:xfrm>
+          </p:grpSpPr>
+          <p:sp>
+            <p:nvSpPr>
+              <p:cNvPr id="74" name="Rettangolo 73">
+                <a:extLst>
+                  <a:ext uri="{FF2B5EF4-FFF2-40B4-BE49-F238E27FC236}">
+                    <a16:creationId xmlns:a16="http://schemas.microsoft.com/office/drawing/2014/main" id="{D0F438BC-3F11-4D4C-A2CF-6526151C7788}"/>
+                  </a:ext>
+                </a:extLst>
+              </p:cNvPr>
+              <p:cNvSpPr/>
+              <p:nvPr/>
+            </p:nvSpPr>
+            <p:spPr>
+              <a:xfrm>
+                <a:off x="6021916" y="5220354"/>
+                <a:ext cx="4242224" cy="391754"/>
+              </a:xfrm>
+              <a:prstGeom prst="rect">
+                <a:avLst/>
+              </a:prstGeom>
+              <a:solidFill>
+                <a:schemeClr val="bg1"/>
+              </a:solidFill>
+              <a:ln>
+                <a:solidFill>
+                  <a:schemeClr val="tx1"/>
+                </a:solidFill>
+              </a:ln>
+            </p:spPr>
+            <p:style>
+              <a:lnRef idx="2">
+                <a:schemeClr val="accent1">
+                  <a:shade val="50000"/>
+                </a:schemeClr>
+              </a:lnRef>
+              <a:fillRef idx="1">
+                <a:schemeClr val="accent1"/>
+              </a:fillRef>
+              <a:effectRef idx="0">
+                <a:schemeClr val="accent1"/>
+              </a:effectRef>
+              <a:fontRef idx="minor">
+                <a:schemeClr val="lt1"/>
+              </a:fontRef>
+            </p:style>
+            <p:txBody>
+              <a:bodyPr rtlCol="0" anchor="ctr"/>
+              <a:lstStyle/>
+              <a:p>
+                <a:pPr algn="ctr"/>
+                <a:endParaRPr lang="it-IT"/>
+              </a:p>
+            </p:txBody>
+          </p:sp>
+          <p:sp>
+            <p:nvSpPr>
+              <p:cNvPr id="76" name="Rettangolo 75">
+                <a:extLst>
+                  <a:ext uri="{FF2B5EF4-FFF2-40B4-BE49-F238E27FC236}">
+                    <a16:creationId xmlns:a16="http://schemas.microsoft.com/office/drawing/2014/main" id="{54758CE4-31D2-4855-AA00-8270AC33C548}"/>
+                  </a:ext>
+                </a:extLst>
+              </p:cNvPr>
+              <p:cNvSpPr/>
+              <p:nvPr/>
+            </p:nvSpPr>
+            <p:spPr>
+              <a:xfrm>
+                <a:off x="6737554" y="5734240"/>
+                <a:ext cx="2783636" cy="388023"/>
+              </a:xfrm>
+              <a:prstGeom prst="rect">
+                <a:avLst/>
+              </a:prstGeom>
+              <a:solidFill>
+                <a:schemeClr val="bg1"/>
+              </a:solidFill>
+              <a:ln>
+                <a:solidFill>
+                  <a:schemeClr val="tx1"/>
+                </a:solidFill>
+              </a:ln>
+            </p:spPr>
+            <p:style>
+              <a:lnRef idx="2">
+                <a:schemeClr val="accent1">
+                  <a:shade val="50000"/>
+                </a:schemeClr>
+              </a:lnRef>
+              <a:fillRef idx="1">
+                <a:schemeClr val="accent1"/>
+              </a:fillRef>
+              <a:effectRef idx="0">
+                <a:schemeClr val="accent1"/>
+              </a:effectRef>
+              <a:fontRef idx="minor">
+                <a:schemeClr val="lt1"/>
+              </a:fontRef>
+            </p:style>
+            <p:txBody>
+              <a:bodyPr rtlCol="0" anchor="ctr"/>
+              <a:lstStyle/>
+              <a:p>
+                <a:pPr algn="ctr"/>
+                <a:endParaRPr lang="it-IT"/>
+              </a:p>
+            </p:txBody>
+          </p:sp>
+          <p:sp>
+            <p:nvSpPr>
+              <p:cNvPr id="75" name="Rettangolo 74">
+                <a:extLst>
+                  <a:ext uri="{FF2B5EF4-FFF2-40B4-BE49-F238E27FC236}">
+                    <a16:creationId xmlns:a16="http://schemas.microsoft.com/office/drawing/2014/main" id="{BD0FBDF6-BA1E-4319-A8EB-8054FDD5575D}"/>
+                  </a:ext>
+                </a:extLst>
+              </p:cNvPr>
+              <p:cNvSpPr/>
+              <p:nvPr/>
+            </p:nvSpPr>
+            <p:spPr>
+              <a:xfrm>
+                <a:off x="7390554" y="5522411"/>
+                <a:ext cx="1477636" cy="388023"/>
+              </a:xfrm>
+              <a:prstGeom prst="rect">
+                <a:avLst/>
+              </a:prstGeom>
+              <a:solidFill>
+                <a:schemeClr val="bg1"/>
+              </a:solidFill>
+              <a:ln>
+                <a:solidFill>
+                  <a:schemeClr val="tx1"/>
+                </a:solidFill>
+              </a:ln>
+            </p:spPr>
+            <p:style>
+              <a:lnRef idx="2">
+                <a:schemeClr val="accent1">
+                  <a:shade val="50000"/>
+                </a:schemeClr>
+              </a:lnRef>
+              <a:fillRef idx="1">
+                <a:schemeClr val="accent1"/>
+              </a:fillRef>
+              <a:effectRef idx="0">
+                <a:schemeClr val="accent1"/>
+              </a:effectRef>
+              <a:fontRef idx="minor">
+                <a:schemeClr val="lt1"/>
+              </a:fontRef>
+            </p:style>
+            <p:txBody>
+              <a:bodyPr rtlCol="0" anchor="ctr"/>
+              <a:lstStyle/>
+              <a:p>
+                <a:pPr algn="ctr"/>
+                <a:endParaRPr lang="it-IT"/>
+              </a:p>
+            </p:txBody>
+          </p:sp>
+          <p:sp>
+            <p:nvSpPr>
+              <p:cNvPr id="73" name="Rettangolo 72">
+                <a:extLst>
+                  <a:ext uri="{FF2B5EF4-FFF2-40B4-BE49-F238E27FC236}">
+                    <a16:creationId xmlns:a16="http://schemas.microsoft.com/office/drawing/2014/main" id="{C69EA702-1E5C-496F-8F17-B7617631394B}"/>
+                  </a:ext>
+                </a:extLst>
+              </p:cNvPr>
+              <p:cNvSpPr/>
+              <p:nvPr/>
+            </p:nvSpPr>
+            <p:spPr>
+              <a:xfrm>
+                <a:off x="6685704" y="5106028"/>
+                <a:ext cx="2901402" cy="453060"/>
+              </a:xfrm>
+              <a:prstGeom prst="rect">
+                <a:avLst/>
+              </a:prstGeom>
+              <a:solidFill>
+                <a:schemeClr val="bg1"/>
+              </a:solidFill>
+              <a:ln>
+                <a:solidFill>
+                  <a:schemeClr val="tx1"/>
+                </a:solidFill>
+              </a:ln>
+            </p:spPr>
+            <p:style>
+              <a:lnRef idx="2">
+                <a:schemeClr val="accent1">
+                  <a:shade val="50000"/>
+                </a:schemeClr>
+              </a:lnRef>
+              <a:fillRef idx="1">
+                <a:schemeClr val="accent1"/>
+              </a:fillRef>
+              <a:effectRef idx="0">
+                <a:schemeClr val="accent1"/>
+              </a:effectRef>
+              <a:fontRef idx="minor">
+                <a:schemeClr val="lt1"/>
+              </a:fontRef>
+            </p:style>
+            <p:txBody>
+              <a:bodyPr rtlCol="0" anchor="ctr"/>
+              <a:lstStyle/>
+              <a:p>
+                <a:pPr algn="ctr"/>
+                <a:endParaRPr lang="it-IT"/>
+              </a:p>
+            </p:txBody>
+          </p:sp>
+          <p:sp>
+            <p:nvSpPr>
+              <p:cNvPr id="77" name="Rettangolo 76">
+                <a:extLst>
+                  <a:ext uri="{FF2B5EF4-FFF2-40B4-BE49-F238E27FC236}">
+                    <a16:creationId xmlns:a16="http://schemas.microsoft.com/office/drawing/2014/main" id="{E23C82E6-16C5-4F09-AFF5-654EC46793C6}"/>
+                  </a:ext>
+                </a:extLst>
+              </p:cNvPr>
+              <p:cNvSpPr/>
+              <p:nvPr/>
+            </p:nvSpPr>
+            <p:spPr>
+              <a:xfrm>
+                <a:off x="6834294" y="5262238"/>
+                <a:ext cx="3147906" cy="342985"/>
+              </a:xfrm>
+              <a:prstGeom prst="rect">
+                <a:avLst/>
+              </a:prstGeom>
+              <a:solidFill>
+                <a:schemeClr val="bg1"/>
+              </a:solidFill>
+              <a:ln>
+                <a:noFill/>
+              </a:ln>
+            </p:spPr>
+            <p:style>
+              <a:lnRef idx="2">
+                <a:schemeClr val="accent1">
+                  <a:shade val="50000"/>
+                </a:schemeClr>
+              </a:lnRef>
+              <a:fillRef idx="1">
+                <a:schemeClr val="accent1"/>
+              </a:fillRef>
+              <a:effectRef idx="0">
+                <a:schemeClr val="accent1"/>
+              </a:effectRef>
+              <a:fontRef idx="minor">
+                <a:schemeClr val="lt1"/>
+              </a:fontRef>
+            </p:style>
+            <p:txBody>
+              <a:bodyPr rtlCol="0" anchor="ctr"/>
+              <a:lstStyle/>
+              <a:p>
+                <a:pPr algn="ctr"/>
+                <a:endParaRPr lang="it-IT"/>
+              </a:p>
+            </p:txBody>
+          </p:sp>
+          <p:sp>
+            <p:nvSpPr>
+              <p:cNvPr id="78" name="Rettangolo 77">
+                <a:extLst>
+                  <a:ext uri="{FF2B5EF4-FFF2-40B4-BE49-F238E27FC236}">
+                    <a16:creationId xmlns:a16="http://schemas.microsoft.com/office/drawing/2014/main" id="{DFE74E7D-AA9E-4DBC-8C87-F680576AD240}"/>
+                  </a:ext>
+                </a:extLst>
+              </p:cNvPr>
+              <p:cNvSpPr/>
+              <p:nvPr/>
+            </p:nvSpPr>
+            <p:spPr>
+              <a:xfrm>
+                <a:off x="6476153" y="5226382"/>
+                <a:ext cx="3176481" cy="365877"/>
+              </a:xfrm>
+              <a:prstGeom prst="rect">
+                <a:avLst/>
+              </a:prstGeom>
+              <a:solidFill>
+                <a:schemeClr val="bg1"/>
+              </a:solidFill>
+              <a:ln>
+                <a:noFill/>
+              </a:ln>
+            </p:spPr>
+            <p:style>
+              <a:lnRef idx="2">
+                <a:schemeClr val="accent1">
+                  <a:shade val="50000"/>
+                </a:schemeClr>
+              </a:lnRef>
+              <a:fillRef idx="1">
+                <a:schemeClr val="accent1"/>
+              </a:fillRef>
+              <a:effectRef idx="0">
+                <a:schemeClr val="accent1"/>
+              </a:effectRef>
+              <a:fontRef idx="minor">
+                <a:schemeClr val="lt1"/>
+              </a:fontRef>
+            </p:style>
+            <p:txBody>
+              <a:bodyPr rtlCol="0" anchor="ctr"/>
+              <a:lstStyle/>
+              <a:p>
+                <a:pPr algn="ctr"/>
+                <a:endParaRPr lang="it-IT"/>
+              </a:p>
+            </p:txBody>
+          </p:sp>
+          <p:sp>
+            <p:nvSpPr>
+              <p:cNvPr id="72" name="Rettangolo 71">
+                <a:extLst>
+                  <a:ext uri="{FF2B5EF4-FFF2-40B4-BE49-F238E27FC236}">
+                    <a16:creationId xmlns:a16="http://schemas.microsoft.com/office/drawing/2014/main" id="{A68F76AC-02F1-46C4-9460-9AC872735925}"/>
+                  </a:ext>
+                </a:extLst>
+              </p:cNvPr>
+              <p:cNvSpPr/>
+              <p:nvPr/>
+            </p:nvSpPr>
+            <p:spPr>
+              <a:xfrm>
+                <a:off x="7428653" y="4714690"/>
+                <a:ext cx="1400678" cy="509395"/>
+              </a:xfrm>
+              <a:prstGeom prst="rect">
+                <a:avLst/>
+              </a:prstGeom>
+              <a:solidFill>
+                <a:schemeClr val="bg1"/>
+              </a:solidFill>
+              <a:ln>
+                <a:solidFill>
+                  <a:schemeClr val="tx1"/>
+                </a:solidFill>
+              </a:ln>
+            </p:spPr>
+            <p:style>
+              <a:lnRef idx="2">
+                <a:schemeClr val="accent1">
+                  <a:shade val="50000"/>
+                </a:schemeClr>
+              </a:lnRef>
+              <a:fillRef idx="1">
+                <a:schemeClr val="accent1"/>
+              </a:fillRef>
+              <a:effectRef idx="0">
+                <a:schemeClr val="accent1"/>
+              </a:effectRef>
+              <a:fontRef idx="minor">
+                <a:schemeClr val="lt1"/>
+              </a:fontRef>
+            </p:style>
+            <p:txBody>
+              <a:bodyPr rtlCol="0" anchor="ctr"/>
+              <a:lstStyle/>
+              <a:p>
+                <a:pPr algn="ctr"/>
+                <a:endParaRPr lang="it-IT"/>
+              </a:p>
+            </p:txBody>
+          </p:sp>
+          <p:sp>
+            <p:nvSpPr>
+              <p:cNvPr id="80" name="Rettangolo 79">
+                <a:extLst>
+                  <a:ext uri="{FF2B5EF4-FFF2-40B4-BE49-F238E27FC236}">
+                    <a16:creationId xmlns:a16="http://schemas.microsoft.com/office/drawing/2014/main" id="{0570C666-52FA-42D6-9A85-5794369B0174}"/>
+                  </a:ext>
+                </a:extLst>
+              </p:cNvPr>
+              <p:cNvSpPr/>
+              <p:nvPr/>
+            </p:nvSpPr>
+            <p:spPr>
+              <a:xfrm>
+                <a:off x="7366635" y="5113648"/>
+                <a:ext cx="2141520" cy="342985"/>
+              </a:xfrm>
+              <a:prstGeom prst="rect">
+                <a:avLst/>
+              </a:prstGeom>
+              <a:solidFill>
+                <a:schemeClr val="bg1"/>
+              </a:solidFill>
+              <a:ln>
+                <a:noFill/>
+              </a:ln>
+            </p:spPr>
+            <p:style>
+              <a:lnRef idx="2">
+                <a:schemeClr val="accent1">
+                  <a:shade val="50000"/>
+                </a:schemeClr>
+              </a:lnRef>
+              <a:fillRef idx="1">
+                <a:schemeClr val="accent1"/>
+              </a:fillRef>
+              <a:effectRef idx="0">
+                <a:schemeClr val="accent1"/>
+              </a:effectRef>
+              <a:fontRef idx="minor">
+                <a:schemeClr val="lt1"/>
+              </a:fontRef>
+            </p:style>
+            <p:txBody>
+              <a:bodyPr rtlCol="0" anchor="ctr"/>
+              <a:lstStyle/>
+              <a:p>
+                <a:pPr algn="ctr"/>
+                <a:endParaRPr lang="it-IT"/>
+              </a:p>
+            </p:txBody>
+          </p:sp>
+          <p:sp>
+            <p:nvSpPr>
+              <p:cNvPr id="81" name="Rettangolo 80">
+                <a:extLst>
+                  <a:ext uri="{FF2B5EF4-FFF2-40B4-BE49-F238E27FC236}">
+                    <a16:creationId xmlns:a16="http://schemas.microsoft.com/office/drawing/2014/main" id="{3EE21701-82DC-43F2-95DA-FF1501335CD9}"/>
+                  </a:ext>
+                </a:extLst>
+              </p:cNvPr>
+              <p:cNvSpPr/>
+              <p:nvPr/>
+            </p:nvSpPr>
+            <p:spPr>
+              <a:xfrm>
+                <a:off x="7112000" y="5742308"/>
+                <a:ext cx="2141520" cy="342985"/>
+              </a:xfrm>
+              <a:prstGeom prst="rect">
+                <a:avLst/>
+              </a:prstGeom>
+              <a:solidFill>
+                <a:schemeClr val="bg1"/>
+              </a:solidFill>
+              <a:ln>
+                <a:noFill/>
+              </a:ln>
+            </p:spPr>
+            <p:style>
+              <a:lnRef idx="2">
+                <a:schemeClr val="accent1">
+                  <a:shade val="50000"/>
+                </a:schemeClr>
+              </a:lnRef>
+              <a:fillRef idx="1">
+                <a:schemeClr val="accent1"/>
+              </a:fillRef>
+              <a:effectRef idx="0">
+                <a:schemeClr val="accent1"/>
+              </a:effectRef>
+              <a:fontRef idx="minor">
+                <a:schemeClr val="lt1"/>
+              </a:fontRef>
+            </p:style>
+            <p:txBody>
+              <a:bodyPr rtlCol="0" anchor="ctr"/>
+              <a:lstStyle/>
+              <a:p>
+                <a:pPr algn="ctr"/>
+                <a:endParaRPr lang="it-IT"/>
+              </a:p>
+            </p:txBody>
+          </p:sp>
+        </p:grpSp>
+        <p:pic>
+          <p:nvPicPr>
+            <p:cNvPr id="24" name="Immagine 23">
+              <a:extLst>
+                <a:ext uri="{FF2B5EF4-FFF2-40B4-BE49-F238E27FC236}">
+                  <a16:creationId xmlns:a16="http://schemas.microsoft.com/office/drawing/2014/main" id="{AF609B37-40FD-4486-8CFC-C8A317E9A195}"/>
+                </a:ext>
+              </a:extLst>
+            </p:cNvPr>
+            <p:cNvPicPr>
+              <a:picLocks noChangeAspect="1"/>
+            </p:cNvPicPr>
+            <p:nvPr/>
+          </p:nvPicPr>
+          <p:blipFill>
+            <a:blip r:embed="rId8">
+              <a:extLst>
+                <a:ext uri="{28A0092B-C50C-407E-A947-70E740481C1C}">
+                  <a14:useLocalDpi xmlns:a14="http://schemas.microsoft.com/office/drawing/2010/main" val="0"/>
+                </a:ext>
+              </a:extLst>
+            </a:blip>
+            <a:stretch>
+              <a:fillRect/>
+            </a:stretch>
+          </p:blipFill>
+          <p:spPr>
+            <a:xfrm>
+              <a:off x="6089650" y="4757015"/>
+              <a:ext cx="4076700" cy="1295400"/>
+            </a:xfrm>
+            <a:prstGeom prst="rect">
+              <a:avLst/>
+            </a:prstGeom>
+          </p:spPr>
+        </p:pic>
+      </p:grpSp>
     </p:spTree>
     <p:extLst>
       <p:ext uri="{BB962C8B-B14F-4D97-AF65-F5344CB8AC3E}">
@@ -7260,7 +9674,15 @@
           <a:p>
             <a:r>
               <a:rPr lang="it-IT" dirty="0"/>
-              <a:t>Creiamo 5 tabelle per velocità, accelerazione, piega, sessioni e per l’accelerazione necessaria per il calcolo del salto.</a:t>
+              <a:t>Creiamo </a:t>
+            </a:r>
+            <a:r>
+              <a:rPr lang="it-IT"/>
+              <a:t>5 tabelle: velocità</a:t>
+            </a:r>
+            <a:r>
+              <a:rPr lang="it-IT" dirty="0"/>
+              <a:t>, accelerazione, piega, sessioni e per l’accelerazione necessaria per il calcolo del salto.</a:t>
             </a:r>
           </a:p>
           <a:p>
@@ -9342,194 +11764,22 @@
           <a:lstStyle/>
           <a:p>
             <a:r>
-              <a:rPr lang="en-GB" dirty="0" err="1"/>
-              <a:t>L’applicazione</a:t>
+              <a:rPr lang="en-GB"/>
+              <a:t>L’applicazione è stata pensata per </a:t>
             </a:r>
             <a:r>
-              <a:rPr lang="en-GB" dirty="0"/>
-              <a:t> è </a:t>
-            </a:r>
-            <a:r>
-              <a:rPr lang="en-GB" dirty="0" err="1"/>
-              <a:t>stata</a:t>
-            </a:r>
-            <a:r>
-              <a:rPr lang="en-GB" dirty="0"/>
-              <a:t> </a:t>
-            </a:r>
-            <a:r>
-              <a:rPr lang="en-GB" dirty="0" err="1"/>
-              <a:t>pensata</a:t>
-            </a:r>
-            <a:r>
-              <a:rPr lang="en-GB" dirty="0"/>
-              <a:t> per </a:t>
-            </a:r>
-            <a:r>
-              <a:rPr lang="it-IT" dirty="0"/>
+              <a:rPr lang="it-IT"/>
               <a:t>l’attività</a:t>
             </a:r>
             <a:r>
-              <a:rPr lang="en-GB" dirty="0"/>
-              <a:t> </a:t>
+              <a:rPr lang="en-GB"/>
+              <a:t> motociclistica (sia su strada che fuoristrada) e per controllare le proprie statistiche su percorsi medio-brevi.</a:t>
             </a:r>
+          </a:p>
+          <a:p>
             <a:r>
-              <a:rPr lang="en-GB" dirty="0" err="1"/>
-              <a:t>motociclistica</a:t>
-            </a:r>
-            <a:r>
-              <a:rPr lang="en-GB" dirty="0"/>
-              <a:t> (</a:t>
-            </a:r>
-            <a:r>
-              <a:rPr lang="en-GB" dirty="0" err="1"/>
-              <a:t>sia</a:t>
-            </a:r>
-            <a:r>
-              <a:rPr lang="en-GB" dirty="0"/>
-              <a:t> </a:t>
-            </a:r>
-            <a:r>
-              <a:rPr lang="en-GB" dirty="0" err="1"/>
-              <a:t>su</a:t>
-            </a:r>
-            <a:r>
-              <a:rPr lang="en-GB" dirty="0"/>
-              <a:t> </a:t>
-            </a:r>
-            <a:r>
-              <a:rPr lang="en-GB" dirty="0" err="1"/>
-              <a:t>strada</a:t>
-            </a:r>
-            <a:r>
-              <a:rPr lang="en-GB" dirty="0"/>
-              <a:t> </a:t>
-            </a:r>
-            <a:r>
-              <a:rPr lang="en-GB" dirty="0" err="1"/>
-              <a:t>che</a:t>
-            </a:r>
-            <a:r>
-              <a:rPr lang="en-GB" dirty="0"/>
-              <a:t> </a:t>
-            </a:r>
-            <a:r>
-              <a:rPr lang="en-GB" dirty="0" err="1"/>
-              <a:t>fuoristrada</a:t>
-            </a:r>
-            <a:r>
-              <a:rPr lang="en-GB" dirty="0"/>
-              <a:t>) e per </a:t>
-            </a:r>
-            <a:r>
-              <a:rPr lang="en-GB" dirty="0" err="1"/>
-              <a:t>controllare</a:t>
-            </a:r>
-            <a:r>
-              <a:rPr lang="en-GB" dirty="0"/>
-              <a:t> le </a:t>
-            </a:r>
-            <a:r>
-              <a:rPr lang="en-GB" dirty="0" err="1"/>
-              <a:t>proprie</a:t>
-            </a:r>
-            <a:r>
-              <a:rPr lang="en-GB" dirty="0"/>
-              <a:t> </a:t>
-            </a:r>
-            <a:r>
-              <a:rPr lang="en-GB" dirty="0" err="1"/>
-              <a:t>statistiche</a:t>
-            </a:r>
-            <a:r>
-              <a:rPr lang="en-GB" dirty="0"/>
-              <a:t> </a:t>
-            </a:r>
-            <a:r>
-              <a:rPr lang="en-GB" dirty="0" err="1"/>
-              <a:t>su</a:t>
-            </a:r>
-            <a:r>
-              <a:rPr lang="en-GB" dirty="0"/>
-              <a:t> </a:t>
-            </a:r>
-            <a:r>
-              <a:rPr lang="en-GB" dirty="0" err="1"/>
-              <a:t>percorsi</a:t>
-            </a:r>
-            <a:r>
-              <a:rPr lang="en-GB" dirty="0"/>
-              <a:t> medio-</a:t>
-            </a:r>
-            <a:r>
-              <a:rPr lang="en-GB" dirty="0" err="1"/>
-              <a:t>brevi</a:t>
-            </a:r>
-            <a:r>
-              <a:rPr lang="en-GB" dirty="0"/>
-              <a:t>.</a:t>
-            </a:r>
-          </a:p>
-          <a:p>
-            <a:r>
-              <a:rPr lang="en-GB" dirty="0"/>
-              <a:t>Il </a:t>
-            </a:r>
-            <a:r>
-              <a:rPr lang="en-GB" dirty="0" err="1"/>
-              <a:t>miglior</a:t>
-            </a:r>
-            <a:r>
-              <a:rPr lang="en-GB" dirty="0"/>
-              <a:t> </a:t>
-            </a:r>
-            <a:r>
-              <a:rPr lang="en-GB" dirty="0" err="1"/>
-              <a:t>funzionamento</a:t>
-            </a:r>
-            <a:r>
-              <a:rPr lang="en-GB" dirty="0"/>
-              <a:t> è </a:t>
-            </a:r>
-            <a:r>
-              <a:rPr lang="en-GB" dirty="0" err="1"/>
-              <a:t>ottenibile</a:t>
-            </a:r>
-            <a:r>
-              <a:rPr lang="en-GB" dirty="0"/>
-              <a:t> </a:t>
-            </a:r>
-            <a:r>
-              <a:rPr lang="en-GB" dirty="0" err="1"/>
-              <a:t>posizionando</a:t>
-            </a:r>
-            <a:r>
-              <a:rPr lang="en-GB" dirty="0"/>
-              <a:t> lo smartphone </a:t>
-            </a:r>
-            <a:r>
-              <a:rPr lang="en-GB" dirty="0" err="1"/>
-              <a:t>su</a:t>
-            </a:r>
-            <a:r>
-              <a:rPr lang="en-GB" dirty="0"/>
-              <a:t> un </a:t>
-            </a:r>
-            <a:r>
-              <a:rPr lang="en-GB" dirty="0" err="1"/>
-              <a:t>supporto</a:t>
-            </a:r>
-            <a:r>
-              <a:rPr lang="en-GB" dirty="0"/>
-              <a:t> </a:t>
-            </a:r>
-            <a:r>
-              <a:rPr lang="en-GB" dirty="0" err="1"/>
-              <a:t>solidale</a:t>
-            </a:r>
-            <a:r>
-              <a:rPr lang="en-GB" dirty="0"/>
-              <a:t> con la moto.</a:t>
+              <a:rPr lang="en-GB"/>
+              <a:t>Il miglior funzionamento è ottenibile posizionando lo smartphone su un supporto solidale con la moto.</a:t>
             </a:r>
             <a:endParaRPr lang="it-IT" dirty="0"/>
           </a:p>
@@ -9545,98 +11795,7 @@
   <p:clrMapOvr>
     <a:masterClrMapping/>
   </p:clrMapOvr>
-  <p:timing>
-    <p:tnLst>
-      <p:par>
-        <p:cTn id="1" dur="indefinite" restart="never" nodeType="tmRoot">
-          <p:childTnLst>
-            <p:seq concurrent="1" nextAc="seek">
-              <p:cTn id="2" dur="indefinite" nodeType="mainSeq">
-                <p:childTnLst>
-                  <p:par>
-                    <p:cTn id="3" fill="hold">
-                      <p:stCondLst>
-                        <p:cond delay="indefinite"/>
-                        <p:cond evt="onBegin" delay="0">
-                          <p:tn val="2"/>
-                        </p:cond>
-                      </p:stCondLst>
-                      <p:childTnLst>
-                        <p:par>
-                          <p:cTn id="4" fill="hold">
-                            <p:stCondLst>
-                              <p:cond delay="0"/>
-                            </p:stCondLst>
-                            <p:childTnLst>
-                              <p:par>
-                                <p:cTn id="5" presetID="10" presetClass="entr" presetSubtype="0" fill="hold" grpId="0" nodeType="withEffect">
-                                  <p:stCondLst>
-                                    <p:cond delay="500"/>
-                                  </p:stCondLst>
-                                  <p:iterate>
-                                    <p:tmPct val="10000"/>
-                                  </p:iterate>
-                                  <p:childTnLst>
-                                    <p:set>
-                                      <p:cBhvr>
-                                        <p:cTn id="6" dur="1" fill="hold">
-                                          <p:stCondLst>
-                                            <p:cond delay="0"/>
-                                          </p:stCondLst>
-                                        </p:cTn>
-                                        <p:tgtEl>
-                                          <p:spTgt spid="2"/>
-                                        </p:tgtEl>
-                                        <p:attrNameLst>
-                                          <p:attrName>style.visibility</p:attrName>
-                                        </p:attrNameLst>
-                                      </p:cBhvr>
-                                      <p:to>
-                                        <p:strVal val="visible"/>
-                                      </p:to>
-                                    </p:set>
-                                    <p:animEffect transition="in" filter="fade">
-                                      <p:cBhvr>
-                                        <p:cTn id="7" dur="700"/>
-                                        <p:tgtEl>
-                                          <p:spTgt spid="2"/>
-                                        </p:tgtEl>
-                                      </p:cBhvr>
-                                    </p:animEffect>
-                                  </p:childTnLst>
-                                </p:cTn>
-                              </p:par>
-                            </p:childTnLst>
-                          </p:cTn>
-                        </p:par>
-                      </p:childTnLst>
-                    </p:cTn>
-                  </p:par>
-                </p:childTnLst>
-              </p:cTn>
-              <p:prevCondLst>
-                <p:cond evt="onPrev" delay="0">
-                  <p:tgtEl>
-                    <p:sldTgt/>
-                  </p:tgtEl>
-                </p:cond>
-              </p:prevCondLst>
-              <p:nextCondLst>
-                <p:cond evt="onNext" delay="0">
-                  <p:tgtEl>
-                    <p:sldTgt/>
-                  </p:tgtEl>
-                </p:cond>
-              </p:nextCondLst>
-            </p:seq>
-          </p:childTnLst>
-        </p:cTn>
-      </p:par>
-    </p:tnLst>
-    <p:bldLst>
-      <p:bldP spid="2" grpId="0"/>
-    </p:bldLst>
-  </p:timing>
+  <p:transition spd="slow"/>
 </p:sld>
 </file>
 
@@ -11754,8 +13913,8 @@
           </a:p>
         </p:txBody>
       </p:sp>
-      <mc:AlternateContent xmlns:mc="http://schemas.openxmlformats.org/markup-compatibility/2006">
-        <mc:Choice xmlns:a14="http://schemas.microsoft.com/office/drawing/2010/main" Requires="a14">
+      <mc:AlternateContent xmlns:mc="http://schemas.openxmlformats.org/markup-compatibility/2006" xmlns:a14="http://schemas.microsoft.com/office/drawing/2010/main">
+        <mc:Choice Requires="a14">
           <p:sp>
             <p:nvSpPr>
               <p:cNvPr id="3" name="Segnaposto contenuto 2">
@@ -12040,7 +14199,7 @@
             </p:txBody>
           </p:sp>
         </mc:Choice>
-        <mc:Fallback>
+        <mc:Fallback xmlns="">
           <p:sp>
             <p:nvSpPr>
               <p:cNvPr id="3" name="Segnaposto contenuto 2">
@@ -13642,8 +15801,8 @@
           </a:p>
         </p:txBody>
       </p:sp>
-      <mc:AlternateContent xmlns:mc="http://schemas.openxmlformats.org/markup-compatibility/2006">
-        <mc:Choice xmlns:a14="http://schemas.microsoft.com/office/drawing/2010/main" Requires="a14">
+      <mc:AlternateContent xmlns:mc="http://schemas.openxmlformats.org/markup-compatibility/2006" xmlns:a14="http://schemas.microsoft.com/office/drawing/2010/main">
+        <mc:Choice Requires="a14">
           <p:sp>
             <p:nvSpPr>
               <p:cNvPr id="3" name="Segnaposto contenuto 2">
@@ -13830,7 +15989,7 @@
             </p:txBody>
           </p:sp>
         </mc:Choice>
-        <mc:Fallback>
+        <mc:Fallback xmlns="">
           <p:sp>
             <p:nvSpPr>
               <p:cNvPr id="3" name="Segnaposto contenuto 2">

--- a/BikeActivity.pptx
+++ b/BikeActivity.pptx
@@ -277,7 +277,7 @@
           <a:p>
             <a:fld id="{6DE7381E-2DFC-4962-8B7B-F0AA1A4B8166}" type="datetimeFigureOut">
               <a:rPr lang="en-GB" smtClean="0"/>
-              <a:t>22/06/2022</a:t>
+              <a:t>23/06/2022</a:t>
             </a:fld>
             <a:endParaRPr lang="en-GB" dirty="0"/>
           </a:p>
@@ -477,7 +477,7 @@
           <a:p>
             <a:fld id="{6DE7381E-2DFC-4962-8B7B-F0AA1A4B8166}" type="datetimeFigureOut">
               <a:rPr lang="en-GB" smtClean="0"/>
-              <a:t>22/06/2022</a:t>
+              <a:t>23/06/2022</a:t>
             </a:fld>
             <a:endParaRPr lang="en-GB" dirty="0"/>
           </a:p>
@@ -687,7 +687,7 @@
           <a:p>
             <a:fld id="{6DE7381E-2DFC-4962-8B7B-F0AA1A4B8166}" type="datetimeFigureOut">
               <a:rPr lang="en-GB" smtClean="0"/>
-              <a:t>22/06/2022</a:t>
+              <a:t>23/06/2022</a:t>
             </a:fld>
             <a:endParaRPr lang="en-GB" dirty="0"/>
           </a:p>
@@ -887,7 +887,7 @@
           <a:p>
             <a:fld id="{6DE7381E-2DFC-4962-8B7B-F0AA1A4B8166}" type="datetimeFigureOut">
               <a:rPr lang="en-GB" smtClean="0"/>
-              <a:t>22/06/2022</a:t>
+              <a:t>23/06/2022</a:t>
             </a:fld>
             <a:endParaRPr lang="en-GB" dirty="0"/>
           </a:p>
@@ -1163,7 +1163,7 @@
           <a:p>
             <a:fld id="{6DE7381E-2DFC-4962-8B7B-F0AA1A4B8166}" type="datetimeFigureOut">
               <a:rPr lang="en-GB" smtClean="0"/>
-              <a:t>22/06/2022</a:t>
+              <a:t>23/06/2022</a:t>
             </a:fld>
             <a:endParaRPr lang="en-GB" dirty="0"/>
           </a:p>
@@ -1431,7 +1431,7 @@
           <a:p>
             <a:fld id="{6DE7381E-2DFC-4962-8B7B-F0AA1A4B8166}" type="datetimeFigureOut">
               <a:rPr lang="en-GB" smtClean="0"/>
-              <a:t>22/06/2022</a:t>
+              <a:t>23/06/2022</a:t>
             </a:fld>
             <a:endParaRPr lang="en-GB" dirty="0"/>
           </a:p>
@@ -1846,7 +1846,7 @@
           <a:p>
             <a:fld id="{6DE7381E-2DFC-4962-8B7B-F0AA1A4B8166}" type="datetimeFigureOut">
               <a:rPr lang="en-GB" smtClean="0"/>
-              <a:t>22/06/2022</a:t>
+              <a:t>23/06/2022</a:t>
             </a:fld>
             <a:endParaRPr lang="en-GB" dirty="0"/>
           </a:p>
@@ -1988,7 +1988,7 @@
           <a:p>
             <a:fld id="{6DE7381E-2DFC-4962-8B7B-F0AA1A4B8166}" type="datetimeFigureOut">
               <a:rPr lang="en-GB" smtClean="0"/>
-              <a:t>22/06/2022</a:t>
+              <a:t>23/06/2022</a:t>
             </a:fld>
             <a:endParaRPr lang="en-GB" dirty="0"/>
           </a:p>
@@ -2101,7 +2101,7 @@
           <a:p>
             <a:fld id="{6DE7381E-2DFC-4962-8B7B-F0AA1A4B8166}" type="datetimeFigureOut">
               <a:rPr lang="en-GB" smtClean="0"/>
-              <a:t>22/06/2022</a:t>
+              <a:t>23/06/2022</a:t>
             </a:fld>
             <a:endParaRPr lang="en-GB" dirty="0"/>
           </a:p>
@@ -2414,7 +2414,7 @@
           <a:p>
             <a:fld id="{6DE7381E-2DFC-4962-8B7B-F0AA1A4B8166}" type="datetimeFigureOut">
               <a:rPr lang="en-GB" smtClean="0"/>
-              <a:t>22/06/2022</a:t>
+              <a:t>23/06/2022</a:t>
             </a:fld>
             <a:endParaRPr lang="en-GB" dirty="0"/>
           </a:p>
@@ -2703,7 +2703,7 @@
           <a:p>
             <a:fld id="{6DE7381E-2DFC-4962-8B7B-F0AA1A4B8166}" type="datetimeFigureOut">
               <a:rPr lang="en-GB" smtClean="0"/>
-              <a:t>22/06/2022</a:t>
+              <a:t>23/06/2022</a:t>
             </a:fld>
             <a:endParaRPr lang="en-GB" dirty="0"/>
           </a:p>
@@ -2946,7 +2946,7 @@
           <a:p>
             <a:fld id="{6DE7381E-2DFC-4962-8B7B-F0AA1A4B8166}" type="datetimeFigureOut">
               <a:rPr lang="en-GB" smtClean="0"/>
-              <a:t>22/06/2022</a:t>
+              <a:t>23/06/2022</a:t>
             </a:fld>
             <a:endParaRPr lang="en-GB" dirty="0"/>
           </a:p>
@@ -16524,7 +16524,7 @@
         </p:style>
         <p:txBody>
           <a:bodyPr anchor="ctr">
-            <a:normAutofit fontScale="92500" lnSpcReduction="10000"/>
+            <a:normAutofit/>
           </a:bodyPr>
           <a:lstStyle/>
           <a:p>
@@ -16560,12 +16560,6 @@
               <a:t>di riferimento.</a:t>
             </a:r>
             <a:endParaRPr lang="it-IT" dirty="0"/>
-          </a:p>
-          <a:p>
-            <a:r>
-              <a:rPr lang="it-IT" dirty="0"/>
-              <a:t>L’asse Z’ parallelo all’accelerazione di gravità, l’asse X’ è entrante nel grafico, l’asse Y’ è parallelo.</a:t>
-            </a:r>
           </a:p>
         </p:txBody>
       </p:sp>

--- a/BikeActivity.pptx
+++ b/BikeActivity.pptx
@@ -20,7 +20,7 @@
     <p:sldId id="270" r:id="rId14"/>
     <p:sldId id="267" r:id="rId15"/>
     <p:sldId id="268" r:id="rId16"/>
-    <p:sldId id="271" r:id="rId17"/>
+    <p:sldId id="275" r:id="rId17"/>
     <p:sldId id="272" r:id="rId18"/>
   </p:sldIdLst>
   <p:sldSz cx="12192000" cy="6858000"/>
@@ -8812,8 +8812,8 @@
           </a:p>
         </p:txBody>
       </p:sp>
-      <mc:AlternateContent xmlns:mc="http://schemas.openxmlformats.org/markup-compatibility/2006" xmlns:a14="http://schemas.microsoft.com/office/drawing/2010/main">
-        <mc:Choice Requires="a14">
+      <mc:AlternateContent xmlns:mc="http://schemas.openxmlformats.org/markup-compatibility/2006">
+        <mc:Choice xmlns:a14="http://schemas.microsoft.com/office/drawing/2010/main" Requires="a14">
           <p:sp>
             <p:nvSpPr>
               <p:cNvPr id="3" name="Segnaposto contenuto 2">
@@ -8858,7 +8858,15 @@
               <a:p>
                 <a:r>
                   <a:rPr lang="it-IT" dirty="0"/>
-                  <a:t>La velocità media si appoggia alla classe </a:t>
+                  <a:t>La </a:t>
+                </a:r>
+                <a:r>
+                  <a:rPr lang="it-IT"/>
+                  <a:t>velocità si </a:t>
+                </a:r>
+                <a:r>
+                  <a:rPr lang="it-IT" dirty="0"/>
+                  <a:t>appoggia alla classe </a:t>
                 </a:r>
                 <a:r>
                   <a:rPr lang="it-IT" dirty="0" err="1"/>
@@ -9119,7 +9127,7 @@
             </p:txBody>
           </p:sp>
         </mc:Choice>
-        <mc:Fallback xmlns="">
+        <mc:Fallback>
           <p:sp>
             <p:nvSpPr>
               <p:cNvPr id="3" name="Segnaposto contenuto 2">
@@ -10273,10 +10281,10 @@
       </p:grpSpPr>
       <p:sp useBgFill="1">
         <p:nvSpPr>
-          <p:cNvPr id="8" name="Rectangle 7">
-            <a:extLst>
-              <a:ext uri="{FF2B5EF4-FFF2-40B4-BE49-F238E27FC236}">
-                <a16:creationId xmlns:a16="http://schemas.microsoft.com/office/drawing/2014/main" id="{1B15ED52-F352-441B-82BF-E0EA34836D08}"/>
+          <p:cNvPr id="15" name="Rectangle 7">
+            <a:extLst>
+              <a:ext uri="{FF2B5EF4-FFF2-40B4-BE49-F238E27FC236}">
+                <a16:creationId xmlns:a16="http://schemas.microsoft.com/office/drawing/2014/main" id="{09588DA8-065E-4F6F-8EFD-43104AB2E0CF}"/>
               </a:ext>
               <a:ext uri="{C183D7F6-B498-43B3-948B-1728B52AA6E4}">
                 <adec:decorative xmlns:adec="http://schemas.microsoft.com/office/drawing/2017/decorative" val="1"/>
@@ -10347,6 +10355,879 @@
           </a:p>
         </p:txBody>
       </p:sp>
+      <p:sp useBgFill="1">
+        <p:nvSpPr>
+          <p:cNvPr id="17" name="Rectangle 9">
+            <a:extLst>
+              <a:ext uri="{FF2B5EF4-FFF2-40B4-BE49-F238E27FC236}">
+                <a16:creationId xmlns:a16="http://schemas.microsoft.com/office/drawing/2014/main" id="{C4285719-470E-454C-AF62-8323075F1F5B}"/>
+              </a:ext>
+              <a:ext uri="{C183D7F6-B498-43B3-948B-1728B52AA6E4}">
+                <adec:decorative xmlns:adec="http://schemas.microsoft.com/office/drawing/2017/decorative" val="1"/>
+              </a:ext>
+            </a:extLst>
+          </p:cNvPr>
+          <p:cNvSpPr>
+            <a:spLocks noGrp="1" noRot="1" noChangeAspect="1" noMove="1" noResize="1" noEditPoints="1" noAdjustHandles="1" noChangeArrowheads="1" noChangeShapeType="1" noTextEdit="1"/>
+          </p:cNvSpPr>
+          <p:nvPr>
+            <p:extLst>
+              <p:ext uri="{386F3935-93C4-4BCD-93E2-E3B085C9AB24}">
+                <p16:designElem xmlns:p16="http://schemas.microsoft.com/office/powerpoint/2015/main" val="1"/>
+              </p:ext>
+            </p:extLst>
+          </p:nvPr>
+        </p:nvSpPr>
+        <p:spPr>
+          <a:xfrm>
+            <a:off x="0" y="0"/>
+            <a:ext cx="12188952" cy="6858000"/>
+          </a:xfrm>
+          <a:prstGeom prst="rect">
+            <a:avLst/>
+          </a:prstGeom>
+          <a:ln w="12700" cap="flat" cmpd="sng" algn="ctr">
+            <a:noFill/>
+            <a:prstDash val="solid"/>
+            <a:miter lim="800000"/>
+          </a:ln>
+          <a:effectLst/>
+          <a:extLst>
+            <a:ext uri="{91240B29-F687-4F45-9708-019B960494DF}">
+              <a14:hiddenLine xmlns:a14="http://schemas.microsoft.com/office/drawing/2010/main" w="12700" cap="flat" cmpd="sng" algn="ctr">
+                <a:solidFill>
+                  <a:schemeClr val="accent1">
+                    <a:shade val="50000"/>
+                  </a:schemeClr>
+                </a:solidFill>
+                <a:prstDash val="solid"/>
+                <a:miter lim="800000"/>
+              </a14:hiddenLine>
+            </a:ext>
+          </a:extLst>
+        </p:spPr>
+        <p:style>
+          <a:lnRef idx="2">
+            <a:schemeClr val="accent1">
+              <a:shade val="50000"/>
+            </a:schemeClr>
+          </a:lnRef>
+          <a:fillRef idx="1">
+            <a:schemeClr val="accent1"/>
+          </a:fillRef>
+          <a:effectRef idx="0">
+            <a:schemeClr val="accent1"/>
+          </a:effectRef>
+          <a:fontRef idx="minor">
+            <a:schemeClr val="lt1"/>
+          </a:fontRef>
+        </p:style>
+        <p:txBody>
+          <a:bodyPr rtlCol="0" anchor="ctr"/>
+          <a:lstStyle/>
+          <a:p>
+            <a:pPr algn="ctr"/>
+            <a:endParaRPr lang="en-US"/>
+          </a:p>
+        </p:txBody>
+      </p:sp>
+      <p:sp>
+        <p:nvSpPr>
+          <p:cNvPr id="19" name="Rectangle 11">
+            <a:extLst>
+              <a:ext uri="{FF2B5EF4-FFF2-40B4-BE49-F238E27FC236}">
+                <a16:creationId xmlns:a16="http://schemas.microsoft.com/office/drawing/2014/main" id="{CD9FE4EF-C4D8-49A0-B2FF-81D8DB7D8A24}"/>
+              </a:ext>
+              <a:ext uri="{C183D7F6-B498-43B3-948B-1728B52AA6E4}">
+                <adec:decorative xmlns:adec="http://schemas.microsoft.com/office/drawing/2017/decorative" val="1"/>
+              </a:ext>
+            </a:extLst>
+          </p:cNvPr>
+          <p:cNvSpPr>
+            <a:spLocks noGrp="1" noRot="1" noChangeAspect="1" noMove="1" noResize="1" noEditPoints="1" noAdjustHandles="1" noChangeArrowheads="1" noChangeShapeType="1" noTextEdit="1"/>
+          </p:cNvSpPr>
+          <p:nvPr>
+            <p:extLst>
+              <p:ext uri="{386F3935-93C4-4BCD-93E2-E3B085C9AB24}">
+                <p16:designElem xmlns:p16="http://schemas.microsoft.com/office/powerpoint/2015/main" val="1"/>
+              </p:ext>
+            </p:extLst>
+          </p:nvPr>
+        </p:nvSpPr>
+        <p:spPr>
+          <a:xfrm rot="5400000" flipH="1">
+            <a:off x="-1410084" y="1410082"/>
+            <a:ext cx="6858000" cy="4037836"/>
+          </a:xfrm>
+          <a:prstGeom prst="rect">
+            <a:avLst/>
+          </a:prstGeom>
+          <a:gradFill>
+            <a:gsLst>
+              <a:gs pos="8000">
+                <a:srgbClr val="000000"/>
+              </a:gs>
+              <a:gs pos="100000">
+                <a:schemeClr val="accent1">
+                  <a:lumMod val="75000"/>
+                </a:schemeClr>
+              </a:gs>
+            </a:gsLst>
+            <a:lin ang="3000000" scaled="0"/>
+          </a:gradFill>
+          <a:ln>
+            <a:noFill/>
+          </a:ln>
+        </p:spPr>
+        <p:style>
+          <a:lnRef idx="2">
+            <a:schemeClr val="accent1">
+              <a:shade val="50000"/>
+            </a:schemeClr>
+          </a:lnRef>
+          <a:fillRef idx="1">
+            <a:schemeClr val="accent1"/>
+          </a:fillRef>
+          <a:effectRef idx="0">
+            <a:schemeClr val="accent1"/>
+          </a:effectRef>
+          <a:fontRef idx="minor">
+            <a:schemeClr val="lt1"/>
+          </a:fontRef>
+        </p:style>
+        <p:txBody>
+          <a:bodyPr rtlCol="0" anchor="ctr"/>
+          <a:lstStyle/>
+          <a:p>
+            <a:pPr algn="ctr"/>
+            <a:endParaRPr lang="en-US"/>
+          </a:p>
+        </p:txBody>
+      </p:sp>
+      <p:sp>
+        <p:nvSpPr>
+          <p:cNvPr id="14" name="Rectangle 13">
+            <a:extLst>
+              <a:ext uri="{FF2B5EF4-FFF2-40B4-BE49-F238E27FC236}">
+                <a16:creationId xmlns:a16="http://schemas.microsoft.com/office/drawing/2014/main" id="{4300840D-0A0B-4512-BACA-B439D5B9C57C}"/>
+              </a:ext>
+              <a:ext uri="{C183D7F6-B498-43B3-948B-1728B52AA6E4}">
+                <adec:decorative xmlns:adec="http://schemas.microsoft.com/office/drawing/2017/decorative" val="1"/>
+              </a:ext>
+            </a:extLst>
+          </p:cNvPr>
+          <p:cNvSpPr>
+            <a:spLocks noGrp="1" noRot="1" noChangeAspect="1" noMove="1" noResize="1" noEditPoints="1" noAdjustHandles="1" noChangeArrowheads="1" noChangeShapeType="1" noTextEdit="1"/>
+          </p:cNvSpPr>
+          <p:nvPr>
+            <p:extLst>
+              <p:ext uri="{386F3935-93C4-4BCD-93E2-E3B085C9AB24}">
+                <p16:designElem xmlns:p16="http://schemas.microsoft.com/office/powerpoint/2015/main" val="1"/>
+              </p:ext>
+            </p:extLst>
+          </p:nvPr>
+        </p:nvSpPr>
+        <p:spPr>
+          <a:xfrm rot="5400000" flipH="1">
+            <a:off x="-1410085" y="1420219"/>
+            <a:ext cx="6857999" cy="4037839"/>
+          </a:xfrm>
+          <a:prstGeom prst="rect">
+            <a:avLst/>
+          </a:prstGeom>
+          <a:gradFill>
+            <a:gsLst>
+              <a:gs pos="0">
+                <a:srgbClr val="000000">
+                  <a:alpha val="0"/>
+                </a:srgbClr>
+              </a:gs>
+              <a:gs pos="99000">
+                <a:schemeClr val="accent1">
+                  <a:alpha val="46000"/>
+                </a:schemeClr>
+              </a:gs>
+            </a:gsLst>
+            <a:lin ang="1800000" scaled="0"/>
+          </a:gradFill>
+          <a:ln>
+            <a:noFill/>
+          </a:ln>
+        </p:spPr>
+        <p:style>
+          <a:lnRef idx="2">
+            <a:schemeClr val="accent1">
+              <a:shade val="50000"/>
+            </a:schemeClr>
+          </a:lnRef>
+          <a:fillRef idx="1">
+            <a:schemeClr val="accent1"/>
+          </a:fillRef>
+          <a:effectRef idx="0">
+            <a:schemeClr val="accent1"/>
+          </a:effectRef>
+          <a:fontRef idx="minor">
+            <a:schemeClr val="lt1"/>
+          </a:fontRef>
+        </p:style>
+        <p:txBody>
+          <a:bodyPr rtlCol="0" anchor="ctr"/>
+          <a:lstStyle/>
+          <a:p>
+            <a:pPr algn="ctr"/>
+            <a:endParaRPr lang="en-US"/>
+          </a:p>
+        </p:txBody>
+      </p:sp>
+      <p:sp>
+        <p:nvSpPr>
+          <p:cNvPr id="16" name="Rectangle 15">
+            <a:extLst>
+              <a:ext uri="{FF2B5EF4-FFF2-40B4-BE49-F238E27FC236}">
+                <a16:creationId xmlns:a16="http://schemas.microsoft.com/office/drawing/2014/main" id="{D2B78728-A580-49A7-84F9-6EF6F583ADE0}"/>
+              </a:ext>
+              <a:ext uri="{C183D7F6-B498-43B3-948B-1728B52AA6E4}">
+                <adec:decorative xmlns:adec="http://schemas.microsoft.com/office/drawing/2017/decorative" val="1"/>
+              </a:ext>
+            </a:extLst>
+          </p:cNvPr>
+          <p:cNvSpPr>
+            <a:spLocks noGrp="1" noRot="1" noChangeAspect="1" noMove="1" noResize="1" noEditPoints="1" noAdjustHandles="1" noChangeArrowheads="1" noChangeShapeType="1" noTextEdit="1"/>
+          </p:cNvSpPr>
+          <p:nvPr>
+            <p:extLst>
+              <p:ext uri="{386F3935-93C4-4BCD-93E2-E3B085C9AB24}">
+                <p16:designElem xmlns:p16="http://schemas.microsoft.com/office/powerpoint/2015/main" val="1"/>
+              </p:ext>
+            </p:extLst>
+          </p:nvPr>
+        </p:nvSpPr>
+        <p:spPr>
+          <a:xfrm rot="5400000" flipH="1">
+            <a:off x="767923" y="3588085"/>
+            <a:ext cx="2501979" cy="4037841"/>
+          </a:xfrm>
+          <a:prstGeom prst="rect">
+            <a:avLst/>
+          </a:prstGeom>
+          <a:gradFill>
+            <a:gsLst>
+              <a:gs pos="2000">
+                <a:schemeClr val="accent1">
+                  <a:alpha val="29000"/>
+                </a:schemeClr>
+              </a:gs>
+              <a:gs pos="100000">
+                <a:srgbClr val="000000">
+                  <a:alpha val="30000"/>
+                </a:srgbClr>
+              </a:gs>
+            </a:gsLst>
+            <a:lin ang="7800000" scaled="0"/>
+          </a:gradFill>
+          <a:ln>
+            <a:noFill/>
+          </a:ln>
+        </p:spPr>
+        <p:style>
+          <a:lnRef idx="2">
+            <a:schemeClr val="accent1">
+              <a:shade val="50000"/>
+            </a:schemeClr>
+          </a:lnRef>
+          <a:fillRef idx="1">
+            <a:schemeClr val="accent1"/>
+          </a:fillRef>
+          <a:effectRef idx="0">
+            <a:schemeClr val="accent1"/>
+          </a:effectRef>
+          <a:fontRef idx="minor">
+            <a:schemeClr val="lt1"/>
+          </a:fontRef>
+        </p:style>
+        <p:txBody>
+          <a:bodyPr rtlCol="0" anchor="ctr"/>
+          <a:lstStyle/>
+          <a:p>
+            <a:pPr algn="ctr"/>
+            <a:endParaRPr lang="en-US" dirty="0"/>
+          </a:p>
+        </p:txBody>
+      </p:sp>
+      <p:sp>
+        <p:nvSpPr>
+          <p:cNvPr id="18" name="Freeform: Shape 17">
+            <a:extLst>
+              <a:ext uri="{FF2B5EF4-FFF2-40B4-BE49-F238E27FC236}">
+                <a16:creationId xmlns:a16="http://schemas.microsoft.com/office/drawing/2014/main" id="{38FAA1A1-D861-433F-88FA-1E9D6FD31D11}"/>
+              </a:ext>
+              <a:ext uri="{C183D7F6-B498-43B3-948B-1728B52AA6E4}">
+                <adec:decorative xmlns:adec="http://schemas.microsoft.com/office/drawing/2017/decorative" val="1"/>
+              </a:ext>
+            </a:extLst>
+          </p:cNvPr>
+          <p:cNvSpPr>
+            <a:spLocks noGrp="1" noRot="1" noChangeAspect="1" noMove="1" noResize="1" noEditPoints="1" noAdjustHandles="1" noChangeArrowheads="1" noChangeShapeType="1" noTextEdit="1"/>
+          </p:cNvSpPr>
+          <p:nvPr>
+            <p:extLst>
+              <p:ext uri="{386F3935-93C4-4BCD-93E2-E3B085C9AB24}">
+                <p16:designElem xmlns:p16="http://schemas.microsoft.com/office/powerpoint/2015/main" val="1"/>
+              </p:ext>
+            </p:extLst>
+          </p:nvPr>
+        </p:nvSpPr>
+        <p:spPr>
+          <a:xfrm rot="20635413">
+            <a:off x="-501737" y="969718"/>
+            <a:ext cx="3900357" cy="4178958"/>
+          </a:xfrm>
+          <a:custGeom>
+            <a:avLst/>
+            <a:gdLst>
+              <a:gd name="connsiteX0" fmla="*/ 2432225 w 3900357"/>
+              <a:gd name="connsiteY0" fmla="*/ 93939 h 4178958"/>
+              <a:gd name="connsiteX1" fmla="*/ 3900357 w 3900357"/>
+              <a:gd name="connsiteY1" fmla="*/ 2089479 h 4178958"/>
+              <a:gd name="connsiteX2" fmla="*/ 1810878 w 3900357"/>
+              <a:gd name="connsiteY2" fmla="*/ 4178958 h 4178958"/>
+              <a:gd name="connsiteX3" fmla="*/ 78249 w 3900357"/>
+              <a:gd name="connsiteY3" fmla="*/ 3257727 h 4178958"/>
+              <a:gd name="connsiteX4" fmla="*/ 0 w 3900357"/>
+              <a:gd name="connsiteY4" fmla="*/ 3128923 h 4178958"/>
+              <a:gd name="connsiteX5" fmla="*/ 831324 w 3900357"/>
+              <a:gd name="connsiteY5" fmla="*/ 244281 h 4178958"/>
+              <a:gd name="connsiteX6" fmla="*/ 997559 w 3900357"/>
+              <a:gd name="connsiteY6" fmla="*/ 164202 h 4178958"/>
+              <a:gd name="connsiteX7" fmla="*/ 1810878 w 3900357"/>
+              <a:gd name="connsiteY7" fmla="*/ 0 h 4178958"/>
+              <a:gd name="connsiteX8" fmla="*/ 2432225 w 3900357"/>
+              <a:gd name="connsiteY8" fmla="*/ 93939 h 4178958"/>
+            </a:gdLst>
+            <a:ahLst/>
+            <a:cxnLst>
+              <a:cxn ang="0">
+                <a:pos x="connsiteX0" y="connsiteY0"/>
+              </a:cxn>
+              <a:cxn ang="0">
+                <a:pos x="connsiteX1" y="connsiteY1"/>
+              </a:cxn>
+              <a:cxn ang="0">
+                <a:pos x="connsiteX2" y="connsiteY2"/>
+              </a:cxn>
+              <a:cxn ang="0">
+                <a:pos x="connsiteX3" y="connsiteY3"/>
+              </a:cxn>
+              <a:cxn ang="0">
+                <a:pos x="connsiteX4" y="connsiteY4"/>
+              </a:cxn>
+              <a:cxn ang="0">
+                <a:pos x="connsiteX5" y="connsiteY5"/>
+              </a:cxn>
+              <a:cxn ang="0">
+                <a:pos x="connsiteX6" y="connsiteY6"/>
+              </a:cxn>
+              <a:cxn ang="0">
+                <a:pos x="connsiteX7" y="connsiteY7"/>
+              </a:cxn>
+              <a:cxn ang="0">
+                <a:pos x="connsiteX8" y="connsiteY8"/>
+              </a:cxn>
+            </a:cxnLst>
+            <a:rect l="l" t="t" r="r" b="b"/>
+            <a:pathLst>
+              <a:path w="3900357" h="4178958">
+                <a:moveTo>
+                  <a:pt x="2432225" y="93939"/>
+                </a:moveTo>
+                <a:cubicBezTo>
+                  <a:pt x="3282786" y="358491"/>
+                  <a:pt x="3900357" y="1151865"/>
+                  <a:pt x="3900357" y="2089479"/>
+                </a:cubicBezTo>
+                <a:cubicBezTo>
+                  <a:pt x="3900357" y="3243466"/>
+                  <a:pt x="2964865" y="4178958"/>
+                  <a:pt x="1810878" y="4178958"/>
+                </a:cubicBezTo>
+                <a:cubicBezTo>
+                  <a:pt x="1089636" y="4178958"/>
+                  <a:pt x="453744" y="3813531"/>
+                  <a:pt x="78249" y="3257727"/>
+                </a:cubicBezTo>
+                <a:lnTo>
+                  <a:pt x="0" y="3128923"/>
+                </a:lnTo>
+                <a:lnTo>
+                  <a:pt x="831324" y="244281"/>
+                </a:lnTo>
+                <a:lnTo>
+                  <a:pt x="997559" y="164202"/>
+                </a:lnTo>
+                <a:cubicBezTo>
+                  <a:pt x="1247540" y="58468"/>
+                  <a:pt x="1522381" y="0"/>
+                  <a:pt x="1810878" y="0"/>
+                </a:cubicBezTo>
+                <a:cubicBezTo>
+                  <a:pt x="2027251" y="0"/>
+                  <a:pt x="2235942" y="32888"/>
+                  <a:pt x="2432225" y="93939"/>
+                </a:cubicBezTo>
+                <a:close/>
+              </a:path>
+            </a:pathLst>
+          </a:custGeom>
+          <a:gradFill>
+            <a:gsLst>
+              <a:gs pos="29000">
+                <a:srgbClr val="000000">
+                  <a:alpha val="0"/>
+                </a:srgbClr>
+              </a:gs>
+              <a:gs pos="100000">
+                <a:schemeClr val="accent1">
+                  <a:alpha val="43000"/>
+                </a:schemeClr>
+              </a:gs>
+            </a:gsLst>
+            <a:lin ang="1800000" scaled="0"/>
+          </a:gradFill>
+          <a:ln>
+            <a:noFill/>
+          </a:ln>
+        </p:spPr>
+        <p:style>
+          <a:lnRef idx="2">
+            <a:schemeClr val="accent1">
+              <a:shade val="50000"/>
+            </a:schemeClr>
+          </a:lnRef>
+          <a:fillRef idx="1">
+            <a:schemeClr val="accent1"/>
+          </a:fillRef>
+          <a:effectRef idx="0">
+            <a:schemeClr val="accent1"/>
+          </a:effectRef>
+          <a:fontRef idx="minor">
+            <a:schemeClr val="lt1"/>
+          </a:fontRef>
+        </p:style>
+        <p:txBody>
+          <a:bodyPr wrap="square" rtlCol="0" anchor="ctr">
+            <a:noAutofit/>
+          </a:bodyPr>
+          <a:lstStyle/>
+          <a:p>
+            <a:pPr algn="ctr"/>
+            <a:endParaRPr lang="en-US" dirty="0"/>
+          </a:p>
+        </p:txBody>
+      </p:sp>
+      <p:sp>
+        <p:nvSpPr>
+          <p:cNvPr id="20" name="Rectangle 19">
+            <a:extLst>
+              <a:ext uri="{FF2B5EF4-FFF2-40B4-BE49-F238E27FC236}">
+                <a16:creationId xmlns:a16="http://schemas.microsoft.com/office/drawing/2014/main" id="{8D71EDA1-87BF-4D5D-AB79-F346FD19278A}"/>
+              </a:ext>
+              <a:ext uri="{C183D7F6-B498-43B3-948B-1728B52AA6E4}">
+                <adec:decorative xmlns:adec="http://schemas.microsoft.com/office/drawing/2017/decorative" val="1"/>
+              </a:ext>
+            </a:extLst>
+          </p:cNvPr>
+          <p:cNvSpPr>
+            <a:spLocks noGrp="1" noRot="1" noChangeAspect="1" noMove="1" noResize="1" noEditPoints="1" noAdjustHandles="1" noChangeArrowheads="1" noChangeShapeType="1" noTextEdit="1"/>
+          </p:cNvSpPr>
+          <p:nvPr>
+            <p:extLst>
+              <p:ext uri="{386F3935-93C4-4BCD-93E2-E3B085C9AB24}">
+                <p16:designElem xmlns:p16="http://schemas.microsoft.com/office/powerpoint/2015/main" val="1"/>
+              </p:ext>
+            </p:extLst>
+          </p:nvPr>
+        </p:nvSpPr>
+        <p:spPr>
+          <a:xfrm rot="5400000" flipH="1">
+            <a:off x="-1410093" y="1399943"/>
+            <a:ext cx="6858003" cy="4037835"/>
+          </a:xfrm>
+          <a:prstGeom prst="rect">
+            <a:avLst/>
+          </a:prstGeom>
+          <a:gradFill>
+            <a:gsLst>
+              <a:gs pos="0">
+                <a:srgbClr val="000000">
+                  <a:alpha val="0"/>
+                </a:srgbClr>
+              </a:gs>
+              <a:gs pos="99000">
+                <a:schemeClr val="accent1">
+                  <a:lumMod val="60000"/>
+                  <a:lumOff val="40000"/>
+                  <a:alpha val="11000"/>
+                </a:schemeClr>
+              </a:gs>
+            </a:gsLst>
+            <a:lin ang="7200000" scaled="0"/>
+          </a:gradFill>
+          <a:ln>
+            <a:noFill/>
+          </a:ln>
+        </p:spPr>
+        <p:style>
+          <a:lnRef idx="2">
+            <a:schemeClr val="accent1">
+              <a:shade val="50000"/>
+            </a:schemeClr>
+          </a:lnRef>
+          <a:fillRef idx="1">
+            <a:schemeClr val="accent1"/>
+          </a:fillRef>
+          <a:effectRef idx="0">
+            <a:schemeClr val="accent1"/>
+          </a:effectRef>
+          <a:fontRef idx="minor">
+            <a:schemeClr val="lt1"/>
+          </a:fontRef>
+        </p:style>
+        <p:txBody>
+          <a:bodyPr rtlCol="0" anchor="ctr"/>
+          <a:lstStyle/>
+          <a:p>
+            <a:pPr algn="ctr"/>
+            <a:endParaRPr lang="en-US"/>
+          </a:p>
+        </p:txBody>
+      </p:sp>
+      <p:sp>
+        <p:nvSpPr>
+          <p:cNvPr id="2" name="Titolo 1">
+            <a:extLst>
+              <a:ext uri="{FF2B5EF4-FFF2-40B4-BE49-F238E27FC236}">
+                <a16:creationId xmlns:a16="http://schemas.microsoft.com/office/drawing/2014/main" id="{03F6B37C-483C-4DFD-B589-274E44A94FB8}"/>
+              </a:ext>
+            </a:extLst>
+          </p:cNvPr>
+          <p:cNvSpPr>
+            <a:spLocks noGrp="1"/>
+          </p:cNvSpPr>
+          <p:nvPr>
+            <p:ph type="title"/>
+          </p:nvPr>
+        </p:nvSpPr>
+        <p:spPr>
+          <a:xfrm>
+            <a:off x="466722" y="586855"/>
+            <a:ext cx="3201366" cy="3387497"/>
+          </a:xfrm>
+        </p:spPr>
+        <p:txBody>
+          <a:bodyPr anchor="b">
+            <a:normAutofit/>
+          </a:bodyPr>
+          <a:lstStyle/>
+          <a:p>
+            <a:pPr algn="r"/>
+            <a:r>
+              <a:rPr lang="it-IT" sz="4000">
+                <a:solidFill>
+                  <a:srgbClr val="FFFFFF"/>
+                </a:solidFill>
+              </a:rPr>
+              <a:t>Demo</a:t>
+            </a:r>
+          </a:p>
+        </p:txBody>
+      </p:sp>
+      <p:pic>
+        <p:nvPicPr>
+          <p:cNvPr id="4" name="BikeActivitySmartphone">
+            <a:hlinkClick r:id="" action="ppaction://media"/>
+            <a:extLst>
+              <a:ext uri="{FF2B5EF4-FFF2-40B4-BE49-F238E27FC236}">
+                <a16:creationId xmlns:a16="http://schemas.microsoft.com/office/drawing/2014/main" id="{5272E38A-68F4-4AFA-B07A-AB26577B7580}"/>
+              </a:ext>
+            </a:extLst>
+          </p:cNvPr>
+          <p:cNvPicPr>
+            <a:picLocks noChangeAspect="1"/>
+          </p:cNvPicPr>
+          <p:nvPr>
+            <a:videoFile r:link="rId2"/>
+            <p:extLst>
+              <p:ext uri="{DAA4B4D4-6D71-4841-9C94-3DE7FCFB9230}">
+                <p14:media xmlns:p14="http://schemas.microsoft.com/office/powerpoint/2010/main" r:embed="rId1"/>
+              </p:ext>
+            </p:extLst>
+          </p:nvPr>
+        </p:nvPicPr>
+        <p:blipFill>
+          <a:blip r:embed="rId4"/>
+          <a:stretch>
+            <a:fillRect/>
+          </a:stretch>
+        </p:blipFill>
+        <p:spPr>
+          <a:xfrm>
+            <a:off x="6597111" y="250922"/>
+            <a:ext cx="3381122" cy="6356156"/>
+          </a:xfrm>
+          <a:prstGeom prst="rect">
+            <a:avLst/>
+          </a:prstGeom>
+        </p:spPr>
+      </p:pic>
+    </p:spTree>
+    <p:extLst>
+      <p:ext uri="{BB962C8B-B14F-4D97-AF65-F5344CB8AC3E}">
+        <p14:creationId xmlns:p14="http://schemas.microsoft.com/office/powerpoint/2010/main" val="848194284"/>
+      </p:ext>
+    </p:extLst>
+  </p:cSld>
+  <p:clrMapOvr>
+    <a:masterClrMapping/>
+  </p:clrMapOvr>
+  <p:timing>
+    <p:tnLst>
+      <p:par>
+        <p:cTn id="1" dur="indefinite" restart="never" nodeType="tmRoot">
+          <p:childTnLst>
+            <p:seq concurrent="1" nextAc="seek">
+              <p:cTn id="2" dur="indefinite" nodeType="mainSeq">
+                <p:childTnLst>
+                  <p:par>
+                    <p:cTn id="3" fill="hold">
+                      <p:stCondLst>
+                        <p:cond delay="indefinite"/>
+                      </p:stCondLst>
+                      <p:childTnLst>
+                        <p:par>
+                          <p:cTn id="4" fill="hold">
+                            <p:stCondLst>
+                              <p:cond delay="0"/>
+                            </p:stCondLst>
+                            <p:childTnLst>
+                              <p:par>
+                                <p:cTn id="5" presetID="1" presetClass="mediacall" presetSubtype="0" fill="hold" nodeType="clickEffect">
+                                  <p:stCondLst>
+                                    <p:cond delay="0"/>
+                                  </p:stCondLst>
+                                  <p:childTnLst>
+                                    <p:cmd type="call" cmd="playFrom(0.0)">
+                                      <p:cBhvr>
+                                        <p:cTn id="6" dur="67862" fill="hold"/>
+                                        <p:tgtEl>
+                                          <p:spTgt spid="4"/>
+                                        </p:tgtEl>
+                                      </p:cBhvr>
+                                    </p:cmd>
+                                  </p:childTnLst>
+                                </p:cTn>
+                              </p:par>
+                            </p:childTnLst>
+                          </p:cTn>
+                        </p:par>
+                      </p:childTnLst>
+                    </p:cTn>
+                  </p:par>
+                </p:childTnLst>
+              </p:cTn>
+              <p:prevCondLst>
+                <p:cond evt="onPrev" delay="0">
+                  <p:tgtEl>
+                    <p:sldTgt/>
+                  </p:tgtEl>
+                </p:cond>
+              </p:prevCondLst>
+              <p:nextCondLst>
+                <p:cond evt="onNext" delay="0">
+                  <p:tgtEl>
+                    <p:sldTgt/>
+                  </p:tgtEl>
+                </p:cond>
+              </p:nextCondLst>
+            </p:seq>
+            <p:video>
+              <p:cMediaNode vol="80000">
+                <p:cTn id="7" fill="hold" display="0">
+                  <p:stCondLst>
+                    <p:cond delay="indefinite"/>
+                  </p:stCondLst>
+                </p:cTn>
+                <p:tgtEl>
+                  <p:spTgt spid="4"/>
+                </p:tgtEl>
+              </p:cMediaNode>
+            </p:video>
+            <p:seq concurrent="1" nextAc="seek">
+              <p:cTn id="8" restart="whenNotActive" fill="hold" evtFilter="cancelBubble" nodeType="interactiveSeq">
+                <p:stCondLst>
+                  <p:cond evt="onClick" delay="0">
+                    <p:tgtEl>
+                      <p:spTgt spid="4"/>
+                    </p:tgtEl>
+                  </p:cond>
+                </p:stCondLst>
+                <p:endSync evt="end" delay="0">
+                  <p:rtn val="all"/>
+                </p:endSync>
+                <p:childTnLst>
+                  <p:par>
+                    <p:cTn id="9" fill="hold">
+                      <p:stCondLst>
+                        <p:cond delay="0"/>
+                      </p:stCondLst>
+                      <p:childTnLst>
+                        <p:par>
+                          <p:cTn id="10" fill="hold">
+                            <p:stCondLst>
+                              <p:cond delay="0"/>
+                            </p:stCondLst>
+                            <p:childTnLst>
+                              <p:par>
+                                <p:cTn id="11" presetID="2" presetClass="mediacall" presetSubtype="0" fill="hold" nodeType="clickEffect">
+                                  <p:stCondLst>
+                                    <p:cond delay="0"/>
+                                  </p:stCondLst>
+                                  <p:childTnLst>
+                                    <p:cmd type="call" cmd="togglePause">
+                                      <p:cBhvr>
+                                        <p:cTn id="12" dur="1" fill="hold"/>
+                                        <p:tgtEl>
+                                          <p:spTgt spid="4"/>
+                                        </p:tgtEl>
+                                      </p:cBhvr>
+                                    </p:cmd>
+                                  </p:childTnLst>
+                                </p:cTn>
+                              </p:par>
+                            </p:childTnLst>
+                          </p:cTn>
+                        </p:par>
+                      </p:childTnLst>
+                    </p:cTn>
+                  </p:par>
+                </p:childTnLst>
+              </p:cTn>
+              <p:nextCondLst>
+                <p:cond evt="onClick" delay="0">
+                  <p:tgtEl>
+                    <p:spTgt spid="4"/>
+                  </p:tgtEl>
+                </p:cond>
+              </p:nextCondLst>
+            </p:seq>
+          </p:childTnLst>
+        </p:cTn>
+      </p:par>
+    </p:tnLst>
+  </p:timing>
+</p:sld>
+</file>
+
+<file path=ppt/slides/slide17.xml><?xml version="1.0" encoding="utf-8"?>
+<p:sld xmlns:a="http://schemas.openxmlformats.org/drawingml/2006/main" xmlns:r="http://schemas.openxmlformats.org/officeDocument/2006/relationships" xmlns:p="http://schemas.openxmlformats.org/presentationml/2006/main">
+  <p:cSld>
+    <p:bg>
+      <p:bgPr>
+        <a:solidFill>
+          <a:schemeClr val="bg1"/>
+        </a:solidFill>
+        <a:effectLst/>
+      </p:bgPr>
+    </p:bg>
+    <p:spTree>
+      <p:nvGrpSpPr>
+        <p:cNvPr id="1" name=""/>
+        <p:cNvGrpSpPr/>
+        <p:nvPr/>
+      </p:nvGrpSpPr>
+      <p:grpSpPr>
+        <a:xfrm>
+          <a:off x="0" y="0"/>
+          <a:ext cx="0" cy="0"/>
+          <a:chOff x="0" y="0"/>
+          <a:chExt cx="0" cy="0"/>
+        </a:xfrm>
+      </p:grpSpPr>
+      <p:sp useBgFill="1">
+        <p:nvSpPr>
+          <p:cNvPr id="8" name="Rectangle 7">
+            <a:extLst>
+              <a:ext uri="{FF2B5EF4-FFF2-40B4-BE49-F238E27FC236}">
+                <a16:creationId xmlns:a16="http://schemas.microsoft.com/office/drawing/2014/main" id="{1B15ED52-F352-441B-82BF-E0EA34836D08}"/>
+              </a:ext>
+              <a:ext uri="{C183D7F6-B498-43B3-948B-1728B52AA6E4}">
+                <adec:decorative xmlns:adec="http://schemas.microsoft.com/office/drawing/2017/decorative" val="1"/>
+              </a:ext>
+            </a:extLst>
+          </p:cNvPr>
+          <p:cNvSpPr>
+            <a:spLocks noGrp="1" noRot="1" noChangeAspect="1" noMove="1" noResize="1" noEditPoints="1" noAdjustHandles="1" noChangeArrowheads="1" noChangeShapeType="1" noTextEdit="1"/>
+          </p:cNvSpPr>
+          <p:nvPr>
+            <p:extLst>
+              <p:ext uri="{386F3935-93C4-4BCD-93E2-E3B085C9AB24}">
+                <p16:designElem xmlns:p16="http://schemas.microsoft.com/office/powerpoint/2015/main" val="1"/>
+              </p:ext>
+            </p:extLst>
+          </p:nvPr>
+        </p:nvSpPr>
+        <p:spPr>
+          <a:xfrm>
+            <a:off x="0" y="0"/>
+            <a:ext cx="12192000" cy="6858000"/>
+          </a:xfrm>
+          <a:prstGeom prst="rect">
+            <a:avLst/>
+          </a:prstGeom>
+          <a:ln w="12700" cap="flat" cmpd="sng" algn="ctr">
+            <a:noFill/>
+            <a:prstDash val="solid"/>
+            <a:miter lim="800000"/>
+          </a:ln>
+          <a:effectLst/>
+          <a:extLst>
+            <a:ext uri="{91240B29-F687-4F45-9708-019B960494DF}">
+              <a14:hiddenLine xmlns:a14="http://schemas.microsoft.com/office/drawing/2010/main" w="12700" cap="flat" cmpd="sng" algn="ctr">
+                <a:solidFill>
+                  <a:schemeClr val="accent1">
+                    <a:shade val="50000"/>
+                  </a:schemeClr>
+                </a:solidFill>
+                <a:prstDash val="solid"/>
+                <a:miter lim="800000"/>
+              </a14:hiddenLine>
+            </a:ext>
+          </a:extLst>
+        </p:spPr>
+        <p:style>
+          <a:lnRef idx="2">
+            <a:schemeClr val="accent1">
+              <a:shade val="50000"/>
+            </a:schemeClr>
+          </a:lnRef>
+          <a:fillRef idx="1">
+            <a:schemeClr val="accent1"/>
+          </a:fillRef>
+          <a:effectRef idx="0">
+            <a:schemeClr val="accent1"/>
+          </a:effectRef>
+          <a:fontRef idx="minor">
+            <a:schemeClr val="lt1"/>
+          </a:fontRef>
+        </p:style>
+        <p:txBody>
+          <a:bodyPr rtlCol="0" anchor="ctr"/>
+          <a:lstStyle/>
+          <a:p>
+            <a:pPr algn="ctr"/>
+            <a:endParaRPr lang="en-US"/>
+          </a:p>
+        </p:txBody>
+      </p:sp>
       <p:sp>
         <p:nvSpPr>
           <p:cNvPr id="10" name="Rectangle 9">
@@ -10652,491 +11533,6 @@
           <p:cNvPr id="2" name="Titolo 1">
             <a:extLst>
               <a:ext uri="{FF2B5EF4-FFF2-40B4-BE49-F238E27FC236}">
-                <a16:creationId xmlns:a16="http://schemas.microsoft.com/office/drawing/2014/main" id="{2079CA20-8AFE-1688-5087-D78736A7E6DE}"/>
-              </a:ext>
-            </a:extLst>
-          </p:cNvPr>
-          <p:cNvSpPr>
-            <a:spLocks noGrp="1"/>
-          </p:cNvSpPr>
-          <p:nvPr>
-            <p:ph type="title"/>
-          </p:nvPr>
-        </p:nvSpPr>
-        <p:spPr>
-          <a:xfrm>
-            <a:off x="1371599" y="294538"/>
-            <a:ext cx="9895951" cy="1033669"/>
-          </a:xfrm>
-        </p:spPr>
-        <p:txBody>
-          <a:bodyPr>
-            <a:normAutofit/>
-          </a:bodyPr>
-          <a:lstStyle/>
-          <a:p>
-            <a:r>
-              <a:rPr lang="it-IT" sz="4000" dirty="0">
-                <a:solidFill>
-                  <a:srgbClr val="FFFFFF"/>
-                </a:solidFill>
-              </a:rPr>
-              <a:t>DEMO</a:t>
-            </a:r>
-          </a:p>
-        </p:txBody>
-      </p:sp>
-      <p:sp>
-        <p:nvSpPr>
-          <p:cNvPr id="3" name="Segnaposto contenuto 2">
-            <a:extLst>
-              <a:ext uri="{FF2B5EF4-FFF2-40B4-BE49-F238E27FC236}">
-                <a16:creationId xmlns:a16="http://schemas.microsoft.com/office/drawing/2014/main" id="{A7C82FED-994F-8A29-4BCC-A6C3489A2849}"/>
-              </a:ext>
-            </a:extLst>
-          </p:cNvPr>
-          <p:cNvSpPr>
-            <a:spLocks noGrp="1"/>
-          </p:cNvSpPr>
-          <p:nvPr>
-            <p:ph idx="1"/>
-          </p:nvPr>
-        </p:nvSpPr>
-        <p:spPr>
-          <a:xfrm>
-            <a:off x="1371599" y="2318197"/>
-            <a:ext cx="9724031" cy="3683358"/>
-          </a:xfrm>
-        </p:spPr>
-        <p:txBody>
-          <a:bodyPr anchor="ctr">
-            <a:normAutofit/>
-          </a:bodyPr>
-          <a:lstStyle/>
-          <a:p>
-            <a:endParaRPr lang="it-IT" sz="2000" dirty="0"/>
-          </a:p>
-        </p:txBody>
-      </p:sp>
-    </p:spTree>
-    <p:extLst>
-      <p:ext uri="{BB962C8B-B14F-4D97-AF65-F5344CB8AC3E}">
-        <p14:creationId xmlns:p14="http://schemas.microsoft.com/office/powerpoint/2010/main" val="976298881"/>
-      </p:ext>
-    </p:extLst>
-  </p:cSld>
-  <p:clrMapOvr>
-    <a:masterClrMapping/>
-  </p:clrMapOvr>
-</p:sld>
-</file>
-
-<file path=ppt/slides/slide17.xml><?xml version="1.0" encoding="utf-8"?>
-<p:sld xmlns:a="http://schemas.openxmlformats.org/drawingml/2006/main" xmlns:r="http://schemas.openxmlformats.org/officeDocument/2006/relationships" xmlns:p="http://schemas.openxmlformats.org/presentationml/2006/main">
-  <p:cSld>
-    <p:bg>
-      <p:bgPr>
-        <a:solidFill>
-          <a:schemeClr val="bg1"/>
-        </a:solidFill>
-        <a:effectLst/>
-      </p:bgPr>
-    </p:bg>
-    <p:spTree>
-      <p:nvGrpSpPr>
-        <p:cNvPr id="1" name=""/>
-        <p:cNvGrpSpPr/>
-        <p:nvPr/>
-      </p:nvGrpSpPr>
-      <p:grpSpPr>
-        <a:xfrm>
-          <a:off x="0" y="0"/>
-          <a:ext cx="0" cy="0"/>
-          <a:chOff x="0" y="0"/>
-          <a:chExt cx="0" cy="0"/>
-        </a:xfrm>
-      </p:grpSpPr>
-      <p:sp useBgFill="1">
-        <p:nvSpPr>
-          <p:cNvPr id="8" name="Rectangle 7">
-            <a:extLst>
-              <a:ext uri="{FF2B5EF4-FFF2-40B4-BE49-F238E27FC236}">
-                <a16:creationId xmlns:a16="http://schemas.microsoft.com/office/drawing/2014/main" id="{1B15ED52-F352-441B-82BF-E0EA34836D08}"/>
-              </a:ext>
-              <a:ext uri="{C183D7F6-B498-43B3-948B-1728B52AA6E4}">
-                <adec:decorative xmlns:adec="http://schemas.microsoft.com/office/drawing/2017/decorative" val="1"/>
-              </a:ext>
-            </a:extLst>
-          </p:cNvPr>
-          <p:cNvSpPr>
-            <a:spLocks noGrp="1" noRot="1" noChangeAspect="1" noMove="1" noResize="1" noEditPoints="1" noAdjustHandles="1" noChangeArrowheads="1" noChangeShapeType="1" noTextEdit="1"/>
-          </p:cNvSpPr>
-          <p:nvPr>
-            <p:extLst>
-              <p:ext uri="{386F3935-93C4-4BCD-93E2-E3B085C9AB24}">
-                <p16:designElem xmlns:p16="http://schemas.microsoft.com/office/powerpoint/2015/main" val="1"/>
-              </p:ext>
-            </p:extLst>
-          </p:nvPr>
-        </p:nvSpPr>
-        <p:spPr>
-          <a:xfrm>
-            <a:off x="0" y="0"/>
-            <a:ext cx="12192000" cy="6858000"/>
-          </a:xfrm>
-          <a:prstGeom prst="rect">
-            <a:avLst/>
-          </a:prstGeom>
-          <a:ln w="12700" cap="flat" cmpd="sng" algn="ctr">
-            <a:noFill/>
-            <a:prstDash val="solid"/>
-            <a:miter lim="800000"/>
-          </a:ln>
-          <a:effectLst/>
-          <a:extLst>
-            <a:ext uri="{91240B29-F687-4F45-9708-019B960494DF}">
-              <a14:hiddenLine xmlns:a14="http://schemas.microsoft.com/office/drawing/2010/main" w="12700" cap="flat" cmpd="sng" algn="ctr">
-                <a:solidFill>
-                  <a:schemeClr val="accent1">
-                    <a:shade val="50000"/>
-                  </a:schemeClr>
-                </a:solidFill>
-                <a:prstDash val="solid"/>
-                <a:miter lim="800000"/>
-              </a14:hiddenLine>
-            </a:ext>
-          </a:extLst>
-        </p:spPr>
-        <p:style>
-          <a:lnRef idx="2">
-            <a:schemeClr val="accent1">
-              <a:shade val="50000"/>
-            </a:schemeClr>
-          </a:lnRef>
-          <a:fillRef idx="1">
-            <a:schemeClr val="accent1"/>
-          </a:fillRef>
-          <a:effectRef idx="0">
-            <a:schemeClr val="accent1"/>
-          </a:effectRef>
-          <a:fontRef idx="minor">
-            <a:schemeClr val="lt1"/>
-          </a:fontRef>
-        </p:style>
-        <p:txBody>
-          <a:bodyPr rtlCol="0" anchor="ctr"/>
-          <a:lstStyle/>
-          <a:p>
-            <a:pPr algn="ctr"/>
-            <a:endParaRPr lang="en-US"/>
-          </a:p>
-        </p:txBody>
-      </p:sp>
-      <p:sp>
-        <p:nvSpPr>
-          <p:cNvPr id="10" name="Rectangle 9">
-            <a:extLst>
-              <a:ext uri="{FF2B5EF4-FFF2-40B4-BE49-F238E27FC236}">
-                <a16:creationId xmlns:a16="http://schemas.microsoft.com/office/drawing/2014/main" id="{3B2E3793-BFE6-45A2-9B7B-E18844431C99}"/>
-              </a:ext>
-              <a:ext uri="{C183D7F6-B498-43B3-948B-1728B52AA6E4}">
-                <adec:decorative xmlns:adec="http://schemas.microsoft.com/office/drawing/2017/decorative" val="1"/>
-              </a:ext>
-            </a:extLst>
-          </p:cNvPr>
-          <p:cNvSpPr>
-            <a:spLocks noGrp="1" noRot="1" noChangeAspect="1" noMove="1" noResize="1" noEditPoints="1" noAdjustHandles="1" noChangeArrowheads="1" noChangeShapeType="1" noTextEdit="1"/>
-          </p:cNvSpPr>
-          <p:nvPr>
-            <p:extLst>
-              <p:ext uri="{386F3935-93C4-4BCD-93E2-E3B085C9AB24}">
-                <p16:designElem xmlns:p16="http://schemas.microsoft.com/office/powerpoint/2015/main" val="1"/>
-              </p:ext>
-            </p:extLst>
-          </p:nvPr>
-        </p:nvSpPr>
-        <p:spPr>
-          <a:xfrm flipH="1">
-            <a:off x="-1" y="-1"/>
-            <a:ext cx="12191998" cy="1590742"/>
-          </a:xfrm>
-          <a:prstGeom prst="rect">
-            <a:avLst/>
-          </a:prstGeom>
-          <a:gradFill>
-            <a:gsLst>
-              <a:gs pos="0">
-                <a:srgbClr val="000000"/>
-              </a:gs>
-              <a:gs pos="100000">
-                <a:schemeClr val="accent1">
-                  <a:lumMod val="75000"/>
-                </a:schemeClr>
-              </a:gs>
-            </a:gsLst>
-            <a:lin ang="8400000" scaled="0"/>
-          </a:gradFill>
-          <a:ln>
-            <a:noFill/>
-          </a:ln>
-        </p:spPr>
-        <p:style>
-          <a:lnRef idx="2">
-            <a:schemeClr val="accent1">
-              <a:shade val="50000"/>
-            </a:schemeClr>
-          </a:lnRef>
-          <a:fillRef idx="1">
-            <a:schemeClr val="accent1"/>
-          </a:fillRef>
-          <a:effectRef idx="0">
-            <a:schemeClr val="accent1"/>
-          </a:effectRef>
-          <a:fontRef idx="minor">
-            <a:schemeClr val="lt1"/>
-          </a:fontRef>
-        </p:style>
-        <p:txBody>
-          <a:bodyPr rtlCol="0" anchor="ctr"/>
-          <a:lstStyle/>
-          <a:p>
-            <a:pPr algn="ctr"/>
-            <a:endParaRPr lang="en-US"/>
-          </a:p>
-        </p:txBody>
-      </p:sp>
-      <p:sp>
-        <p:nvSpPr>
-          <p:cNvPr id="12" name="Rectangle 11">
-            <a:extLst>
-              <a:ext uri="{FF2B5EF4-FFF2-40B4-BE49-F238E27FC236}">
-                <a16:creationId xmlns:a16="http://schemas.microsoft.com/office/drawing/2014/main" id="{BC4C4868-CB8F-4AF9-9CDB-8108F2C19B67}"/>
-              </a:ext>
-              <a:ext uri="{C183D7F6-B498-43B3-948B-1728B52AA6E4}">
-                <adec:decorative xmlns:adec="http://schemas.microsoft.com/office/drawing/2017/decorative" val="1"/>
-              </a:ext>
-            </a:extLst>
-          </p:cNvPr>
-          <p:cNvSpPr>
-            <a:spLocks noGrp="1" noRot="1" noChangeAspect="1" noMove="1" noResize="1" noEditPoints="1" noAdjustHandles="1" noChangeArrowheads="1" noChangeShapeType="1" noTextEdit="1"/>
-          </p:cNvSpPr>
-          <p:nvPr>
-            <p:extLst>
-              <p:ext uri="{386F3935-93C4-4BCD-93E2-E3B085C9AB24}">
-                <p16:designElem xmlns:p16="http://schemas.microsoft.com/office/powerpoint/2015/main" val="1"/>
-              </p:ext>
-            </p:extLst>
-          </p:nvPr>
-        </p:nvSpPr>
-        <p:spPr>
-          <a:xfrm rot="10800000" flipH="1">
-            <a:off x="-3" y="0"/>
-            <a:ext cx="8115306" cy="1590742"/>
-          </a:xfrm>
-          <a:prstGeom prst="rect">
-            <a:avLst/>
-          </a:prstGeom>
-          <a:gradFill>
-            <a:gsLst>
-              <a:gs pos="20000">
-                <a:schemeClr val="accent1">
-                  <a:alpha val="0"/>
-                </a:schemeClr>
-              </a:gs>
-              <a:gs pos="100000">
-                <a:schemeClr val="accent1">
-                  <a:lumMod val="50000"/>
-                  <a:alpha val="55000"/>
-                </a:schemeClr>
-              </a:gs>
-            </a:gsLst>
-            <a:lin ang="13800000" scaled="0"/>
-          </a:gradFill>
-          <a:ln>
-            <a:noFill/>
-          </a:ln>
-        </p:spPr>
-        <p:style>
-          <a:lnRef idx="2">
-            <a:schemeClr val="accent1">
-              <a:shade val="50000"/>
-            </a:schemeClr>
-          </a:lnRef>
-          <a:fillRef idx="1">
-            <a:schemeClr val="accent1"/>
-          </a:fillRef>
-          <a:effectRef idx="0">
-            <a:schemeClr val="accent1"/>
-          </a:effectRef>
-          <a:fontRef idx="minor">
-            <a:schemeClr val="lt1"/>
-          </a:fontRef>
-        </p:style>
-        <p:txBody>
-          <a:bodyPr rtlCol="0" anchor="ctr"/>
-          <a:lstStyle/>
-          <a:p>
-            <a:pPr algn="ctr"/>
-            <a:endParaRPr lang="en-US"/>
-          </a:p>
-        </p:txBody>
-      </p:sp>
-      <p:sp>
-        <p:nvSpPr>
-          <p:cNvPr id="14" name="Rectangle 13">
-            <a:extLst>
-              <a:ext uri="{FF2B5EF4-FFF2-40B4-BE49-F238E27FC236}">
-                <a16:creationId xmlns:a16="http://schemas.microsoft.com/office/drawing/2014/main" id="{375E0459-6403-40CD-989D-56A4407CA12E}"/>
-              </a:ext>
-              <a:ext uri="{C183D7F6-B498-43B3-948B-1728B52AA6E4}">
-                <adec:decorative xmlns:adec="http://schemas.microsoft.com/office/drawing/2017/decorative" val="1"/>
-              </a:ext>
-            </a:extLst>
-          </p:cNvPr>
-          <p:cNvSpPr>
-            <a:spLocks noGrp="1" noRot="1" noChangeAspect="1" noMove="1" noResize="1" noEditPoints="1" noAdjustHandles="1" noChangeArrowheads="1" noChangeShapeType="1" noTextEdit="1"/>
-          </p:cNvSpPr>
-          <p:nvPr>
-            <p:extLst>
-              <p:ext uri="{386F3935-93C4-4BCD-93E2-E3B085C9AB24}">
-                <p16:designElem xmlns:p16="http://schemas.microsoft.com/office/powerpoint/2015/main" val="1"/>
-              </p:ext>
-            </p:extLst>
-          </p:nvPr>
-        </p:nvSpPr>
-        <p:spPr>
-          <a:xfrm flipH="1">
-            <a:off x="8115299" y="-1"/>
-            <a:ext cx="4076698" cy="1590742"/>
-          </a:xfrm>
-          <a:prstGeom prst="rect">
-            <a:avLst/>
-          </a:prstGeom>
-          <a:gradFill>
-            <a:gsLst>
-              <a:gs pos="0">
-                <a:schemeClr val="accent1">
-                  <a:alpha val="66000"/>
-                </a:schemeClr>
-              </a:gs>
-              <a:gs pos="100000">
-                <a:srgbClr val="000000">
-                  <a:alpha val="30000"/>
-                </a:srgbClr>
-              </a:gs>
-            </a:gsLst>
-            <a:lin ang="13200000" scaled="0"/>
-          </a:gradFill>
-          <a:ln>
-            <a:noFill/>
-          </a:ln>
-        </p:spPr>
-        <p:style>
-          <a:lnRef idx="2">
-            <a:schemeClr val="accent1">
-              <a:shade val="50000"/>
-            </a:schemeClr>
-          </a:lnRef>
-          <a:fillRef idx="1">
-            <a:schemeClr val="accent1"/>
-          </a:fillRef>
-          <a:effectRef idx="0">
-            <a:schemeClr val="accent1"/>
-          </a:effectRef>
-          <a:fontRef idx="minor">
-            <a:schemeClr val="lt1"/>
-          </a:fontRef>
-        </p:style>
-        <p:txBody>
-          <a:bodyPr rtlCol="0" anchor="ctr"/>
-          <a:lstStyle/>
-          <a:p>
-            <a:pPr algn="ctr"/>
-            <a:endParaRPr lang="en-US"/>
-          </a:p>
-        </p:txBody>
-      </p:sp>
-      <p:sp>
-        <p:nvSpPr>
-          <p:cNvPr id="16" name="Rectangle 15">
-            <a:extLst>
-              <a:ext uri="{FF2B5EF4-FFF2-40B4-BE49-F238E27FC236}">
-                <a16:creationId xmlns:a16="http://schemas.microsoft.com/office/drawing/2014/main" id="{53E5B1A8-3AC9-4BD1-9BBC-78CA94F2D1BA}"/>
-              </a:ext>
-              <a:ext uri="{C183D7F6-B498-43B3-948B-1728B52AA6E4}">
-                <adec:decorative xmlns:adec="http://schemas.microsoft.com/office/drawing/2017/decorative" val="1"/>
-              </a:ext>
-            </a:extLst>
-          </p:cNvPr>
-          <p:cNvSpPr>
-            <a:spLocks noGrp="1" noRot="1" noChangeAspect="1" noMove="1" noResize="1" noEditPoints="1" noAdjustHandles="1" noChangeArrowheads="1" noChangeShapeType="1" noTextEdit="1"/>
-          </p:cNvSpPr>
-          <p:nvPr>
-            <p:extLst>
-              <p:ext uri="{386F3935-93C4-4BCD-93E2-E3B085C9AB24}">
-                <p16:designElem xmlns:p16="http://schemas.microsoft.com/office/powerpoint/2015/main" val="1"/>
-              </p:ext>
-            </p:extLst>
-          </p:nvPr>
-        </p:nvSpPr>
-        <p:spPr>
-          <a:xfrm>
-            <a:off x="459350" y="-1"/>
-            <a:ext cx="11732646" cy="1597433"/>
-          </a:xfrm>
-          <a:prstGeom prst="rect">
-            <a:avLst/>
-          </a:prstGeom>
-          <a:gradFill>
-            <a:gsLst>
-              <a:gs pos="50000">
-                <a:srgbClr val="000000">
-                  <a:alpha val="0"/>
-                </a:srgbClr>
-              </a:gs>
-              <a:gs pos="99000">
-                <a:schemeClr val="accent1">
-                  <a:lumMod val="50000"/>
-                  <a:alpha val="52000"/>
-                </a:schemeClr>
-              </a:gs>
-            </a:gsLst>
-            <a:lin ang="16800000" scaled="0"/>
-          </a:gradFill>
-          <a:ln>
-            <a:noFill/>
-          </a:ln>
-        </p:spPr>
-        <p:style>
-          <a:lnRef idx="2">
-            <a:schemeClr val="accent1">
-              <a:shade val="50000"/>
-            </a:schemeClr>
-          </a:lnRef>
-          <a:fillRef idx="1">
-            <a:schemeClr val="accent1"/>
-          </a:fillRef>
-          <a:effectRef idx="0">
-            <a:schemeClr val="accent1"/>
-          </a:effectRef>
-          <a:fontRef idx="minor">
-            <a:schemeClr val="lt1"/>
-          </a:fontRef>
-        </p:style>
-        <p:txBody>
-          <a:bodyPr rtlCol="0" anchor="ctr"/>
-          <a:lstStyle/>
-          <a:p>
-            <a:pPr algn="ctr"/>
-            <a:endParaRPr lang="en-US"/>
-          </a:p>
-        </p:txBody>
-      </p:sp>
-      <p:sp>
-        <p:nvSpPr>
-          <p:cNvPr id="2" name="Titolo 1">
-            <a:extLst>
-              <a:ext uri="{FF2B5EF4-FFF2-40B4-BE49-F238E27FC236}">
                 <a16:creationId xmlns:a16="http://schemas.microsoft.com/office/drawing/2014/main" id="{B040F280-8F31-0FA6-46E5-74C42748953F}"/>
               </a:ext>
             </a:extLst>
@@ -11245,8 +11641,19 @@
           <a:p>
             <a:r>
               <a:rPr lang="it-IT" dirty="0"/>
-              <a:t>Visualizzazione del tragitto tramite appoggio a Google Maps.</a:t>
+              <a:t>Visualizzazione del tragitto tramite appoggio a Google </a:t>
             </a:r>
+            <a:r>
+              <a:rPr lang="it-IT"/>
+              <a:t>Maps.</a:t>
+            </a:r>
+          </a:p>
+          <a:p>
+            <a:r>
+              <a:rPr lang="it-IT"/>
+              <a:t>Calcolo dinamico del nuovo sistema di riferimento.</a:t>
+            </a:r>
+            <a:endParaRPr lang="it-IT" dirty="0"/>
           </a:p>
           <a:p>
             <a:r>
